--- a/FinalProject.pptx
+++ b/FinalProject.pptx
@@ -3387,8 +3387,8 @@
         </p:nvSpPr>
         <p:spPr>
           <a:xfrm>
-            <a:off x="411480" y="7177181"/>
-            <a:ext cx="15819120" cy="4832092"/>
+            <a:off x="616018" y="7442492"/>
+            <a:ext cx="15819120" cy="7540526"/>
           </a:xfrm>
           <a:prstGeom prst="rect">
             <a:avLst/>
@@ -3471,6 +3471,44 @@
               <a:latin typeface="Calibri" panose="020F0502020204030204" pitchFamily="34" charset="0"/>
             </a:endParaRPr>
           </a:p>
+          <a:p>
+            <a:pPr marL="342900"/>
+            <a:endParaRPr lang="en-US" sz="4400" dirty="0">
+              <a:solidFill>
+                <a:srgbClr val="000000"/>
+              </a:solidFill>
+              <a:latin typeface="Calibri" panose="020F0502020204030204" pitchFamily="34" charset="0"/>
+            </a:endParaRPr>
+          </a:p>
+          <a:p>
+            <a:pPr marL="342900"/>
+            <a:endParaRPr lang="en-US" sz="4400" b="0" i="0" dirty="0">
+              <a:solidFill>
+                <a:srgbClr val="000000"/>
+              </a:solidFill>
+              <a:effectLst/>
+              <a:latin typeface="Calibri" panose="020F0502020204030204" pitchFamily="34" charset="0"/>
+            </a:endParaRPr>
+          </a:p>
+          <a:p>
+            <a:pPr marL="342900"/>
+            <a:endParaRPr lang="en-US" sz="4400" dirty="0">
+              <a:solidFill>
+                <a:srgbClr val="000000"/>
+              </a:solidFill>
+              <a:latin typeface="Calibri" panose="020F0502020204030204" pitchFamily="34" charset="0"/>
+            </a:endParaRPr>
+          </a:p>
+          <a:p>
+            <a:pPr marL="342900"/>
+            <a:endParaRPr lang="en-US" sz="4400" b="0" i="0" dirty="0">
+              <a:solidFill>
+                <a:srgbClr val="000000"/>
+              </a:solidFill>
+              <a:effectLst/>
+              <a:latin typeface="Calibri" panose="020F0502020204030204" pitchFamily="34" charset="0"/>
+            </a:endParaRPr>
+          </a:p>
         </p:txBody>
       </p:sp>
       <p:sp>
@@ -3521,8 +3559,8 @@
         </p:nvSpPr>
         <p:spPr>
           <a:xfrm>
-            <a:off x="373289" y="13200623"/>
-            <a:ext cx="15819120" cy="4780796"/>
+            <a:off x="335762" y="15889289"/>
+            <a:ext cx="15819120" cy="3252172"/>
           </a:xfrm>
           <a:prstGeom prst="rect">
             <a:avLst/>
@@ -3560,36 +3598,10 @@
                 <a:spcPts val="200"/>
               </a:spcAft>
             </a:pPr>
-            <a:endParaRPr lang="en-US" sz="4800" b="1" dirty="0">
-              <a:solidFill>
-                <a:srgbClr val="000000"/>
-              </a:solidFill>
-              <a:latin typeface="Calibri" panose="020F0502020204030204" pitchFamily="34" charset="0"/>
-            </a:endParaRPr>
-          </a:p>
-          <a:p>
-            <a:pPr marL="342900">
-              <a:spcAft>
-                <a:spcPts val="200"/>
-              </a:spcAft>
-            </a:pPr>
             <a:r>
               <a:rPr lang="en-US" sz="4800" dirty="0"/>
               <a:t>What are the effects of part_time_job, absence_days, extracurricular_activities, weekly_self_study_hours have on student performance (average_score).</a:t>
             </a:r>
-            <a:endParaRPr lang="en-US" sz="4800" b="1" dirty="0">
-              <a:solidFill>
-                <a:srgbClr val="000000"/>
-              </a:solidFill>
-              <a:latin typeface="Calibri" panose="020F0502020204030204" pitchFamily="34" charset="0"/>
-            </a:endParaRPr>
-          </a:p>
-          <a:p>
-            <a:pPr marL="342900">
-              <a:spcAft>
-                <a:spcPts val="200"/>
-              </a:spcAft>
-            </a:pPr>
             <a:endParaRPr lang="en-US" sz="4800" b="1" dirty="0">
               <a:solidFill>
                 <a:srgbClr val="000000"/>
@@ -3907,7 +3919,7 @@
         </p:nvSpPr>
         <p:spPr>
           <a:xfrm>
-            <a:off x="1397482" y="12702202"/>
+            <a:off x="1387322" y="15256170"/>
             <a:ext cx="13716000" cy="1092607"/>
           </a:xfrm>
           <a:prstGeom prst="rect">
@@ -4185,8 +4197,8 @@
         </p:nvSpPr>
         <p:spPr>
           <a:xfrm>
-            <a:off x="345922" y="18452418"/>
-            <a:ext cx="15819120" cy="5545108"/>
+            <a:off x="335762" y="20146378"/>
+            <a:ext cx="15819120" cy="4016484"/>
           </a:xfrm>
           <a:prstGeom prst="rect">
             <a:avLst/>
@@ -4224,19 +4236,6 @@
                 <a:spcPts val="200"/>
               </a:spcAft>
             </a:pPr>
-            <a:endParaRPr lang="en-US" sz="4800" b="1" dirty="0">
-              <a:solidFill>
-                <a:srgbClr val="000000"/>
-              </a:solidFill>
-              <a:latin typeface="Calibri" panose="020F0502020204030204" pitchFamily="34" charset="0"/>
-            </a:endParaRPr>
-          </a:p>
-          <a:p>
-            <a:pPr marL="342900">
-              <a:spcAft>
-                <a:spcPts val="200"/>
-              </a:spcAft>
-            </a:pPr>
             <a:r>
               <a:rPr lang="en-US" sz="4800" dirty="0">
                 <a:solidFill>
@@ -4244,39 +4243,8 @@
                 </a:solidFill>
                 <a:latin typeface="Calibri" panose="020F0502020204030204" pitchFamily="34" charset="0"/>
               </a:rPr>
-              <a:t>Block Gibbs Sampler </a:t>
-            </a:r>
-            <a:r>
-              <a:rPr lang="en-US" sz="4800">
-                <a:solidFill>
-                  <a:srgbClr val="000000"/>
-                </a:solidFill>
-                <a:latin typeface="Calibri" panose="020F0502020204030204" pitchFamily="34" charset="0"/>
-              </a:rPr>
-              <a:t>–It </a:t>
-            </a:r>
-            <a:r>
-              <a:rPr lang="en-US" sz="4800" dirty="0">
-                <a:solidFill>
-                  <a:srgbClr val="000000"/>
-                </a:solidFill>
-                <a:latin typeface="Calibri" panose="020F0502020204030204" pitchFamily="34" charset="0"/>
-              </a:rPr>
-              <a:t>handles more complex models with lots of predictor variables.</a:t>
-            </a:r>
-            <a:endParaRPr lang="en-US" sz="4800" b="1" dirty="0">
-              <a:solidFill>
-                <a:srgbClr val="000000"/>
-              </a:solidFill>
-              <a:latin typeface="Calibri" panose="020F0502020204030204" pitchFamily="34" charset="0"/>
-            </a:endParaRPr>
-          </a:p>
-          <a:p>
-            <a:pPr marL="342900">
-              <a:spcAft>
-                <a:spcPts val="200"/>
-              </a:spcAft>
-            </a:pPr>
+              <a:t>Block Gibbs Sampler –It handles more complex models with lots of predictor variables.</a:t>
+            </a:r>
             <a:endParaRPr lang="en-US" sz="4800" b="1" dirty="0">
               <a:solidFill>
                 <a:srgbClr val="000000"/>
@@ -4339,7 +4307,7 @@
         </p:nvSpPr>
         <p:spPr>
           <a:xfrm>
-            <a:off x="1397482" y="17913449"/>
+            <a:off x="1345466" y="19600074"/>
             <a:ext cx="13716000" cy="1092607"/>
           </a:xfrm>
           <a:prstGeom prst="rect">
@@ -4473,6 +4441,222 @@
           <a:xfrm>
             <a:off x="4307473" y="36901630"/>
             <a:ext cx="9003578" cy="5590750"/>
+          </a:xfrm>
+          <a:prstGeom prst="rect">
+            <a:avLst/>
+          </a:prstGeom>
+        </p:spPr>
+      </p:pic>
+      <p:pic>
+        <p:nvPicPr>
+          <p:cNvPr id="13" name="Picture 12">
+            <a:extLst>
+              <a:ext uri="{FF2B5EF4-FFF2-40B4-BE49-F238E27FC236}">
+                <a16:creationId xmlns:a16="http://schemas.microsoft.com/office/drawing/2014/main" id="{E4141EB8-7E05-918B-3BCC-192C5F6B091A}"/>
+              </a:ext>
+            </a:extLst>
+          </p:cNvPr>
+          <p:cNvPicPr>
+            <a:picLocks noChangeAspect="1"/>
+          </p:cNvPicPr>
+          <p:nvPr/>
+        </p:nvPicPr>
+        <p:blipFill>
+          <a:blip r:embed="rId7">
+            <a:extLst>
+              <a:ext uri="{28A0092B-C50C-407E-A947-70E740481C1C}">
+                <a14:useLocalDpi xmlns:a14="http://schemas.microsoft.com/office/drawing/2010/main" val="0"/>
+              </a:ext>
+            </a:extLst>
+          </a:blip>
+          <a:stretch>
+            <a:fillRect/>
+          </a:stretch>
+        </p:blipFill>
+        <p:spPr>
+          <a:xfrm>
+            <a:off x="845515" y="7975870"/>
+            <a:ext cx="3657608" cy="2743206"/>
+          </a:xfrm>
+          <a:prstGeom prst="rect">
+            <a:avLst/>
+          </a:prstGeom>
+        </p:spPr>
+      </p:pic>
+      <p:pic>
+        <p:nvPicPr>
+          <p:cNvPr id="18" name="Picture 17">
+            <a:extLst>
+              <a:ext uri="{FF2B5EF4-FFF2-40B4-BE49-F238E27FC236}">
+                <a16:creationId xmlns:a16="http://schemas.microsoft.com/office/drawing/2014/main" id="{BED0372F-052B-17D7-9372-56396D209E14}"/>
+              </a:ext>
+            </a:extLst>
+          </p:cNvPr>
+          <p:cNvPicPr>
+            <a:picLocks noChangeAspect="1"/>
+          </p:cNvPicPr>
+          <p:nvPr/>
+        </p:nvPicPr>
+        <p:blipFill>
+          <a:blip r:embed="rId8">
+            <a:extLst>
+              <a:ext uri="{28A0092B-C50C-407E-A947-70E740481C1C}">
+                <a14:useLocalDpi xmlns:a14="http://schemas.microsoft.com/office/drawing/2010/main" val="0"/>
+              </a:ext>
+            </a:extLst>
+          </a:blip>
+          <a:stretch>
+            <a:fillRect/>
+          </a:stretch>
+        </p:blipFill>
+        <p:spPr>
+          <a:xfrm>
+            <a:off x="12212058" y="12009278"/>
+            <a:ext cx="3657608" cy="2743206"/>
+          </a:xfrm>
+          <a:prstGeom prst="rect">
+            <a:avLst/>
+          </a:prstGeom>
+        </p:spPr>
+      </p:pic>
+      <p:pic>
+        <p:nvPicPr>
+          <p:cNvPr id="21" name="Picture 20">
+            <a:extLst>
+              <a:ext uri="{FF2B5EF4-FFF2-40B4-BE49-F238E27FC236}">
+                <a16:creationId xmlns:a16="http://schemas.microsoft.com/office/drawing/2014/main" id="{D4A8C1F9-80A2-C49D-72CC-A69CC9903401}"/>
+              </a:ext>
+            </a:extLst>
+          </p:cNvPr>
+          <p:cNvPicPr>
+            <a:picLocks noChangeAspect="1"/>
+          </p:cNvPicPr>
+          <p:nvPr/>
+        </p:nvPicPr>
+        <p:blipFill>
+          <a:blip r:embed="rId9">
+            <a:extLst>
+              <a:ext uri="{28A0092B-C50C-407E-A947-70E740481C1C}">
+                <a14:useLocalDpi xmlns:a14="http://schemas.microsoft.com/office/drawing/2010/main" val="0"/>
+              </a:ext>
+            </a:extLst>
+          </a:blip>
+          <a:stretch>
+            <a:fillRect/>
+          </a:stretch>
+        </p:blipFill>
+        <p:spPr>
+          <a:xfrm>
+            <a:off x="1047429" y="12036783"/>
+            <a:ext cx="3657608" cy="2743206"/>
+          </a:xfrm>
+          <a:prstGeom prst="rect">
+            <a:avLst/>
+          </a:prstGeom>
+        </p:spPr>
+      </p:pic>
+      <p:pic>
+        <p:nvPicPr>
+          <p:cNvPr id="25" name="Picture 24">
+            <a:extLst>
+              <a:ext uri="{FF2B5EF4-FFF2-40B4-BE49-F238E27FC236}">
+                <a16:creationId xmlns:a16="http://schemas.microsoft.com/office/drawing/2014/main" id="{C989FA38-3F13-9DAA-4271-9C56CA7BE216}"/>
+              </a:ext>
+            </a:extLst>
+          </p:cNvPr>
+          <p:cNvPicPr>
+            <a:picLocks noChangeAspect="1"/>
+          </p:cNvPicPr>
+          <p:nvPr/>
+        </p:nvPicPr>
+        <p:blipFill>
+          <a:blip r:embed="rId10">
+            <a:extLst>
+              <a:ext uri="{28A0092B-C50C-407E-A947-70E740481C1C}">
+                <a14:useLocalDpi xmlns:a14="http://schemas.microsoft.com/office/drawing/2010/main" val="0"/>
+              </a:ext>
+            </a:extLst>
+          </a:blip>
+          <a:stretch>
+            <a:fillRect/>
+          </a:stretch>
+        </p:blipFill>
+        <p:spPr>
+          <a:xfrm>
+            <a:off x="6374662" y="12054351"/>
+            <a:ext cx="3657608" cy="2743206"/>
+          </a:xfrm>
+          <a:prstGeom prst="rect">
+            <a:avLst/>
+          </a:prstGeom>
+        </p:spPr>
+      </p:pic>
+      <p:pic>
+        <p:nvPicPr>
+          <p:cNvPr id="28" name="Picture 27">
+            <a:extLst>
+              <a:ext uri="{FF2B5EF4-FFF2-40B4-BE49-F238E27FC236}">
+                <a16:creationId xmlns:a16="http://schemas.microsoft.com/office/drawing/2014/main" id="{1A4358E2-2044-68DC-718F-2C00B07B7E67}"/>
+              </a:ext>
+            </a:extLst>
+          </p:cNvPr>
+          <p:cNvPicPr>
+            <a:picLocks noChangeAspect="1"/>
+          </p:cNvPicPr>
+          <p:nvPr/>
+        </p:nvPicPr>
+        <p:blipFill>
+          <a:blip r:embed="rId11">
+            <a:extLst>
+              <a:ext uri="{28A0092B-C50C-407E-A947-70E740481C1C}">
+                <a14:useLocalDpi xmlns:a14="http://schemas.microsoft.com/office/drawing/2010/main" val="0"/>
+              </a:ext>
+            </a:extLst>
+          </a:blip>
+          <a:stretch>
+            <a:fillRect/>
+          </a:stretch>
+        </p:blipFill>
+        <p:spPr>
+          <a:xfrm>
+            <a:off x="12336098" y="8075887"/>
+            <a:ext cx="3657608" cy="2743206"/>
+          </a:xfrm>
+          <a:prstGeom prst="rect">
+            <a:avLst/>
+          </a:prstGeom>
+        </p:spPr>
+      </p:pic>
+      <p:pic>
+        <p:nvPicPr>
+          <p:cNvPr id="31" name="Picture 30">
+            <a:extLst>
+              <a:ext uri="{FF2B5EF4-FFF2-40B4-BE49-F238E27FC236}">
+                <a16:creationId xmlns:a16="http://schemas.microsoft.com/office/drawing/2014/main" id="{1F170871-8043-9637-39D6-5E905A0296D2}"/>
+              </a:ext>
+            </a:extLst>
+          </p:cNvPr>
+          <p:cNvPicPr>
+            <a:picLocks noChangeAspect="1"/>
+          </p:cNvPicPr>
+          <p:nvPr/>
+        </p:nvPicPr>
+        <p:blipFill>
+          <a:blip r:embed="rId12">
+            <a:extLst>
+              <a:ext uri="{28A0092B-C50C-407E-A947-70E740481C1C}">
+                <a14:useLocalDpi xmlns:a14="http://schemas.microsoft.com/office/drawing/2010/main" val="0"/>
+              </a:ext>
+            </a:extLst>
+          </a:blip>
+          <a:stretch>
+            <a:fillRect/>
+          </a:stretch>
+        </p:blipFill>
+        <p:spPr>
+          <a:xfrm>
+            <a:off x="6374662" y="7975870"/>
+            <a:ext cx="3657608" cy="2743206"/>
           </a:xfrm>
           <a:prstGeom prst="rect">
             <a:avLst/>

--- a/FinalProject.pptx
+++ b/FinalProject.pptx
@@ -121,6 +121,107 @@
     </p:ext>
   </p:extLst>
 </p:presentation>
+</file>
+
+<file path=ppt/changesInfos/changesInfo1.xml><?xml version="1.0" encoding="utf-8"?>
+<pc:chgInfo xmlns:a="http://schemas.openxmlformats.org/drawingml/2006/main" xmlns:r="http://schemas.openxmlformats.org/officeDocument/2006/relationships" xmlns:ac="http://schemas.microsoft.com/office/drawing/2013/main/command" xmlns:pc="http://schemas.microsoft.com/office/powerpoint/2013/main/command">
+  <pc:docChgLst>
+    <pc:chgData name="Seth Hillis" userId="a87ca59e48a905ce" providerId="LiveId" clId="{A975DEFC-5A2E-4FFE-A2C0-8F30C525667E}"/>
+    <pc:docChg chg="undo custSel modSld">
+      <pc:chgData name="Seth Hillis" userId="a87ca59e48a905ce" providerId="LiveId" clId="{A975DEFC-5A2E-4FFE-A2C0-8F30C525667E}" dt="2025-05-01T23:11:41.451" v="101" actId="166"/>
+      <pc:docMkLst>
+        <pc:docMk/>
+      </pc:docMkLst>
+      <pc:sldChg chg="modSp mod">
+        <pc:chgData name="Seth Hillis" userId="a87ca59e48a905ce" providerId="LiveId" clId="{A975DEFC-5A2E-4FFE-A2C0-8F30C525667E}" dt="2025-05-01T23:11:41.451" v="101" actId="166"/>
+        <pc:sldMkLst>
+          <pc:docMk/>
+          <pc:sldMk cId="3171296435" sldId="263"/>
+        </pc:sldMkLst>
+        <pc:spChg chg="ord">
+          <ac:chgData name="Seth Hillis" userId="a87ca59e48a905ce" providerId="LiveId" clId="{A975DEFC-5A2E-4FFE-A2C0-8F30C525667E}" dt="2025-05-01T23:11:41.451" v="101" actId="166"/>
+          <ac:spMkLst>
+            <pc:docMk/>
+            <pc:sldMk cId="3171296435" sldId="263"/>
+            <ac:spMk id="11" creationId="{00000000-0000-0000-0000-000000000000}"/>
+          </ac:spMkLst>
+        </pc:spChg>
+        <pc:spChg chg="mod ord">
+          <ac:chgData name="Seth Hillis" userId="a87ca59e48a905ce" providerId="LiveId" clId="{A975DEFC-5A2E-4FFE-A2C0-8F30C525667E}" dt="2025-05-01T23:11:36.574" v="100" actId="166"/>
+          <ac:spMkLst>
+            <pc:docMk/>
+            <pc:sldMk cId="3171296435" sldId="263"/>
+            <ac:spMk id="12" creationId="{00000000-0000-0000-0000-000000000000}"/>
+          </ac:spMkLst>
+        </pc:spChg>
+        <pc:picChg chg="mod ord">
+          <ac:chgData name="Seth Hillis" userId="a87ca59e48a905ce" providerId="LiveId" clId="{A975DEFC-5A2E-4FFE-A2C0-8F30C525667E}" dt="2025-05-01T23:11:28.071" v="97" actId="167"/>
+          <ac:picMkLst>
+            <pc:docMk/>
+            <pc:sldMk cId="3171296435" sldId="263"/>
+            <ac:picMk id="2" creationId="{420C09BE-CC66-4BB0-8EEB-49F41128AA76}"/>
+          </ac:picMkLst>
+        </pc:picChg>
+        <pc:picChg chg="mod ord">
+          <ac:chgData name="Seth Hillis" userId="a87ca59e48a905ce" providerId="LiveId" clId="{A975DEFC-5A2E-4FFE-A2C0-8F30C525667E}" dt="2025-05-01T23:11:32.327" v="99" actId="167"/>
+          <ac:picMkLst>
+            <pc:docMk/>
+            <pc:sldMk cId="3171296435" sldId="263"/>
+            <ac:picMk id="13" creationId="{E4141EB8-7E05-918B-3BCC-192C5F6B091A}"/>
+          </ac:picMkLst>
+        </pc:picChg>
+        <pc:picChg chg="mod ord">
+          <ac:chgData name="Seth Hillis" userId="a87ca59e48a905ce" providerId="LiveId" clId="{A975DEFC-5A2E-4FFE-A2C0-8F30C525667E}" dt="2025-05-01T23:11:19.212" v="95" actId="167"/>
+          <ac:picMkLst>
+            <pc:docMk/>
+            <pc:sldMk cId="3171296435" sldId="263"/>
+            <ac:picMk id="16" creationId="{DC4DFC96-7DE4-2243-EFBC-B3E0AD2C37D6}"/>
+          </ac:picMkLst>
+        </pc:picChg>
+        <pc:picChg chg="mod ord">
+          <ac:chgData name="Seth Hillis" userId="a87ca59e48a905ce" providerId="LiveId" clId="{A975DEFC-5A2E-4FFE-A2C0-8F30C525667E}" dt="2025-05-01T23:11:08.570" v="91" actId="167"/>
+          <ac:picMkLst>
+            <pc:docMk/>
+            <pc:sldMk cId="3171296435" sldId="263"/>
+            <ac:picMk id="18" creationId="{BED0372F-052B-17D7-9372-56396D209E14}"/>
+          </ac:picMkLst>
+        </pc:picChg>
+        <pc:picChg chg="mod ord">
+          <ac:chgData name="Seth Hillis" userId="a87ca59e48a905ce" providerId="LiveId" clId="{A975DEFC-5A2E-4FFE-A2C0-8F30C525667E}" dt="2025-05-01T23:11:12.972" v="93" actId="167"/>
+          <ac:picMkLst>
+            <pc:docMk/>
+            <pc:sldMk cId="3171296435" sldId="263"/>
+            <ac:picMk id="21" creationId="{D4A8C1F9-80A2-C49D-72CC-A69CC9903401}"/>
+          </ac:picMkLst>
+        </pc:picChg>
+        <pc:picChg chg="mod ord">
+          <ac:chgData name="Seth Hillis" userId="a87ca59e48a905ce" providerId="LiveId" clId="{A975DEFC-5A2E-4FFE-A2C0-8F30C525667E}" dt="2025-05-01T23:11:11.048" v="92" actId="167"/>
+          <ac:picMkLst>
+            <pc:docMk/>
+            <pc:sldMk cId="3171296435" sldId="263"/>
+            <ac:picMk id="25" creationId="{C989FA38-3F13-9DAA-4271-9C56CA7BE216}"/>
+          </ac:picMkLst>
+        </pc:picChg>
+        <pc:picChg chg="mod ord">
+          <ac:chgData name="Seth Hillis" userId="a87ca59e48a905ce" providerId="LiveId" clId="{A975DEFC-5A2E-4FFE-A2C0-8F30C525667E}" dt="2025-05-01T23:11:30.116" v="98" actId="167"/>
+          <ac:picMkLst>
+            <pc:docMk/>
+            <pc:sldMk cId="3171296435" sldId="263"/>
+            <ac:picMk id="28" creationId="{1A4358E2-2044-68DC-718F-2C00B07B7E67}"/>
+          </ac:picMkLst>
+        </pc:picChg>
+        <pc:picChg chg="mod ord">
+          <ac:chgData name="Seth Hillis" userId="a87ca59e48a905ce" providerId="LiveId" clId="{A975DEFC-5A2E-4FFE-A2C0-8F30C525667E}" dt="2025-05-01T23:11:25.513" v="96" actId="167"/>
+          <ac:picMkLst>
+            <pc:docMk/>
+            <pc:sldMk cId="3171296435" sldId="263"/>
+            <ac:picMk id="31" creationId="{1F170871-8043-9637-39D6-5E905A0296D2}"/>
+          </ac:picMkLst>
+        </pc:picChg>
+      </pc:sldChg>
+    </pc:docChg>
+  </pc:docChgLst>
+</pc:chgInfo>
 </file>
 
 <file path=ppt/slideLayouts/slideLayout1.xml><?xml version="1.0" encoding="utf-8"?>
@@ -2990,1169 +3091,12 @@
           <a:chExt cx="0" cy="0"/>
         </a:xfrm>
       </p:grpSpPr>
-      <p:sp>
-        <p:nvSpPr>
-          <p:cNvPr id="62" name="TextBox 61"/>
-          <p:cNvSpPr txBox="1"/>
-          <p:nvPr/>
-        </p:nvSpPr>
-        <p:spPr>
-          <a:xfrm>
-            <a:off x="16677866" y="7168897"/>
-            <a:ext cx="15819120" cy="17020044"/>
-          </a:xfrm>
-          <a:prstGeom prst="rect">
-            <a:avLst/>
-          </a:prstGeom>
-          <a:noFill/>
-          <a:ln w="127000">
-            <a:solidFill>
-              <a:schemeClr val="tx2"/>
-            </a:solidFill>
-          </a:ln>
-        </p:spPr>
-        <p:txBody>
-          <a:bodyPr wrap="square" rtlCol="0">
-            <a:spAutoFit/>
-          </a:bodyPr>
-          <a:lstStyle/>
-          <a:p>
-            <a:pPr marL="346075"/>
-            <a:endParaRPr lang="en-US" sz="4400" dirty="0">
-              <a:latin typeface="Klavika Light" panose="020B0506040000020004" pitchFamily="34" charset="0"/>
-            </a:endParaRPr>
-          </a:p>
-          <a:p>
-            <a:pPr marL="346075"/>
-            <a:endParaRPr lang="en-US" sz="4400" dirty="0">
-              <a:latin typeface="Klavika Light" panose="020B0506040000020004" pitchFamily="34" charset="0"/>
-            </a:endParaRPr>
-          </a:p>
-          <a:p>
-            <a:pPr marL="346075"/>
-            <a:endParaRPr lang="en-US" sz="4400" dirty="0">
-              <a:latin typeface="Klavika Light" panose="020B0506040000020004" pitchFamily="34" charset="0"/>
-            </a:endParaRPr>
-          </a:p>
-          <a:p>
-            <a:pPr marL="346075"/>
-            <a:endParaRPr lang="en-US" sz="4400" dirty="0">
-              <a:latin typeface="Klavika Light" panose="020B0506040000020004" pitchFamily="34" charset="0"/>
-            </a:endParaRPr>
-          </a:p>
-          <a:p>
-            <a:pPr marL="346075"/>
-            <a:endParaRPr lang="en-US" sz="4400" dirty="0">
-              <a:latin typeface="Klavika Light" panose="020B0506040000020004" pitchFamily="34" charset="0"/>
-            </a:endParaRPr>
-          </a:p>
-          <a:p>
-            <a:pPr marL="346075"/>
-            <a:endParaRPr lang="en-US" sz="4400" dirty="0">
-              <a:latin typeface="Klavika Light" panose="020B0506040000020004" pitchFamily="34" charset="0"/>
-            </a:endParaRPr>
-          </a:p>
-          <a:p>
-            <a:pPr marL="346075"/>
-            <a:endParaRPr lang="en-US" sz="4400" dirty="0">
-              <a:latin typeface="Klavika Light" panose="020B0506040000020004" pitchFamily="34" charset="0"/>
-            </a:endParaRPr>
-          </a:p>
-          <a:p>
-            <a:pPr marL="346075"/>
-            <a:r>
-              <a:rPr lang="en-US" sz="4400" b="1" dirty="0">
-                <a:latin typeface="Klavika Light" panose="020B0506040000020004" pitchFamily="34" charset="0"/>
-              </a:rPr>
-              <a:t>Response variable: </a:t>
-            </a:r>
-            <a:r>
-              <a:rPr lang="en-US" sz="4400" dirty="0">
-                <a:latin typeface="Klavika Light" panose="020B0506040000020004" pitchFamily="34" charset="0"/>
-              </a:rPr>
-              <a:t>average_score</a:t>
-            </a:r>
-          </a:p>
-          <a:p>
-            <a:pPr marL="346075"/>
-            <a:r>
-              <a:rPr lang="en-US" sz="4400" b="1" dirty="0">
-                <a:latin typeface="Klavika Light" panose="020B0506040000020004" pitchFamily="34" charset="0"/>
-              </a:rPr>
-              <a:t>Predictor variables: </a:t>
-            </a:r>
-            <a:r>
-              <a:rPr lang="en-US" sz="4400" dirty="0">
-                <a:latin typeface="Klavika Light" panose="020B0506040000020004" pitchFamily="34" charset="0"/>
-              </a:rPr>
-              <a:t>part_time_job, absence_days, extracurricular_activities, self_study_hours</a:t>
-            </a:r>
-          </a:p>
-          <a:p>
-            <a:pPr marL="346075"/>
-            <a:endParaRPr lang="en-US" sz="4400" dirty="0">
-              <a:latin typeface="Klavika Light" panose="020B0506040000020004" pitchFamily="34" charset="0"/>
-            </a:endParaRPr>
-          </a:p>
-          <a:p>
-            <a:pPr marL="346075"/>
-            <a:r>
-              <a:rPr lang="en-US" sz="4400" dirty="0">
-                <a:latin typeface="Klavika Light" panose="020B0506040000020004" pitchFamily="34" charset="0"/>
-              </a:rPr>
-              <a:t>Design Matrix: </a:t>
-            </a:r>
-            <a:r>
-              <a:rPr lang="en-US" sz="4400" dirty="0" err="1">
-                <a:latin typeface="Klavika Light" panose="020B0506040000020004" pitchFamily="34" charset="0"/>
-              </a:rPr>
-              <a:t>cbind</a:t>
-            </a:r>
-            <a:r>
-              <a:rPr lang="en-US" sz="4400" dirty="0">
-                <a:latin typeface="Klavika Light" panose="020B0506040000020004" pitchFamily="34" charset="0"/>
-              </a:rPr>
-              <a:t>(1, x1, x2, x3, x4)</a:t>
-            </a:r>
-          </a:p>
-          <a:p>
-            <a:pPr marL="346075"/>
-            <a:endParaRPr lang="en-US" sz="4400" dirty="0">
-              <a:latin typeface="Klavika Light" panose="020B0506040000020004" pitchFamily="34" charset="0"/>
-            </a:endParaRPr>
-          </a:p>
-          <a:p>
-            <a:pPr marL="346075"/>
-            <a:r>
-              <a:rPr lang="en-US" sz="4400" dirty="0">
-                <a:latin typeface="Klavika Light" panose="020B0506040000020004" pitchFamily="34" charset="0"/>
-              </a:rPr>
-              <a:t>#Gave values for Hyperparameters </a:t>
-            </a:r>
-          </a:p>
-          <a:p>
-            <a:pPr marL="346075"/>
-            <a:endParaRPr lang="en-US" sz="4400" dirty="0">
-              <a:latin typeface="Klavika Light" panose="020B0506040000020004" pitchFamily="34" charset="0"/>
-            </a:endParaRPr>
-          </a:p>
-          <a:p>
-            <a:pPr marL="346075"/>
-            <a:r>
-              <a:rPr lang="en-US" sz="4400" dirty="0">
-                <a:latin typeface="Klavika Light" panose="020B0506040000020004" pitchFamily="34" charset="0"/>
-              </a:rPr>
-              <a:t>#Place to store data</a:t>
-            </a:r>
-          </a:p>
-          <a:p>
-            <a:pPr marL="346075"/>
-            <a:endParaRPr lang="en-US" sz="4400" dirty="0">
-              <a:latin typeface="Klavika Light" panose="020B0506040000020004" pitchFamily="34" charset="0"/>
-            </a:endParaRPr>
-          </a:p>
-          <a:p>
-            <a:pPr marL="346075"/>
-            <a:r>
-              <a:rPr lang="en-US" sz="4400" dirty="0">
-                <a:latin typeface="Klavika Light" panose="020B0506040000020004" pitchFamily="34" charset="0"/>
-              </a:rPr>
-              <a:t>#For loop </a:t>
-            </a:r>
-          </a:p>
-          <a:p>
-            <a:pPr marL="346075"/>
-            <a:r>
-              <a:rPr lang="en-US" sz="4400" dirty="0">
-                <a:latin typeface="Klavika Light" panose="020B0506040000020004" pitchFamily="34" charset="0"/>
-              </a:rPr>
-              <a:t>* Update beta</a:t>
-            </a:r>
-          </a:p>
-          <a:p>
-            <a:pPr marL="346075"/>
-            <a:r>
-              <a:rPr lang="en-US" sz="4400" dirty="0">
-                <a:latin typeface="Klavika Light" panose="020B0506040000020004" pitchFamily="34" charset="0"/>
-              </a:rPr>
-              <a:t>* Update Sig2</a:t>
-            </a:r>
-          </a:p>
-          <a:p>
-            <a:pPr marL="346075"/>
-            <a:endParaRPr lang="en-US" sz="4400" dirty="0">
-              <a:latin typeface="Klavika Light" panose="020B0506040000020004" pitchFamily="34" charset="0"/>
-            </a:endParaRPr>
-          </a:p>
-          <a:p>
-            <a:pPr marL="346075"/>
-            <a:r>
-              <a:rPr lang="en-US" sz="4400" dirty="0">
-                <a:latin typeface="Klavika Light" panose="020B0506040000020004" pitchFamily="34" charset="0"/>
-              </a:rPr>
-              <a:t>#Store results</a:t>
-            </a:r>
-          </a:p>
-          <a:p>
-            <a:pPr marL="346075"/>
-            <a:endParaRPr lang="en-US" sz="4400" dirty="0">
-              <a:latin typeface="Klavika Light" panose="020B0506040000020004" pitchFamily="34" charset="0"/>
-            </a:endParaRPr>
-          </a:p>
-          <a:p>
-            <a:pPr marL="346075"/>
-            <a:r>
-              <a:rPr lang="en-US" sz="4400" dirty="0">
-                <a:latin typeface="Klavika Light" panose="020B0506040000020004" pitchFamily="34" charset="0"/>
-              </a:rPr>
-              <a:t>#Remove burn-in</a:t>
-            </a:r>
-          </a:p>
-          <a:p>
-            <a:pPr marL="346075"/>
-            <a:endParaRPr lang="en-US" sz="4400" dirty="0">
-              <a:latin typeface="Klavika Light" panose="020B0506040000020004" pitchFamily="34" charset="0"/>
-            </a:endParaRPr>
-          </a:p>
-        </p:txBody>
-      </p:sp>
-      <p:sp>
-        <p:nvSpPr>
-          <p:cNvPr id="32" name="TextBox 31"/>
-          <p:cNvSpPr txBox="1"/>
-          <p:nvPr/>
-        </p:nvSpPr>
-        <p:spPr>
-          <a:xfrm>
-            <a:off x="373289" y="25014034"/>
-            <a:ext cx="15819120" cy="17753578"/>
-          </a:xfrm>
-          <a:prstGeom prst="rect">
-            <a:avLst/>
-          </a:prstGeom>
-          <a:solidFill>
-            <a:schemeClr val="bg1"/>
-          </a:solidFill>
-          <a:ln w="127000">
-            <a:solidFill>
-              <a:schemeClr val="tx2"/>
-            </a:solidFill>
-          </a:ln>
-        </p:spPr>
-        <p:txBody>
-          <a:bodyPr wrap="square" rtlCol="0">
-            <a:spAutoFit/>
-          </a:bodyPr>
-          <a:lstStyle/>
-          <a:p>
-            <a:pPr marL="457200">
-              <a:spcBef>
-                <a:spcPts val="150"/>
-              </a:spcBef>
-            </a:pPr>
-            <a:endParaRPr lang="en-US" sz="1200" dirty="0"/>
-          </a:p>
-          <a:p>
-            <a:pPr marL="457200">
-              <a:spcBef>
-                <a:spcPts val="150"/>
-              </a:spcBef>
-            </a:pPr>
-            <a:endParaRPr lang="en-US" sz="1200" dirty="0"/>
-          </a:p>
-          <a:p>
-            <a:endParaRPr lang="en-US" sz="4400" dirty="0"/>
-          </a:p>
-          <a:p>
-            <a:endParaRPr lang="en-US" sz="4000" dirty="0"/>
-          </a:p>
-          <a:p>
-            <a:endParaRPr lang="en-US" sz="4000" dirty="0"/>
-          </a:p>
-          <a:p>
-            <a:endParaRPr lang="en-US" sz="4000" dirty="0"/>
-          </a:p>
-          <a:p>
-            <a:endParaRPr lang="en-US" sz="4000" dirty="0"/>
-          </a:p>
-          <a:p>
-            <a:endParaRPr lang="en-US" sz="4000" dirty="0"/>
-          </a:p>
-          <a:p>
-            <a:endParaRPr lang="en-US" sz="4000" dirty="0"/>
-          </a:p>
-          <a:p>
-            <a:endParaRPr lang="en-US" sz="4000" dirty="0"/>
-          </a:p>
-          <a:p>
-            <a:endParaRPr lang="en-US" sz="4000" dirty="0"/>
-          </a:p>
-          <a:p>
-            <a:endParaRPr lang="en-US" sz="4000" dirty="0"/>
-          </a:p>
-          <a:p>
-            <a:endParaRPr lang="en-US" sz="4000" dirty="0"/>
-          </a:p>
-          <a:p>
-            <a:endParaRPr lang="en-US" sz="4000" dirty="0"/>
-          </a:p>
-          <a:p>
-            <a:endParaRPr lang="en-US" sz="4000" dirty="0"/>
-          </a:p>
-          <a:p>
-            <a:endParaRPr lang="en-US" sz="4000" dirty="0"/>
-          </a:p>
-          <a:p>
-            <a:endParaRPr lang="en-US" sz="4000" dirty="0"/>
-          </a:p>
-          <a:p>
-            <a:endParaRPr lang="en-US" sz="4000" dirty="0"/>
-          </a:p>
-          <a:p>
-            <a:endParaRPr lang="en-US" sz="4000" dirty="0"/>
-          </a:p>
-          <a:p>
-            <a:endParaRPr lang="en-US" sz="4000" dirty="0"/>
-          </a:p>
-          <a:p>
-            <a:endParaRPr lang="en-US" sz="4000" dirty="0"/>
-          </a:p>
-          <a:p>
-            <a:endParaRPr lang="en-US" sz="4000" dirty="0"/>
-          </a:p>
-          <a:p>
-            <a:endParaRPr lang="en-US" sz="4000" dirty="0"/>
-          </a:p>
-          <a:p>
-            <a:endParaRPr lang="en-US" sz="4000" dirty="0"/>
-          </a:p>
-          <a:p>
-            <a:endParaRPr lang="en-US" sz="4000" dirty="0"/>
-          </a:p>
-          <a:p>
-            <a:endParaRPr lang="en-US" sz="4000" dirty="0"/>
-          </a:p>
-          <a:p>
-            <a:endParaRPr lang="en-US" sz="4000" dirty="0"/>
-          </a:p>
-          <a:p>
-            <a:endParaRPr lang="en-US" dirty="0"/>
-          </a:p>
-          <a:p>
-            <a:endParaRPr lang="en-US" dirty="0"/>
-          </a:p>
-          <a:p>
-            <a:endParaRPr lang="en-US" dirty="0"/>
-          </a:p>
-          <a:p>
-            <a:endParaRPr lang="en-US" sz="800" dirty="0"/>
-          </a:p>
-          <a:p>
-            <a:endParaRPr lang="en-US" sz="800" dirty="0"/>
-          </a:p>
-          <a:p>
-            <a:r>
-              <a:rPr lang="en-US" sz="800" dirty="0"/>
-              <a:t>.</a:t>
-            </a:r>
-          </a:p>
-          <a:p>
-            <a:endParaRPr lang="en-US" sz="800" dirty="0"/>
-          </a:p>
-          <a:p>
-            <a:endParaRPr lang="en-US" sz="800" dirty="0"/>
-          </a:p>
-          <a:p>
-            <a:endParaRPr lang="en-US" sz="800" dirty="0"/>
-          </a:p>
-        </p:txBody>
-      </p:sp>
-      <p:sp>
-        <p:nvSpPr>
-          <p:cNvPr id="12" name="TextBox 11"/>
-          <p:cNvSpPr txBox="1"/>
-          <p:nvPr/>
-        </p:nvSpPr>
-        <p:spPr>
-          <a:xfrm>
-            <a:off x="328632" y="7233484"/>
-            <a:ext cx="15819120" cy="7540526"/>
-          </a:xfrm>
-          <a:prstGeom prst="rect">
-            <a:avLst/>
-          </a:prstGeom>
-          <a:noFill/>
-          <a:ln w="127000">
-            <a:solidFill>
-              <a:schemeClr val="tx2"/>
-            </a:solidFill>
-          </a:ln>
-        </p:spPr>
-        <p:txBody>
-          <a:bodyPr wrap="square" rtlCol="0">
-            <a:spAutoFit/>
-          </a:bodyPr>
-          <a:lstStyle/>
-          <a:p>
-            <a:pPr marL="342900"/>
-            <a:endParaRPr lang="en-US" sz="4400" b="0" i="0" dirty="0">
-              <a:solidFill>
-                <a:srgbClr val="000000"/>
-              </a:solidFill>
-              <a:effectLst/>
-              <a:latin typeface="Calibri" panose="020F0502020204030204" pitchFamily="34" charset="0"/>
-            </a:endParaRPr>
-          </a:p>
-          <a:p>
-            <a:pPr marL="342900"/>
-            <a:endParaRPr lang="en-US" sz="4400" dirty="0">
-              <a:solidFill>
-                <a:srgbClr val="000000"/>
-              </a:solidFill>
-              <a:latin typeface="Calibri" panose="020F0502020204030204" pitchFamily="34" charset="0"/>
-            </a:endParaRPr>
-          </a:p>
-          <a:p>
-            <a:pPr marL="342900"/>
-            <a:endParaRPr lang="en-US" sz="4400" dirty="0">
-              <a:solidFill>
-                <a:srgbClr val="000000"/>
-              </a:solidFill>
-              <a:latin typeface="Calibri" panose="020F0502020204030204" pitchFamily="34" charset="0"/>
-            </a:endParaRPr>
-          </a:p>
-          <a:p>
-            <a:pPr marL="342900"/>
-            <a:endParaRPr lang="en-US" sz="4400" b="0" i="0" dirty="0">
-              <a:solidFill>
-                <a:srgbClr val="000000"/>
-              </a:solidFill>
-              <a:effectLst/>
-              <a:latin typeface="Calibri" panose="020F0502020204030204" pitchFamily="34" charset="0"/>
-            </a:endParaRPr>
-          </a:p>
-          <a:p>
-            <a:pPr marL="342900"/>
-            <a:endParaRPr lang="en-US" sz="4400" dirty="0">
-              <a:solidFill>
-                <a:srgbClr val="000000"/>
-              </a:solidFill>
-              <a:latin typeface="Calibri" panose="020F0502020204030204" pitchFamily="34" charset="0"/>
-            </a:endParaRPr>
-          </a:p>
-          <a:p>
-            <a:pPr marL="342900"/>
-            <a:endParaRPr lang="en-US" sz="4400" dirty="0">
-              <a:solidFill>
-                <a:srgbClr val="000000"/>
-              </a:solidFill>
-              <a:latin typeface="Calibri" panose="020F0502020204030204" pitchFamily="34" charset="0"/>
-            </a:endParaRPr>
-          </a:p>
-          <a:p>
-            <a:pPr marL="342900"/>
-            <a:endParaRPr lang="en-US" sz="4400" b="0" i="0" dirty="0">
-              <a:solidFill>
-                <a:srgbClr val="000000"/>
-              </a:solidFill>
-              <a:effectLst/>
-              <a:latin typeface="Calibri" panose="020F0502020204030204" pitchFamily="34" charset="0"/>
-            </a:endParaRPr>
-          </a:p>
-          <a:p>
-            <a:pPr marL="342900"/>
-            <a:endParaRPr lang="en-US" sz="4400" dirty="0">
-              <a:solidFill>
-                <a:srgbClr val="000000"/>
-              </a:solidFill>
-              <a:latin typeface="Calibri" panose="020F0502020204030204" pitchFamily="34" charset="0"/>
-            </a:endParaRPr>
-          </a:p>
-          <a:p>
-            <a:pPr marL="342900"/>
-            <a:endParaRPr lang="en-US" sz="4400" b="0" i="0" dirty="0">
-              <a:solidFill>
-                <a:srgbClr val="000000"/>
-              </a:solidFill>
-              <a:effectLst/>
-              <a:latin typeface="Calibri" panose="020F0502020204030204" pitchFamily="34" charset="0"/>
-            </a:endParaRPr>
-          </a:p>
-          <a:p>
-            <a:pPr marL="342900"/>
-            <a:endParaRPr lang="en-US" sz="4400" dirty="0">
-              <a:solidFill>
-                <a:srgbClr val="000000"/>
-              </a:solidFill>
-              <a:latin typeface="Calibri" panose="020F0502020204030204" pitchFamily="34" charset="0"/>
-            </a:endParaRPr>
-          </a:p>
-          <a:p>
-            <a:pPr marL="342900"/>
-            <a:endParaRPr lang="en-US" sz="4400" b="0" i="0" dirty="0">
-              <a:solidFill>
-                <a:srgbClr val="000000"/>
-              </a:solidFill>
-              <a:effectLst/>
-              <a:latin typeface="Calibri" panose="020F0502020204030204" pitchFamily="34" charset="0"/>
-            </a:endParaRPr>
-          </a:p>
-        </p:txBody>
-      </p:sp>
-      <p:sp>
-        <p:nvSpPr>
-          <p:cNvPr id="11" name="TextBox 10"/>
-          <p:cNvSpPr txBox="1"/>
-          <p:nvPr/>
-        </p:nvSpPr>
-        <p:spPr>
-          <a:xfrm>
-            <a:off x="1397482" y="6641169"/>
-            <a:ext cx="13716000" cy="1092607"/>
-          </a:xfrm>
-          <a:prstGeom prst="rect">
-            <a:avLst/>
-          </a:prstGeom>
-          <a:solidFill>
-            <a:srgbClr val="B7CCEB"/>
-          </a:solidFill>
-          <a:ln>
-            <a:noFill/>
-          </a:ln>
-        </p:spPr>
-        <p:txBody>
-          <a:bodyPr wrap="square" rtlCol="0">
-            <a:spAutoFit/>
-          </a:bodyPr>
-          <a:lstStyle/>
-          <a:p>
-            <a:pPr marL="342900" algn="ctr"/>
-            <a:r>
-              <a:rPr lang="en-US" sz="6500" dirty="0">
-                <a:solidFill>
-                  <a:schemeClr val="bg1"/>
-                </a:solidFill>
-                <a:latin typeface="Klavika Light" panose="020B0506040000020004" pitchFamily="34" charset="0"/>
-              </a:rPr>
-              <a:t>Exploratory Data Analysis</a:t>
-            </a:r>
-          </a:p>
-        </p:txBody>
-      </p:sp>
-      <p:sp>
-        <p:nvSpPr>
-          <p:cNvPr id="14" name="TextBox 13"/>
-          <p:cNvSpPr txBox="1"/>
-          <p:nvPr/>
-        </p:nvSpPr>
-        <p:spPr>
-          <a:xfrm>
-            <a:off x="335762" y="15889289"/>
-            <a:ext cx="15819120" cy="3252172"/>
-          </a:xfrm>
-          <a:prstGeom prst="rect">
-            <a:avLst/>
-          </a:prstGeom>
-          <a:solidFill>
-            <a:schemeClr val="bg1"/>
-          </a:solidFill>
-          <a:ln w="127000">
-            <a:solidFill>
-              <a:schemeClr val="tx2"/>
-            </a:solidFill>
-          </a:ln>
-        </p:spPr>
-        <p:txBody>
-          <a:bodyPr wrap="square" rtlCol="0">
-            <a:spAutoFit/>
-          </a:bodyPr>
-          <a:lstStyle/>
-          <a:p>
-            <a:pPr marL="342900">
-              <a:spcAft>
-                <a:spcPts val="200"/>
-              </a:spcAft>
-            </a:pPr>
-            <a:endParaRPr lang="en-US" sz="4800" b="1" dirty="0">
-              <a:solidFill>
-                <a:srgbClr val="000000"/>
-              </a:solidFill>
-              <a:latin typeface="Calibri" panose="020F0502020204030204" pitchFamily="34" charset="0"/>
-            </a:endParaRPr>
-          </a:p>
-          <a:p>
-            <a:pPr marL="342900">
-              <a:spcAft>
-                <a:spcPts val="200"/>
-              </a:spcAft>
-            </a:pPr>
-            <a:r>
-              <a:rPr lang="en-US" sz="4800" dirty="0"/>
-              <a:t>What are the effects of part_time_job, absence_days, extracurricular_activities, weekly_self_study_hours have on student performance (average_score).</a:t>
-            </a:r>
-            <a:endParaRPr lang="en-US" sz="4800" b="1" dirty="0">
-              <a:solidFill>
-                <a:srgbClr val="000000"/>
-              </a:solidFill>
-              <a:latin typeface="Calibri" panose="020F0502020204030204" pitchFamily="34" charset="0"/>
-            </a:endParaRPr>
-          </a:p>
-          <a:p>
-            <a:pPr marL="342900">
-              <a:spcAft>
-                <a:spcPts val="200"/>
-              </a:spcAft>
-            </a:pPr>
-            <a:endParaRPr lang="en-US" sz="1000" dirty="0"/>
-          </a:p>
-        </p:txBody>
-      </p:sp>
-      <p:sp>
-        <p:nvSpPr>
-          <p:cNvPr id="4" name="Rectangle 3"/>
-          <p:cNvSpPr/>
-          <p:nvPr/>
-        </p:nvSpPr>
-        <p:spPr>
-          <a:xfrm>
-            <a:off x="411480" y="411481"/>
-            <a:ext cx="32085506" cy="5828482"/>
-          </a:xfrm>
-          <a:prstGeom prst="rect">
-            <a:avLst/>
-          </a:prstGeom>
-          <a:solidFill>
-            <a:schemeClr val="bg1"/>
-          </a:solidFill>
-          <a:ln w="127000">
-            <a:solidFill>
-              <a:schemeClr val="tx2"/>
-            </a:solidFill>
-          </a:ln>
-        </p:spPr>
-        <p:style>
-          <a:lnRef idx="2">
-            <a:schemeClr val="accent1">
-              <a:shade val="50000"/>
-            </a:schemeClr>
-          </a:lnRef>
-          <a:fillRef idx="1">
-            <a:schemeClr val="accent1"/>
-          </a:fillRef>
-          <a:effectRef idx="0">
-            <a:schemeClr val="accent1"/>
-          </a:effectRef>
-          <a:fontRef idx="minor">
-            <a:schemeClr val="lt1"/>
-          </a:fontRef>
-        </p:style>
-        <p:txBody>
-          <a:bodyPr rtlCol="0" anchor="ctr"/>
-          <a:lstStyle/>
-          <a:p>
-            <a:pPr algn="ctr"/>
-            <a:endParaRPr lang="en-US" dirty="0"/>
-          </a:p>
-        </p:txBody>
-      </p:sp>
-      <p:sp>
-        <p:nvSpPr>
-          <p:cNvPr id="5" name="TextBox 4"/>
-          <p:cNvSpPr txBox="1"/>
-          <p:nvPr/>
-        </p:nvSpPr>
-        <p:spPr>
-          <a:xfrm>
-            <a:off x="6844936" y="600368"/>
-            <a:ext cx="17739361" cy="1569660"/>
-          </a:xfrm>
-          <a:prstGeom prst="rect">
-            <a:avLst/>
-          </a:prstGeom>
-          <a:noFill/>
-        </p:spPr>
-        <p:txBody>
-          <a:bodyPr wrap="square" rtlCol="0">
-            <a:spAutoFit/>
-          </a:bodyPr>
-          <a:lstStyle/>
-          <a:p>
-            <a:pPr algn="ctr"/>
-            <a:r>
-              <a:rPr lang="en-US" sz="9600" dirty="0">
-                <a:solidFill>
-                  <a:srgbClr val="000000"/>
-                </a:solidFill>
-                <a:latin typeface="Calibri" panose="020F0502020204030204" pitchFamily="34" charset="0"/>
-              </a:rPr>
-              <a:t>Student Performance | Group I</a:t>
-            </a:r>
-            <a:endParaRPr lang="en-US" sz="12100" dirty="0">
-              <a:latin typeface="Vitesse Bold" pitchFamily="50" charset="0"/>
-            </a:endParaRPr>
-          </a:p>
-        </p:txBody>
-      </p:sp>
-      <p:sp>
-        <p:nvSpPr>
-          <p:cNvPr id="6" name="TextBox 5"/>
-          <p:cNvSpPr txBox="1"/>
-          <p:nvPr/>
-        </p:nvSpPr>
-        <p:spPr>
-          <a:xfrm>
-            <a:off x="6844937" y="4084746"/>
-            <a:ext cx="18653759" cy="861774"/>
-          </a:xfrm>
-          <a:prstGeom prst="rect">
-            <a:avLst/>
-          </a:prstGeom>
-          <a:noFill/>
-        </p:spPr>
-        <p:txBody>
-          <a:bodyPr wrap="square" rtlCol="0">
-            <a:spAutoFit/>
-          </a:bodyPr>
-          <a:lstStyle/>
-          <a:p>
-            <a:r>
-              <a:rPr lang="en-US" sz="5000" dirty="0">
-                <a:latin typeface="Klavika Condensed" panose="020B0506040000020004" pitchFamily="34" charset="0"/>
-              </a:rPr>
-              <a:t>Authors: Andrew Henderson, Carlos Mabrey, Seth Hillis, Jessica Reyes</a:t>
-            </a:r>
-            <a:endParaRPr lang="en-US" sz="5000" baseline="30000" dirty="0">
-              <a:latin typeface="Klavika Condensed" panose="020B0506040000020004" pitchFamily="34" charset="0"/>
-            </a:endParaRPr>
-          </a:p>
-        </p:txBody>
-      </p:sp>
-      <p:sp>
-        <p:nvSpPr>
-          <p:cNvPr id="7" name="TextBox 6"/>
-          <p:cNvSpPr txBox="1"/>
-          <p:nvPr/>
-        </p:nvSpPr>
-        <p:spPr>
-          <a:xfrm>
-            <a:off x="6844937" y="5163085"/>
-            <a:ext cx="12932229" cy="707886"/>
-          </a:xfrm>
-          <a:prstGeom prst="rect">
-            <a:avLst/>
-          </a:prstGeom>
-          <a:noFill/>
-        </p:spPr>
-        <p:txBody>
-          <a:bodyPr wrap="square" rtlCol="0">
-            <a:spAutoFit/>
-          </a:bodyPr>
-          <a:lstStyle/>
-          <a:p>
-            <a:r>
-              <a:rPr lang="en-US" sz="4000" dirty="0">
-                <a:latin typeface="Klavika Light" panose="020B0506040000020004" pitchFamily="34" charset="0"/>
-              </a:rPr>
-              <a:t>STAT 440 | Bayesian Data Analysis - Colorado State University</a:t>
-            </a:r>
-          </a:p>
-        </p:txBody>
-      </p:sp>
-      <p:sp>
-        <p:nvSpPr>
-          <p:cNvPr id="27" name="TextBox 26"/>
-          <p:cNvSpPr txBox="1"/>
-          <p:nvPr/>
-        </p:nvSpPr>
-        <p:spPr>
-          <a:xfrm>
-            <a:off x="16767211" y="25162398"/>
-            <a:ext cx="15819120" cy="9110186"/>
-          </a:xfrm>
-          <a:prstGeom prst="rect">
-            <a:avLst/>
-          </a:prstGeom>
-          <a:solidFill>
-            <a:schemeClr val="bg1"/>
-          </a:solidFill>
-          <a:ln w="127000">
-            <a:solidFill>
-              <a:schemeClr val="tx2"/>
-            </a:solidFill>
-          </a:ln>
-        </p:spPr>
-        <p:txBody>
-          <a:bodyPr wrap="square" rtlCol="0">
-            <a:spAutoFit/>
-          </a:bodyPr>
-          <a:lstStyle/>
-          <a:p>
-            <a:pPr marL="342900"/>
-            <a:endParaRPr lang="en-US" sz="4800" dirty="0">
-              <a:latin typeface="Klavika Light" panose="020B0506040000020004" pitchFamily="34" charset="0"/>
-            </a:endParaRPr>
-          </a:p>
-          <a:p>
-            <a:pPr marL="342900"/>
-            <a:endParaRPr lang="en-US" sz="4800" dirty="0">
-              <a:latin typeface="Klavika Light" panose="020B0506040000020004" pitchFamily="34" charset="0"/>
-            </a:endParaRPr>
-          </a:p>
-          <a:p>
-            <a:pPr marL="342900"/>
-            <a:endParaRPr lang="en-US" sz="4800" dirty="0">
-              <a:latin typeface="Klavika Light" panose="020B0506040000020004" pitchFamily="34" charset="0"/>
-            </a:endParaRPr>
-          </a:p>
-          <a:p>
-            <a:pPr marL="342900"/>
-            <a:endParaRPr lang="en-US" sz="4800" dirty="0">
-              <a:latin typeface="Klavika Light" panose="020B0506040000020004" pitchFamily="34" charset="0"/>
-            </a:endParaRPr>
-          </a:p>
-          <a:p>
-            <a:pPr marL="342900"/>
-            <a:endParaRPr lang="en-US" sz="4800" dirty="0">
-              <a:latin typeface="Klavika Light" panose="020B0506040000020004" pitchFamily="34" charset="0"/>
-            </a:endParaRPr>
-          </a:p>
-          <a:p>
-            <a:pPr marL="342900"/>
-            <a:endParaRPr lang="en-US" sz="4800" dirty="0">
-              <a:latin typeface="Klavika Light" panose="020B0506040000020004" pitchFamily="34" charset="0"/>
-            </a:endParaRPr>
-          </a:p>
-          <a:p>
-            <a:pPr marL="342900"/>
-            <a:endParaRPr lang="en-US" sz="4800" dirty="0">
-              <a:latin typeface="Klavika Light" panose="020B0506040000020004" pitchFamily="34" charset="0"/>
-            </a:endParaRPr>
-          </a:p>
-          <a:p>
-            <a:pPr marL="342900"/>
-            <a:endParaRPr lang="en-US" sz="4800" dirty="0">
-              <a:latin typeface="Klavika Light" panose="020B0506040000020004" pitchFamily="34" charset="0"/>
-            </a:endParaRPr>
-          </a:p>
-          <a:p>
-            <a:pPr marL="342900"/>
-            <a:endParaRPr lang="en-US" sz="4800" dirty="0">
-              <a:latin typeface="Klavika Light" panose="020B0506040000020004" pitchFamily="34" charset="0"/>
-            </a:endParaRPr>
-          </a:p>
-          <a:p>
-            <a:pPr marL="342900"/>
-            <a:endParaRPr lang="en-US" sz="4800" dirty="0">
-              <a:latin typeface="Klavika Light" panose="020B0506040000020004" pitchFamily="34" charset="0"/>
-            </a:endParaRPr>
-          </a:p>
-          <a:p>
-            <a:pPr marL="342900"/>
-            <a:endParaRPr lang="en-US" sz="4800" dirty="0">
-              <a:latin typeface="Klavika Light" panose="020B0506040000020004" pitchFamily="34" charset="0"/>
-            </a:endParaRPr>
-          </a:p>
-          <a:p>
-            <a:pPr marL="342900"/>
-            <a:endParaRPr lang="en-US" sz="4800" dirty="0">
-              <a:latin typeface="Klavika Light" panose="020B0506040000020004" pitchFamily="34" charset="0"/>
-            </a:endParaRPr>
-          </a:p>
-          <a:p>
-            <a:pPr marL="1028700" indent="-685800">
-              <a:buFont typeface="Wingdings" panose="05000000000000000000" pitchFamily="2" charset="2"/>
-              <a:buChar char="§"/>
-            </a:pPr>
-            <a:endParaRPr lang="en-US" sz="1000" dirty="0"/>
-          </a:p>
-        </p:txBody>
-      </p:sp>
-      <p:sp>
-        <p:nvSpPr>
-          <p:cNvPr id="29" name="TextBox 28"/>
-          <p:cNvSpPr txBox="1"/>
-          <p:nvPr/>
-        </p:nvSpPr>
-        <p:spPr>
-          <a:xfrm>
-            <a:off x="16725993" y="35412098"/>
-            <a:ext cx="15819120" cy="7294305"/>
-          </a:xfrm>
-          <a:prstGeom prst="rect">
-            <a:avLst/>
-          </a:prstGeom>
-          <a:solidFill>
-            <a:schemeClr val="bg1"/>
-          </a:solidFill>
-          <a:ln w="127000">
-            <a:solidFill>
-              <a:schemeClr val="tx2"/>
-            </a:solidFill>
-          </a:ln>
-        </p:spPr>
-        <p:txBody>
-          <a:bodyPr wrap="square" rtlCol="0">
-            <a:spAutoFit/>
-          </a:bodyPr>
-          <a:lstStyle/>
-          <a:p>
-            <a:pPr marL="342900"/>
-            <a:endParaRPr lang="en-US" sz="3200" dirty="0"/>
-          </a:p>
-          <a:p>
-            <a:endParaRPr lang="en-US" sz="3200" dirty="0"/>
-          </a:p>
-          <a:p>
-            <a:endParaRPr lang="en-US" sz="3200" dirty="0"/>
-          </a:p>
-          <a:p>
-            <a:endParaRPr lang="en-US" sz="3200" dirty="0"/>
-          </a:p>
-          <a:p>
-            <a:endParaRPr lang="en-US" sz="3200" dirty="0"/>
-          </a:p>
-          <a:p>
-            <a:endParaRPr lang="en-US" sz="3200" dirty="0"/>
-          </a:p>
-          <a:p>
-            <a:endParaRPr lang="en-US" sz="3200" dirty="0"/>
-          </a:p>
-          <a:p>
-            <a:endParaRPr lang="en-US" sz="3200" dirty="0"/>
-          </a:p>
-          <a:p>
-            <a:endParaRPr lang="en-US" sz="3200" dirty="0"/>
-          </a:p>
-          <a:p>
-            <a:endParaRPr lang="en-US" sz="3200" dirty="0"/>
-          </a:p>
-          <a:p>
-            <a:endParaRPr lang="en-US" sz="3200" dirty="0"/>
-          </a:p>
-          <a:p>
-            <a:endParaRPr lang="en-US" sz="3200" dirty="0"/>
-          </a:p>
-          <a:p>
-            <a:endParaRPr lang="en-US" sz="3200" dirty="0"/>
-          </a:p>
-          <a:p>
-            <a:endParaRPr lang="en-US" sz="3200" dirty="0"/>
-          </a:p>
-          <a:p>
-            <a:endParaRPr lang="en-US" sz="1000" dirty="0"/>
-          </a:p>
-          <a:p>
-            <a:pPr marL="342900"/>
-            <a:endParaRPr lang="en-US" sz="1000" dirty="0"/>
-          </a:p>
-        </p:txBody>
-      </p:sp>
-      <p:sp>
-        <p:nvSpPr>
-          <p:cNvPr id="49" name="TextBox 48"/>
-          <p:cNvSpPr txBox="1"/>
-          <p:nvPr/>
-        </p:nvSpPr>
-        <p:spPr>
-          <a:xfrm>
-            <a:off x="1387322" y="15256170"/>
-            <a:ext cx="13716000" cy="1092607"/>
-          </a:xfrm>
-          <a:prstGeom prst="rect">
-            <a:avLst/>
-          </a:prstGeom>
-          <a:solidFill>
-            <a:srgbClr val="B7CCEB"/>
-          </a:solidFill>
-          <a:ln>
-            <a:noFill/>
-          </a:ln>
-        </p:spPr>
-        <p:txBody>
-          <a:bodyPr wrap="square" rtlCol="0">
-            <a:spAutoFit/>
-          </a:bodyPr>
-          <a:lstStyle/>
-          <a:p>
-            <a:pPr marL="342900" algn="ctr"/>
-            <a:r>
-              <a:rPr lang="en-US" sz="6500" dirty="0">
-                <a:solidFill>
-                  <a:schemeClr val="bg1"/>
-                </a:solidFill>
-                <a:latin typeface="Klavika Light" panose="020B0506040000020004" pitchFamily="34" charset="0"/>
-              </a:rPr>
-              <a:t>Statement of Research Question</a:t>
-            </a:r>
-          </a:p>
-        </p:txBody>
-      </p:sp>
-      <p:sp>
-        <p:nvSpPr>
-          <p:cNvPr id="56" name="TextBox 55"/>
-          <p:cNvSpPr txBox="1"/>
-          <p:nvPr/>
-        </p:nvSpPr>
-        <p:spPr>
-          <a:xfrm>
-            <a:off x="1397482" y="24594952"/>
-            <a:ext cx="13716000" cy="1092607"/>
-          </a:xfrm>
-          <a:prstGeom prst="rect">
-            <a:avLst/>
-          </a:prstGeom>
-          <a:solidFill>
-            <a:srgbClr val="B7CCEB"/>
-          </a:solidFill>
-          <a:ln>
-            <a:noFill/>
-          </a:ln>
-        </p:spPr>
-        <p:txBody>
-          <a:bodyPr wrap="square" rtlCol="0">
-            <a:spAutoFit/>
-          </a:bodyPr>
-          <a:lstStyle/>
-          <a:p>
-            <a:pPr marL="342900" algn="ctr"/>
-            <a:r>
-              <a:rPr lang="en-US" sz="6500" dirty="0">
-                <a:solidFill>
-                  <a:schemeClr val="bg1"/>
-                </a:solidFill>
-                <a:latin typeface="Klavika Light" panose="020B0506040000020004" pitchFamily="34" charset="0"/>
-              </a:rPr>
-              <a:t>Model Checking</a:t>
-            </a:r>
-          </a:p>
-        </p:txBody>
-      </p:sp>
-      <p:sp>
-        <p:nvSpPr>
-          <p:cNvPr id="58" name="TextBox 57"/>
-          <p:cNvSpPr txBox="1"/>
-          <p:nvPr/>
-        </p:nvSpPr>
-        <p:spPr>
-          <a:xfrm>
-            <a:off x="17804918" y="24594952"/>
-            <a:ext cx="13716000" cy="1092607"/>
-          </a:xfrm>
-          <a:prstGeom prst="rect">
-            <a:avLst/>
-          </a:prstGeom>
-          <a:solidFill>
-            <a:srgbClr val="B7CCEB"/>
-          </a:solidFill>
-          <a:ln>
-            <a:noFill/>
-          </a:ln>
-        </p:spPr>
-        <p:txBody>
-          <a:bodyPr wrap="square" rtlCol="0">
-            <a:spAutoFit/>
-          </a:bodyPr>
-          <a:lstStyle/>
-          <a:p>
-            <a:pPr marL="342900" algn="ctr"/>
-            <a:r>
-              <a:rPr lang="en-US" sz="6500" dirty="0">
-                <a:solidFill>
-                  <a:schemeClr val="bg1"/>
-                </a:solidFill>
-                <a:latin typeface="Klavika Light" panose="020B0506040000020004" pitchFamily="34" charset="0"/>
-              </a:rPr>
-              <a:t>Interpretation of Results</a:t>
-            </a:r>
-          </a:p>
-        </p:txBody>
-      </p:sp>
-      <p:sp>
-        <p:nvSpPr>
-          <p:cNvPr id="59" name="TextBox 58"/>
-          <p:cNvSpPr txBox="1"/>
-          <p:nvPr/>
-        </p:nvSpPr>
-        <p:spPr>
-          <a:xfrm>
-            <a:off x="17818771" y="34830367"/>
-            <a:ext cx="13716000" cy="1092607"/>
-          </a:xfrm>
-          <a:prstGeom prst="rect">
-            <a:avLst/>
-          </a:prstGeom>
-          <a:solidFill>
-            <a:srgbClr val="B7CCEB"/>
-          </a:solidFill>
-          <a:ln>
-            <a:noFill/>
-          </a:ln>
-        </p:spPr>
-        <p:txBody>
-          <a:bodyPr wrap="square" rtlCol="0">
-            <a:spAutoFit/>
-          </a:bodyPr>
-          <a:lstStyle/>
-          <a:p>
-            <a:pPr marL="342900" algn="ctr"/>
-            <a:r>
-              <a:rPr lang="en-US" sz="6500" dirty="0">
-                <a:solidFill>
-                  <a:schemeClr val="bg1"/>
-                </a:solidFill>
-                <a:latin typeface="Klavika Light" panose="020B0506040000020004" pitchFamily="34" charset="0"/>
-              </a:rPr>
-              <a:t>Conclusions</a:t>
-            </a:r>
-          </a:p>
-        </p:txBody>
-      </p:sp>
-      <p:sp>
-        <p:nvSpPr>
-          <p:cNvPr id="57" name="TextBox 56"/>
-          <p:cNvSpPr txBox="1"/>
-          <p:nvPr/>
-        </p:nvSpPr>
-        <p:spPr>
-          <a:xfrm>
-            <a:off x="17818771" y="6624176"/>
-            <a:ext cx="13716000" cy="1092607"/>
-          </a:xfrm>
-          <a:prstGeom prst="rect">
-            <a:avLst/>
-          </a:prstGeom>
-          <a:solidFill>
-            <a:srgbClr val="B7CCEB"/>
-          </a:solidFill>
-          <a:ln>
-            <a:noFill/>
-          </a:ln>
-        </p:spPr>
-        <p:txBody>
-          <a:bodyPr wrap="square" rtlCol="0">
-            <a:spAutoFit/>
-          </a:bodyPr>
-          <a:lstStyle/>
-          <a:p>
-            <a:pPr marL="342900" algn="ctr"/>
-            <a:r>
-              <a:rPr lang="en-US" sz="6500" dirty="0">
-                <a:solidFill>
-                  <a:schemeClr val="bg1"/>
-                </a:solidFill>
-                <a:latin typeface="Klavika Light" panose="020B0506040000020004" pitchFamily="34" charset="0"/>
-              </a:rPr>
-              <a:t>Algorithm Outline</a:t>
-            </a:r>
-          </a:p>
-        </p:txBody>
-      </p:sp>
       <p:pic>
         <p:nvPicPr>
-          <p:cNvPr id="15" name="Picture 14" descr="Logo, company name&#10;&#10;Description automatically generated">
+          <p:cNvPr id="13" name="Picture 12">
             <a:extLst>
               <a:ext uri="{FF2B5EF4-FFF2-40B4-BE49-F238E27FC236}">
-                <a16:creationId xmlns:a16="http://schemas.microsoft.com/office/drawing/2014/main" id="{CBF86C35-6D31-09BB-2C08-23770ED4AE2D}"/>
+                <a16:creationId xmlns:a16="http://schemas.microsoft.com/office/drawing/2014/main" id="{E4141EB8-7E05-918B-3BCC-192C5F6B091A}"/>
               </a:ext>
             </a:extLst>
           </p:cNvPr>
@@ -4175,8 +3119,8 @@
         </p:blipFill>
         <p:spPr>
           <a:xfrm>
-            <a:off x="28842789" y="1184797"/>
-            <a:ext cx="3432009" cy="4301961"/>
+            <a:off x="450932" y="7761779"/>
+            <a:ext cx="4389129" cy="3291847"/>
           </a:xfrm>
           <a:prstGeom prst="rect">
             <a:avLst/>
@@ -4185,10 +3129,10 @@
       </p:pic>
       <p:pic>
         <p:nvPicPr>
-          <p:cNvPr id="8" name="Picture 7">
+          <p:cNvPr id="28" name="Picture 27">
             <a:extLst>
               <a:ext uri="{FF2B5EF4-FFF2-40B4-BE49-F238E27FC236}">
-                <a16:creationId xmlns:a16="http://schemas.microsoft.com/office/drawing/2014/main" id="{660E2F5A-61B8-05F7-7416-53C22A6EFBA8}"/>
+                <a16:creationId xmlns:a16="http://schemas.microsoft.com/office/drawing/2014/main" id="{1A4358E2-2044-68DC-718F-2C00B07B7E67}"/>
               </a:ext>
             </a:extLst>
           </p:cNvPr>
@@ -4211,176 +3155,20 @@
         </p:blipFill>
         <p:spPr>
           <a:xfrm>
-            <a:off x="643601" y="1020853"/>
-            <a:ext cx="4061436" cy="4651135"/>
+            <a:off x="4349725" y="7839308"/>
+            <a:ext cx="4389129" cy="3291847"/>
           </a:xfrm>
           <a:prstGeom prst="rect">
             <a:avLst/>
           </a:prstGeom>
         </p:spPr>
       </p:pic>
-      <p:sp>
-        <p:nvSpPr>
-          <p:cNvPr id="9" name="TextBox 8">
+      <p:pic>
+        <p:nvPicPr>
+          <p:cNvPr id="2" name="Picture 1">
             <a:extLst>
               <a:ext uri="{FF2B5EF4-FFF2-40B4-BE49-F238E27FC236}">
-                <a16:creationId xmlns:a16="http://schemas.microsoft.com/office/drawing/2014/main" id="{7F2E57CA-3B39-DA70-B955-84CF5F21C56C}"/>
-              </a:ext>
-            </a:extLst>
-          </p:cNvPr>
-          <p:cNvSpPr txBox="1"/>
-          <p:nvPr/>
-        </p:nvSpPr>
-        <p:spPr>
-          <a:xfrm>
-            <a:off x="335762" y="20146378"/>
-            <a:ext cx="15819120" cy="4016484"/>
-          </a:xfrm>
-          <a:prstGeom prst="rect">
-            <a:avLst/>
-          </a:prstGeom>
-          <a:solidFill>
-            <a:schemeClr val="bg1"/>
-          </a:solidFill>
-          <a:ln w="127000">
-            <a:solidFill>
-              <a:schemeClr val="tx2"/>
-            </a:solidFill>
-          </a:ln>
-        </p:spPr>
-        <p:txBody>
-          <a:bodyPr wrap="square" rtlCol="0">
-            <a:spAutoFit/>
-          </a:bodyPr>
-          <a:lstStyle/>
-          <a:p>
-            <a:pPr marL="342900">
-              <a:spcAft>
-                <a:spcPts val="200"/>
-              </a:spcAft>
-            </a:pPr>
-            <a:endParaRPr lang="en-US" sz="4800" b="1" dirty="0">
-              <a:solidFill>
-                <a:srgbClr val="000000"/>
-              </a:solidFill>
-              <a:latin typeface="Calibri" panose="020F0502020204030204" pitchFamily="34" charset="0"/>
-            </a:endParaRPr>
-          </a:p>
-          <a:p>
-            <a:pPr marL="342900">
-              <a:spcAft>
-                <a:spcPts val="200"/>
-              </a:spcAft>
-            </a:pPr>
-            <a:r>
-              <a:rPr lang="en-US" sz="4800" dirty="0">
-                <a:solidFill>
-                  <a:srgbClr val="000000"/>
-                </a:solidFill>
-                <a:latin typeface="Calibri" panose="020F0502020204030204" pitchFamily="34" charset="0"/>
-              </a:rPr>
-              <a:t>Block Gibbs Sampler –It handles more complex models with lots of predictor variables.</a:t>
-            </a:r>
-            <a:endParaRPr lang="en-US" sz="4800" b="1" dirty="0">
-              <a:solidFill>
-                <a:srgbClr val="000000"/>
-              </a:solidFill>
-              <a:latin typeface="Calibri" panose="020F0502020204030204" pitchFamily="34" charset="0"/>
-            </a:endParaRPr>
-          </a:p>
-          <a:p>
-            <a:pPr marL="342900">
-              <a:spcAft>
-                <a:spcPts val="200"/>
-              </a:spcAft>
-            </a:pPr>
-            <a:r>
-              <a:rPr lang="en-US" sz="4800" dirty="0" err="1">
-                <a:solidFill>
-                  <a:srgbClr val="000000"/>
-                </a:solidFill>
-                <a:latin typeface="Calibri" panose="020F0502020204030204" pitchFamily="34" charset="0"/>
-              </a:rPr>
-              <a:t>Rstanarm</a:t>
-            </a:r>
-            <a:r>
-              <a:rPr lang="en-US" sz="4800" dirty="0">
-                <a:solidFill>
-                  <a:srgbClr val="000000"/>
-                </a:solidFill>
-                <a:latin typeface="Calibri" panose="020F0502020204030204" pitchFamily="34" charset="0"/>
-              </a:rPr>
-              <a:t> – Assumes distributions from the data, does not need to be given the prior distributions explicitly.</a:t>
-            </a:r>
-            <a:endParaRPr lang="en-US" sz="4800" b="1" dirty="0">
-              <a:solidFill>
-                <a:srgbClr val="000000"/>
-              </a:solidFill>
-              <a:latin typeface="Calibri" panose="020F0502020204030204" pitchFamily="34" charset="0"/>
-            </a:endParaRPr>
-          </a:p>
-          <a:p>
-            <a:pPr marL="342900">
-              <a:spcAft>
-                <a:spcPts val="200"/>
-              </a:spcAft>
-            </a:pPr>
-            <a:endParaRPr lang="en-US" sz="1000" dirty="0"/>
-          </a:p>
-        </p:txBody>
-      </p:sp>
-      <p:sp>
-        <p:nvSpPr>
-          <p:cNvPr id="10" name="TextBox 9">
-            <a:extLst>
-              <a:ext uri="{FF2B5EF4-FFF2-40B4-BE49-F238E27FC236}">
-                <a16:creationId xmlns:a16="http://schemas.microsoft.com/office/drawing/2014/main" id="{5F8C6B40-D82E-E6EC-6C8B-CEE6ABDBED1D}"/>
-              </a:ext>
-            </a:extLst>
-          </p:cNvPr>
-          <p:cNvSpPr txBox="1"/>
-          <p:nvPr/>
-        </p:nvSpPr>
-        <p:spPr>
-          <a:xfrm>
-            <a:off x="1345466" y="19600074"/>
-            <a:ext cx="13716000" cy="1092607"/>
-          </a:xfrm>
-          <a:prstGeom prst="rect">
-            <a:avLst/>
-          </a:prstGeom>
-          <a:solidFill>
-            <a:srgbClr val="B7CCEB"/>
-          </a:solidFill>
-          <a:ln>
-            <a:noFill/>
-          </a:ln>
-        </p:spPr>
-        <p:txBody>
-          <a:bodyPr wrap="square" rtlCol="0">
-            <a:spAutoFit/>
-          </a:bodyPr>
-          <a:lstStyle/>
-          <a:p>
-            <a:pPr marL="342900" algn="ctr"/>
-            <a:r>
-              <a:rPr lang="en-US" sz="6500" dirty="0">
-                <a:solidFill>
-                  <a:schemeClr val="bg1"/>
-                </a:solidFill>
-                <a:latin typeface="Klavika Light" panose="020B0506040000020004" pitchFamily="34" charset="0"/>
-              </a:rPr>
-              <a:t>Statement of Model &amp; Justification</a:t>
-            </a:r>
-          </a:p>
-        </p:txBody>
-      </p:sp>
-      <p:pic>
-        <p:nvPicPr>
-          <p:cNvPr id="3" name="Picture 2">
-            <a:extLst>
-              <a:ext uri="{FF2B5EF4-FFF2-40B4-BE49-F238E27FC236}">
-                <a16:creationId xmlns:a16="http://schemas.microsoft.com/office/drawing/2014/main" id="{40785407-9988-E522-1D72-177CFA983552}"/>
+                <a16:creationId xmlns:a16="http://schemas.microsoft.com/office/drawing/2014/main" id="{420C09BE-CC66-4BB0-8EEB-49F41128AA76}"/>
               </a:ext>
             </a:extLst>
           </p:cNvPr>
@@ -4403,8 +3191,8 @@
         </p:blipFill>
         <p:spPr>
           <a:xfrm>
-            <a:off x="3904276" y="31137227"/>
-            <a:ext cx="8562685" cy="5220373"/>
+            <a:off x="8280321" y="7830371"/>
+            <a:ext cx="4389129" cy="3291847"/>
           </a:xfrm>
           <a:prstGeom prst="rect">
             <a:avLst/>
@@ -4413,10 +3201,10 @@
       </p:pic>
       <p:pic>
         <p:nvPicPr>
-          <p:cNvPr id="17" name="Picture 16">
+          <p:cNvPr id="31" name="Picture 30">
             <a:extLst>
               <a:ext uri="{FF2B5EF4-FFF2-40B4-BE49-F238E27FC236}">
-                <a16:creationId xmlns:a16="http://schemas.microsoft.com/office/drawing/2014/main" id="{6A3F2765-ED26-77A8-343B-3ABAE27AC26A}"/>
+                <a16:creationId xmlns:a16="http://schemas.microsoft.com/office/drawing/2014/main" id="{1F170871-8043-9637-39D6-5E905A0296D2}"/>
               </a:ext>
             </a:extLst>
           </p:cNvPr>
@@ -4439,8 +3227,8 @@
         </p:blipFill>
         <p:spPr>
           <a:xfrm>
-            <a:off x="3929680" y="25929653"/>
-            <a:ext cx="8562684" cy="5052515"/>
+            <a:off x="12179114" y="7930489"/>
+            <a:ext cx="4199224" cy="3291847"/>
           </a:xfrm>
           <a:prstGeom prst="rect">
             <a:avLst/>
@@ -4449,10 +3237,46 @@
       </p:pic>
       <p:pic>
         <p:nvPicPr>
-          <p:cNvPr id="19" name="Picture 18">
+          <p:cNvPr id="16" name="Picture 15">
             <a:extLst>
               <a:ext uri="{FF2B5EF4-FFF2-40B4-BE49-F238E27FC236}">
-                <a16:creationId xmlns:a16="http://schemas.microsoft.com/office/drawing/2014/main" id="{80E80EB0-87E0-4444-34C3-6668441D2B2C}"/>
+                <a16:creationId xmlns:a16="http://schemas.microsoft.com/office/drawing/2014/main" id="{DC4DFC96-7DE4-2243-EFBC-B3E0AD2C37D6}"/>
+              </a:ext>
+            </a:extLst>
+          </p:cNvPr>
+          <p:cNvPicPr>
+            <a:picLocks noChangeAspect="1"/>
+          </p:cNvPicPr>
+          <p:nvPr/>
+        </p:nvPicPr>
+        <p:blipFill>
+          <a:blip r:embed="rId5">
+            <a:extLst>
+              <a:ext uri="{28A0092B-C50C-407E-A947-70E740481C1C}">
+                <a14:useLocalDpi xmlns:a14="http://schemas.microsoft.com/office/drawing/2010/main" val="0"/>
+              </a:ext>
+            </a:extLst>
+          </a:blip>
+          <a:stretch>
+            <a:fillRect/>
+          </a:stretch>
+        </p:blipFill>
+        <p:spPr>
+          <a:xfrm>
+            <a:off x="513277" y="11364311"/>
+            <a:ext cx="4389129" cy="3291847"/>
+          </a:xfrm>
+          <a:prstGeom prst="rect">
+            <a:avLst/>
+          </a:prstGeom>
+        </p:spPr>
+      </p:pic>
+      <p:pic>
+        <p:nvPicPr>
+          <p:cNvPr id="21" name="Picture 20">
+            <a:extLst>
+              <a:ext uri="{FF2B5EF4-FFF2-40B4-BE49-F238E27FC236}">
+                <a16:creationId xmlns:a16="http://schemas.microsoft.com/office/drawing/2014/main" id="{D4A8C1F9-80A2-C49D-72CC-A69CC9903401}"/>
               </a:ext>
             </a:extLst>
           </p:cNvPr>
@@ -4475,8 +3299,8 @@
         </p:blipFill>
         <p:spPr>
           <a:xfrm>
-            <a:off x="4680618" y="36871650"/>
-            <a:ext cx="8750293" cy="5433473"/>
+            <a:off x="4349724" y="11364312"/>
+            <a:ext cx="4389129" cy="3291847"/>
           </a:xfrm>
           <a:prstGeom prst="rect">
             <a:avLst/>
@@ -4485,10 +3309,46 @@
       </p:pic>
       <p:pic>
         <p:nvPicPr>
-          <p:cNvPr id="13" name="Picture 12">
+          <p:cNvPr id="25" name="Picture 24">
             <a:extLst>
               <a:ext uri="{FF2B5EF4-FFF2-40B4-BE49-F238E27FC236}">
-                <a16:creationId xmlns:a16="http://schemas.microsoft.com/office/drawing/2014/main" id="{E4141EB8-7E05-918B-3BCC-192C5F6B091A}"/>
+                <a16:creationId xmlns:a16="http://schemas.microsoft.com/office/drawing/2014/main" id="{C989FA38-3F13-9DAA-4271-9C56CA7BE216}"/>
+              </a:ext>
+            </a:extLst>
+          </p:cNvPr>
+          <p:cNvPicPr>
+            <a:picLocks noChangeAspect="1"/>
+          </p:cNvPicPr>
+          <p:nvPr/>
+        </p:nvPicPr>
+        <p:blipFill>
+          <a:blip r:embed="rId4">
+            <a:extLst>
+              <a:ext uri="{28A0092B-C50C-407E-A947-70E740481C1C}">
+                <a14:useLocalDpi xmlns:a14="http://schemas.microsoft.com/office/drawing/2010/main" val="0"/>
+              </a:ext>
+            </a:extLst>
+          </a:blip>
+          <a:stretch>
+            <a:fillRect/>
+          </a:stretch>
+        </p:blipFill>
+        <p:spPr>
+          <a:xfrm>
+            <a:off x="8457507" y="11355375"/>
+            <a:ext cx="4389129" cy="3291847"/>
+          </a:xfrm>
+          <a:prstGeom prst="rect">
+            <a:avLst/>
+          </a:prstGeom>
+        </p:spPr>
+      </p:pic>
+      <p:pic>
+        <p:nvPicPr>
+          <p:cNvPr id="18" name="Picture 17">
+            <a:extLst>
+              <a:ext uri="{FF2B5EF4-FFF2-40B4-BE49-F238E27FC236}">
+                <a16:creationId xmlns:a16="http://schemas.microsoft.com/office/drawing/2014/main" id="{BED0372F-052B-17D7-9372-56396D209E14}"/>
               </a:ext>
             </a:extLst>
           </p:cNvPr>
@@ -4511,20 +3371,1005 @@
         </p:blipFill>
         <p:spPr>
           <a:xfrm>
-            <a:off x="845515" y="8005850"/>
-            <a:ext cx="3657608" cy="2743206"/>
+            <a:off x="12308362" y="11324529"/>
+            <a:ext cx="4389129" cy="3291847"/>
           </a:xfrm>
           <a:prstGeom prst="rect">
             <a:avLst/>
           </a:prstGeom>
         </p:spPr>
       </p:pic>
+      <p:sp>
+        <p:nvSpPr>
+          <p:cNvPr id="62" name="TextBox 61"/>
+          <p:cNvSpPr txBox="1"/>
+          <p:nvPr/>
+        </p:nvSpPr>
+        <p:spPr>
+          <a:xfrm>
+            <a:off x="16677866" y="7168897"/>
+            <a:ext cx="15819120" cy="17020044"/>
+          </a:xfrm>
+          <a:prstGeom prst="rect">
+            <a:avLst/>
+          </a:prstGeom>
+          <a:noFill/>
+          <a:ln w="127000">
+            <a:solidFill>
+              <a:schemeClr val="tx2"/>
+            </a:solidFill>
+          </a:ln>
+        </p:spPr>
+        <p:txBody>
+          <a:bodyPr wrap="square" rtlCol="0">
+            <a:spAutoFit/>
+          </a:bodyPr>
+          <a:lstStyle/>
+          <a:p>
+            <a:pPr marL="346075"/>
+            <a:endParaRPr lang="en-US" sz="4400" dirty="0">
+              <a:latin typeface="Klavika Light" panose="020B0506040000020004" pitchFamily="34" charset="0"/>
+            </a:endParaRPr>
+          </a:p>
+          <a:p>
+            <a:pPr marL="346075"/>
+            <a:endParaRPr lang="en-US" sz="4400" dirty="0">
+              <a:latin typeface="Klavika Light" panose="020B0506040000020004" pitchFamily="34" charset="0"/>
+            </a:endParaRPr>
+          </a:p>
+          <a:p>
+            <a:pPr marL="346075"/>
+            <a:endParaRPr lang="en-US" sz="4400" dirty="0">
+              <a:latin typeface="Klavika Light" panose="020B0506040000020004" pitchFamily="34" charset="0"/>
+            </a:endParaRPr>
+          </a:p>
+          <a:p>
+            <a:pPr marL="346075"/>
+            <a:endParaRPr lang="en-US" sz="4400" dirty="0">
+              <a:latin typeface="Klavika Light" panose="020B0506040000020004" pitchFamily="34" charset="0"/>
+            </a:endParaRPr>
+          </a:p>
+          <a:p>
+            <a:pPr marL="346075"/>
+            <a:endParaRPr lang="en-US" sz="4400" dirty="0">
+              <a:latin typeface="Klavika Light" panose="020B0506040000020004" pitchFamily="34" charset="0"/>
+            </a:endParaRPr>
+          </a:p>
+          <a:p>
+            <a:pPr marL="346075"/>
+            <a:endParaRPr lang="en-US" sz="4400" dirty="0">
+              <a:latin typeface="Klavika Light" panose="020B0506040000020004" pitchFamily="34" charset="0"/>
+            </a:endParaRPr>
+          </a:p>
+          <a:p>
+            <a:pPr marL="346075"/>
+            <a:endParaRPr lang="en-US" sz="4400" dirty="0">
+              <a:latin typeface="Klavika Light" panose="020B0506040000020004" pitchFamily="34" charset="0"/>
+            </a:endParaRPr>
+          </a:p>
+          <a:p>
+            <a:pPr marL="346075"/>
+            <a:r>
+              <a:rPr lang="en-US" sz="4400" b="1" dirty="0">
+                <a:latin typeface="Klavika Light" panose="020B0506040000020004" pitchFamily="34" charset="0"/>
+              </a:rPr>
+              <a:t>Response variable: </a:t>
+            </a:r>
+            <a:r>
+              <a:rPr lang="en-US" sz="4400" dirty="0">
+                <a:latin typeface="Klavika Light" panose="020B0506040000020004" pitchFamily="34" charset="0"/>
+              </a:rPr>
+              <a:t>average_score</a:t>
+            </a:r>
+          </a:p>
+          <a:p>
+            <a:pPr marL="346075"/>
+            <a:r>
+              <a:rPr lang="en-US" sz="4400" b="1" dirty="0">
+                <a:latin typeface="Klavika Light" panose="020B0506040000020004" pitchFamily="34" charset="0"/>
+              </a:rPr>
+              <a:t>Predictor variables: </a:t>
+            </a:r>
+            <a:r>
+              <a:rPr lang="en-US" sz="4400" dirty="0">
+                <a:latin typeface="Klavika Light" panose="020B0506040000020004" pitchFamily="34" charset="0"/>
+              </a:rPr>
+              <a:t>part_time_job, absence_days, extracurricular_activities, self_study_hours</a:t>
+            </a:r>
+          </a:p>
+          <a:p>
+            <a:pPr marL="346075"/>
+            <a:endParaRPr lang="en-US" sz="4400" dirty="0">
+              <a:latin typeface="Klavika Light" panose="020B0506040000020004" pitchFamily="34" charset="0"/>
+            </a:endParaRPr>
+          </a:p>
+          <a:p>
+            <a:pPr marL="346075"/>
+            <a:r>
+              <a:rPr lang="en-US" sz="4400" dirty="0">
+                <a:latin typeface="Klavika Light" panose="020B0506040000020004" pitchFamily="34" charset="0"/>
+              </a:rPr>
+              <a:t>Design Matrix: </a:t>
+            </a:r>
+            <a:r>
+              <a:rPr lang="en-US" sz="4400" dirty="0" err="1">
+                <a:latin typeface="Klavika Light" panose="020B0506040000020004" pitchFamily="34" charset="0"/>
+              </a:rPr>
+              <a:t>cbind</a:t>
+            </a:r>
+            <a:r>
+              <a:rPr lang="en-US" sz="4400" dirty="0">
+                <a:latin typeface="Klavika Light" panose="020B0506040000020004" pitchFamily="34" charset="0"/>
+              </a:rPr>
+              <a:t>(1, x1, x2, x3, x4)</a:t>
+            </a:r>
+          </a:p>
+          <a:p>
+            <a:pPr marL="346075"/>
+            <a:endParaRPr lang="en-US" sz="4400" dirty="0">
+              <a:latin typeface="Klavika Light" panose="020B0506040000020004" pitchFamily="34" charset="0"/>
+            </a:endParaRPr>
+          </a:p>
+          <a:p>
+            <a:pPr marL="346075"/>
+            <a:r>
+              <a:rPr lang="en-US" sz="4400" dirty="0">
+                <a:latin typeface="Klavika Light" panose="020B0506040000020004" pitchFamily="34" charset="0"/>
+              </a:rPr>
+              <a:t>#Gave values for Hyperparameters </a:t>
+            </a:r>
+          </a:p>
+          <a:p>
+            <a:pPr marL="346075"/>
+            <a:endParaRPr lang="en-US" sz="4400" dirty="0">
+              <a:latin typeface="Klavika Light" panose="020B0506040000020004" pitchFamily="34" charset="0"/>
+            </a:endParaRPr>
+          </a:p>
+          <a:p>
+            <a:pPr marL="346075"/>
+            <a:r>
+              <a:rPr lang="en-US" sz="4400" dirty="0">
+                <a:latin typeface="Klavika Light" panose="020B0506040000020004" pitchFamily="34" charset="0"/>
+              </a:rPr>
+              <a:t>#Place to store data</a:t>
+            </a:r>
+          </a:p>
+          <a:p>
+            <a:pPr marL="346075"/>
+            <a:endParaRPr lang="en-US" sz="4400" dirty="0">
+              <a:latin typeface="Klavika Light" panose="020B0506040000020004" pitchFamily="34" charset="0"/>
+            </a:endParaRPr>
+          </a:p>
+          <a:p>
+            <a:pPr marL="346075"/>
+            <a:r>
+              <a:rPr lang="en-US" sz="4400" dirty="0">
+                <a:latin typeface="Klavika Light" panose="020B0506040000020004" pitchFamily="34" charset="0"/>
+              </a:rPr>
+              <a:t>#For loop </a:t>
+            </a:r>
+          </a:p>
+          <a:p>
+            <a:pPr marL="346075"/>
+            <a:r>
+              <a:rPr lang="en-US" sz="4400" dirty="0">
+                <a:latin typeface="Klavika Light" panose="020B0506040000020004" pitchFamily="34" charset="0"/>
+              </a:rPr>
+              <a:t>* Update beta</a:t>
+            </a:r>
+          </a:p>
+          <a:p>
+            <a:pPr marL="346075"/>
+            <a:r>
+              <a:rPr lang="en-US" sz="4400" dirty="0">
+                <a:latin typeface="Klavika Light" panose="020B0506040000020004" pitchFamily="34" charset="0"/>
+              </a:rPr>
+              <a:t>* Update Sig2</a:t>
+            </a:r>
+          </a:p>
+          <a:p>
+            <a:pPr marL="346075"/>
+            <a:endParaRPr lang="en-US" sz="4400" dirty="0">
+              <a:latin typeface="Klavika Light" panose="020B0506040000020004" pitchFamily="34" charset="0"/>
+            </a:endParaRPr>
+          </a:p>
+          <a:p>
+            <a:pPr marL="346075"/>
+            <a:r>
+              <a:rPr lang="en-US" sz="4400" dirty="0">
+                <a:latin typeface="Klavika Light" panose="020B0506040000020004" pitchFamily="34" charset="0"/>
+              </a:rPr>
+              <a:t>#Store results</a:t>
+            </a:r>
+          </a:p>
+          <a:p>
+            <a:pPr marL="346075"/>
+            <a:endParaRPr lang="en-US" sz="4400" dirty="0">
+              <a:latin typeface="Klavika Light" panose="020B0506040000020004" pitchFamily="34" charset="0"/>
+            </a:endParaRPr>
+          </a:p>
+          <a:p>
+            <a:pPr marL="346075"/>
+            <a:r>
+              <a:rPr lang="en-US" sz="4400" dirty="0">
+                <a:latin typeface="Klavika Light" panose="020B0506040000020004" pitchFamily="34" charset="0"/>
+              </a:rPr>
+              <a:t>#Remove burn-in</a:t>
+            </a:r>
+          </a:p>
+          <a:p>
+            <a:pPr marL="346075"/>
+            <a:endParaRPr lang="en-US" sz="4400" dirty="0">
+              <a:latin typeface="Klavika Light" panose="020B0506040000020004" pitchFamily="34" charset="0"/>
+            </a:endParaRPr>
+          </a:p>
+        </p:txBody>
+      </p:sp>
+      <p:sp>
+        <p:nvSpPr>
+          <p:cNvPr id="32" name="TextBox 31"/>
+          <p:cNvSpPr txBox="1"/>
+          <p:nvPr/>
+        </p:nvSpPr>
+        <p:spPr>
+          <a:xfrm>
+            <a:off x="373289" y="25014034"/>
+            <a:ext cx="15819120" cy="17753578"/>
+          </a:xfrm>
+          <a:prstGeom prst="rect">
+            <a:avLst/>
+          </a:prstGeom>
+          <a:solidFill>
+            <a:schemeClr val="bg1"/>
+          </a:solidFill>
+          <a:ln w="127000">
+            <a:solidFill>
+              <a:schemeClr val="tx2"/>
+            </a:solidFill>
+          </a:ln>
+        </p:spPr>
+        <p:txBody>
+          <a:bodyPr wrap="square" rtlCol="0">
+            <a:spAutoFit/>
+          </a:bodyPr>
+          <a:lstStyle/>
+          <a:p>
+            <a:pPr marL="457200">
+              <a:spcBef>
+                <a:spcPts val="150"/>
+              </a:spcBef>
+            </a:pPr>
+            <a:endParaRPr lang="en-US" sz="1200" dirty="0"/>
+          </a:p>
+          <a:p>
+            <a:pPr marL="457200">
+              <a:spcBef>
+                <a:spcPts val="150"/>
+              </a:spcBef>
+            </a:pPr>
+            <a:endParaRPr lang="en-US" sz="1200" dirty="0"/>
+          </a:p>
+          <a:p>
+            <a:endParaRPr lang="en-US" sz="4400" dirty="0"/>
+          </a:p>
+          <a:p>
+            <a:endParaRPr lang="en-US" sz="4000" dirty="0"/>
+          </a:p>
+          <a:p>
+            <a:endParaRPr lang="en-US" sz="4000" dirty="0"/>
+          </a:p>
+          <a:p>
+            <a:endParaRPr lang="en-US" sz="4000" dirty="0"/>
+          </a:p>
+          <a:p>
+            <a:endParaRPr lang="en-US" sz="4000" dirty="0"/>
+          </a:p>
+          <a:p>
+            <a:endParaRPr lang="en-US" sz="4000" dirty="0"/>
+          </a:p>
+          <a:p>
+            <a:endParaRPr lang="en-US" sz="4000" dirty="0"/>
+          </a:p>
+          <a:p>
+            <a:endParaRPr lang="en-US" sz="4000" dirty="0"/>
+          </a:p>
+          <a:p>
+            <a:endParaRPr lang="en-US" sz="4000" dirty="0"/>
+          </a:p>
+          <a:p>
+            <a:endParaRPr lang="en-US" sz="4000" dirty="0"/>
+          </a:p>
+          <a:p>
+            <a:endParaRPr lang="en-US" sz="4000" dirty="0"/>
+          </a:p>
+          <a:p>
+            <a:endParaRPr lang="en-US" sz="4000" dirty="0"/>
+          </a:p>
+          <a:p>
+            <a:endParaRPr lang="en-US" sz="4000" dirty="0"/>
+          </a:p>
+          <a:p>
+            <a:endParaRPr lang="en-US" sz="4000" dirty="0"/>
+          </a:p>
+          <a:p>
+            <a:endParaRPr lang="en-US" sz="4000" dirty="0"/>
+          </a:p>
+          <a:p>
+            <a:endParaRPr lang="en-US" sz="4000" dirty="0"/>
+          </a:p>
+          <a:p>
+            <a:endParaRPr lang="en-US" sz="4000" dirty="0"/>
+          </a:p>
+          <a:p>
+            <a:endParaRPr lang="en-US" sz="4000" dirty="0"/>
+          </a:p>
+          <a:p>
+            <a:endParaRPr lang="en-US" sz="4000" dirty="0"/>
+          </a:p>
+          <a:p>
+            <a:endParaRPr lang="en-US" sz="4000" dirty="0"/>
+          </a:p>
+          <a:p>
+            <a:endParaRPr lang="en-US" sz="4000" dirty="0"/>
+          </a:p>
+          <a:p>
+            <a:endParaRPr lang="en-US" sz="4000" dirty="0"/>
+          </a:p>
+          <a:p>
+            <a:endParaRPr lang="en-US" sz="4000" dirty="0"/>
+          </a:p>
+          <a:p>
+            <a:endParaRPr lang="en-US" sz="4000" dirty="0"/>
+          </a:p>
+          <a:p>
+            <a:endParaRPr lang="en-US" sz="4000" dirty="0"/>
+          </a:p>
+          <a:p>
+            <a:endParaRPr lang="en-US" dirty="0"/>
+          </a:p>
+          <a:p>
+            <a:endParaRPr lang="en-US" dirty="0"/>
+          </a:p>
+          <a:p>
+            <a:endParaRPr lang="en-US" dirty="0"/>
+          </a:p>
+          <a:p>
+            <a:endParaRPr lang="en-US" sz="800" dirty="0"/>
+          </a:p>
+          <a:p>
+            <a:endParaRPr lang="en-US" sz="800" dirty="0"/>
+          </a:p>
+          <a:p>
+            <a:r>
+              <a:rPr lang="en-US" sz="800" dirty="0"/>
+              <a:t>.</a:t>
+            </a:r>
+          </a:p>
+          <a:p>
+            <a:endParaRPr lang="en-US" sz="800" dirty="0"/>
+          </a:p>
+          <a:p>
+            <a:endParaRPr lang="en-US" sz="800" dirty="0"/>
+          </a:p>
+          <a:p>
+            <a:endParaRPr lang="en-US" sz="800" dirty="0"/>
+          </a:p>
+        </p:txBody>
+      </p:sp>
+      <p:sp>
+        <p:nvSpPr>
+          <p:cNvPr id="14" name="TextBox 13"/>
+          <p:cNvSpPr txBox="1"/>
+          <p:nvPr/>
+        </p:nvSpPr>
+        <p:spPr>
+          <a:xfrm>
+            <a:off x="335762" y="15889289"/>
+            <a:ext cx="15819120" cy="3252172"/>
+          </a:xfrm>
+          <a:prstGeom prst="rect">
+            <a:avLst/>
+          </a:prstGeom>
+          <a:solidFill>
+            <a:schemeClr val="bg1"/>
+          </a:solidFill>
+          <a:ln w="127000">
+            <a:solidFill>
+              <a:schemeClr val="tx2"/>
+            </a:solidFill>
+          </a:ln>
+        </p:spPr>
+        <p:txBody>
+          <a:bodyPr wrap="square" rtlCol="0">
+            <a:spAutoFit/>
+          </a:bodyPr>
+          <a:lstStyle/>
+          <a:p>
+            <a:pPr marL="342900">
+              <a:spcAft>
+                <a:spcPts val="200"/>
+              </a:spcAft>
+            </a:pPr>
+            <a:endParaRPr lang="en-US" sz="4800" b="1" dirty="0">
+              <a:solidFill>
+                <a:srgbClr val="000000"/>
+              </a:solidFill>
+              <a:latin typeface="Calibri" panose="020F0502020204030204" pitchFamily="34" charset="0"/>
+            </a:endParaRPr>
+          </a:p>
+          <a:p>
+            <a:pPr marL="342900">
+              <a:spcAft>
+                <a:spcPts val="200"/>
+              </a:spcAft>
+            </a:pPr>
+            <a:r>
+              <a:rPr lang="en-US" sz="4800" dirty="0"/>
+              <a:t>What are the effects of part_time_job, absence_days, extracurricular_activities, weekly_self_study_hours have on student performance (average_score).</a:t>
+            </a:r>
+            <a:endParaRPr lang="en-US" sz="4800" b="1" dirty="0">
+              <a:solidFill>
+                <a:srgbClr val="000000"/>
+              </a:solidFill>
+              <a:latin typeface="Calibri" panose="020F0502020204030204" pitchFamily="34" charset="0"/>
+            </a:endParaRPr>
+          </a:p>
+          <a:p>
+            <a:pPr marL="342900">
+              <a:spcAft>
+                <a:spcPts val="200"/>
+              </a:spcAft>
+            </a:pPr>
+            <a:endParaRPr lang="en-US" sz="1000" dirty="0"/>
+          </a:p>
+        </p:txBody>
+      </p:sp>
+      <p:sp>
+        <p:nvSpPr>
+          <p:cNvPr id="4" name="Rectangle 3"/>
+          <p:cNvSpPr/>
+          <p:nvPr/>
+        </p:nvSpPr>
+        <p:spPr>
+          <a:xfrm>
+            <a:off x="411480" y="411481"/>
+            <a:ext cx="32085506" cy="5828482"/>
+          </a:xfrm>
+          <a:prstGeom prst="rect">
+            <a:avLst/>
+          </a:prstGeom>
+          <a:solidFill>
+            <a:schemeClr val="bg1"/>
+          </a:solidFill>
+          <a:ln w="127000">
+            <a:solidFill>
+              <a:schemeClr val="tx2"/>
+            </a:solidFill>
+          </a:ln>
+        </p:spPr>
+        <p:style>
+          <a:lnRef idx="2">
+            <a:schemeClr val="accent1">
+              <a:shade val="50000"/>
+            </a:schemeClr>
+          </a:lnRef>
+          <a:fillRef idx="1">
+            <a:schemeClr val="accent1"/>
+          </a:fillRef>
+          <a:effectRef idx="0">
+            <a:schemeClr val="accent1"/>
+          </a:effectRef>
+          <a:fontRef idx="minor">
+            <a:schemeClr val="lt1"/>
+          </a:fontRef>
+        </p:style>
+        <p:txBody>
+          <a:bodyPr rtlCol="0" anchor="ctr"/>
+          <a:lstStyle/>
+          <a:p>
+            <a:pPr algn="ctr"/>
+            <a:endParaRPr lang="en-US" dirty="0"/>
+          </a:p>
+        </p:txBody>
+      </p:sp>
+      <p:sp>
+        <p:nvSpPr>
+          <p:cNvPr id="5" name="TextBox 4"/>
+          <p:cNvSpPr txBox="1"/>
+          <p:nvPr/>
+        </p:nvSpPr>
+        <p:spPr>
+          <a:xfrm>
+            <a:off x="6844936" y="600368"/>
+            <a:ext cx="17739361" cy="1569660"/>
+          </a:xfrm>
+          <a:prstGeom prst="rect">
+            <a:avLst/>
+          </a:prstGeom>
+          <a:noFill/>
+        </p:spPr>
+        <p:txBody>
+          <a:bodyPr wrap="square" rtlCol="0">
+            <a:spAutoFit/>
+          </a:bodyPr>
+          <a:lstStyle/>
+          <a:p>
+            <a:pPr algn="ctr"/>
+            <a:r>
+              <a:rPr lang="en-US" sz="9600" dirty="0">
+                <a:solidFill>
+                  <a:srgbClr val="000000"/>
+                </a:solidFill>
+                <a:latin typeface="Calibri" panose="020F0502020204030204" pitchFamily="34" charset="0"/>
+              </a:rPr>
+              <a:t>Student Performance | Group I</a:t>
+            </a:r>
+            <a:endParaRPr lang="en-US" sz="12100" dirty="0">
+              <a:latin typeface="Vitesse Bold" pitchFamily="50" charset="0"/>
+            </a:endParaRPr>
+          </a:p>
+        </p:txBody>
+      </p:sp>
+      <p:sp>
+        <p:nvSpPr>
+          <p:cNvPr id="6" name="TextBox 5"/>
+          <p:cNvSpPr txBox="1"/>
+          <p:nvPr/>
+        </p:nvSpPr>
+        <p:spPr>
+          <a:xfrm>
+            <a:off x="6844937" y="4084746"/>
+            <a:ext cx="18653759" cy="861774"/>
+          </a:xfrm>
+          <a:prstGeom prst="rect">
+            <a:avLst/>
+          </a:prstGeom>
+          <a:noFill/>
+        </p:spPr>
+        <p:txBody>
+          <a:bodyPr wrap="square" rtlCol="0">
+            <a:spAutoFit/>
+          </a:bodyPr>
+          <a:lstStyle/>
+          <a:p>
+            <a:r>
+              <a:rPr lang="en-US" sz="5000" dirty="0">
+                <a:latin typeface="Klavika Condensed" panose="020B0506040000020004" pitchFamily="34" charset="0"/>
+              </a:rPr>
+              <a:t>Authors: Andrew Henderson, Carlos Mabrey, Seth Hillis, Jessica Reyes</a:t>
+            </a:r>
+            <a:endParaRPr lang="en-US" sz="5000" baseline="30000" dirty="0">
+              <a:latin typeface="Klavika Condensed" panose="020B0506040000020004" pitchFamily="34" charset="0"/>
+            </a:endParaRPr>
+          </a:p>
+        </p:txBody>
+      </p:sp>
+      <p:sp>
+        <p:nvSpPr>
+          <p:cNvPr id="7" name="TextBox 6"/>
+          <p:cNvSpPr txBox="1"/>
+          <p:nvPr/>
+        </p:nvSpPr>
+        <p:spPr>
+          <a:xfrm>
+            <a:off x="6844937" y="5163085"/>
+            <a:ext cx="12932229" cy="707886"/>
+          </a:xfrm>
+          <a:prstGeom prst="rect">
+            <a:avLst/>
+          </a:prstGeom>
+          <a:noFill/>
+        </p:spPr>
+        <p:txBody>
+          <a:bodyPr wrap="square" rtlCol="0">
+            <a:spAutoFit/>
+          </a:bodyPr>
+          <a:lstStyle/>
+          <a:p>
+            <a:r>
+              <a:rPr lang="en-US" sz="4000" dirty="0">
+                <a:latin typeface="Klavika Light" panose="020B0506040000020004" pitchFamily="34" charset="0"/>
+              </a:rPr>
+              <a:t>STAT 440 | Bayesian Data Analysis - Colorado State University</a:t>
+            </a:r>
+          </a:p>
+        </p:txBody>
+      </p:sp>
+      <p:sp>
+        <p:nvSpPr>
+          <p:cNvPr id="27" name="TextBox 26"/>
+          <p:cNvSpPr txBox="1"/>
+          <p:nvPr/>
+        </p:nvSpPr>
+        <p:spPr>
+          <a:xfrm>
+            <a:off x="16767211" y="25162398"/>
+            <a:ext cx="15819120" cy="9110186"/>
+          </a:xfrm>
+          <a:prstGeom prst="rect">
+            <a:avLst/>
+          </a:prstGeom>
+          <a:solidFill>
+            <a:schemeClr val="bg1"/>
+          </a:solidFill>
+          <a:ln w="127000">
+            <a:solidFill>
+              <a:schemeClr val="tx2"/>
+            </a:solidFill>
+          </a:ln>
+        </p:spPr>
+        <p:txBody>
+          <a:bodyPr wrap="square" rtlCol="0">
+            <a:spAutoFit/>
+          </a:bodyPr>
+          <a:lstStyle/>
+          <a:p>
+            <a:pPr marL="342900"/>
+            <a:endParaRPr lang="en-US" sz="4800" dirty="0">
+              <a:latin typeface="Klavika Light" panose="020B0506040000020004" pitchFamily="34" charset="0"/>
+            </a:endParaRPr>
+          </a:p>
+          <a:p>
+            <a:pPr marL="342900"/>
+            <a:endParaRPr lang="en-US" sz="4800" dirty="0">
+              <a:latin typeface="Klavika Light" panose="020B0506040000020004" pitchFamily="34" charset="0"/>
+            </a:endParaRPr>
+          </a:p>
+          <a:p>
+            <a:pPr marL="342900"/>
+            <a:endParaRPr lang="en-US" sz="4800" dirty="0">
+              <a:latin typeface="Klavika Light" panose="020B0506040000020004" pitchFamily="34" charset="0"/>
+            </a:endParaRPr>
+          </a:p>
+          <a:p>
+            <a:pPr marL="342900"/>
+            <a:endParaRPr lang="en-US" sz="4800" dirty="0">
+              <a:latin typeface="Klavika Light" panose="020B0506040000020004" pitchFamily="34" charset="0"/>
+            </a:endParaRPr>
+          </a:p>
+          <a:p>
+            <a:pPr marL="342900"/>
+            <a:endParaRPr lang="en-US" sz="4800" dirty="0">
+              <a:latin typeface="Klavika Light" panose="020B0506040000020004" pitchFamily="34" charset="0"/>
+            </a:endParaRPr>
+          </a:p>
+          <a:p>
+            <a:pPr marL="342900"/>
+            <a:endParaRPr lang="en-US" sz="4800" dirty="0">
+              <a:latin typeface="Klavika Light" panose="020B0506040000020004" pitchFamily="34" charset="0"/>
+            </a:endParaRPr>
+          </a:p>
+          <a:p>
+            <a:pPr marL="342900"/>
+            <a:endParaRPr lang="en-US" sz="4800" dirty="0">
+              <a:latin typeface="Klavika Light" panose="020B0506040000020004" pitchFamily="34" charset="0"/>
+            </a:endParaRPr>
+          </a:p>
+          <a:p>
+            <a:pPr marL="342900"/>
+            <a:endParaRPr lang="en-US" sz="4800" dirty="0">
+              <a:latin typeface="Klavika Light" panose="020B0506040000020004" pitchFamily="34" charset="0"/>
+            </a:endParaRPr>
+          </a:p>
+          <a:p>
+            <a:pPr marL="342900"/>
+            <a:endParaRPr lang="en-US" sz="4800" dirty="0">
+              <a:latin typeface="Klavika Light" panose="020B0506040000020004" pitchFamily="34" charset="0"/>
+            </a:endParaRPr>
+          </a:p>
+          <a:p>
+            <a:pPr marL="342900"/>
+            <a:endParaRPr lang="en-US" sz="4800" dirty="0">
+              <a:latin typeface="Klavika Light" panose="020B0506040000020004" pitchFamily="34" charset="0"/>
+            </a:endParaRPr>
+          </a:p>
+          <a:p>
+            <a:pPr marL="342900"/>
+            <a:endParaRPr lang="en-US" sz="4800" dirty="0">
+              <a:latin typeface="Klavika Light" panose="020B0506040000020004" pitchFamily="34" charset="0"/>
+            </a:endParaRPr>
+          </a:p>
+          <a:p>
+            <a:pPr marL="342900"/>
+            <a:endParaRPr lang="en-US" sz="4800" dirty="0">
+              <a:latin typeface="Klavika Light" panose="020B0506040000020004" pitchFamily="34" charset="0"/>
+            </a:endParaRPr>
+          </a:p>
+          <a:p>
+            <a:pPr marL="1028700" indent="-685800">
+              <a:buFont typeface="Wingdings" panose="05000000000000000000" pitchFamily="2" charset="2"/>
+              <a:buChar char="§"/>
+            </a:pPr>
+            <a:endParaRPr lang="en-US" sz="1000" dirty="0"/>
+          </a:p>
+        </p:txBody>
+      </p:sp>
+      <p:sp>
+        <p:nvSpPr>
+          <p:cNvPr id="29" name="TextBox 28"/>
+          <p:cNvSpPr txBox="1"/>
+          <p:nvPr/>
+        </p:nvSpPr>
+        <p:spPr>
+          <a:xfrm>
+            <a:off x="16725993" y="35412098"/>
+            <a:ext cx="15819120" cy="7294305"/>
+          </a:xfrm>
+          <a:prstGeom prst="rect">
+            <a:avLst/>
+          </a:prstGeom>
+          <a:solidFill>
+            <a:schemeClr val="bg1"/>
+          </a:solidFill>
+          <a:ln w="127000">
+            <a:solidFill>
+              <a:schemeClr val="tx2"/>
+            </a:solidFill>
+          </a:ln>
+        </p:spPr>
+        <p:txBody>
+          <a:bodyPr wrap="square" rtlCol="0">
+            <a:spAutoFit/>
+          </a:bodyPr>
+          <a:lstStyle/>
+          <a:p>
+            <a:pPr marL="342900"/>
+            <a:endParaRPr lang="en-US" sz="3200" dirty="0"/>
+          </a:p>
+          <a:p>
+            <a:endParaRPr lang="en-US" sz="3200" dirty="0"/>
+          </a:p>
+          <a:p>
+            <a:endParaRPr lang="en-US" sz="3200" dirty="0"/>
+          </a:p>
+          <a:p>
+            <a:endParaRPr lang="en-US" sz="3200" dirty="0"/>
+          </a:p>
+          <a:p>
+            <a:endParaRPr lang="en-US" sz="3200" dirty="0"/>
+          </a:p>
+          <a:p>
+            <a:endParaRPr lang="en-US" sz="3200" dirty="0"/>
+          </a:p>
+          <a:p>
+            <a:endParaRPr lang="en-US" sz="3200" dirty="0"/>
+          </a:p>
+          <a:p>
+            <a:endParaRPr lang="en-US" sz="3200" dirty="0"/>
+          </a:p>
+          <a:p>
+            <a:endParaRPr lang="en-US" sz="3200" dirty="0"/>
+          </a:p>
+          <a:p>
+            <a:endParaRPr lang="en-US" sz="3200" dirty="0"/>
+          </a:p>
+          <a:p>
+            <a:endParaRPr lang="en-US" sz="3200" dirty="0"/>
+          </a:p>
+          <a:p>
+            <a:endParaRPr lang="en-US" sz="3200" dirty="0"/>
+          </a:p>
+          <a:p>
+            <a:endParaRPr lang="en-US" sz="3200" dirty="0"/>
+          </a:p>
+          <a:p>
+            <a:endParaRPr lang="en-US" sz="3200" dirty="0"/>
+          </a:p>
+          <a:p>
+            <a:endParaRPr lang="en-US" sz="1000" dirty="0"/>
+          </a:p>
+          <a:p>
+            <a:pPr marL="342900"/>
+            <a:endParaRPr lang="en-US" sz="1000" dirty="0"/>
+          </a:p>
+        </p:txBody>
+      </p:sp>
+      <p:sp>
+        <p:nvSpPr>
+          <p:cNvPr id="49" name="TextBox 48"/>
+          <p:cNvSpPr txBox="1"/>
+          <p:nvPr/>
+        </p:nvSpPr>
+        <p:spPr>
+          <a:xfrm>
+            <a:off x="1387322" y="15256170"/>
+            <a:ext cx="13716000" cy="1092607"/>
+          </a:xfrm>
+          <a:prstGeom prst="rect">
+            <a:avLst/>
+          </a:prstGeom>
+          <a:solidFill>
+            <a:srgbClr val="B7CCEB"/>
+          </a:solidFill>
+          <a:ln>
+            <a:noFill/>
+          </a:ln>
+        </p:spPr>
+        <p:txBody>
+          <a:bodyPr wrap="square" rtlCol="0">
+            <a:spAutoFit/>
+          </a:bodyPr>
+          <a:lstStyle/>
+          <a:p>
+            <a:pPr marL="342900" algn="ctr"/>
+            <a:r>
+              <a:rPr lang="en-US" sz="6500" dirty="0">
+                <a:solidFill>
+                  <a:schemeClr val="bg1"/>
+                </a:solidFill>
+                <a:latin typeface="Klavika Light" panose="020B0506040000020004" pitchFamily="34" charset="0"/>
+              </a:rPr>
+              <a:t>Statement of Research Question</a:t>
+            </a:r>
+          </a:p>
+        </p:txBody>
+      </p:sp>
+      <p:sp>
+        <p:nvSpPr>
+          <p:cNvPr id="56" name="TextBox 55"/>
+          <p:cNvSpPr txBox="1"/>
+          <p:nvPr/>
+        </p:nvSpPr>
+        <p:spPr>
+          <a:xfrm>
+            <a:off x="1397482" y="24594952"/>
+            <a:ext cx="13716000" cy="1092607"/>
+          </a:xfrm>
+          <a:prstGeom prst="rect">
+            <a:avLst/>
+          </a:prstGeom>
+          <a:solidFill>
+            <a:srgbClr val="B7CCEB"/>
+          </a:solidFill>
+          <a:ln>
+            <a:noFill/>
+          </a:ln>
+        </p:spPr>
+        <p:txBody>
+          <a:bodyPr wrap="square" rtlCol="0">
+            <a:spAutoFit/>
+          </a:bodyPr>
+          <a:lstStyle/>
+          <a:p>
+            <a:pPr marL="342900" algn="ctr"/>
+            <a:r>
+              <a:rPr lang="en-US" sz="6500" dirty="0">
+                <a:solidFill>
+                  <a:schemeClr val="bg1"/>
+                </a:solidFill>
+                <a:latin typeface="Klavika Light" panose="020B0506040000020004" pitchFamily="34" charset="0"/>
+              </a:rPr>
+              <a:t>Model Checking</a:t>
+            </a:r>
+          </a:p>
+        </p:txBody>
+      </p:sp>
+      <p:sp>
+        <p:nvSpPr>
+          <p:cNvPr id="58" name="TextBox 57"/>
+          <p:cNvSpPr txBox="1"/>
+          <p:nvPr/>
+        </p:nvSpPr>
+        <p:spPr>
+          <a:xfrm>
+            <a:off x="17804918" y="24594952"/>
+            <a:ext cx="13716000" cy="1092607"/>
+          </a:xfrm>
+          <a:prstGeom prst="rect">
+            <a:avLst/>
+          </a:prstGeom>
+          <a:solidFill>
+            <a:srgbClr val="B7CCEB"/>
+          </a:solidFill>
+          <a:ln>
+            <a:noFill/>
+          </a:ln>
+        </p:spPr>
+        <p:txBody>
+          <a:bodyPr wrap="square" rtlCol="0">
+            <a:spAutoFit/>
+          </a:bodyPr>
+          <a:lstStyle/>
+          <a:p>
+            <a:pPr marL="342900" algn="ctr"/>
+            <a:r>
+              <a:rPr lang="en-US" sz="6500" dirty="0">
+                <a:solidFill>
+                  <a:schemeClr val="bg1"/>
+                </a:solidFill>
+                <a:latin typeface="Klavika Light" panose="020B0506040000020004" pitchFamily="34" charset="0"/>
+              </a:rPr>
+              <a:t>Interpretation of Results</a:t>
+            </a:r>
+          </a:p>
+        </p:txBody>
+      </p:sp>
+      <p:sp>
+        <p:nvSpPr>
+          <p:cNvPr id="59" name="TextBox 58"/>
+          <p:cNvSpPr txBox="1"/>
+          <p:nvPr/>
+        </p:nvSpPr>
+        <p:spPr>
+          <a:xfrm>
+            <a:off x="17818771" y="34830367"/>
+            <a:ext cx="13716000" cy="1092607"/>
+          </a:xfrm>
+          <a:prstGeom prst="rect">
+            <a:avLst/>
+          </a:prstGeom>
+          <a:solidFill>
+            <a:srgbClr val="B7CCEB"/>
+          </a:solidFill>
+          <a:ln>
+            <a:noFill/>
+          </a:ln>
+        </p:spPr>
+        <p:txBody>
+          <a:bodyPr wrap="square" rtlCol="0">
+            <a:spAutoFit/>
+          </a:bodyPr>
+          <a:lstStyle/>
+          <a:p>
+            <a:pPr marL="342900" algn="ctr"/>
+            <a:r>
+              <a:rPr lang="en-US" sz="6500" dirty="0">
+                <a:solidFill>
+                  <a:schemeClr val="bg1"/>
+                </a:solidFill>
+                <a:latin typeface="Klavika Light" panose="020B0506040000020004" pitchFamily="34" charset="0"/>
+              </a:rPr>
+              <a:t>Conclusions</a:t>
+            </a:r>
+          </a:p>
+        </p:txBody>
+      </p:sp>
+      <p:sp>
+        <p:nvSpPr>
+          <p:cNvPr id="57" name="TextBox 56"/>
+          <p:cNvSpPr txBox="1"/>
+          <p:nvPr/>
+        </p:nvSpPr>
+        <p:spPr>
+          <a:xfrm>
+            <a:off x="17818771" y="6624176"/>
+            <a:ext cx="13716000" cy="1092607"/>
+          </a:xfrm>
+          <a:prstGeom prst="rect">
+            <a:avLst/>
+          </a:prstGeom>
+          <a:solidFill>
+            <a:srgbClr val="B7CCEB"/>
+          </a:solidFill>
+          <a:ln>
+            <a:noFill/>
+          </a:ln>
+        </p:spPr>
+        <p:txBody>
+          <a:bodyPr wrap="square" rtlCol="0">
+            <a:spAutoFit/>
+          </a:bodyPr>
+          <a:lstStyle/>
+          <a:p>
+            <a:pPr marL="342900" algn="ctr"/>
+            <a:r>
+              <a:rPr lang="en-US" sz="6500" dirty="0">
+                <a:solidFill>
+                  <a:schemeClr val="bg1"/>
+                </a:solidFill>
+                <a:latin typeface="Klavika Light" panose="020B0506040000020004" pitchFamily="34" charset="0"/>
+              </a:rPr>
+              <a:t>Algorithm Outline</a:t>
+            </a:r>
+          </a:p>
+        </p:txBody>
+      </p:sp>
       <p:pic>
         <p:nvPicPr>
-          <p:cNvPr id="18" name="Picture 17">
+          <p:cNvPr id="15" name="Picture 14" descr="Logo, company name&#10;&#10;Description automatically generated">
             <a:extLst>
               <a:ext uri="{FF2B5EF4-FFF2-40B4-BE49-F238E27FC236}">
-                <a16:creationId xmlns:a16="http://schemas.microsoft.com/office/drawing/2014/main" id="{BED0372F-052B-17D7-9372-56396D209E14}"/>
+                <a16:creationId xmlns:a16="http://schemas.microsoft.com/office/drawing/2014/main" id="{CBF86C35-6D31-09BB-2C08-23770ED4AE2D}"/>
               </a:ext>
             </a:extLst>
           </p:cNvPr>
@@ -4547,8 +4392,8 @@
         </p:blipFill>
         <p:spPr>
           <a:xfrm>
-            <a:off x="12062158" y="11736456"/>
-            <a:ext cx="3657608" cy="2743206"/>
+            <a:off x="28842789" y="1184797"/>
+            <a:ext cx="3432009" cy="4301961"/>
           </a:xfrm>
           <a:prstGeom prst="rect">
             <a:avLst/>
@@ -4557,10 +4402,10 @@
       </p:pic>
       <p:pic>
         <p:nvPicPr>
-          <p:cNvPr id="21" name="Picture 20">
+          <p:cNvPr id="8" name="Picture 7">
             <a:extLst>
               <a:ext uri="{FF2B5EF4-FFF2-40B4-BE49-F238E27FC236}">
-                <a16:creationId xmlns:a16="http://schemas.microsoft.com/office/drawing/2014/main" id="{D4A8C1F9-80A2-C49D-72CC-A69CC9903401}"/>
+                <a16:creationId xmlns:a16="http://schemas.microsoft.com/office/drawing/2014/main" id="{660E2F5A-61B8-05F7-7416-53C22A6EFBA8}"/>
               </a:ext>
             </a:extLst>
           </p:cNvPr>
@@ -4583,20 +4428,176 @@
         </p:blipFill>
         <p:spPr>
           <a:xfrm>
-            <a:off x="837569" y="11708281"/>
-            <a:ext cx="3657608" cy="2743206"/>
+            <a:off x="643601" y="1020853"/>
+            <a:ext cx="4061436" cy="4651135"/>
           </a:xfrm>
           <a:prstGeom prst="rect">
             <a:avLst/>
           </a:prstGeom>
         </p:spPr>
       </p:pic>
+      <p:sp>
+        <p:nvSpPr>
+          <p:cNvPr id="9" name="TextBox 8">
+            <a:extLst>
+              <a:ext uri="{FF2B5EF4-FFF2-40B4-BE49-F238E27FC236}">
+                <a16:creationId xmlns:a16="http://schemas.microsoft.com/office/drawing/2014/main" id="{7F2E57CA-3B39-DA70-B955-84CF5F21C56C}"/>
+              </a:ext>
+            </a:extLst>
+          </p:cNvPr>
+          <p:cNvSpPr txBox="1"/>
+          <p:nvPr/>
+        </p:nvSpPr>
+        <p:spPr>
+          <a:xfrm>
+            <a:off x="335762" y="20146378"/>
+            <a:ext cx="15819120" cy="4016484"/>
+          </a:xfrm>
+          <a:prstGeom prst="rect">
+            <a:avLst/>
+          </a:prstGeom>
+          <a:solidFill>
+            <a:schemeClr val="bg1"/>
+          </a:solidFill>
+          <a:ln w="127000">
+            <a:solidFill>
+              <a:schemeClr val="tx2"/>
+            </a:solidFill>
+          </a:ln>
+        </p:spPr>
+        <p:txBody>
+          <a:bodyPr wrap="square" rtlCol="0">
+            <a:spAutoFit/>
+          </a:bodyPr>
+          <a:lstStyle/>
+          <a:p>
+            <a:pPr marL="342900">
+              <a:spcAft>
+                <a:spcPts val="200"/>
+              </a:spcAft>
+            </a:pPr>
+            <a:endParaRPr lang="en-US" sz="4800" b="1" dirty="0">
+              <a:solidFill>
+                <a:srgbClr val="000000"/>
+              </a:solidFill>
+              <a:latin typeface="Calibri" panose="020F0502020204030204" pitchFamily="34" charset="0"/>
+            </a:endParaRPr>
+          </a:p>
+          <a:p>
+            <a:pPr marL="342900">
+              <a:spcAft>
+                <a:spcPts val="200"/>
+              </a:spcAft>
+            </a:pPr>
+            <a:r>
+              <a:rPr lang="en-US" sz="4800" dirty="0">
+                <a:solidFill>
+                  <a:srgbClr val="000000"/>
+                </a:solidFill>
+                <a:latin typeface="Calibri" panose="020F0502020204030204" pitchFamily="34" charset="0"/>
+              </a:rPr>
+              <a:t>Block Gibbs Sampler –It handles more complex models with lots of predictor variables.</a:t>
+            </a:r>
+            <a:endParaRPr lang="en-US" sz="4800" b="1" dirty="0">
+              <a:solidFill>
+                <a:srgbClr val="000000"/>
+              </a:solidFill>
+              <a:latin typeface="Calibri" panose="020F0502020204030204" pitchFamily="34" charset="0"/>
+            </a:endParaRPr>
+          </a:p>
+          <a:p>
+            <a:pPr marL="342900">
+              <a:spcAft>
+                <a:spcPts val="200"/>
+              </a:spcAft>
+            </a:pPr>
+            <a:r>
+              <a:rPr lang="en-US" sz="4800" dirty="0" err="1">
+                <a:solidFill>
+                  <a:srgbClr val="000000"/>
+                </a:solidFill>
+                <a:latin typeface="Calibri" panose="020F0502020204030204" pitchFamily="34" charset="0"/>
+              </a:rPr>
+              <a:t>Rstanarm</a:t>
+            </a:r>
+            <a:r>
+              <a:rPr lang="en-US" sz="4800" dirty="0">
+                <a:solidFill>
+                  <a:srgbClr val="000000"/>
+                </a:solidFill>
+                <a:latin typeface="Calibri" panose="020F0502020204030204" pitchFamily="34" charset="0"/>
+              </a:rPr>
+              <a:t> – Assumes distributions from the data, does not need to be given the prior distributions explicitly.</a:t>
+            </a:r>
+            <a:endParaRPr lang="en-US" sz="4800" b="1" dirty="0">
+              <a:solidFill>
+                <a:srgbClr val="000000"/>
+              </a:solidFill>
+              <a:latin typeface="Calibri" panose="020F0502020204030204" pitchFamily="34" charset="0"/>
+            </a:endParaRPr>
+          </a:p>
+          <a:p>
+            <a:pPr marL="342900">
+              <a:spcAft>
+                <a:spcPts val="200"/>
+              </a:spcAft>
+            </a:pPr>
+            <a:endParaRPr lang="en-US" sz="1000" dirty="0"/>
+          </a:p>
+        </p:txBody>
+      </p:sp>
+      <p:sp>
+        <p:nvSpPr>
+          <p:cNvPr id="10" name="TextBox 9">
+            <a:extLst>
+              <a:ext uri="{FF2B5EF4-FFF2-40B4-BE49-F238E27FC236}">
+                <a16:creationId xmlns:a16="http://schemas.microsoft.com/office/drawing/2014/main" id="{5F8C6B40-D82E-E6EC-6C8B-CEE6ABDBED1D}"/>
+              </a:ext>
+            </a:extLst>
+          </p:cNvPr>
+          <p:cNvSpPr txBox="1"/>
+          <p:nvPr/>
+        </p:nvSpPr>
+        <p:spPr>
+          <a:xfrm>
+            <a:off x="1345466" y="19600074"/>
+            <a:ext cx="13716000" cy="1092607"/>
+          </a:xfrm>
+          <a:prstGeom prst="rect">
+            <a:avLst/>
+          </a:prstGeom>
+          <a:solidFill>
+            <a:srgbClr val="B7CCEB"/>
+          </a:solidFill>
+          <a:ln>
+            <a:noFill/>
+          </a:ln>
+        </p:spPr>
+        <p:txBody>
+          <a:bodyPr wrap="square" rtlCol="0">
+            <a:spAutoFit/>
+          </a:bodyPr>
+          <a:lstStyle/>
+          <a:p>
+            <a:pPr marL="342900" algn="ctr"/>
+            <a:r>
+              <a:rPr lang="en-US" sz="6500" dirty="0">
+                <a:solidFill>
+                  <a:schemeClr val="bg1"/>
+                </a:solidFill>
+                <a:latin typeface="Klavika Light" panose="020B0506040000020004" pitchFamily="34" charset="0"/>
+              </a:rPr>
+              <a:t>Statement of Model &amp; Justification</a:t>
+            </a:r>
+          </a:p>
+        </p:txBody>
+      </p:sp>
       <p:pic>
         <p:nvPicPr>
-          <p:cNvPr id="25" name="Picture 24">
+          <p:cNvPr id="3" name="Picture 2">
             <a:extLst>
               <a:ext uri="{FF2B5EF4-FFF2-40B4-BE49-F238E27FC236}">
-                <a16:creationId xmlns:a16="http://schemas.microsoft.com/office/drawing/2014/main" id="{C989FA38-3F13-9DAA-4271-9C56CA7BE216}"/>
+                <a16:creationId xmlns:a16="http://schemas.microsoft.com/office/drawing/2014/main" id="{40785407-9988-E522-1D72-177CFA983552}"/>
               </a:ext>
             </a:extLst>
           </p:cNvPr>
@@ -4619,8 +4620,8 @@
         </p:blipFill>
         <p:spPr>
           <a:xfrm>
-            <a:off x="6527564" y="11751975"/>
-            <a:ext cx="3657608" cy="2743206"/>
+            <a:off x="3904276" y="31137227"/>
+            <a:ext cx="8562685" cy="5220373"/>
           </a:xfrm>
           <a:prstGeom prst="rect">
             <a:avLst/>
@@ -4629,10 +4630,10 @@
       </p:pic>
       <p:pic>
         <p:nvPicPr>
-          <p:cNvPr id="28" name="Picture 27">
+          <p:cNvPr id="17" name="Picture 16">
             <a:extLst>
               <a:ext uri="{FF2B5EF4-FFF2-40B4-BE49-F238E27FC236}">
-                <a16:creationId xmlns:a16="http://schemas.microsoft.com/office/drawing/2014/main" id="{1A4358E2-2044-68DC-718F-2C00B07B7E67}"/>
+                <a16:creationId xmlns:a16="http://schemas.microsoft.com/office/drawing/2014/main" id="{6A3F2765-ED26-77A8-343B-3ABAE27AC26A}"/>
               </a:ext>
             </a:extLst>
           </p:cNvPr>
@@ -4655,8 +4656,8 @@
         </p:blipFill>
         <p:spPr>
           <a:xfrm>
-            <a:off x="12096258" y="8008645"/>
-            <a:ext cx="3657608" cy="2743206"/>
+            <a:off x="3929680" y="25929653"/>
+            <a:ext cx="8562684" cy="5052515"/>
           </a:xfrm>
           <a:prstGeom prst="rect">
             <a:avLst/>
@@ -4665,10 +4666,10 @@
       </p:pic>
       <p:pic>
         <p:nvPicPr>
-          <p:cNvPr id="31" name="Picture 30">
+          <p:cNvPr id="19" name="Picture 18">
             <a:extLst>
               <a:ext uri="{FF2B5EF4-FFF2-40B4-BE49-F238E27FC236}">
-                <a16:creationId xmlns:a16="http://schemas.microsoft.com/office/drawing/2014/main" id="{1F170871-8043-9637-39D6-5E905A0296D2}"/>
+                <a16:creationId xmlns:a16="http://schemas.microsoft.com/office/drawing/2014/main" id="{80E80EB0-87E0-4444-34C3-6668441D2B2C}"/>
               </a:ext>
             </a:extLst>
           </p:cNvPr>
@@ -4691,80 +4692,8 @@
         </p:blipFill>
         <p:spPr>
           <a:xfrm>
-            <a:off x="6527564" y="7975870"/>
-            <a:ext cx="3657608" cy="2743206"/>
-          </a:xfrm>
-          <a:prstGeom prst="rect">
-            <a:avLst/>
-          </a:prstGeom>
-        </p:spPr>
-      </p:pic>
-      <p:pic>
-        <p:nvPicPr>
-          <p:cNvPr id="2" name="Picture 1">
-            <a:extLst>
-              <a:ext uri="{FF2B5EF4-FFF2-40B4-BE49-F238E27FC236}">
-                <a16:creationId xmlns:a16="http://schemas.microsoft.com/office/drawing/2014/main" id="{420C09BE-CC66-4BB0-8EEB-49F41128AA76}"/>
-              </a:ext>
-            </a:extLst>
-          </p:cNvPr>
-          <p:cNvPicPr>
-            <a:picLocks noChangeAspect="1"/>
-          </p:cNvPicPr>
-          <p:nvPr/>
-        </p:nvPicPr>
-        <p:blipFill>
-          <a:blip r:embed="rId10">
-            <a:extLst>
-              <a:ext uri="{28A0092B-C50C-407E-A947-70E740481C1C}">
-                <a14:useLocalDpi xmlns:a14="http://schemas.microsoft.com/office/drawing/2010/main" val="0"/>
-              </a:ext>
-            </a:extLst>
-          </a:blip>
-          <a:stretch>
-            <a:fillRect/>
-          </a:stretch>
-        </p:blipFill>
-        <p:spPr>
-          <a:xfrm>
-            <a:off x="6402783" y="11755133"/>
-            <a:ext cx="3657608" cy="2743206"/>
-          </a:xfrm>
-          <a:prstGeom prst="rect">
-            <a:avLst/>
-          </a:prstGeom>
-        </p:spPr>
-      </p:pic>
-      <p:pic>
-        <p:nvPicPr>
-          <p:cNvPr id="16" name="Picture 15">
-            <a:extLst>
-              <a:ext uri="{FF2B5EF4-FFF2-40B4-BE49-F238E27FC236}">
-                <a16:creationId xmlns:a16="http://schemas.microsoft.com/office/drawing/2014/main" id="{DC4DFC96-7DE4-2243-EFBC-B3E0AD2C37D6}"/>
-              </a:ext>
-            </a:extLst>
-          </p:cNvPr>
-          <p:cNvPicPr>
-            <a:picLocks noChangeAspect="1"/>
-          </p:cNvPicPr>
-          <p:nvPr/>
-        </p:nvPicPr>
-        <p:blipFill>
-          <a:blip r:embed="rId12">
-            <a:extLst>
-              <a:ext uri="{28A0092B-C50C-407E-A947-70E740481C1C}">
-                <a14:useLocalDpi xmlns:a14="http://schemas.microsoft.com/office/drawing/2010/main" val="0"/>
-              </a:ext>
-            </a:extLst>
-          </a:blip>
-          <a:stretch>
-            <a:fillRect/>
-          </a:stretch>
-        </p:blipFill>
-        <p:spPr>
-          <a:xfrm>
-            <a:off x="6402783" y="8009008"/>
-            <a:ext cx="3657608" cy="2743206"/>
+            <a:off x="4680618" y="36871650"/>
+            <a:ext cx="8750293" cy="5433473"/>
           </a:xfrm>
           <a:prstGeom prst="rect">
             <a:avLst/>
@@ -4807,6 +4736,178 @@
           </a:prstGeom>
         </p:spPr>
       </p:pic>
+      <p:sp>
+        <p:nvSpPr>
+          <p:cNvPr id="12" name="TextBox 11"/>
+          <p:cNvSpPr txBox="1"/>
+          <p:nvPr/>
+        </p:nvSpPr>
+        <p:spPr>
+          <a:xfrm>
+            <a:off x="597254" y="7193344"/>
+            <a:ext cx="15819120" cy="7540526"/>
+          </a:xfrm>
+          <a:prstGeom prst="rect">
+            <a:avLst/>
+          </a:prstGeom>
+          <a:noFill/>
+          <a:ln w="127000">
+            <a:solidFill>
+              <a:schemeClr val="tx2"/>
+            </a:solidFill>
+          </a:ln>
+        </p:spPr>
+        <p:txBody>
+          <a:bodyPr wrap="square" rtlCol="0">
+            <a:spAutoFit/>
+          </a:bodyPr>
+          <a:lstStyle/>
+          <a:p>
+            <a:pPr marL="342900"/>
+            <a:endParaRPr lang="en-US" sz="4400" b="0" i="0" dirty="0">
+              <a:solidFill>
+                <a:srgbClr val="000000"/>
+              </a:solidFill>
+              <a:effectLst/>
+              <a:latin typeface="Calibri" panose="020F0502020204030204" pitchFamily="34" charset="0"/>
+            </a:endParaRPr>
+          </a:p>
+          <a:p>
+            <a:pPr marL="342900"/>
+            <a:endParaRPr lang="en-US" sz="4400" dirty="0">
+              <a:solidFill>
+                <a:srgbClr val="000000"/>
+              </a:solidFill>
+              <a:latin typeface="Calibri" panose="020F0502020204030204" pitchFamily="34" charset="0"/>
+            </a:endParaRPr>
+          </a:p>
+          <a:p>
+            <a:pPr marL="342900"/>
+            <a:endParaRPr lang="en-US" sz="4400" dirty="0">
+              <a:solidFill>
+                <a:srgbClr val="000000"/>
+              </a:solidFill>
+              <a:latin typeface="Calibri" panose="020F0502020204030204" pitchFamily="34" charset="0"/>
+            </a:endParaRPr>
+          </a:p>
+          <a:p>
+            <a:pPr marL="342900"/>
+            <a:endParaRPr lang="en-US" sz="4400" b="0" i="0" dirty="0">
+              <a:solidFill>
+                <a:srgbClr val="000000"/>
+              </a:solidFill>
+              <a:effectLst/>
+              <a:latin typeface="Calibri" panose="020F0502020204030204" pitchFamily="34" charset="0"/>
+            </a:endParaRPr>
+          </a:p>
+          <a:p>
+            <a:pPr marL="342900"/>
+            <a:endParaRPr lang="en-US" sz="4400" dirty="0">
+              <a:solidFill>
+                <a:srgbClr val="000000"/>
+              </a:solidFill>
+              <a:latin typeface="Calibri" panose="020F0502020204030204" pitchFamily="34" charset="0"/>
+            </a:endParaRPr>
+          </a:p>
+          <a:p>
+            <a:pPr marL="342900"/>
+            <a:endParaRPr lang="en-US" sz="4400" dirty="0">
+              <a:solidFill>
+                <a:srgbClr val="000000"/>
+              </a:solidFill>
+              <a:latin typeface="Calibri" panose="020F0502020204030204" pitchFamily="34" charset="0"/>
+            </a:endParaRPr>
+          </a:p>
+          <a:p>
+            <a:pPr marL="342900"/>
+            <a:endParaRPr lang="en-US" sz="4400" b="0" i="0" dirty="0">
+              <a:solidFill>
+                <a:srgbClr val="000000"/>
+              </a:solidFill>
+              <a:effectLst/>
+              <a:latin typeface="Calibri" panose="020F0502020204030204" pitchFamily="34" charset="0"/>
+            </a:endParaRPr>
+          </a:p>
+          <a:p>
+            <a:pPr marL="342900"/>
+            <a:endParaRPr lang="en-US" sz="4400" dirty="0">
+              <a:solidFill>
+                <a:srgbClr val="000000"/>
+              </a:solidFill>
+              <a:latin typeface="Calibri" panose="020F0502020204030204" pitchFamily="34" charset="0"/>
+            </a:endParaRPr>
+          </a:p>
+          <a:p>
+            <a:pPr marL="342900"/>
+            <a:endParaRPr lang="en-US" sz="4400" b="0" i="0" dirty="0">
+              <a:solidFill>
+                <a:srgbClr val="000000"/>
+              </a:solidFill>
+              <a:effectLst/>
+              <a:latin typeface="Calibri" panose="020F0502020204030204" pitchFamily="34" charset="0"/>
+            </a:endParaRPr>
+          </a:p>
+          <a:p>
+            <a:pPr marL="342900"/>
+            <a:endParaRPr lang="en-US" sz="4400" dirty="0">
+              <a:solidFill>
+                <a:srgbClr val="000000"/>
+              </a:solidFill>
+              <a:latin typeface="Calibri" panose="020F0502020204030204" pitchFamily="34" charset="0"/>
+            </a:endParaRPr>
+          </a:p>
+          <a:p>
+            <a:pPr marL="342900"/>
+            <a:endParaRPr lang="en-US" sz="4400" b="0" i="0" dirty="0">
+              <a:solidFill>
+                <a:srgbClr val="000000"/>
+              </a:solidFill>
+              <a:effectLst/>
+              <a:latin typeface="Calibri" panose="020F0502020204030204" pitchFamily="34" charset="0"/>
+            </a:endParaRPr>
+          </a:p>
+        </p:txBody>
+      </p:sp>
+      <p:sp>
+        <p:nvSpPr>
+          <p:cNvPr id="11" name="TextBox 10"/>
+          <p:cNvSpPr txBox="1"/>
+          <p:nvPr/>
+        </p:nvSpPr>
+        <p:spPr>
+          <a:xfrm>
+            <a:off x="1397482" y="6641169"/>
+            <a:ext cx="13716000" cy="1092607"/>
+          </a:xfrm>
+          <a:prstGeom prst="rect">
+            <a:avLst/>
+          </a:prstGeom>
+          <a:solidFill>
+            <a:srgbClr val="B7CCEB"/>
+          </a:solidFill>
+          <a:ln>
+            <a:noFill/>
+          </a:ln>
+        </p:spPr>
+        <p:txBody>
+          <a:bodyPr wrap="square" rtlCol="0">
+            <a:spAutoFit/>
+          </a:bodyPr>
+          <a:lstStyle/>
+          <a:p>
+            <a:pPr marL="342900" algn="ctr"/>
+            <a:r>
+              <a:rPr lang="en-US" sz="6500" dirty="0">
+                <a:solidFill>
+                  <a:schemeClr val="bg1"/>
+                </a:solidFill>
+                <a:latin typeface="Klavika Light" panose="020B0506040000020004" pitchFamily="34" charset="0"/>
+              </a:rPr>
+              <a:t>Exploratory Data Analysis</a:t>
+            </a:r>
+          </a:p>
+        </p:txBody>
+      </p:sp>
     </p:spTree>
     <p:extLst>
       <p:ext uri="{BB962C8B-B14F-4D97-AF65-F5344CB8AC3E}">

--- a/FinalProject.pptx
+++ b/FinalProject.pptx
@@ -127,43 +127,19 @@
 <pc:chgInfo xmlns:a="http://schemas.openxmlformats.org/drawingml/2006/main" xmlns:r="http://schemas.openxmlformats.org/officeDocument/2006/relationships" xmlns:ac="http://schemas.microsoft.com/office/drawing/2013/main/command" xmlns:pc="http://schemas.microsoft.com/office/powerpoint/2013/main/command">
   <pc:docChgLst>
     <pc:chgData name="Seth Hillis" userId="a87ca59e48a905ce" providerId="LiveId" clId="{A975DEFC-5A2E-4FFE-A2C0-8F30C525667E}"/>
-    <pc:docChg chg="undo custSel modSld">
-      <pc:chgData name="Seth Hillis" userId="a87ca59e48a905ce" providerId="LiveId" clId="{A975DEFC-5A2E-4FFE-A2C0-8F30C525667E}" dt="2025-05-01T23:11:41.451" v="101" actId="166"/>
+    <pc:docChg chg="modSld">
+      <pc:chgData name="Seth Hillis" userId="a87ca59e48a905ce" providerId="LiveId" clId="{A975DEFC-5A2E-4FFE-A2C0-8F30C525667E}" dt="2025-05-02T05:10:18.875" v="17" actId="167"/>
       <pc:docMkLst>
         <pc:docMk/>
       </pc:docMkLst>
       <pc:sldChg chg="modSp mod">
-        <pc:chgData name="Seth Hillis" userId="a87ca59e48a905ce" providerId="LiveId" clId="{A975DEFC-5A2E-4FFE-A2C0-8F30C525667E}" dt="2025-05-01T23:11:41.451" v="101" actId="166"/>
+        <pc:chgData name="Seth Hillis" userId="a87ca59e48a905ce" providerId="LiveId" clId="{A975DEFC-5A2E-4FFE-A2C0-8F30C525667E}" dt="2025-05-02T05:10:18.875" v="17" actId="167"/>
         <pc:sldMkLst>
           <pc:docMk/>
           <pc:sldMk cId="3171296435" sldId="263"/>
         </pc:sldMkLst>
-        <pc:spChg chg="ord">
-          <ac:chgData name="Seth Hillis" userId="a87ca59e48a905ce" providerId="LiveId" clId="{A975DEFC-5A2E-4FFE-A2C0-8F30C525667E}" dt="2025-05-01T23:11:41.451" v="101" actId="166"/>
-          <ac:spMkLst>
-            <pc:docMk/>
-            <pc:sldMk cId="3171296435" sldId="263"/>
-            <ac:spMk id="11" creationId="{00000000-0000-0000-0000-000000000000}"/>
-          </ac:spMkLst>
-        </pc:spChg>
-        <pc:spChg chg="mod ord">
-          <ac:chgData name="Seth Hillis" userId="a87ca59e48a905ce" providerId="LiveId" clId="{A975DEFC-5A2E-4FFE-A2C0-8F30C525667E}" dt="2025-05-01T23:11:36.574" v="100" actId="166"/>
-          <ac:spMkLst>
-            <pc:docMk/>
-            <pc:sldMk cId="3171296435" sldId="263"/>
-            <ac:spMk id="12" creationId="{00000000-0000-0000-0000-000000000000}"/>
-          </ac:spMkLst>
-        </pc:spChg>
         <pc:picChg chg="mod ord">
-          <ac:chgData name="Seth Hillis" userId="a87ca59e48a905ce" providerId="LiveId" clId="{A975DEFC-5A2E-4FFE-A2C0-8F30C525667E}" dt="2025-05-01T23:11:28.071" v="97" actId="167"/>
-          <ac:picMkLst>
-            <pc:docMk/>
-            <pc:sldMk cId="3171296435" sldId="263"/>
-            <ac:picMk id="2" creationId="{420C09BE-CC66-4BB0-8EEB-49F41128AA76}"/>
-          </ac:picMkLst>
-        </pc:picChg>
-        <pc:picChg chg="mod ord">
-          <ac:chgData name="Seth Hillis" userId="a87ca59e48a905ce" providerId="LiveId" clId="{A975DEFC-5A2E-4FFE-A2C0-8F30C525667E}" dt="2025-05-01T23:11:32.327" v="99" actId="167"/>
+          <ac:chgData name="Seth Hillis" userId="a87ca59e48a905ce" providerId="LiveId" clId="{A975DEFC-5A2E-4FFE-A2C0-8F30C525667E}" dt="2025-05-02T05:10:18.875" v="17" actId="167"/>
           <ac:picMkLst>
             <pc:docMk/>
             <pc:sldMk cId="3171296435" sldId="263"/>
@@ -171,15 +147,7 @@
           </ac:picMkLst>
         </pc:picChg>
         <pc:picChg chg="mod ord">
-          <ac:chgData name="Seth Hillis" userId="a87ca59e48a905ce" providerId="LiveId" clId="{A975DEFC-5A2E-4FFE-A2C0-8F30C525667E}" dt="2025-05-01T23:11:19.212" v="95" actId="167"/>
-          <ac:picMkLst>
-            <pc:docMk/>
-            <pc:sldMk cId="3171296435" sldId="263"/>
-            <ac:picMk id="16" creationId="{DC4DFC96-7DE4-2243-EFBC-B3E0AD2C37D6}"/>
-          </ac:picMkLst>
-        </pc:picChg>
-        <pc:picChg chg="mod ord">
-          <ac:chgData name="Seth Hillis" userId="a87ca59e48a905ce" providerId="LiveId" clId="{A975DEFC-5A2E-4FFE-A2C0-8F30C525667E}" dt="2025-05-01T23:11:08.570" v="91" actId="167"/>
+          <ac:chgData name="Seth Hillis" userId="a87ca59e48a905ce" providerId="LiveId" clId="{A975DEFC-5A2E-4FFE-A2C0-8F30C525667E}" dt="2025-05-02T05:10:18.875" v="17" actId="167"/>
           <ac:picMkLst>
             <pc:docMk/>
             <pc:sldMk cId="3171296435" sldId="263"/>
@@ -187,7 +155,7 @@
           </ac:picMkLst>
         </pc:picChg>
         <pc:picChg chg="mod ord">
-          <ac:chgData name="Seth Hillis" userId="a87ca59e48a905ce" providerId="LiveId" clId="{A975DEFC-5A2E-4FFE-A2C0-8F30C525667E}" dt="2025-05-01T23:11:12.972" v="93" actId="167"/>
+          <ac:chgData name="Seth Hillis" userId="a87ca59e48a905ce" providerId="LiveId" clId="{A975DEFC-5A2E-4FFE-A2C0-8F30C525667E}" dt="2025-05-02T05:10:18.875" v="17" actId="167"/>
           <ac:picMkLst>
             <pc:docMk/>
             <pc:sldMk cId="3171296435" sldId="263"/>
@@ -195,7 +163,7 @@
           </ac:picMkLst>
         </pc:picChg>
         <pc:picChg chg="mod ord">
-          <ac:chgData name="Seth Hillis" userId="a87ca59e48a905ce" providerId="LiveId" clId="{A975DEFC-5A2E-4FFE-A2C0-8F30C525667E}" dt="2025-05-01T23:11:11.048" v="92" actId="167"/>
+          <ac:chgData name="Seth Hillis" userId="a87ca59e48a905ce" providerId="LiveId" clId="{A975DEFC-5A2E-4FFE-A2C0-8F30C525667E}" dt="2025-05-02T05:10:18.875" v="17" actId="167"/>
           <ac:picMkLst>
             <pc:docMk/>
             <pc:sldMk cId="3171296435" sldId="263"/>
@@ -203,7 +171,7 @@
           </ac:picMkLst>
         </pc:picChg>
         <pc:picChg chg="mod ord">
-          <ac:chgData name="Seth Hillis" userId="a87ca59e48a905ce" providerId="LiveId" clId="{A975DEFC-5A2E-4FFE-A2C0-8F30C525667E}" dt="2025-05-01T23:11:30.116" v="98" actId="167"/>
+          <ac:chgData name="Seth Hillis" userId="a87ca59e48a905ce" providerId="LiveId" clId="{A975DEFC-5A2E-4FFE-A2C0-8F30C525667E}" dt="2025-05-02T05:10:18.875" v="17" actId="167"/>
           <ac:picMkLst>
             <pc:docMk/>
             <pc:sldMk cId="3171296435" sldId="263"/>
@@ -211,7 +179,7 @@
           </ac:picMkLst>
         </pc:picChg>
         <pc:picChg chg="mod ord">
-          <ac:chgData name="Seth Hillis" userId="a87ca59e48a905ce" providerId="LiveId" clId="{A975DEFC-5A2E-4FFE-A2C0-8F30C525667E}" dt="2025-05-01T23:11:25.513" v="96" actId="167"/>
+          <ac:chgData name="Seth Hillis" userId="a87ca59e48a905ce" providerId="LiveId" clId="{A975DEFC-5A2E-4FFE-A2C0-8F30C525667E}" dt="2025-05-02T05:10:18.875" v="17" actId="167"/>
           <ac:picMkLst>
             <pc:docMk/>
             <pc:sldMk cId="3171296435" sldId="263"/>
@@ -3119,7 +3087,7 @@
         </p:blipFill>
         <p:spPr>
           <a:xfrm>
-            <a:off x="450932" y="7761779"/>
+            <a:off x="555426" y="7531612"/>
             <a:ext cx="4389129" cy="3291847"/>
           </a:xfrm>
           <a:prstGeom prst="rect">
@@ -3129,10 +3097,10 @@
       </p:pic>
       <p:pic>
         <p:nvPicPr>
-          <p:cNvPr id="28" name="Picture 27">
+          <p:cNvPr id="18" name="Picture 17">
             <a:extLst>
               <a:ext uri="{FF2B5EF4-FFF2-40B4-BE49-F238E27FC236}">
-                <a16:creationId xmlns:a16="http://schemas.microsoft.com/office/drawing/2014/main" id="{1A4358E2-2044-68DC-718F-2C00B07B7E67}"/>
+                <a16:creationId xmlns:a16="http://schemas.microsoft.com/office/drawing/2014/main" id="{BED0372F-052B-17D7-9372-56396D209E14}"/>
               </a:ext>
             </a:extLst>
           </p:cNvPr>
@@ -3155,7 +3123,7 @@
         </p:blipFill>
         <p:spPr>
           <a:xfrm>
-            <a:off x="4349725" y="7839308"/>
+            <a:off x="11921969" y="11565020"/>
             <a:ext cx="4389129" cy="3291847"/>
           </a:xfrm>
           <a:prstGeom prst="rect">
@@ -3165,10 +3133,10 @@
       </p:pic>
       <p:pic>
         <p:nvPicPr>
-          <p:cNvPr id="2" name="Picture 1">
+          <p:cNvPr id="21" name="Picture 20">
             <a:extLst>
               <a:ext uri="{FF2B5EF4-FFF2-40B4-BE49-F238E27FC236}">
-                <a16:creationId xmlns:a16="http://schemas.microsoft.com/office/drawing/2014/main" id="{420C09BE-CC66-4BB0-8EEB-49F41128AA76}"/>
+                <a16:creationId xmlns:a16="http://schemas.microsoft.com/office/drawing/2014/main" id="{D4A8C1F9-80A2-C49D-72CC-A69CC9903401}"/>
               </a:ext>
             </a:extLst>
           </p:cNvPr>
@@ -3191,7 +3159,7 @@
         </p:blipFill>
         <p:spPr>
           <a:xfrm>
-            <a:off x="8280321" y="7830371"/>
+            <a:off x="757340" y="11592525"/>
             <a:ext cx="4389129" cy="3291847"/>
           </a:xfrm>
           <a:prstGeom prst="rect">
@@ -3201,10 +3169,10 @@
       </p:pic>
       <p:pic>
         <p:nvPicPr>
-          <p:cNvPr id="31" name="Picture 30">
+          <p:cNvPr id="25" name="Picture 24">
             <a:extLst>
               <a:ext uri="{FF2B5EF4-FFF2-40B4-BE49-F238E27FC236}">
-                <a16:creationId xmlns:a16="http://schemas.microsoft.com/office/drawing/2014/main" id="{1F170871-8043-9637-39D6-5E905A0296D2}"/>
+                <a16:creationId xmlns:a16="http://schemas.microsoft.com/office/drawing/2014/main" id="{C989FA38-3F13-9DAA-4271-9C56CA7BE216}"/>
               </a:ext>
             </a:extLst>
           </p:cNvPr>
@@ -3227,8 +3195,8 @@
         </p:blipFill>
         <p:spPr>
           <a:xfrm>
-            <a:off x="12179114" y="7930489"/>
-            <a:ext cx="4199224" cy="3291847"/>
+            <a:off x="6084573" y="11610093"/>
+            <a:ext cx="4389129" cy="3291847"/>
           </a:xfrm>
           <a:prstGeom prst="rect">
             <a:avLst/>
@@ -3237,46 +3205,10 @@
       </p:pic>
       <p:pic>
         <p:nvPicPr>
-          <p:cNvPr id="16" name="Picture 15">
+          <p:cNvPr id="28" name="Picture 27">
             <a:extLst>
               <a:ext uri="{FF2B5EF4-FFF2-40B4-BE49-F238E27FC236}">
-                <a16:creationId xmlns:a16="http://schemas.microsoft.com/office/drawing/2014/main" id="{DC4DFC96-7DE4-2243-EFBC-B3E0AD2C37D6}"/>
-              </a:ext>
-            </a:extLst>
-          </p:cNvPr>
-          <p:cNvPicPr>
-            <a:picLocks noChangeAspect="1"/>
-          </p:cNvPicPr>
-          <p:nvPr/>
-        </p:nvPicPr>
-        <p:blipFill>
-          <a:blip r:embed="rId5">
-            <a:extLst>
-              <a:ext uri="{28A0092B-C50C-407E-A947-70E740481C1C}">
-                <a14:useLocalDpi xmlns:a14="http://schemas.microsoft.com/office/drawing/2010/main" val="0"/>
-              </a:ext>
-            </a:extLst>
-          </a:blip>
-          <a:stretch>
-            <a:fillRect/>
-          </a:stretch>
-        </p:blipFill>
-        <p:spPr>
-          <a:xfrm>
-            <a:off x="513277" y="11364311"/>
-            <a:ext cx="4389129" cy="3291847"/>
-          </a:xfrm>
-          <a:prstGeom prst="rect">
-            <a:avLst/>
-          </a:prstGeom>
-        </p:spPr>
-      </p:pic>
-      <p:pic>
-        <p:nvPicPr>
-          <p:cNvPr id="21" name="Picture 20">
-            <a:extLst>
-              <a:ext uri="{FF2B5EF4-FFF2-40B4-BE49-F238E27FC236}">
-                <a16:creationId xmlns:a16="http://schemas.microsoft.com/office/drawing/2014/main" id="{D4A8C1F9-80A2-C49D-72CC-A69CC9903401}"/>
+                <a16:creationId xmlns:a16="http://schemas.microsoft.com/office/drawing/2014/main" id="{1A4358E2-2044-68DC-718F-2C00B07B7E67}"/>
               </a:ext>
             </a:extLst>
           </p:cNvPr>
@@ -3299,7 +3231,7 @@
         </p:blipFill>
         <p:spPr>
           <a:xfrm>
-            <a:off x="4349724" y="11364312"/>
+            <a:off x="12046009" y="7631629"/>
             <a:ext cx="4389129" cy="3291847"/>
           </a:xfrm>
           <a:prstGeom prst="rect">
@@ -3309,46 +3241,10 @@
       </p:pic>
       <p:pic>
         <p:nvPicPr>
-          <p:cNvPr id="25" name="Picture 24">
+          <p:cNvPr id="31" name="Picture 30">
             <a:extLst>
               <a:ext uri="{FF2B5EF4-FFF2-40B4-BE49-F238E27FC236}">
-                <a16:creationId xmlns:a16="http://schemas.microsoft.com/office/drawing/2014/main" id="{C989FA38-3F13-9DAA-4271-9C56CA7BE216}"/>
-              </a:ext>
-            </a:extLst>
-          </p:cNvPr>
-          <p:cNvPicPr>
-            <a:picLocks noChangeAspect="1"/>
-          </p:cNvPicPr>
-          <p:nvPr/>
-        </p:nvPicPr>
-        <p:blipFill>
-          <a:blip r:embed="rId4">
-            <a:extLst>
-              <a:ext uri="{28A0092B-C50C-407E-A947-70E740481C1C}">
-                <a14:useLocalDpi xmlns:a14="http://schemas.microsoft.com/office/drawing/2010/main" val="0"/>
-              </a:ext>
-            </a:extLst>
-          </a:blip>
-          <a:stretch>
-            <a:fillRect/>
-          </a:stretch>
-        </p:blipFill>
-        <p:spPr>
-          <a:xfrm>
-            <a:off x="8457507" y="11355375"/>
-            <a:ext cx="4389129" cy="3291847"/>
-          </a:xfrm>
-          <a:prstGeom prst="rect">
-            <a:avLst/>
-          </a:prstGeom>
-        </p:spPr>
-      </p:pic>
-      <p:pic>
-        <p:nvPicPr>
-          <p:cNvPr id="18" name="Picture 17">
-            <a:extLst>
-              <a:ext uri="{FF2B5EF4-FFF2-40B4-BE49-F238E27FC236}">
-                <a16:creationId xmlns:a16="http://schemas.microsoft.com/office/drawing/2014/main" id="{BED0372F-052B-17D7-9372-56396D209E14}"/>
+                <a16:creationId xmlns:a16="http://schemas.microsoft.com/office/drawing/2014/main" id="{1F170871-8043-9637-39D6-5E905A0296D2}"/>
               </a:ext>
             </a:extLst>
           </p:cNvPr>
@@ -3371,7 +3267,7 @@
         </p:blipFill>
         <p:spPr>
           <a:xfrm>
-            <a:off x="12308362" y="11324529"/>
+            <a:off x="6084573" y="7531612"/>
             <a:ext cx="4389129" cy="3291847"/>
           </a:xfrm>
           <a:prstGeom prst="rect">
@@ -3388,7 +3284,7 @@
         <p:spPr>
           <a:xfrm>
             <a:off x="16677866" y="7168897"/>
-            <a:ext cx="15819120" cy="17020044"/>
+            <a:ext cx="15819120" cy="23791128"/>
           </a:xfrm>
           <a:prstGeom prst="rect">
             <a:avLst/>
@@ -3449,33 +3345,9 @@
           </a:p>
           <a:p>
             <a:pPr marL="346075"/>
-            <a:r>
-              <a:rPr lang="en-US" sz="4400" b="1" dirty="0">
-                <a:latin typeface="Klavika Light" panose="020B0506040000020004" pitchFamily="34" charset="0"/>
-              </a:rPr>
-              <a:t>Response variable: </a:t>
-            </a:r>
-            <a:r>
-              <a:rPr lang="en-US" sz="4400" dirty="0">
-                <a:latin typeface="Klavika Light" panose="020B0506040000020004" pitchFamily="34" charset="0"/>
-              </a:rPr>
-              <a:t>average_score</a:t>
-            </a:r>
-          </a:p>
-          <a:p>
-            <a:pPr marL="346075"/>
-            <a:r>
-              <a:rPr lang="en-US" sz="4400" b="1" dirty="0">
-                <a:latin typeface="Klavika Light" panose="020B0506040000020004" pitchFamily="34" charset="0"/>
-              </a:rPr>
-              <a:t>Predictor variables: </a:t>
-            </a:r>
-            <a:r>
-              <a:rPr lang="en-US" sz="4400" dirty="0">
-                <a:latin typeface="Klavika Light" panose="020B0506040000020004" pitchFamily="34" charset="0"/>
-              </a:rPr>
-              <a:t>part_time_job, absence_days, extracurricular_activities, self_study_hours</a:t>
-            </a:r>
+            <a:endParaRPr lang="en-US" sz="4400" dirty="0">
+              <a:latin typeface="Klavika Light" panose="020B0506040000020004" pitchFamily="34" charset="0"/>
+            </a:endParaRPr>
           </a:p>
           <a:p>
             <a:pPr marL="346075"/>
@@ -3485,24 +3357,9 @@
           </a:p>
           <a:p>
             <a:pPr marL="346075"/>
-            <a:r>
-              <a:rPr lang="en-US" sz="4400" dirty="0">
-                <a:latin typeface="Klavika Light" panose="020B0506040000020004" pitchFamily="34" charset="0"/>
-              </a:rPr>
-              <a:t>Design Matrix: </a:t>
-            </a:r>
-            <a:r>
-              <a:rPr lang="en-US" sz="4400" dirty="0" err="1">
-                <a:latin typeface="Klavika Light" panose="020B0506040000020004" pitchFamily="34" charset="0"/>
-              </a:rPr>
-              <a:t>cbind</a:t>
-            </a:r>
-            <a:r>
-              <a:rPr lang="en-US" sz="4400" dirty="0">
-                <a:latin typeface="Klavika Light" panose="020B0506040000020004" pitchFamily="34" charset="0"/>
-              </a:rPr>
-              <a:t>(1, x1, x2, x3, x4)</a:t>
-            </a:r>
+            <a:endParaRPr lang="en-US" sz="4400" dirty="0">
+              <a:latin typeface="Klavika Light" panose="020B0506040000020004" pitchFamily="34" charset="0"/>
+            </a:endParaRPr>
           </a:p>
           <a:p>
             <a:pPr marL="346075"/>
@@ -3512,12 +3369,9 @@
           </a:p>
           <a:p>
             <a:pPr marL="346075"/>
-            <a:r>
-              <a:rPr lang="en-US" sz="4400" dirty="0">
-                <a:latin typeface="Klavika Light" panose="020B0506040000020004" pitchFamily="34" charset="0"/>
-              </a:rPr>
-              <a:t>#Gave values for Hyperparameters </a:t>
-            </a:r>
+            <a:endParaRPr lang="en-US" sz="4400" dirty="0">
+              <a:latin typeface="Klavika Light" panose="020B0506040000020004" pitchFamily="34" charset="0"/>
+            </a:endParaRPr>
           </a:p>
           <a:p>
             <a:pPr marL="346075"/>
@@ -3527,12 +3381,9 @@
           </a:p>
           <a:p>
             <a:pPr marL="346075"/>
-            <a:r>
-              <a:rPr lang="en-US" sz="4400" dirty="0">
-                <a:latin typeface="Klavika Light" panose="020B0506040000020004" pitchFamily="34" charset="0"/>
-              </a:rPr>
-              <a:t>#Place to store data</a:t>
-            </a:r>
+            <a:endParaRPr lang="en-US" sz="4400" dirty="0">
+              <a:latin typeface="Klavika Light" panose="020B0506040000020004" pitchFamily="34" charset="0"/>
+            </a:endParaRPr>
           </a:p>
           <a:p>
             <a:pPr marL="346075"/>
@@ -3542,30 +3393,9 @@
           </a:p>
           <a:p>
             <a:pPr marL="346075"/>
-            <a:r>
-              <a:rPr lang="en-US" sz="4400" dirty="0">
-                <a:latin typeface="Klavika Light" panose="020B0506040000020004" pitchFamily="34" charset="0"/>
-              </a:rPr>
-              <a:t>#For loop </a:t>
-            </a:r>
-          </a:p>
-          <a:p>
-            <a:pPr marL="346075"/>
-            <a:r>
-              <a:rPr lang="en-US" sz="4400" dirty="0">
-                <a:latin typeface="Klavika Light" panose="020B0506040000020004" pitchFamily="34" charset="0"/>
-              </a:rPr>
-              <a:t>* Update beta</a:t>
-            </a:r>
-          </a:p>
-          <a:p>
-            <a:pPr marL="346075"/>
-            <a:r>
-              <a:rPr lang="en-US" sz="4400" dirty="0">
-                <a:latin typeface="Klavika Light" panose="020B0506040000020004" pitchFamily="34" charset="0"/>
-              </a:rPr>
-              <a:t>* Update Sig2</a:t>
-            </a:r>
+            <a:endParaRPr lang="en-US" sz="4400" dirty="0">
+              <a:latin typeface="Klavika Light" panose="020B0506040000020004" pitchFamily="34" charset="0"/>
+            </a:endParaRPr>
           </a:p>
           <a:p>
             <a:pPr marL="346075"/>
@@ -3575,12 +3405,9 @@
           </a:p>
           <a:p>
             <a:pPr marL="346075"/>
-            <a:r>
-              <a:rPr lang="en-US" sz="4400" dirty="0">
-                <a:latin typeface="Klavika Light" panose="020B0506040000020004" pitchFamily="34" charset="0"/>
-              </a:rPr>
-              <a:t>#Store results</a:t>
-            </a:r>
+            <a:endParaRPr lang="en-US" sz="4400" dirty="0">
+              <a:latin typeface="Klavika Light" panose="020B0506040000020004" pitchFamily="34" charset="0"/>
+            </a:endParaRPr>
           </a:p>
           <a:p>
             <a:pPr marL="346075"/>
@@ -3590,12 +3417,93 @@
           </a:p>
           <a:p>
             <a:pPr marL="346075"/>
-            <a:r>
-              <a:rPr lang="en-US" sz="4400" dirty="0">
-                <a:latin typeface="Klavika Light" panose="020B0506040000020004" pitchFamily="34" charset="0"/>
-              </a:rPr>
-              <a:t>#Remove burn-in</a:t>
-            </a:r>
+            <a:endParaRPr lang="en-US" sz="4400" dirty="0">
+              <a:latin typeface="Klavika Light" panose="020B0506040000020004" pitchFamily="34" charset="0"/>
+            </a:endParaRPr>
+          </a:p>
+          <a:p>
+            <a:pPr marL="346075"/>
+            <a:endParaRPr lang="en-US" sz="4400" dirty="0">
+              <a:latin typeface="Klavika Light" panose="020B0506040000020004" pitchFamily="34" charset="0"/>
+            </a:endParaRPr>
+          </a:p>
+          <a:p>
+            <a:pPr marL="346075"/>
+            <a:endParaRPr lang="en-US" sz="4400" dirty="0">
+              <a:latin typeface="Klavika Light" panose="020B0506040000020004" pitchFamily="34" charset="0"/>
+            </a:endParaRPr>
+          </a:p>
+          <a:p>
+            <a:pPr marL="346075"/>
+            <a:endParaRPr lang="en-US" sz="4400" dirty="0">
+              <a:latin typeface="Klavika Light" panose="020B0506040000020004" pitchFamily="34" charset="0"/>
+            </a:endParaRPr>
+          </a:p>
+          <a:p>
+            <a:pPr marL="346075"/>
+            <a:endParaRPr lang="en-US" sz="4400" dirty="0">
+              <a:latin typeface="Klavika Light" panose="020B0506040000020004" pitchFamily="34" charset="0"/>
+            </a:endParaRPr>
+          </a:p>
+          <a:p>
+            <a:pPr marL="346075"/>
+            <a:endParaRPr lang="en-US" sz="4400" dirty="0">
+              <a:latin typeface="Klavika Light" panose="020B0506040000020004" pitchFamily="34" charset="0"/>
+            </a:endParaRPr>
+          </a:p>
+          <a:p>
+            <a:pPr marL="346075"/>
+            <a:endParaRPr lang="en-US" sz="4400" dirty="0">
+              <a:latin typeface="Klavika Light" panose="020B0506040000020004" pitchFamily="34" charset="0"/>
+            </a:endParaRPr>
+          </a:p>
+          <a:p>
+            <a:pPr marL="346075"/>
+            <a:endParaRPr lang="en-US" sz="4400" dirty="0">
+              <a:latin typeface="Klavika Light" panose="020B0506040000020004" pitchFamily="34" charset="0"/>
+            </a:endParaRPr>
+          </a:p>
+          <a:p>
+            <a:pPr marL="346075"/>
+            <a:endParaRPr lang="en-US" sz="4400" dirty="0">
+              <a:latin typeface="Klavika Light" panose="020B0506040000020004" pitchFamily="34" charset="0"/>
+            </a:endParaRPr>
+          </a:p>
+          <a:p>
+            <a:pPr marL="346075"/>
+            <a:endParaRPr lang="en-US" sz="4400" dirty="0">
+              <a:latin typeface="Klavika Light" panose="020B0506040000020004" pitchFamily="34" charset="0"/>
+            </a:endParaRPr>
+          </a:p>
+          <a:p>
+            <a:pPr marL="346075"/>
+            <a:endParaRPr lang="en-US" sz="4400" dirty="0">
+              <a:latin typeface="Klavika Light" panose="020B0506040000020004" pitchFamily="34" charset="0"/>
+            </a:endParaRPr>
+          </a:p>
+          <a:p>
+            <a:pPr marL="346075"/>
+            <a:endParaRPr lang="en-US" sz="4400" dirty="0">
+              <a:latin typeface="Klavika Light" panose="020B0506040000020004" pitchFamily="34" charset="0"/>
+            </a:endParaRPr>
+          </a:p>
+          <a:p>
+            <a:pPr marL="346075"/>
+            <a:endParaRPr lang="en-US" dirty="0">
+              <a:latin typeface="Klavika Light" panose="020B0506040000020004" pitchFamily="34" charset="0"/>
+            </a:endParaRPr>
+          </a:p>
+          <a:p>
+            <a:pPr marL="346075"/>
+            <a:endParaRPr lang="en-US" sz="4400" dirty="0">
+              <a:latin typeface="Klavika Light" panose="020B0506040000020004" pitchFamily="34" charset="0"/>
+            </a:endParaRPr>
+          </a:p>
+          <a:p>
+            <a:pPr marL="346075"/>
+            <a:endParaRPr lang="en-US" sz="4400" dirty="0">
+              <a:latin typeface="Klavika Light" panose="020B0506040000020004" pitchFamily="34" charset="0"/>
+            </a:endParaRPr>
           </a:p>
           <a:p>
             <a:pPr marL="346075"/>
@@ -3753,6 +3661,178 @@
           </a:p>
           <a:p>
             <a:endParaRPr lang="en-US" sz="800" dirty="0"/>
+          </a:p>
+        </p:txBody>
+      </p:sp>
+      <p:sp>
+        <p:nvSpPr>
+          <p:cNvPr id="12" name="TextBox 11"/>
+          <p:cNvSpPr txBox="1"/>
+          <p:nvPr/>
+        </p:nvSpPr>
+        <p:spPr>
+          <a:xfrm>
+            <a:off x="616018" y="7442492"/>
+            <a:ext cx="15819120" cy="7540526"/>
+          </a:xfrm>
+          <a:prstGeom prst="rect">
+            <a:avLst/>
+          </a:prstGeom>
+          <a:noFill/>
+          <a:ln w="127000">
+            <a:solidFill>
+              <a:schemeClr val="tx2"/>
+            </a:solidFill>
+          </a:ln>
+        </p:spPr>
+        <p:txBody>
+          <a:bodyPr wrap="square" rtlCol="0">
+            <a:spAutoFit/>
+          </a:bodyPr>
+          <a:lstStyle/>
+          <a:p>
+            <a:pPr marL="342900"/>
+            <a:endParaRPr lang="en-US" sz="4400" b="0" i="0" dirty="0">
+              <a:solidFill>
+                <a:srgbClr val="000000"/>
+              </a:solidFill>
+              <a:effectLst/>
+              <a:latin typeface="Calibri" panose="020F0502020204030204" pitchFamily="34" charset="0"/>
+            </a:endParaRPr>
+          </a:p>
+          <a:p>
+            <a:pPr marL="342900"/>
+            <a:endParaRPr lang="en-US" sz="4400" dirty="0">
+              <a:solidFill>
+                <a:srgbClr val="000000"/>
+              </a:solidFill>
+              <a:latin typeface="Calibri" panose="020F0502020204030204" pitchFamily="34" charset="0"/>
+            </a:endParaRPr>
+          </a:p>
+          <a:p>
+            <a:pPr marL="342900"/>
+            <a:endParaRPr lang="en-US" sz="4400" dirty="0">
+              <a:solidFill>
+                <a:srgbClr val="000000"/>
+              </a:solidFill>
+              <a:latin typeface="Calibri" panose="020F0502020204030204" pitchFamily="34" charset="0"/>
+            </a:endParaRPr>
+          </a:p>
+          <a:p>
+            <a:pPr marL="342900"/>
+            <a:endParaRPr lang="en-US" sz="4400" b="0" i="0" dirty="0">
+              <a:solidFill>
+                <a:srgbClr val="000000"/>
+              </a:solidFill>
+              <a:effectLst/>
+              <a:latin typeface="Calibri" panose="020F0502020204030204" pitchFamily="34" charset="0"/>
+            </a:endParaRPr>
+          </a:p>
+          <a:p>
+            <a:pPr marL="342900"/>
+            <a:endParaRPr lang="en-US" sz="4400" dirty="0">
+              <a:solidFill>
+                <a:srgbClr val="000000"/>
+              </a:solidFill>
+              <a:latin typeface="Calibri" panose="020F0502020204030204" pitchFamily="34" charset="0"/>
+            </a:endParaRPr>
+          </a:p>
+          <a:p>
+            <a:pPr marL="342900"/>
+            <a:endParaRPr lang="en-US" sz="4400" dirty="0">
+              <a:solidFill>
+                <a:srgbClr val="000000"/>
+              </a:solidFill>
+              <a:latin typeface="Calibri" panose="020F0502020204030204" pitchFamily="34" charset="0"/>
+            </a:endParaRPr>
+          </a:p>
+          <a:p>
+            <a:pPr marL="342900"/>
+            <a:endParaRPr lang="en-US" sz="4400" b="0" i="0" dirty="0">
+              <a:solidFill>
+                <a:srgbClr val="000000"/>
+              </a:solidFill>
+              <a:effectLst/>
+              <a:latin typeface="Calibri" panose="020F0502020204030204" pitchFamily="34" charset="0"/>
+            </a:endParaRPr>
+          </a:p>
+          <a:p>
+            <a:pPr marL="342900"/>
+            <a:endParaRPr lang="en-US" sz="4400" dirty="0">
+              <a:solidFill>
+                <a:srgbClr val="000000"/>
+              </a:solidFill>
+              <a:latin typeface="Calibri" panose="020F0502020204030204" pitchFamily="34" charset="0"/>
+            </a:endParaRPr>
+          </a:p>
+          <a:p>
+            <a:pPr marL="342900"/>
+            <a:endParaRPr lang="en-US" sz="4400" b="0" i="0" dirty="0">
+              <a:solidFill>
+                <a:srgbClr val="000000"/>
+              </a:solidFill>
+              <a:effectLst/>
+              <a:latin typeface="Calibri" panose="020F0502020204030204" pitchFamily="34" charset="0"/>
+            </a:endParaRPr>
+          </a:p>
+          <a:p>
+            <a:pPr marL="342900"/>
+            <a:endParaRPr lang="en-US" sz="4400" dirty="0">
+              <a:solidFill>
+                <a:srgbClr val="000000"/>
+              </a:solidFill>
+              <a:latin typeface="Calibri" panose="020F0502020204030204" pitchFamily="34" charset="0"/>
+            </a:endParaRPr>
+          </a:p>
+          <a:p>
+            <a:pPr marL="342900"/>
+            <a:endParaRPr lang="en-US" sz="4400" b="0" i="0" dirty="0">
+              <a:solidFill>
+                <a:srgbClr val="000000"/>
+              </a:solidFill>
+              <a:effectLst/>
+              <a:latin typeface="Calibri" panose="020F0502020204030204" pitchFamily="34" charset="0"/>
+            </a:endParaRPr>
+          </a:p>
+        </p:txBody>
+      </p:sp>
+      <p:sp>
+        <p:nvSpPr>
+          <p:cNvPr id="11" name="TextBox 10"/>
+          <p:cNvSpPr txBox="1"/>
+          <p:nvPr/>
+        </p:nvSpPr>
+        <p:spPr>
+          <a:xfrm>
+            <a:off x="1397482" y="6641169"/>
+            <a:ext cx="13716000" cy="1092607"/>
+          </a:xfrm>
+          <a:prstGeom prst="rect">
+            <a:avLst/>
+          </a:prstGeom>
+          <a:solidFill>
+            <a:srgbClr val="B7CCEB"/>
+          </a:solidFill>
+          <a:ln>
+            <a:noFill/>
+          </a:ln>
+        </p:spPr>
+        <p:txBody>
+          <a:bodyPr wrap="square" rtlCol="0">
+            <a:spAutoFit/>
+          </a:bodyPr>
+          <a:lstStyle/>
+          <a:p>
+            <a:pPr marL="342900" algn="ctr"/>
+            <a:r>
+              <a:rPr lang="en-US" sz="6500" dirty="0">
+                <a:solidFill>
+                  <a:schemeClr val="bg1"/>
+                </a:solidFill>
+                <a:latin typeface="Klavika Light" panose="020B0506040000020004" pitchFamily="34" charset="0"/>
+              </a:rPr>
+              <a:t>Exploratory Data Analysis</a:t>
+            </a:r>
           </a:p>
         </p:txBody>
       </p:sp>
@@ -3983,8 +4063,8 @@
         </p:nvSpPr>
         <p:spPr>
           <a:xfrm>
-            <a:off x="16767211" y="25162398"/>
-            <a:ext cx="15819120" cy="9110186"/>
+            <a:off x="16687803" y="31936350"/>
+            <a:ext cx="15819120" cy="5416868"/>
           </a:xfrm>
           <a:prstGeom prst="rect">
             <a:avLst/>
@@ -4046,36 +4126,6 @@
             </a:endParaRPr>
           </a:p>
           <a:p>
-            <a:pPr marL="342900"/>
-            <a:endParaRPr lang="en-US" sz="4800" dirty="0">
-              <a:latin typeface="Klavika Light" panose="020B0506040000020004" pitchFamily="34" charset="0"/>
-            </a:endParaRPr>
-          </a:p>
-          <a:p>
-            <a:pPr marL="342900"/>
-            <a:endParaRPr lang="en-US" sz="4800" dirty="0">
-              <a:latin typeface="Klavika Light" panose="020B0506040000020004" pitchFamily="34" charset="0"/>
-            </a:endParaRPr>
-          </a:p>
-          <a:p>
-            <a:pPr marL="342900"/>
-            <a:endParaRPr lang="en-US" sz="4800" dirty="0">
-              <a:latin typeface="Klavika Light" panose="020B0506040000020004" pitchFamily="34" charset="0"/>
-            </a:endParaRPr>
-          </a:p>
-          <a:p>
-            <a:pPr marL="342900"/>
-            <a:endParaRPr lang="en-US" sz="4800" dirty="0">
-              <a:latin typeface="Klavika Light" panose="020B0506040000020004" pitchFamily="34" charset="0"/>
-            </a:endParaRPr>
-          </a:p>
-          <a:p>
-            <a:pPr marL="342900"/>
-            <a:endParaRPr lang="en-US" sz="4800" dirty="0">
-              <a:latin typeface="Klavika Light" panose="020B0506040000020004" pitchFamily="34" charset="0"/>
-            </a:endParaRPr>
-          </a:p>
-          <a:p>
             <a:pPr marL="1028700" indent="-685800">
               <a:buFont typeface="Wingdings" panose="05000000000000000000" pitchFamily="2" charset="2"/>
               <a:buChar char="§"/>
@@ -4092,8 +4142,8 @@
         </p:nvSpPr>
         <p:spPr>
           <a:xfrm>
-            <a:off x="16725993" y="35412098"/>
-            <a:ext cx="15819120" cy="7294305"/>
+            <a:off x="16677866" y="38427962"/>
+            <a:ext cx="15819120" cy="4339650"/>
           </a:xfrm>
           <a:prstGeom prst="rect">
             <a:avLst/>
@@ -4138,24 +4188,6 @@
             <a:endParaRPr lang="en-US" sz="3200" dirty="0"/>
           </a:p>
           <a:p>
-            <a:endParaRPr lang="en-US" sz="3200" dirty="0"/>
-          </a:p>
-          <a:p>
-            <a:endParaRPr lang="en-US" sz="3200" dirty="0"/>
-          </a:p>
-          <a:p>
-            <a:endParaRPr lang="en-US" sz="3200" dirty="0"/>
-          </a:p>
-          <a:p>
-            <a:endParaRPr lang="en-US" sz="3200" dirty="0"/>
-          </a:p>
-          <a:p>
-            <a:endParaRPr lang="en-US" sz="3200" dirty="0"/>
-          </a:p>
-          <a:p>
-            <a:endParaRPr lang="en-US" sz="3200" dirty="0"/>
-          </a:p>
-          <a:p>
             <a:endParaRPr lang="en-US" sz="1000" dirty="0"/>
           </a:p>
           <a:p>
@@ -4252,7 +4284,7 @@
         </p:nvSpPr>
         <p:spPr>
           <a:xfrm>
-            <a:off x="17804918" y="24594952"/>
+            <a:off x="17818771" y="31399300"/>
             <a:ext cx="13716000" cy="1092607"/>
           </a:xfrm>
           <a:prstGeom prst="rect">
@@ -4292,7 +4324,7 @@
         </p:nvSpPr>
         <p:spPr>
           <a:xfrm>
-            <a:off x="17818771" y="34830367"/>
+            <a:off x="17818771" y="37881658"/>
             <a:ext cx="13716000" cy="1092607"/>
           </a:xfrm>
           <a:prstGeom prst="rect">
@@ -4620,8 +4652,8 @@
         </p:blipFill>
         <p:spPr>
           <a:xfrm>
-            <a:off x="3904276" y="31137227"/>
-            <a:ext cx="8562685" cy="5220373"/>
+            <a:off x="3454576" y="31137227"/>
+            <a:ext cx="9003579" cy="5489171"/>
           </a:xfrm>
           <a:prstGeom prst="rect">
             <a:avLst/>
@@ -4656,7 +4688,7 @@
         </p:blipFill>
         <p:spPr>
           <a:xfrm>
-            <a:off x="3929680" y="25929653"/>
+            <a:off x="3764790" y="25929653"/>
             <a:ext cx="8562684" cy="5052515"/>
           </a:xfrm>
           <a:prstGeom prst="rect">
@@ -4692,222 +4724,14 @@
         </p:blipFill>
         <p:spPr>
           <a:xfrm>
-            <a:off x="4680618" y="36871650"/>
-            <a:ext cx="8750293" cy="5433473"/>
+            <a:off x="4307473" y="36901630"/>
+            <a:ext cx="9003578" cy="5590750"/>
           </a:xfrm>
           <a:prstGeom prst="rect">
             <a:avLst/>
           </a:prstGeom>
         </p:spPr>
       </p:pic>
-      <p:pic>
-        <p:nvPicPr>
-          <p:cNvPr id="22" name="Picture 21" descr="A math equations on a white background&#10;&#10;AI-generated content may be incorrect.">
-            <a:extLst>
-              <a:ext uri="{FF2B5EF4-FFF2-40B4-BE49-F238E27FC236}">
-                <a16:creationId xmlns:a16="http://schemas.microsoft.com/office/drawing/2014/main" id="{C89F8C18-9CB6-D343-4FD0-615576E4F793}"/>
-              </a:ext>
-            </a:extLst>
-          </p:cNvPr>
-          <p:cNvPicPr>
-            <a:picLocks noChangeAspect="1"/>
-          </p:cNvPicPr>
-          <p:nvPr/>
-        </p:nvPicPr>
-        <p:blipFill>
-          <a:blip r:embed="rId13">
-            <a:extLst>
-              <a:ext uri="{28A0092B-C50C-407E-A947-70E740481C1C}">
-                <a14:useLocalDpi xmlns:a14="http://schemas.microsoft.com/office/drawing/2010/main" val="0"/>
-              </a:ext>
-            </a:extLst>
-          </a:blip>
-          <a:stretch>
-            <a:fillRect/>
-          </a:stretch>
-        </p:blipFill>
-        <p:spPr>
-          <a:xfrm>
-            <a:off x="19700255" y="7894690"/>
-            <a:ext cx="9768084" cy="3863496"/>
-          </a:xfrm>
-          <a:prstGeom prst="rect">
-            <a:avLst/>
-          </a:prstGeom>
-        </p:spPr>
-      </p:pic>
-      <p:sp>
-        <p:nvSpPr>
-          <p:cNvPr id="12" name="TextBox 11"/>
-          <p:cNvSpPr txBox="1"/>
-          <p:nvPr/>
-        </p:nvSpPr>
-        <p:spPr>
-          <a:xfrm>
-            <a:off x="597254" y="7193344"/>
-            <a:ext cx="15819120" cy="7540526"/>
-          </a:xfrm>
-          <a:prstGeom prst="rect">
-            <a:avLst/>
-          </a:prstGeom>
-          <a:noFill/>
-          <a:ln w="127000">
-            <a:solidFill>
-              <a:schemeClr val="tx2"/>
-            </a:solidFill>
-          </a:ln>
-        </p:spPr>
-        <p:txBody>
-          <a:bodyPr wrap="square" rtlCol="0">
-            <a:spAutoFit/>
-          </a:bodyPr>
-          <a:lstStyle/>
-          <a:p>
-            <a:pPr marL="342900"/>
-            <a:endParaRPr lang="en-US" sz="4400" b="0" i="0" dirty="0">
-              <a:solidFill>
-                <a:srgbClr val="000000"/>
-              </a:solidFill>
-              <a:effectLst/>
-              <a:latin typeface="Calibri" panose="020F0502020204030204" pitchFamily="34" charset="0"/>
-            </a:endParaRPr>
-          </a:p>
-          <a:p>
-            <a:pPr marL="342900"/>
-            <a:endParaRPr lang="en-US" sz="4400" dirty="0">
-              <a:solidFill>
-                <a:srgbClr val="000000"/>
-              </a:solidFill>
-              <a:latin typeface="Calibri" panose="020F0502020204030204" pitchFamily="34" charset="0"/>
-            </a:endParaRPr>
-          </a:p>
-          <a:p>
-            <a:pPr marL="342900"/>
-            <a:endParaRPr lang="en-US" sz="4400" dirty="0">
-              <a:solidFill>
-                <a:srgbClr val="000000"/>
-              </a:solidFill>
-              <a:latin typeface="Calibri" panose="020F0502020204030204" pitchFamily="34" charset="0"/>
-            </a:endParaRPr>
-          </a:p>
-          <a:p>
-            <a:pPr marL="342900"/>
-            <a:endParaRPr lang="en-US" sz="4400" b="0" i="0" dirty="0">
-              <a:solidFill>
-                <a:srgbClr val="000000"/>
-              </a:solidFill>
-              <a:effectLst/>
-              <a:latin typeface="Calibri" panose="020F0502020204030204" pitchFamily="34" charset="0"/>
-            </a:endParaRPr>
-          </a:p>
-          <a:p>
-            <a:pPr marL="342900"/>
-            <a:endParaRPr lang="en-US" sz="4400" dirty="0">
-              <a:solidFill>
-                <a:srgbClr val="000000"/>
-              </a:solidFill>
-              <a:latin typeface="Calibri" panose="020F0502020204030204" pitchFamily="34" charset="0"/>
-            </a:endParaRPr>
-          </a:p>
-          <a:p>
-            <a:pPr marL="342900"/>
-            <a:endParaRPr lang="en-US" sz="4400" dirty="0">
-              <a:solidFill>
-                <a:srgbClr val="000000"/>
-              </a:solidFill>
-              <a:latin typeface="Calibri" panose="020F0502020204030204" pitchFamily="34" charset="0"/>
-            </a:endParaRPr>
-          </a:p>
-          <a:p>
-            <a:pPr marL="342900"/>
-            <a:endParaRPr lang="en-US" sz="4400" b="0" i="0" dirty="0">
-              <a:solidFill>
-                <a:srgbClr val="000000"/>
-              </a:solidFill>
-              <a:effectLst/>
-              <a:latin typeface="Calibri" panose="020F0502020204030204" pitchFamily="34" charset="0"/>
-            </a:endParaRPr>
-          </a:p>
-          <a:p>
-            <a:pPr marL="342900"/>
-            <a:endParaRPr lang="en-US" sz="4400" dirty="0">
-              <a:solidFill>
-                <a:srgbClr val="000000"/>
-              </a:solidFill>
-              <a:latin typeface="Calibri" panose="020F0502020204030204" pitchFamily="34" charset="0"/>
-            </a:endParaRPr>
-          </a:p>
-          <a:p>
-            <a:pPr marL="342900"/>
-            <a:endParaRPr lang="en-US" sz="4400" b="0" i="0" dirty="0">
-              <a:solidFill>
-                <a:srgbClr val="000000"/>
-              </a:solidFill>
-              <a:effectLst/>
-              <a:latin typeface="Calibri" panose="020F0502020204030204" pitchFamily="34" charset="0"/>
-            </a:endParaRPr>
-          </a:p>
-          <a:p>
-            <a:pPr marL="342900"/>
-            <a:endParaRPr lang="en-US" sz="4400" dirty="0">
-              <a:solidFill>
-                <a:srgbClr val="000000"/>
-              </a:solidFill>
-              <a:latin typeface="Calibri" panose="020F0502020204030204" pitchFamily="34" charset="0"/>
-            </a:endParaRPr>
-          </a:p>
-          <a:p>
-            <a:pPr marL="342900"/>
-            <a:endParaRPr lang="en-US" sz="4400" b="0" i="0" dirty="0">
-              <a:solidFill>
-                <a:srgbClr val="000000"/>
-              </a:solidFill>
-              <a:effectLst/>
-              <a:latin typeface="Calibri" panose="020F0502020204030204" pitchFamily="34" charset="0"/>
-            </a:endParaRPr>
-          </a:p>
-        </p:txBody>
-      </p:sp>
-      <p:sp>
-        <p:nvSpPr>
-          <p:cNvPr id="11" name="TextBox 10"/>
-          <p:cNvSpPr txBox="1"/>
-          <p:nvPr/>
-        </p:nvSpPr>
-        <p:spPr>
-          <a:xfrm>
-            <a:off x="1397482" y="6641169"/>
-            <a:ext cx="13716000" cy="1092607"/>
-          </a:xfrm>
-          <a:prstGeom prst="rect">
-            <a:avLst/>
-          </a:prstGeom>
-          <a:solidFill>
-            <a:srgbClr val="B7CCEB"/>
-          </a:solidFill>
-          <a:ln>
-            <a:noFill/>
-          </a:ln>
-        </p:spPr>
-        <p:txBody>
-          <a:bodyPr wrap="square" rtlCol="0">
-            <a:spAutoFit/>
-          </a:bodyPr>
-          <a:lstStyle/>
-          <a:p>
-            <a:pPr marL="342900" algn="ctr"/>
-            <a:r>
-              <a:rPr lang="en-US" sz="6500" dirty="0">
-                <a:solidFill>
-                  <a:schemeClr val="bg1"/>
-                </a:solidFill>
-                <a:latin typeface="Klavika Light" panose="020B0506040000020004" pitchFamily="34" charset="0"/>
-              </a:rPr>
-              <a:t>Exploratory Data Analysis</a:t>
-            </a:r>
-          </a:p>
-        </p:txBody>
-      </p:sp>
     </p:spTree>
     <p:extLst>
       <p:ext uri="{BB962C8B-B14F-4D97-AF65-F5344CB8AC3E}">

--- a/FinalProject.pptx
+++ b/FinalProject.pptx
@@ -123,75 +123,6 @@
 </p:presentation>
 </file>
 
-<file path=ppt/changesInfos/changesInfo1.xml><?xml version="1.0" encoding="utf-8"?>
-<pc:chgInfo xmlns:a="http://schemas.openxmlformats.org/drawingml/2006/main" xmlns:r="http://schemas.openxmlformats.org/officeDocument/2006/relationships" xmlns:ac="http://schemas.microsoft.com/office/drawing/2013/main/command" xmlns:pc="http://schemas.microsoft.com/office/powerpoint/2013/main/command">
-  <pc:docChgLst>
-    <pc:chgData name="Seth Hillis" userId="a87ca59e48a905ce" providerId="LiveId" clId="{A975DEFC-5A2E-4FFE-A2C0-8F30C525667E}"/>
-    <pc:docChg chg="modSld">
-      <pc:chgData name="Seth Hillis" userId="a87ca59e48a905ce" providerId="LiveId" clId="{A975DEFC-5A2E-4FFE-A2C0-8F30C525667E}" dt="2025-05-02T05:10:18.875" v="17" actId="167"/>
-      <pc:docMkLst>
-        <pc:docMk/>
-      </pc:docMkLst>
-      <pc:sldChg chg="modSp mod">
-        <pc:chgData name="Seth Hillis" userId="a87ca59e48a905ce" providerId="LiveId" clId="{A975DEFC-5A2E-4FFE-A2C0-8F30C525667E}" dt="2025-05-02T05:10:18.875" v="17" actId="167"/>
-        <pc:sldMkLst>
-          <pc:docMk/>
-          <pc:sldMk cId="3171296435" sldId="263"/>
-        </pc:sldMkLst>
-        <pc:picChg chg="mod ord">
-          <ac:chgData name="Seth Hillis" userId="a87ca59e48a905ce" providerId="LiveId" clId="{A975DEFC-5A2E-4FFE-A2C0-8F30C525667E}" dt="2025-05-02T05:10:18.875" v="17" actId="167"/>
-          <ac:picMkLst>
-            <pc:docMk/>
-            <pc:sldMk cId="3171296435" sldId="263"/>
-            <ac:picMk id="13" creationId="{E4141EB8-7E05-918B-3BCC-192C5F6B091A}"/>
-          </ac:picMkLst>
-        </pc:picChg>
-        <pc:picChg chg="mod ord">
-          <ac:chgData name="Seth Hillis" userId="a87ca59e48a905ce" providerId="LiveId" clId="{A975DEFC-5A2E-4FFE-A2C0-8F30C525667E}" dt="2025-05-02T05:10:18.875" v="17" actId="167"/>
-          <ac:picMkLst>
-            <pc:docMk/>
-            <pc:sldMk cId="3171296435" sldId="263"/>
-            <ac:picMk id="18" creationId="{BED0372F-052B-17D7-9372-56396D209E14}"/>
-          </ac:picMkLst>
-        </pc:picChg>
-        <pc:picChg chg="mod ord">
-          <ac:chgData name="Seth Hillis" userId="a87ca59e48a905ce" providerId="LiveId" clId="{A975DEFC-5A2E-4FFE-A2C0-8F30C525667E}" dt="2025-05-02T05:10:18.875" v="17" actId="167"/>
-          <ac:picMkLst>
-            <pc:docMk/>
-            <pc:sldMk cId="3171296435" sldId="263"/>
-            <ac:picMk id="21" creationId="{D4A8C1F9-80A2-C49D-72CC-A69CC9903401}"/>
-          </ac:picMkLst>
-        </pc:picChg>
-        <pc:picChg chg="mod ord">
-          <ac:chgData name="Seth Hillis" userId="a87ca59e48a905ce" providerId="LiveId" clId="{A975DEFC-5A2E-4FFE-A2C0-8F30C525667E}" dt="2025-05-02T05:10:18.875" v="17" actId="167"/>
-          <ac:picMkLst>
-            <pc:docMk/>
-            <pc:sldMk cId="3171296435" sldId="263"/>
-            <ac:picMk id="25" creationId="{C989FA38-3F13-9DAA-4271-9C56CA7BE216}"/>
-          </ac:picMkLst>
-        </pc:picChg>
-        <pc:picChg chg="mod ord">
-          <ac:chgData name="Seth Hillis" userId="a87ca59e48a905ce" providerId="LiveId" clId="{A975DEFC-5A2E-4FFE-A2C0-8F30C525667E}" dt="2025-05-02T05:10:18.875" v="17" actId="167"/>
-          <ac:picMkLst>
-            <pc:docMk/>
-            <pc:sldMk cId="3171296435" sldId="263"/>
-            <ac:picMk id="28" creationId="{1A4358E2-2044-68DC-718F-2C00B07B7E67}"/>
-          </ac:picMkLst>
-        </pc:picChg>
-        <pc:picChg chg="mod ord">
-          <ac:chgData name="Seth Hillis" userId="a87ca59e48a905ce" providerId="LiveId" clId="{A975DEFC-5A2E-4FFE-A2C0-8F30C525667E}" dt="2025-05-02T05:10:18.875" v="17" actId="167"/>
-          <ac:picMkLst>
-            <pc:docMk/>
-            <pc:sldMk cId="3171296435" sldId="263"/>
-            <ac:picMk id="31" creationId="{1F170871-8043-9637-39D6-5E905A0296D2}"/>
-          </ac:picMkLst>
-        </pc:picChg>
-      </pc:sldChg>
-    </pc:docChg>
-  </pc:docChgLst>
-</pc:chgInfo>
-</file>
-
 <file path=ppt/slideLayouts/slideLayout1.xml><?xml version="1.0" encoding="utf-8"?>
 <p:sldLayout xmlns:a="http://schemas.openxmlformats.org/drawingml/2006/main" xmlns:r="http://schemas.openxmlformats.org/officeDocument/2006/relationships" xmlns:p="http://schemas.openxmlformats.org/presentationml/2006/main" type="title" preserve="1">
   <p:cSld name="Title Slide">
@@ -323,7 +254,7 @@
           <a:p>
             <a:fld id="{8B2A89D0-1805-4490-BCAB-9BF0585E218B}" type="datetimeFigureOut">
               <a:rPr lang="en-US" smtClean="0"/>
-              <a:t>5/1/2025</a:t>
+              <a:t>5/7/2025</a:t>
             </a:fld>
             <a:endParaRPr lang="en-US"/>
           </a:p>
@@ -493,7 +424,7 @@
           <a:p>
             <a:fld id="{8B2A89D0-1805-4490-BCAB-9BF0585E218B}" type="datetimeFigureOut">
               <a:rPr lang="en-US" smtClean="0"/>
-              <a:t>5/1/2025</a:t>
+              <a:t>5/7/2025</a:t>
             </a:fld>
             <a:endParaRPr lang="en-US"/>
           </a:p>
@@ -673,7 +604,7 @@
           <a:p>
             <a:fld id="{8B2A89D0-1805-4490-BCAB-9BF0585E218B}" type="datetimeFigureOut">
               <a:rPr lang="en-US" smtClean="0"/>
-              <a:t>5/1/2025</a:t>
+              <a:t>5/7/2025</a:t>
             </a:fld>
             <a:endParaRPr lang="en-US"/>
           </a:p>
@@ -843,7 +774,7 @@
           <a:p>
             <a:fld id="{8B2A89D0-1805-4490-BCAB-9BF0585E218B}" type="datetimeFigureOut">
               <a:rPr lang="en-US" smtClean="0"/>
-              <a:t>5/1/2025</a:t>
+              <a:t>5/7/2025</a:t>
             </a:fld>
             <a:endParaRPr lang="en-US"/>
           </a:p>
@@ -1087,7 +1018,7 @@
           <a:p>
             <a:fld id="{8B2A89D0-1805-4490-BCAB-9BF0585E218B}" type="datetimeFigureOut">
               <a:rPr lang="en-US" smtClean="0"/>
-              <a:t>5/1/2025</a:t>
+              <a:t>5/7/2025</a:t>
             </a:fld>
             <a:endParaRPr lang="en-US"/>
           </a:p>
@@ -1319,7 +1250,7 @@
           <a:p>
             <a:fld id="{8B2A89D0-1805-4490-BCAB-9BF0585E218B}" type="datetimeFigureOut">
               <a:rPr lang="en-US" smtClean="0"/>
-              <a:t>5/1/2025</a:t>
+              <a:t>5/7/2025</a:t>
             </a:fld>
             <a:endParaRPr lang="en-US"/>
           </a:p>
@@ -1686,7 +1617,7 @@
           <a:p>
             <a:fld id="{8B2A89D0-1805-4490-BCAB-9BF0585E218B}" type="datetimeFigureOut">
               <a:rPr lang="en-US" smtClean="0"/>
-              <a:t>5/1/2025</a:t>
+              <a:t>5/7/2025</a:t>
             </a:fld>
             <a:endParaRPr lang="en-US"/>
           </a:p>
@@ -1804,7 +1735,7 @@
           <a:p>
             <a:fld id="{8B2A89D0-1805-4490-BCAB-9BF0585E218B}" type="datetimeFigureOut">
               <a:rPr lang="en-US" smtClean="0"/>
-              <a:t>5/1/2025</a:t>
+              <a:t>5/7/2025</a:t>
             </a:fld>
             <a:endParaRPr lang="en-US"/>
           </a:p>
@@ -1899,7 +1830,7 @@
           <a:p>
             <a:fld id="{8B2A89D0-1805-4490-BCAB-9BF0585E218B}" type="datetimeFigureOut">
               <a:rPr lang="en-US" smtClean="0"/>
-              <a:t>5/1/2025</a:t>
+              <a:t>5/7/2025</a:t>
             </a:fld>
             <a:endParaRPr lang="en-US"/>
           </a:p>
@@ -2176,7 +2107,7 @@
           <a:p>
             <a:fld id="{8B2A89D0-1805-4490-BCAB-9BF0585E218B}" type="datetimeFigureOut">
               <a:rPr lang="en-US" smtClean="0"/>
-              <a:t>5/1/2025</a:t>
+              <a:t>5/7/2025</a:t>
             </a:fld>
             <a:endParaRPr lang="en-US"/>
           </a:p>
@@ -2433,7 +2364,7 @@
           <a:p>
             <a:fld id="{8B2A89D0-1805-4490-BCAB-9BF0585E218B}" type="datetimeFigureOut">
               <a:rPr lang="en-US" smtClean="0"/>
-              <a:t>5/1/2025</a:t>
+              <a:t>5/7/2025</a:t>
             </a:fld>
             <a:endParaRPr lang="en-US"/>
           </a:p>
@@ -2646,7 +2577,7 @@
           <a:p>
             <a:fld id="{8B2A89D0-1805-4490-BCAB-9BF0585E218B}" type="datetimeFigureOut">
               <a:rPr lang="en-US" smtClean="0"/>
-              <a:t>5/1/2025</a:t>
+              <a:t>5/7/2025</a:t>
             </a:fld>
             <a:endParaRPr lang="en-US"/>
           </a:p>
@@ -3087,7 +3018,7 @@
         </p:blipFill>
         <p:spPr>
           <a:xfrm>
-            <a:off x="555426" y="7531612"/>
+            <a:off x="555426" y="7607555"/>
             <a:ext cx="4389129" cy="3291847"/>
           </a:xfrm>
           <a:prstGeom prst="rect">
@@ -3123,7 +3054,7 @@
         </p:blipFill>
         <p:spPr>
           <a:xfrm>
-            <a:off x="11921969" y="11565020"/>
+            <a:off x="11921969" y="11640963"/>
             <a:ext cx="4389129" cy="3291847"/>
           </a:xfrm>
           <a:prstGeom prst="rect">
@@ -3159,7 +3090,7 @@
         </p:blipFill>
         <p:spPr>
           <a:xfrm>
-            <a:off x="757340" y="11592525"/>
+            <a:off x="757340" y="11668468"/>
             <a:ext cx="4389129" cy="3291847"/>
           </a:xfrm>
           <a:prstGeom prst="rect">
@@ -3195,7 +3126,7 @@
         </p:blipFill>
         <p:spPr>
           <a:xfrm>
-            <a:off x="6084573" y="11610093"/>
+            <a:off x="6084573" y="11686036"/>
             <a:ext cx="4389129" cy="3291847"/>
           </a:xfrm>
           <a:prstGeom prst="rect">
@@ -3231,7 +3162,7 @@
         </p:blipFill>
         <p:spPr>
           <a:xfrm>
-            <a:off x="12046009" y="7631629"/>
+            <a:off x="12046009" y="7707572"/>
             <a:ext cx="4389129" cy="3291847"/>
           </a:xfrm>
           <a:prstGeom prst="rect">
@@ -3267,7 +3198,7 @@
         </p:blipFill>
         <p:spPr>
           <a:xfrm>
-            <a:off x="6084573" y="7531612"/>
+            <a:off x="6084573" y="7607555"/>
             <a:ext cx="4389129" cy="3291847"/>
           </a:xfrm>
           <a:prstGeom prst="rect">

--- a/FinalProject.pptx
+++ b/FinalProject.pptx
@@ -121,6 +121,387 @@
     </p:ext>
   </p:extLst>
 </p:presentation>
+</file>
+
+<file path=ppt/revisionInfo.xml><?xml version="1.0" encoding="utf-8"?>
+<p1510:revInfo xmlns:a="http://schemas.openxmlformats.org/drawingml/2006/main" xmlns:r="http://schemas.openxmlformats.org/officeDocument/2006/relationships" xmlns:p1510="http://schemas.microsoft.com/office/powerpoint/2015/10/main">
+  <p1510:revLst>
+    <p1510:client id="{A975DEFC-5A2E-4FFE-A2C0-8F30C525667E}" v="34" dt="2025-05-07T15:04:27.018"/>
+  </p1510:revLst>
+</p1510:revInfo>
+</file>
+
+<file path=ppt/changesInfos/changesInfo1.xml><?xml version="1.0" encoding="utf-8"?>
+<pc:chgInfo xmlns:a="http://schemas.openxmlformats.org/drawingml/2006/main" xmlns:r="http://schemas.openxmlformats.org/officeDocument/2006/relationships" xmlns:ac="http://schemas.microsoft.com/office/drawing/2013/main/command" xmlns:pc="http://schemas.microsoft.com/office/powerpoint/2013/main/command">
+  <pc:docChgLst>
+    <pc:chgData name="Seth Hillis" userId="a87ca59e48a905ce" providerId="LiveId" clId="{A975DEFC-5A2E-4FFE-A2C0-8F30C525667E}"/>
+    <pc:docChg chg="undo custSel modSld">
+      <pc:chgData name="Seth Hillis" userId="a87ca59e48a905ce" providerId="LiveId" clId="{A975DEFC-5A2E-4FFE-A2C0-8F30C525667E}" dt="2025-05-07T15:05:05.245" v="492" actId="167"/>
+      <pc:docMkLst>
+        <pc:docMk/>
+      </pc:docMkLst>
+      <pc:sldChg chg="addSp delSp modSp mod">
+        <pc:chgData name="Seth Hillis" userId="a87ca59e48a905ce" providerId="LiveId" clId="{A975DEFC-5A2E-4FFE-A2C0-8F30C525667E}" dt="2025-05-07T15:05:05.245" v="492" actId="167"/>
+        <pc:sldMkLst>
+          <pc:docMk/>
+          <pc:sldMk cId="3171296435" sldId="263"/>
+        </pc:sldMkLst>
+        <pc:spChg chg="add mod">
+          <ac:chgData name="Seth Hillis" userId="a87ca59e48a905ce" providerId="LiveId" clId="{A975DEFC-5A2E-4FFE-A2C0-8F30C525667E}" dt="2025-05-07T14:47:59.778" v="160" actId="1076"/>
+          <ac:spMkLst>
+            <pc:docMk/>
+            <pc:sldMk cId="3171296435" sldId="263"/>
+            <ac:spMk id="2" creationId="{1B3E2DF7-540E-92CC-60E1-6AC962308D51}"/>
+          </ac:spMkLst>
+        </pc:spChg>
+        <pc:spChg chg="mod ord">
+          <ac:chgData name="Seth Hillis" userId="a87ca59e48a905ce" providerId="LiveId" clId="{A975DEFC-5A2E-4FFE-A2C0-8F30C525667E}" dt="2025-05-07T15:00:08.806" v="433" actId="167"/>
+          <ac:spMkLst>
+            <pc:docMk/>
+            <pc:sldMk cId="3171296435" sldId="263"/>
+            <ac:spMk id="12" creationId="{00000000-0000-0000-0000-000000000000}"/>
+          </ac:spMkLst>
+        </pc:spChg>
+        <pc:spChg chg="add mod">
+          <ac:chgData name="Seth Hillis" userId="a87ca59e48a905ce" providerId="LiveId" clId="{A975DEFC-5A2E-4FFE-A2C0-8F30C525667E}" dt="2025-05-07T14:45:49.124" v="88" actId="1076"/>
+          <ac:spMkLst>
+            <pc:docMk/>
+            <pc:sldMk cId="3171296435" sldId="263"/>
+            <ac:spMk id="16" creationId="{0AE878A5-4AF8-354E-5A09-1BF2798D7162}"/>
+          </ac:spMkLst>
+        </pc:spChg>
+        <pc:spChg chg="add mod">
+          <ac:chgData name="Seth Hillis" userId="a87ca59e48a905ce" providerId="LiveId" clId="{A975DEFC-5A2E-4FFE-A2C0-8F30C525667E}" dt="2025-05-07T14:45:53.118" v="90" actId="1076"/>
+          <ac:spMkLst>
+            <pc:docMk/>
+            <pc:sldMk cId="3171296435" sldId="263"/>
+            <ac:spMk id="20" creationId="{40F307F3-B4A4-829A-F637-706856431649}"/>
+          </ac:spMkLst>
+        </pc:spChg>
+        <pc:spChg chg="add mod">
+          <ac:chgData name="Seth Hillis" userId="a87ca59e48a905ce" providerId="LiveId" clId="{A975DEFC-5A2E-4FFE-A2C0-8F30C525667E}" dt="2025-05-07T15:00:11.700" v="438" actId="1076"/>
+          <ac:spMkLst>
+            <pc:docMk/>
+            <pc:sldMk cId="3171296435" sldId="263"/>
+            <ac:spMk id="22" creationId="{869D5918-BFE1-3C5A-817F-779DDF1271C7}"/>
+          </ac:spMkLst>
+        </pc:spChg>
+        <pc:spChg chg="add mod">
+          <ac:chgData name="Seth Hillis" userId="a87ca59e48a905ce" providerId="LiveId" clId="{A975DEFC-5A2E-4FFE-A2C0-8F30C525667E}" dt="2025-05-07T14:46:01.190" v="95" actId="1076"/>
+          <ac:spMkLst>
+            <pc:docMk/>
+            <pc:sldMk cId="3171296435" sldId="263"/>
+            <ac:spMk id="23" creationId="{9E19F1F9-5BB4-EA66-7A88-5F99F08979DE}"/>
+          </ac:spMkLst>
+        </pc:spChg>
+        <pc:spChg chg="add mod">
+          <ac:chgData name="Seth Hillis" userId="a87ca59e48a905ce" providerId="LiveId" clId="{A975DEFC-5A2E-4FFE-A2C0-8F30C525667E}" dt="2025-05-07T15:00:11.124" v="437" actId="1076"/>
+          <ac:spMkLst>
+            <pc:docMk/>
+            <pc:sldMk cId="3171296435" sldId="263"/>
+            <ac:spMk id="24" creationId="{A8EBD5F1-51CD-C1FF-89BF-AD7460E6B362}"/>
+          </ac:spMkLst>
+        </pc:spChg>
+        <pc:spChg chg="add mod">
+          <ac:chgData name="Seth Hillis" userId="a87ca59e48a905ce" providerId="LiveId" clId="{A975DEFC-5A2E-4FFE-A2C0-8F30C525667E}" dt="2025-05-07T14:48:07.761" v="163" actId="1076"/>
+          <ac:spMkLst>
+            <pc:docMk/>
+            <pc:sldMk cId="3171296435" sldId="263"/>
+            <ac:spMk id="26" creationId="{EBDA68B5-5723-793D-5618-36CD8D40C867}"/>
+          </ac:spMkLst>
+        </pc:spChg>
+        <pc:spChg chg="add mod ord">
+          <ac:chgData name="Seth Hillis" userId="a87ca59e48a905ce" providerId="LiveId" clId="{A975DEFC-5A2E-4FFE-A2C0-8F30C525667E}" dt="2025-05-07T14:47:50.432" v="159" actId="207"/>
+          <ac:spMkLst>
+            <pc:docMk/>
+            <pc:sldMk cId="3171296435" sldId="263"/>
+            <ac:spMk id="30" creationId="{DDF1BC19-8C9E-FED0-2251-1F9DABAB66CB}"/>
+          </ac:spMkLst>
+        </pc:spChg>
+        <pc:spChg chg="add mod">
+          <ac:chgData name="Seth Hillis" userId="a87ca59e48a905ce" providerId="LiveId" clId="{A975DEFC-5A2E-4FFE-A2C0-8F30C525667E}" dt="2025-05-07T14:48:25.752" v="167" actId="1076"/>
+          <ac:spMkLst>
+            <pc:docMk/>
+            <pc:sldMk cId="3171296435" sldId="263"/>
+            <ac:spMk id="33" creationId="{6339B37B-2344-7F38-1480-7638B97DD79F}"/>
+          </ac:spMkLst>
+        </pc:spChg>
+        <pc:spChg chg="add mod">
+          <ac:chgData name="Seth Hillis" userId="a87ca59e48a905ce" providerId="LiveId" clId="{A975DEFC-5A2E-4FFE-A2C0-8F30C525667E}" dt="2025-05-07T15:00:09.488" v="435" actId="1076"/>
+          <ac:spMkLst>
+            <pc:docMk/>
+            <pc:sldMk cId="3171296435" sldId="263"/>
+            <ac:spMk id="34" creationId="{ADA4DA76-846D-58E0-5244-955785562820}"/>
+          </ac:spMkLst>
+        </pc:spChg>
+        <pc:spChg chg="add mod">
+          <ac:chgData name="Seth Hillis" userId="a87ca59e48a905ce" providerId="LiveId" clId="{A975DEFC-5A2E-4FFE-A2C0-8F30C525667E}" dt="2025-05-07T15:00:09.072" v="434" actId="1076"/>
+          <ac:spMkLst>
+            <pc:docMk/>
+            <pc:sldMk cId="3171296435" sldId="263"/>
+            <ac:spMk id="35" creationId="{06CEF65F-FE35-56E3-2E03-EE5C191B1F1B}"/>
+          </ac:spMkLst>
+        </pc:spChg>
+        <pc:spChg chg="add mod">
+          <ac:chgData name="Seth Hillis" userId="a87ca59e48a905ce" providerId="LiveId" clId="{A975DEFC-5A2E-4FFE-A2C0-8F30C525667E}" dt="2025-05-07T14:48:58.229" v="179" actId="1076"/>
+          <ac:spMkLst>
+            <pc:docMk/>
+            <pc:sldMk cId="3171296435" sldId="263"/>
+            <ac:spMk id="36" creationId="{6FB6AE79-6DFD-7D99-BDB2-24A52C0E204D}"/>
+          </ac:spMkLst>
+        </pc:spChg>
+        <pc:spChg chg="add mod">
+          <ac:chgData name="Seth Hillis" userId="a87ca59e48a905ce" providerId="LiveId" clId="{A975DEFC-5A2E-4FFE-A2C0-8F30C525667E}" dt="2025-05-07T14:48:41.871" v="175" actId="1076"/>
+          <ac:spMkLst>
+            <pc:docMk/>
+            <pc:sldMk cId="3171296435" sldId="263"/>
+            <ac:spMk id="37" creationId="{CB22195C-6BFA-99AE-3E59-2281A7545461}"/>
+          </ac:spMkLst>
+        </pc:spChg>
+        <pc:spChg chg="add mod">
+          <ac:chgData name="Seth Hillis" userId="a87ca59e48a905ce" providerId="LiveId" clId="{A975DEFC-5A2E-4FFE-A2C0-8F30C525667E}" dt="2025-05-07T14:48:49.949" v="178" actId="1076"/>
+          <ac:spMkLst>
+            <pc:docMk/>
+            <pc:sldMk cId="3171296435" sldId="263"/>
+            <ac:spMk id="38" creationId="{834D0BD6-A095-11D3-9E77-E3B06094C2D9}"/>
+          </ac:spMkLst>
+        </pc:spChg>
+        <pc:spChg chg="add mod">
+          <ac:chgData name="Seth Hillis" userId="a87ca59e48a905ce" providerId="LiveId" clId="{A975DEFC-5A2E-4FFE-A2C0-8F30C525667E}" dt="2025-05-07T14:49:28.852" v="182" actId="20577"/>
+          <ac:spMkLst>
+            <pc:docMk/>
+            <pc:sldMk cId="3171296435" sldId="263"/>
+            <ac:spMk id="39" creationId="{D3297970-1759-149A-4F13-E2E69DB49DE3}"/>
+          </ac:spMkLst>
+        </pc:spChg>
+        <pc:spChg chg="add mod">
+          <ac:chgData name="Seth Hillis" userId="a87ca59e48a905ce" providerId="LiveId" clId="{A975DEFC-5A2E-4FFE-A2C0-8F30C525667E}" dt="2025-05-07T14:50:11.281" v="197" actId="1076"/>
+          <ac:spMkLst>
+            <pc:docMk/>
+            <pc:sldMk cId="3171296435" sldId="263"/>
+            <ac:spMk id="40" creationId="{6A58DD07-BC15-3F2B-D3A0-F9E9C84E08B3}"/>
+          </ac:spMkLst>
+        </pc:spChg>
+        <pc:spChg chg="add mod">
+          <ac:chgData name="Seth Hillis" userId="a87ca59e48a905ce" providerId="LiveId" clId="{A975DEFC-5A2E-4FFE-A2C0-8F30C525667E}" dt="2025-05-07T14:50:19.698" v="199" actId="1076"/>
+          <ac:spMkLst>
+            <pc:docMk/>
+            <pc:sldMk cId="3171296435" sldId="263"/>
+            <ac:spMk id="41" creationId="{F363B2BA-8897-7FC9-996D-6BE5B3C878AA}"/>
+          </ac:spMkLst>
+        </pc:spChg>
+        <pc:spChg chg="add mod">
+          <ac:chgData name="Seth Hillis" userId="a87ca59e48a905ce" providerId="LiveId" clId="{A975DEFC-5A2E-4FFE-A2C0-8F30C525667E}" dt="2025-05-07T14:51:24.458" v="202" actId="1076"/>
+          <ac:spMkLst>
+            <pc:docMk/>
+            <pc:sldMk cId="3171296435" sldId="263"/>
+            <ac:spMk id="42" creationId="{F7E3C760-43BB-5748-9951-52E7C23D1191}"/>
+          </ac:spMkLst>
+        </pc:spChg>
+        <pc:spChg chg="add mod">
+          <ac:chgData name="Seth Hillis" userId="a87ca59e48a905ce" providerId="LiveId" clId="{A975DEFC-5A2E-4FFE-A2C0-8F30C525667E}" dt="2025-05-07T15:00:11.957" v="439" actId="1076"/>
+          <ac:spMkLst>
+            <pc:docMk/>
+            <pc:sldMk cId="3171296435" sldId="263"/>
+            <ac:spMk id="43" creationId="{6E47224A-FC80-D433-0D90-2C42A3E6FE13}"/>
+          </ac:spMkLst>
+        </pc:spChg>
+        <pc:spChg chg="add mod">
+          <ac:chgData name="Seth Hillis" userId="a87ca59e48a905ce" providerId="LiveId" clId="{A975DEFC-5A2E-4FFE-A2C0-8F30C525667E}" dt="2025-05-07T15:00:11.957" v="439" actId="1076"/>
+          <ac:spMkLst>
+            <pc:docMk/>
+            <pc:sldMk cId="3171296435" sldId="263"/>
+            <ac:spMk id="44" creationId="{8D20D926-697E-5FF1-7ABE-A9A269717A13}"/>
+          </ac:spMkLst>
+        </pc:spChg>
+        <pc:spChg chg="add del mod">
+          <ac:chgData name="Seth Hillis" userId="a87ca59e48a905ce" providerId="LiveId" clId="{A975DEFC-5A2E-4FFE-A2C0-8F30C525667E}" dt="2025-05-07T15:00:12.800" v="440" actId="478"/>
+          <ac:spMkLst>
+            <pc:docMk/>
+            <pc:sldMk cId="3171296435" sldId="263"/>
+            <ac:spMk id="45" creationId="{A1E40FAD-C856-5244-6D6A-CAE75EC0F3FF}"/>
+          </ac:spMkLst>
+        </pc:spChg>
+        <pc:spChg chg="add del mod">
+          <ac:chgData name="Seth Hillis" userId="a87ca59e48a905ce" providerId="LiveId" clId="{A975DEFC-5A2E-4FFE-A2C0-8F30C525667E}" dt="2025-05-07T15:00:13.813" v="443" actId="47"/>
+          <ac:spMkLst>
+            <pc:docMk/>
+            <pc:sldMk cId="3171296435" sldId="263"/>
+            <ac:spMk id="46" creationId="{5850D9BD-C4F5-45A4-7ACB-CAC95ACA0DED}"/>
+          </ac:spMkLst>
+        </pc:spChg>
+        <pc:spChg chg="add mod">
+          <ac:chgData name="Seth Hillis" userId="a87ca59e48a905ce" providerId="LiveId" clId="{A975DEFC-5A2E-4FFE-A2C0-8F30C525667E}" dt="2025-05-07T15:04:48.004" v="489" actId="1076"/>
+          <ac:spMkLst>
+            <pc:docMk/>
+            <pc:sldMk cId="3171296435" sldId="263"/>
+            <ac:spMk id="47" creationId="{F148A0C9-AB50-22FC-41F6-4353659B0485}"/>
+          </ac:spMkLst>
+        </pc:spChg>
+        <pc:spChg chg="add mod">
+          <ac:chgData name="Seth Hillis" userId="a87ca59e48a905ce" providerId="LiveId" clId="{A975DEFC-5A2E-4FFE-A2C0-8F30C525667E}" dt="2025-05-07T14:52:55.733" v="223"/>
+          <ac:spMkLst>
+            <pc:docMk/>
+            <pc:sldMk cId="3171296435" sldId="263"/>
+            <ac:spMk id="48" creationId="{53C33A33-A2D3-83BA-F6D1-9CE9C9CCE82C}"/>
+          </ac:spMkLst>
+        </pc:spChg>
+        <pc:spChg chg="add mod">
+          <ac:chgData name="Seth Hillis" userId="a87ca59e48a905ce" providerId="LiveId" clId="{A975DEFC-5A2E-4FFE-A2C0-8F30C525667E}" dt="2025-05-07T14:52:55.733" v="223"/>
+          <ac:spMkLst>
+            <pc:docMk/>
+            <pc:sldMk cId="3171296435" sldId="263"/>
+            <ac:spMk id="50" creationId="{03E15BF0-DCDB-D777-3963-AFDC0B6B960A}"/>
+          </ac:spMkLst>
+        </pc:spChg>
+        <pc:spChg chg="add mod">
+          <ac:chgData name="Seth Hillis" userId="a87ca59e48a905ce" providerId="LiveId" clId="{A975DEFC-5A2E-4FFE-A2C0-8F30C525667E}" dt="2025-05-07T14:52:55.733" v="223"/>
+          <ac:spMkLst>
+            <pc:docMk/>
+            <pc:sldMk cId="3171296435" sldId="263"/>
+            <ac:spMk id="51" creationId="{3EE5E446-2D49-129F-BF12-6F0DCA6FDC33}"/>
+          </ac:spMkLst>
+        </pc:spChg>
+        <pc:spChg chg="add mod">
+          <ac:chgData name="Seth Hillis" userId="a87ca59e48a905ce" providerId="LiveId" clId="{A975DEFC-5A2E-4FFE-A2C0-8F30C525667E}" dt="2025-05-07T15:03:59.587" v="481" actId="1076"/>
+          <ac:spMkLst>
+            <pc:docMk/>
+            <pc:sldMk cId="3171296435" sldId="263"/>
+            <ac:spMk id="52" creationId="{1AAA29D1-F0C6-3694-D87A-E19B53EFBA52}"/>
+          </ac:spMkLst>
+        </pc:spChg>
+        <pc:spChg chg="add mod">
+          <ac:chgData name="Seth Hillis" userId="a87ca59e48a905ce" providerId="LiveId" clId="{A975DEFC-5A2E-4FFE-A2C0-8F30C525667E}" dt="2025-05-07T15:03:33.341" v="480" actId="122"/>
+          <ac:spMkLst>
+            <pc:docMk/>
+            <pc:sldMk cId="3171296435" sldId="263"/>
+            <ac:spMk id="53" creationId="{F8E6FC78-262D-FEF8-B9AE-FB86965F3CBE}"/>
+          </ac:spMkLst>
+        </pc:spChg>
+        <pc:spChg chg="add mod">
+          <ac:chgData name="Seth Hillis" userId="a87ca59e48a905ce" providerId="LiveId" clId="{A975DEFC-5A2E-4FFE-A2C0-8F30C525667E}" dt="2025-05-07T15:03:33.341" v="480" actId="122"/>
+          <ac:spMkLst>
+            <pc:docMk/>
+            <pc:sldMk cId="3171296435" sldId="263"/>
+            <ac:spMk id="54" creationId="{EA6F6580-6AED-70E6-F01C-11DF8BE33EE7}"/>
+          </ac:spMkLst>
+        </pc:spChg>
+        <pc:spChg chg="add del mod">
+          <ac:chgData name="Seth Hillis" userId="a87ca59e48a905ce" providerId="LiveId" clId="{A975DEFC-5A2E-4FFE-A2C0-8F30C525667E}" dt="2025-05-07T15:03:33.341" v="480" actId="122"/>
+          <ac:spMkLst>
+            <pc:docMk/>
+            <pc:sldMk cId="3171296435" sldId="263"/>
+            <ac:spMk id="55" creationId="{74555809-2411-3B92-8E9D-C846A7C5F679}"/>
+          </ac:spMkLst>
+        </pc:spChg>
+        <pc:spChg chg="mod">
+          <ac:chgData name="Seth Hillis" userId="a87ca59e48a905ce" providerId="LiveId" clId="{A975DEFC-5A2E-4FFE-A2C0-8F30C525667E}" dt="2025-05-07T14:44:26.701" v="74" actId="1076"/>
+          <ac:spMkLst>
+            <pc:docMk/>
+            <pc:sldMk cId="3171296435" sldId="263"/>
+            <ac:spMk id="57" creationId="{00000000-0000-0000-0000-000000000000}"/>
+          </ac:spMkLst>
+        </pc:spChg>
+        <pc:spChg chg="add mod">
+          <ac:chgData name="Seth Hillis" userId="a87ca59e48a905ce" providerId="LiveId" clId="{A975DEFC-5A2E-4FFE-A2C0-8F30C525667E}" dt="2025-05-07T15:00:19.995" v="448" actId="1076"/>
+          <ac:spMkLst>
+            <pc:docMk/>
+            <pc:sldMk cId="3171296435" sldId="263"/>
+            <ac:spMk id="60" creationId="{CC2D03DA-3093-0962-5F8F-AFEB7E7361DB}"/>
+          </ac:spMkLst>
+        </pc:spChg>
+        <pc:spChg chg="add mod">
+          <ac:chgData name="Seth Hillis" userId="a87ca59e48a905ce" providerId="LiveId" clId="{A975DEFC-5A2E-4FFE-A2C0-8F30C525667E}" dt="2025-05-07T15:03:59.587" v="481" actId="1076"/>
+          <ac:spMkLst>
+            <pc:docMk/>
+            <pc:sldMk cId="3171296435" sldId="263"/>
+            <ac:spMk id="61" creationId="{5A7C41E7-1BEA-C06D-4FFA-81C70F1A0B93}"/>
+          </ac:spMkLst>
+        </pc:spChg>
+        <pc:spChg chg="mod ord">
+          <ac:chgData name="Seth Hillis" userId="a87ca59e48a905ce" providerId="LiveId" clId="{A975DEFC-5A2E-4FFE-A2C0-8F30C525667E}" dt="2025-05-07T15:05:05.245" v="492" actId="167"/>
+          <ac:spMkLst>
+            <pc:docMk/>
+            <pc:sldMk cId="3171296435" sldId="263"/>
+            <ac:spMk id="62" creationId="{00000000-0000-0000-0000-000000000000}"/>
+          </ac:spMkLst>
+        </pc:spChg>
+        <pc:picChg chg="mod ord">
+          <ac:chgData name="Seth Hillis" userId="a87ca59e48a905ce" providerId="LiveId" clId="{A975DEFC-5A2E-4FFE-A2C0-8F30C525667E}" dt="2025-05-07T15:05:05.245" v="492" actId="167"/>
+          <ac:picMkLst>
+            <pc:docMk/>
+            <pc:sldMk cId="3171296435" sldId="263"/>
+            <ac:picMk id="13" creationId="{E4141EB8-7E05-918B-3BCC-192C5F6B091A}"/>
+          </ac:picMkLst>
+        </pc:picChg>
+        <pc:picChg chg="add del mod ord">
+          <ac:chgData name="Seth Hillis" userId="a87ca59e48a905ce" providerId="LiveId" clId="{A975DEFC-5A2E-4FFE-A2C0-8F30C525667E}" dt="2025-05-07T15:05:05.245" v="492" actId="167"/>
+          <ac:picMkLst>
+            <pc:docMk/>
+            <pc:sldMk cId="3171296435" sldId="263"/>
+            <ac:picMk id="18" creationId="{BED0372F-052B-17D7-9372-56396D209E14}"/>
+          </ac:picMkLst>
+        </pc:picChg>
+        <pc:picChg chg="mod ord">
+          <ac:chgData name="Seth Hillis" userId="a87ca59e48a905ce" providerId="LiveId" clId="{A975DEFC-5A2E-4FFE-A2C0-8F30C525667E}" dt="2025-05-07T15:05:05.245" v="492" actId="167"/>
+          <ac:picMkLst>
+            <pc:docMk/>
+            <pc:sldMk cId="3171296435" sldId="263"/>
+            <ac:picMk id="21" creationId="{D4A8C1F9-80A2-C49D-72CC-A69CC9903401}"/>
+          </ac:picMkLst>
+        </pc:picChg>
+        <pc:picChg chg="mod ord">
+          <ac:chgData name="Seth Hillis" userId="a87ca59e48a905ce" providerId="LiveId" clId="{A975DEFC-5A2E-4FFE-A2C0-8F30C525667E}" dt="2025-05-07T15:05:05.245" v="492" actId="167"/>
+          <ac:picMkLst>
+            <pc:docMk/>
+            <pc:sldMk cId="3171296435" sldId="263"/>
+            <ac:picMk id="25" creationId="{C989FA38-3F13-9DAA-4271-9C56CA7BE216}"/>
+          </ac:picMkLst>
+        </pc:picChg>
+        <pc:picChg chg="mod ord">
+          <ac:chgData name="Seth Hillis" userId="a87ca59e48a905ce" providerId="LiveId" clId="{A975DEFC-5A2E-4FFE-A2C0-8F30C525667E}" dt="2025-05-07T15:05:05.245" v="492" actId="167"/>
+          <ac:picMkLst>
+            <pc:docMk/>
+            <pc:sldMk cId="3171296435" sldId="263"/>
+            <ac:picMk id="28" creationId="{1A4358E2-2044-68DC-718F-2C00B07B7E67}"/>
+          </ac:picMkLst>
+        </pc:picChg>
+        <pc:picChg chg="mod ord">
+          <ac:chgData name="Seth Hillis" userId="a87ca59e48a905ce" providerId="LiveId" clId="{A975DEFC-5A2E-4FFE-A2C0-8F30C525667E}" dt="2025-05-07T15:05:05.245" v="492" actId="167"/>
+          <ac:picMkLst>
+            <pc:docMk/>
+            <pc:sldMk cId="3171296435" sldId="263"/>
+            <ac:picMk id="31" creationId="{1F170871-8043-9637-39D6-5E905A0296D2}"/>
+          </ac:picMkLst>
+        </pc:picChg>
+        <pc:cxnChg chg="add mod">
+          <ac:chgData name="Seth Hillis" userId="a87ca59e48a905ce" providerId="LiveId" clId="{A975DEFC-5A2E-4FFE-A2C0-8F30C525667E}" dt="2025-05-07T15:04:16.216" v="483" actId="13822"/>
+          <ac:cxnSpMkLst>
+            <pc:docMk/>
+            <pc:sldMk cId="3171296435" sldId="263"/>
+            <ac:cxnSpMk id="64" creationId="{F204099B-3DBF-FCDA-E032-E55CE4E825BB}"/>
+          </ac:cxnSpMkLst>
+        </pc:cxnChg>
+        <pc:cxnChg chg="add mod">
+          <ac:chgData name="Seth Hillis" userId="a87ca59e48a905ce" providerId="LiveId" clId="{A975DEFC-5A2E-4FFE-A2C0-8F30C525667E}" dt="2025-05-07T15:04:33.339" v="488" actId="13822"/>
+          <ac:cxnSpMkLst>
+            <pc:docMk/>
+            <pc:sldMk cId="3171296435" sldId="263"/>
+            <ac:cxnSpMk id="66" creationId="{096EAAF7-A008-2DBF-E3CE-E39398AA8F32}"/>
+          </ac:cxnSpMkLst>
+        </pc:cxnChg>
+        <pc:cxnChg chg="add mod">
+          <ac:chgData name="Seth Hillis" userId="a87ca59e48a905ce" providerId="LiveId" clId="{A975DEFC-5A2E-4FFE-A2C0-8F30C525667E}" dt="2025-05-07T15:04:33.339" v="488" actId="13822"/>
+          <ac:cxnSpMkLst>
+            <pc:docMk/>
+            <pc:sldMk cId="3171296435" sldId="263"/>
+            <ac:cxnSpMk id="67" creationId="{88563588-8C35-5D45-37A1-B008ED0809A8}"/>
+          </ac:cxnSpMkLst>
+        </pc:cxnChg>
+      </pc:sldChg>
+    </pc:docChg>
+  </pc:docChgLst>
+</pc:chgInfo>
 </file>
 
 <file path=ppt/slideLayouts/slideLayout1.xml><?xml version="1.0" encoding="utf-8"?>
@@ -2990,6 +3371,244 @@
           <a:chExt cx="0" cy="0"/>
         </a:xfrm>
       </p:grpSpPr>
+      <p:sp>
+        <p:nvSpPr>
+          <p:cNvPr id="62" name="TextBox 61"/>
+          <p:cNvSpPr txBox="1"/>
+          <p:nvPr/>
+        </p:nvSpPr>
+        <p:spPr>
+          <a:xfrm>
+            <a:off x="16638551" y="7192592"/>
+            <a:ext cx="15819120" cy="23791128"/>
+          </a:xfrm>
+          <a:prstGeom prst="rect">
+            <a:avLst/>
+          </a:prstGeom>
+          <a:noFill/>
+          <a:ln w="127000">
+            <a:solidFill>
+              <a:schemeClr val="tx2"/>
+            </a:solidFill>
+          </a:ln>
+        </p:spPr>
+        <p:txBody>
+          <a:bodyPr wrap="square" rtlCol="0">
+            <a:spAutoFit/>
+          </a:bodyPr>
+          <a:lstStyle/>
+          <a:p>
+            <a:pPr marL="346075"/>
+            <a:endParaRPr lang="en-US" sz="4400" dirty="0">
+              <a:latin typeface="Klavika Light" panose="020B0506040000020004" pitchFamily="34" charset="0"/>
+            </a:endParaRPr>
+          </a:p>
+          <a:p>
+            <a:pPr marL="346075"/>
+            <a:endParaRPr lang="en-US" sz="4400" dirty="0">
+              <a:latin typeface="Klavika Light" panose="020B0506040000020004" pitchFamily="34" charset="0"/>
+            </a:endParaRPr>
+          </a:p>
+          <a:p>
+            <a:pPr marL="346075"/>
+            <a:endParaRPr lang="en-US" sz="4400" dirty="0">
+              <a:latin typeface="Klavika Light" panose="020B0506040000020004" pitchFamily="34" charset="0"/>
+            </a:endParaRPr>
+          </a:p>
+          <a:p>
+            <a:pPr marL="346075"/>
+            <a:endParaRPr lang="en-US" sz="4400" dirty="0">
+              <a:latin typeface="Klavika Light" panose="020B0506040000020004" pitchFamily="34" charset="0"/>
+            </a:endParaRPr>
+          </a:p>
+          <a:p>
+            <a:pPr marL="346075"/>
+            <a:endParaRPr lang="en-US" sz="4400" dirty="0">
+              <a:latin typeface="Klavika Light" panose="020B0506040000020004" pitchFamily="34" charset="0"/>
+            </a:endParaRPr>
+          </a:p>
+          <a:p>
+            <a:pPr marL="346075"/>
+            <a:endParaRPr lang="en-US" sz="4400" dirty="0">
+              <a:latin typeface="Klavika Light" panose="020B0506040000020004" pitchFamily="34" charset="0"/>
+            </a:endParaRPr>
+          </a:p>
+          <a:p>
+            <a:pPr marL="346075"/>
+            <a:endParaRPr lang="en-US" sz="4400" dirty="0">
+              <a:latin typeface="Klavika Light" panose="020B0506040000020004" pitchFamily="34" charset="0"/>
+            </a:endParaRPr>
+          </a:p>
+          <a:p>
+            <a:pPr marL="346075"/>
+            <a:endParaRPr lang="en-US" sz="4400" dirty="0">
+              <a:latin typeface="Klavika Light" panose="020B0506040000020004" pitchFamily="34" charset="0"/>
+            </a:endParaRPr>
+          </a:p>
+          <a:p>
+            <a:pPr marL="346075"/>
+            <a:endParaRPr lang="en-US" sz="4400" dirty="0">
+              <a:latin typeface="Klavika Light" panose="020B0506040000020004" pitchFamily="34" charset="0"/>
+            </a:endParaRPr>
+          </a:p>
+          <a:p>
+            <a:pPr marL="346075"/>
+            <a:endParaRPr lang="en-US" sz="4400" dirty="0">
+              <a:latin typeface="Klavika Light" panose="020B0506040000020004" pitchFamily="34" charset="0"/>
+            </a:endParaRPr>
+          </a:p>
+          <a:p>
+            <a:pPr marL="346075"/>
+            <a:endParaRPr lang="en-US" sz="4400" dirty="0">
+              <a:latin typeface="Klavika Light" panose="020B0506040000020004" pitchFamily="34" charset="0"/>
+            </a:endParaRPr>
+          </a:p>
+          <a:p>
+            <a:pPr marL="346075"/>
+            <a:endParaRPr lang="en-US" sz="4400" dirty="0">
+              <a:latin typeface="Klavika Light" panose="020B0506040000020004" pitchFamily="34" charset="0"/>
+            </a:endParaRPr>
+          </a:p>
+          <a:p>
+            <a:pPr marL="346075"/>
+            <a:endParaRPr lang="en-US" sz="4400" dirty="0">
+              <a:latin typeface="Klavika Light" panose="020B0506040000020004" pitchFamily="34" charset="0"/>
+            </a:endParaRPr>
+          </a:p>
+          <a:p>
+            <a:pPr marL="346075"/>
+            <a:endParaRPr lang="en-US" sz="4400" dirty="0">
+              <a:latin typeface="Klavika Light" panose="020B0506040000020004" pitchFamily="34" charset="0"/>
+            </a:endParaRPr>
+          </a:p>
+          <a:p>
+            <a:pPr marL="346075"/>
+            <a:endParaRPr lang="en-US" sz="4400" dirty="0">
+              <a:latin typeface="Klavika Light" panose="020B0506040000020004" pitchFamily="34" charset="0"/>
+            </a:endParaRPr>
+          </a:p>
+          <a:p>
+            <a:pPr marL="346075"/>
+            <a:endParaRPr lang="en-US" sz="4400" dirty="0">
+              <a:latin typeface="Klavika Light" panose="020B0506040000020004" pitchFamily="34" charset="0"/>
+            </a:endParaRPr>
+          </a:p>
+          <a:p>
+            <a:pPr marL="346075"/>
+            <a:endParaRPr lang="en-US" sz="4400" dirty="0">
+              <a:latin typeface="Klavika Light" panose="020B0506040000020004" pitchFamily="34" charset="0"/>
+            </a:endParaRPr>
+          </a:p>
+          <a:p>
+            <a:pPr marL="346075"/>
+            <a:endParaRPr lang="en-US" sz="4400" dirty="0">
+              <a:latin typeface="Klavika Light" panose="020B0506040000020004" pitchFamily="34" charset="0"/>
+            </a:endParaRPr>
+          </a:p>
+          <a:p>
+            <a:pPr marL="346075"/>
+            <a:endParaRPr lang="en-US" sz="4400" dirty="0">
+              <a:latin typeface="Klavika Light" panose="020B0506040000020004" pitchFamily="34" charset="0"/>
+            </a:endParaRPr>
+          </a:p>
+          <a:p>
+            <a:pPr marL="346075"/>
+            <a:endParaRPr lang="en-US" sz="4400" dirty="0">
+              <a:latin typeface="Klavika Light" panose="020B0506040000020004" pitchFamily="34" charset="0"/>
+            </a:endParaRPr>
+          </a:p>
+          <a:p>
+            <a:pPr marL="346075"/>
+            <a:endParaRPr lang="en-US" sz="4400" dirty="0">
+              <a:latin typeface="Klavika Light" panose="020B0506040000020004" pitchFamily="34" charset="0"/>
+            </a:endParaRPr>
+          </a:p>
+          <a:p>
+            <a:pPr marL="346075"/>
+            <a:endParaRPr lang="en-US" sz="4400" dirty="0">
+              <a:latin typeface="Klavika Light" panose="020B0506040000020004" pitchFamily="34" charset="0"/>
+            </a:endParaRPr>
+          </a:p>
+          <a:p>
+            <a:pPr marL="346075"/>
+            <a:endParaRPr lang="en-US" sz="4400" dirty="0">
+              <a:latin typeface="Klavika Light" panose="020B0506040000020004" pitchFamily="34" charset="0"/>
+            </a:endParaRPr>
+          </a:p>
+          <a:p>
+            <a:pPr marL="346075"/>
+            <a:endParaRPr lang="en-US" sz="4400" dirty="0">
+              <a:latin typeface="Klavika Light" panose="020B0506040000020004" pitchFamily="34" charset="0"/>
+            </a:endParaRPr>
+          </a:p>
+          <a:p>
+            <a:pPr marL="346075"/>
+            <a:endParaRPr lang="en-US" sz="4400" dirty="0">
+              <a:latin typeface="Klavika Light" panose="020B0506040000020004" pitchFamily="34" charset="0"/>
+            </a:endParaRPr>
+          </a:p>
+          <a:p>
+            <a:pPr marL="346075"/>
+            <a:endParaRPr lang="en-US" sz="4400" dirty="0">
+              <a:latin typeface="Klavika Light" panose="020B0506040000020004" pitchFamily="34" charset="0"/>
+            </a:endParaRPr>
+          </a:p>
+          <a:p>
+            <a:pPr marL="346075"/>
+            <a:endParaRPr lang="en-US" sz="4400" dirty="0">
+              <a:latin typeface="Klavika Light" panose="020B0506040000020004" pitchFamily="34" charset="0"/>
+            </a:endParaRPr>
+          </a:p>
+          <a:p>
+            <a:pPr marL="346075"/>
+            <a:endParaRPr lang="en-US" sz="4400" dirty="0">
+              <a:latin typeface="Klavika Light" panose="020B0506040000020004" pitchFamily="34" charset="0"/>
+            </a:endParaRPr>
+          </a:p>
+          <a:p>
+            <a:pPr marL="346075"/>
+            <a:endParaRPr lang="en-US" sz="4400" dirty="0">
+              <a:latin typeface="Klavika Light" panose="020B0506040000020004" pitchFamily="34" charset="0"/>
+            </a:endParaRPr>
+          </a:p>
+          <a:p>
+            <a:pPr marL="346075"/>
+            <a:endParaRPr lang="en-US" sz="4400" dirty="0">
+              <a:latin typeface="Klavika Light" panose="020B0506040000020004" pitchFamily="34" charset="0"/>
+            </a:endParaRPr>
+          </a:p>
+          <a:p>
+            <a:pPr marL="346075"/>
+            <a:endParaRPr lang="en-US" sz="4400" dirty="0">
+              <a:latin typeface="Klavika Light" panose="020B0506040000020004" pitchFamily="34" charset="0"/>
+            </a:endParaRPr>
+          </a:p>
+          <a:p>
+            <a:pPr marL="346075"/>
+            <a:endParaRPr lang="en-US" dirty="0">
+              <a:latin typeface="Klavika Light" panose="020B0506040000020004" pitchFamily="34" charset="0"/>
+            </a:endParaRPr>
+          </a:p>
+          <a:p>
+            <a:pPr marL="346075"/>
+            <a:endParaRPr lang="en-US" sz="4400" dirty="0">
+              <a:latin typeface="Klavika Light" panose="020B0506040000020004" pitchFamily="34" charset="0"/>
+            </a:endParaRPr>
+          </a:p>
+          <a:p>
+            <a:pPr marL="346075"/>
+            <a:endParaRPr lang="en-US" sz="4400" dirty="0">
+              <a:latin typeface="Klavika Light" panose="020B0506040000020004" pitchFamily="34" charset="0"/>
+            </a:endParaRPr>
+          </a:p>
+          <a:p>
+            <a:pPr marL="346075"/>
+            <a:endParaRPr lang="en-US" sz="4400" dirty="0">
+              <a:latin typeface="Klavika Light" panose="020B0506040000020004" pitchFamily="34" charset="0"/>
+            </a:endParaRPr>
+          </a:p>
+        </p:txBody>
+      </p:sp>
       <p:pic>
         <p:nvPicPr>
           <p:cNvPr id="13" name="Picture 12">
@@ -3018,8 +3637,8 @@
         </p:blipFill>
         <p:spPr>
           <a:xfrm>
-            <a:off x="555426" y="7607555"/>
-            <a:ext cx="4389129" cy="3291847"/>
+            <a:off x="643601" y="7503488"/>
+            <a:ext cx="5120651" cy="3779491"/>
           </a:xfrm>
           <a:prstGeom prst="rect">
             <a:avLst/>
@@ -3048,14 +3667,13 @@
               </a:ext>
             </a:extLst>
           </a:blip>
-          <a:stretch>
-            <a:fillRect/>
-          </a:stretch>
+          <a:srcRect/>
+          <a:stretch/>
         </p:blipFill>
         <p:spPr>
           <a:xfrm>
-            <a:off x="11921969" y="11640963"/>
-            <a:ext cx="4389129" cy="3291847"/>
+            <a:off x="10985318" y="11132417"/>
+            <a:ext cx="5039321" cy="3779491"/>
           </a:xfrm>
           <a:prstGeom prst="rect">
             <a:avLst/>
@@ -3090,8 +3708,8 @@
         </p:blipFill>
         <p:spPr>
           <a:xfrm>
-            <a:off x="757340" y="11668468"/>
-            <a:ext cx="4389129" cy="3291847"/>
+            <a:off x="643601" y="11121655"/>
+            <a:ext cx="5120651" cy="3779491"/>
           </a:xfrm>
           <a:prstGeom prst="rect">
             <a:avLst/>
@@ -3126,8 +3744,8 @@
         </p:blipFill>
         <p:spPr>
           <a:xfrm>
-            <a:off x="6084573" y="11686036"/>
-            <a:ext cx="4389129" cy="3291847"/>
+            <a:off x="5794127" y="11138673"/>
+            <a:ext cx="5120651" cy="3779491"/>
           </a:xfrm>
           <a:prstGeom prst="rect">
             <a:avLst/>
@@ -3156,14 +3774,13 @@
               </a:ext>
             </a:extLst>
           </a:blip>
-          <a:stretch>
-            <a:fillRect/>
-          </a:stretch>
+          <a:srcRect/>
+          <a:stretch/>
         </p:blipFill>
         <p:spPr>
           <a:xfrm>
-            <a:off x="12046009" y="7707572"/>
-            <a:ext cx="4389129" cy="3291847"/>
+            <a:off x="10985319" y="7503488"/>
+            <a:ext cx="5039321" cy="3779491"/>
           </a:xfrm>
           <a:prstGeom prst="rect">
             <a:avLst/>
@@ -3198,8 +3815,8 @@
         </p:blipFill>
         <p:spPr>
           <a:xfrm>
-            <a:off x="6084573" y="7607555"/>
-            <a:ext cx="4389129" cy="3291847"/>
+            <a:off x="5794127" y="7518709"/>
+            <a:ext cx="5120651" cy="3779491"/>
           </a:xfrm>
           <a:prstGeom prst="rect">
             <a:avLst/>
@@ -3208,14 +3825,14 @@
       </p:pic>
       <p:sp>
         <p:nvSpPr>
-          <p:cNvPr id="62" name="TextBox 61"/>
+          <p:cNvPr id="12" name="TextBox 11"/>
           <p:cNvSpPr txBox="1"/>
           <p:nvPr/>
         </p:nvSpPr>
         <p:spPr>
           <a:xfrm>
-            <a:off x="16677866" y="7168897"/>
-            <a:ext cx="15819120" cy="23791128"/>
+            <a:off x="373289" y="7442492"/>
+            <a:ext cx="15819120" cy="7540526"/>
           </a:xfrm>
           <a:prstGeom prst="rect">
             <a:avLst/>
@@ -3233,213 +3850,107 @@
           </a:bodyPr>
           <a:lstStyle/>
           <a:p>
-            <a:pPr marL="346075"/>
+            <a:pPr marL="342900"/>
+            <a:endParaRPr lang="en-US" sz="4400" b="0" i="0" dirty="0">
+              <a:solidFill>
+                <a:srgbClr val="000000"/>
+              </a:solidFill>
+              <a:effectLst/>
+              <a:latin typeface="Calibri" panose="020F0502020204030204" pitchFamily="34" charset="0"/>
+            </a:endParaRPr>
+          </a:p>
+          <a:p>
+            <a:pPr marL="342900"/>
             <a:endParaRPr lang="en-US" sz="4400" dirty="0">
-              <a:latin typeface="Klavika Light" panose="020B0506040000020004" pitchFamily="34" charset="0"/>
+              <a:solidFill>
+                <a:srgbClr val="000000"/>
+              </a:solidFill>
+              <a:latin typeface="Calibri" panose="020F0502020204030204" pitchFamily="34" charset="0"/>
             </a:endParaRPr>
           </a:p>
           <a:p>
-            <a:pPr marL="346075"/>
+            <a:pPr marL="342900"/>
             <a:endParaRPr lang="en-US" sz="4400" dirty="0">
-              <a:latin typeface="Klavika Light" panose="020B0506040000020004" pitchFamily="34" charset="0"/>
+              <a:solidFill>
+                <a:srgbClr val="000000"/>
+              </a:solidFill>
+              <a:latin typeface="Calibri" panose="020F0502020204030204" pitchFamily="34" charset="0"/>
             </a:endParaRPr>
           </a:p>
           <a:p>
-            <a:pPr marL="346075"/>
+            <a:pPr marL="342900"/>
+            <a:endParaRPr lang="en-US" sz="4400" b="0" i="0" dirty="0">
+              <a:solidFill>
+                <a:srgbClr val="000000"/>
+              </a:solidFill>
+              <a:effectLst/>
+              <a:latin typeface="Calibri" panose="020F0502020204030204" pitchFamily="34" charset="0"/>
+            </a:endParaRPr>
+          </a:p>
+          <a:p>
+            <a:pPr marL="342900"/>
             <a:endParaRPr lang="en-US" sz="4400" dirty="0">
-              <a:latin typeface="Klavika Light" panose="020B0506040000020004" pitchFamily="34" charset="0"/>
+              <a:solidFill>
+                <a:srgbClr val="000000"/>
+              </a:solidFill>
+              <a:latin typeface="Calibri" panose="020F0502020204030204" pitchFamily="34" charset="0"/>
             </a:endParaRPr>
           </a:p>
           <a:p>
-            <a:pPr marL="346075"/>
+            <a:pPr marL="342900"/>
             <a:endParaRPr lang="en-US" sz="4400" dirty="0">
-              <a:latin typeface="Klavika Light" panose="020B0506040000020004" pitchFamily="34" charset="0"/>
+              <a:solidFill>
+                <a:srgbClr val="000000"/>
+              </a:solidFill>
+              <a:latin typeface="Calibri" panose="020F0502020204030204" pitchFamily="34" charset="0"/>
             </a:endParaRPr>
           </a:p>
           <a:p>
-            <a:pPr marL="346075"/>
+            <a:pPr marL="342900"/>
+            <a:endParaRPr lang="en-US" sz="4400" b="0" i="0" dirty="0">
+              <a:solidFill>
+                <a:srgbClr val="000000"/>
+              </a:solidFill>
+              <a:effectLst/>
+              <a:latin typeface="Calibri" panose="020F0502020204030204" pitchFamily="34" charset="0"/>
+            </a:endParaRPr>
+          </a:p>
+          <a:p>
+            <a:pPr marL="342900"/>
             <a:endParaRPr lang="en-US" sz="4400" dirty="0">
-              <a:latin typeface="Klavika Light" panose="020B0506040000020004" pitchFamily="34" charset="0"/>
+              <a:solidFill>
+                <a:srgbClr val="000000"/>
+              </a:solidFill>
+              <a:latin typeface="Calibri" panose="020F0502020204030204" pitchFamily="34" charset="0"/>
             </a:endParaRPr>
           </a:p>
           <a:p>
-            <a:pPr marL="346075"/>
+            <a:pPr marL="342900"/>
+            <a:endParaRPr lang="en-US" sz="4400" b="0" i="0" dirty="0">
+              <a:solidFill>
+                <a:srgbClr val="000000"/>
+              </a:solidFill>
+              <a:effectLst/>
+              <a:latin typeface="Calibri" panose="020F0502020204030204" pitchFamily="34" charset="0"/>
+            </a:endParaRPr>
+          </a:p>
+          <a:p>
+            <a:pPr marL="342900"/>
             <a:endParaRPr lang="en-US" sz="4400" dirty="0">
-              <a:latin typeface="Klavika Light" panose="020B0506040000020004" pitchFamily="34" charset="0"/>
+              <a:solidFill>
+                <a:srgbClr val="000000"/>
+              </a:solidFill>
+              <a:latin typeface="Calibri" panose="020F0502020204030204" pitchFamily="34" charset="0"/>
             </a:endParaRPr>
           </a:p>
           <a:p>
-            <a:pPr marL="346075"/>
-            <a:endParaRPr lang="en-US" sz="4400" dirty="0">
-              <a:latin typeface="Klavika Light" panose="020B0506040000020004" pitchFamily="34" charset="0"/>
-            </a:endParaRPr>
-          </a:p>
-          <a:p>
-            <a:pPr marL="346075"/>
-            <a:endParaRPr lang="en-US" sz="4400" dirty="0">
-              <a:latin typeface="Klavika Light" panose="020B0506040000020004" pitchFamily="34" charset="0"/>
-            </a:endParaRPr>
-          </a:p>
-          <a:p>
-            <a:pPr marL="346075"/>
-            <a:endParaRPr lang="en-US" sz="4400" dirty="0">
-              <a:latin typeface="Klavika Light" panose="020B0506040000020004" pitchFamily="34" charset="0"/>
-            </a:endParaRPr>
-          </a:p>
-          <a:p>
-            <a:pPr marL="346075"/>
-            <a:endParaRPr lang="en-US" sz="4400" dirty="0">
-              <a:latin typeface="Klavika Light" panose="020B0506040000020004" pitchFamily="34" charset="0"/>
-            </a:endParaRPr>
-          </a:p>
-          <a:p>
-            <a:pPr marL="346075"/>
-            <a:endParaRPr lang="en-US" sz="4400" dirty="0">
-              <a:latin typeface="Klavika Light" panose="020B0506040000020004" pitchFamily="34" charset="0"/>
-            </a:endParaRPr>
-          </a:p>
-          <a:p>
-            <a:pPr marL="346075"/>
-            <a:endParaRPr lang="en-US" sz="4400" dirty="0">
-              <a:latin typeface="Klavika Light" panose="020B0506040000020004" pitchFamily="34" charset="0"/>
-            </a:endParaRPr>
-          </a:p>
-          <a:p>
-            <a:pPr marL="346075"/>
-            <a:endParaRPr lang="en-US" sz="4400" dirty="0">
-              <a:latin typeface="Klavika Light" panose="020B0506040000020004" pitchFamily="34" charset="0"/>
-            </a:endParaRPr>
-          </a:p>
-          <a:p>
-            <a:pPr marL="346075"/>
-            <a:endParaRPr lang="en-US" sz="4400" dirty="0">
-              <a:latin typeface="Klavika Light" panose="020B0506040000020004" pitchFamily="34" charset="0"/>
-            </a:endParaRPr>
-          </a:p>
-          <a:p>
-            <a:pPr marL="346075"/>
-            <a:endParaRPr lang="en-US" sz="4400" dirty="0">
-              <a:latin typeface="Klavika Light" panose="020B0506040000020004" pitchFamily="34" charset="0"/>
-            </a:endParaRPr>
-          </a:p>
-          <a:p>
-            <a:pPr marL="346075"/>
-            <a:endParaRPr lang="en-US" sz="4400" dirty="0">
-              <a:latin typeface="Klavika Light" panose="020B0506040000020004" pitchFamily="34" charset="0"/>
-            </a:endParaRPr>
-          </a:p>
-          <a:p>
-            <a:pPr marL="346075"/>
-            <a:endParaRPr lang="en-US" sz="4400" dirty="0">
-              <a:latin typeface="Klavika Light" panose="020B0506040000020004" pitchFamily="34" charset="0"/>
-            </a:endParaRPr>
-          </a:p>
-          <a:p>
-            <a:pPr marL="346075"/>
-            <a:endParaRPr lang="en-US" sz="4400" dirty="0">
-              <a:latin typeface="Klavika Light" panose="020B0506040000020004" pitchFamily="34" charset="0"/>
-            </a:endParaRPr>
-          </a:p>
-          <a:p>
-            <a:pPr marL="346075"/>
-            <a:endParaRPr lang="en-US" sz="4400" dirty="0">
-              <a:latin typeface="Klavika Light" panose="020B0506040000020004" pitchFamily="34" charset="0"/>
-            </a:endParaRPr>
-          </a:p>
-          <a:p>
-            <a:pPr marL="346075"/>
-            <a:endParaRPr lang="en-US" sz="4400" dirty="0">
-              <a:latin typeface="Klavika Light" panose="020B0506040000020004" pitchFamily="34" charset="0"/>
-            </a:endParaRPr>
-          </a:p>
-          <a:p>
-            <a:pPr marL="346075"/>
-            <a:endParaRPr lang="en-US" sz="4400" dirty="0">
-              <a:latin typeface="Klavika Light" panose="020B0506040000020004" pitchFamily="34" charset="0"/>
-            </a:endParaRPr>
-          </a:p>
-          <a:p>
-            <a:pPr marL="346075"/>
-            <a:endParaRPr lang="en-US" sz="4400" dirty="0">
-              <a:latin typeface="Klavika Light" panose="020B0506040000020004" pitchFamily="34" charset="0"/>
-            </a:endParaRPr>
-          </a:p>
-          <a:p>
-            <a:pPr marL="346075"/>
-            <a:endParaRPr lang="en-US" sz="4400" dirty="0">
-              <a:latin typeface="Klavika Light" panose="020B0506040000020004" pitchFamily="34" charset="0"/>
-            </a:endParaRPr>
-          </a:p>
-          <a:p>
-            <a:pPr marL="346075"/>
-            <a:endParaRPr lang="en-US" sz="4400" dirty="0">
-              <a:latin typeface="Klavika Light" panose="020B0506040000020004" pitchFamily="34" charset="0"/>
-            </a:endParaRPr>
-          </a:p>
-          <a:p>
-            <a:pPr marL="346075"/>
-            <a:endParaRPr lang="en-US" sz="4400" dirty="0">
-              <a:latin typeface="Klavika Light" panose="020B0506040000020004" pitchFamily="34" charset="0"/>
-            </a:endParaRPr>
-          </a:p>
-          <a:p>
-            <a:pPr marL="346075"/>
-            <a:endParaRPr lang="en-US" sz="4400" dirty="0">
-              <a:latin typeface="Klavika Light" panose="020B0506040000020004" pitchFamily="34" charset="0"/>
-            </a:endParaRPr>
-          </a:p>
-          <a:p>
-            <a:pPr marL="346075"/>
-            <a:endParaRPr lang="en-US" sz="4400" dirty="0">
-              <a:latin typeface="Klavika Light" panose="020B0506040000020004" pitchFamily="34" charset="0"/>
-            </a:endParaRPr>
-          </a:p>
-          <a:p>
-            <a:pPr marL="346075"/>
-            <a:endParaRPr lang="en-US" sz="4400" dirty="0">
-              <a:latin typeface="Klavika Light" panose="020B0506040000020004" pitchFamily="34" charset="0"/>
-            </a:endParaRPr>
-          </a:p>
-          <a:p>
-            <a:pPr marL="346075"/>
-            <a:endParaRPr lang="en-US" sz="4400" dirty="0">
-              <a:latin typeface="Klavika Light" panose="020B0506040000020004" pitchFamily="34" charset="0"/>
-            </a:endParaRPr>
-          </a:p>
-          <a:p>
-            <a:pPr marL="346075"/>
-            <a:endParaRPr lang="en-US" sz="4400" dirty="0">
-              <a:latin typeface="Klavika Light" panose="020B0506040000020004" pitchFamily="34" charset="0"/>
-            </a:endParaRPr>
-          </a:p>
-          <a:p>
-            <a:pPr marL="346075"/>
-            <a:endParaRPr lang="en-US" sz="4400" dirty="0">
-              <a:latin typeface="Klavika Light" panose="020B0506040000020004" pitchFamily="34" charset="0"/>
-            </a:endParaRPr>
-          </a:p>
-          <a:p>
-            <a:pPr marL="346075"/>
-            <a:endParaRPr lang="en-US" dirty="0">
-              <a:latin typeface="Klavika Light" panose="020B0506040000020004" pitchFamily="34" charset="0"/>
-            </a:endParaRPr>
-          </a:p>
-          <a:p>
-            <a:pPr marL="346075"/>
-            <a:endParaRPr lang="en-US" sz="4400" dirty="0">
-              <a:latin typeface="Klavika Light" panose="020B0506040000020004" pitchFamily="34" charset="0"/>
-            </a:endParaRPr>
-          </a:p>
-          <a:p>
-            <a:pPr marL="346075"/>
-            <a:endParaRPr lang="en-US" sz="4400" dirty="0">
-              <a:latin typeface="Klavika Light" panose="020B0506040000020004" pitchFamily="34" charset="0"/>
-            </a:endParaRPr>
-          </a:p>
-          <a:p>
-            <a:pPr marL="346075"/>
-            <a:endParaRPr lang="en-US" sz="4400" dirty="0">
-              <a:latin typeface="Klavika Light" panose="020B0506040000020004" pitchFamily="34" charset="0"/>
+            <a:pPr marL="342900"/>
+            <a:endParaRPr lang="en-US" sz="4400" b="0" i="0" dirty="0">
+              <a:solidFill>
+                <a:srgbClr val="000000"/>
+              </a:solidFill>
+              <a:effectLst/>
+              <a:latin typeface="Calibri" panose="020F0502020204030204" pitchFamily="34" charset="0"/>
             </a:endParaRPr>
           </a:p>
         </p:txBody>
@@ -3592,138 +4103,6 @@
           </a:p>
           <a:p>
             <a:endParaRPr lang="en-US" sz="800" dirty="0"/>
-          </a:p>
-        </p:txBody>
-      </p:sp>
-      <p:sp>
-        <p:nvSpPr>
-          <p:cNvPr id="12" name="TextBox 11"/>
-          <p:cNvSpPr txBox="1"/>
-          <p:nvPr/>
-        </p:nvSpPr>
-        <p:spPr>
-          <a:xfrm>
-            <a:off x="616018" y="7442492"/>
-            <a:ext cx="15819120" cy="7540526"/>
-          </a:xfrm>
-          <a:prstGeom prst="rect">
-            <a:avLst/>
-          </a:prstGeom>
-          <a:noFill/>
-          <a:ln w="127000">
-            <a:solidFill>
-              <a:schemeClr val="tx2"/>
-            </a:solidFill>
-          </a:ln>
-        </p:spPr>
-        <p:txBody>
-          <a:bodyPr wrap="square" rtlCol="0">
-            <a:spAutoFit/>
-          </a:bodyPr>
-          <a:lstStyle/>
-          <a:p>
-            <a:pPr marL="342900"/>
-            <a:endParaRPr lang="en-US" sz="4400" b="0" i="0" dirty="0">
-              <a:solidFill>
-                <a:srgbClr val="000000"/>
-              </a:solidFill>
-              <a:effectLst/>
-              <a:latin typeface="Calibri" panose="020F0502020204030204" pitchFamily="34" charset="0"/>
-            </a:endParaRPr>
-          </a:p>
-          <a:p>
-            <a:pPr marL="342900"/>
-            <a:endParaRPr lang="en-US" sz="4400" dirty="0">
-              <a:solidFill>
-                <a:srgbClr val="000000"/>
-              </a:solidFill>
-              <a:latin typeface="Calibri" panose="020F0502020204030204" pitchFamily="34" charset="0"/>
-            </a:endParaRPr>
-          </a:p>
-          <a:p>
-            <a:pPr marL="342900"/>
-            <a:endParaRPr lang="en-US" sz="4400" dirty="0">
-              <a:solidFill>
-                <a:srgbClr val="000000"/>
-              </a:solidFill>
-              <a:latin typeface="Calibri" panose="020F0502020204030204" pitchFamily="34" charset="0"/>
-            </a:endParaRPr>
-          </a:p>
-          <a:p>
-            <a:pPr marL="342900"/>
-            <a:endParaRPr lang="en-US" sz="4400" b="0" i="0" dirty="0">
-              <a:solidFill>
-                <a:srgbClr val="000000"/>
-              </a:solidFill>
-              <a:effectLst/>
-              <a:latin typeface="Calibri" panose="020F0502020204030204" pitchFamily="34" charset="0"/>
-            </a:endParaRPr>
-          </a:p>
-          <a:p>
-            <a:pPr marL="342900"/>
-            <a:endParaRPr lang="en-US" sz="4400" dirty="0">
-              <a:solidFill>
-                <a:srgbClr val="000000"/>
-              </a:solidFill>
-              <a:latin typeface="Calibri" panose="020F0502020204030204" pitchFamily="34" charset="0"/>
-            </a:endParaRPr>
-          </a:p>
-          <a:p>
-            <a:pPr marL="342900"/>
-            <a:endParaRPr lang="en-US" sz="4400" dirty="0">
-              <a:solidFill>
-                <a:srgbClr val="000000"/>
-              </a:solidFill>
-              <a:latin typeface="Calibri" panose="020F0502020204030204" pitchFamily="34" charset="0"/>
-            </a:endParaRPr>
-          </a:p>
-          <a:p>
-            <a:pPr marL="342900"/>
-            <a:endParaRPr lang="en-US" sz="4400" b="0" i="0" dirty="0">
-              <a:solidFill>
-                <a:srgbClr val="000000"/>
-              </a:solidFill>
-              <a:effectLst/>
-              <a:latin typeface="Calibri" panose="020F0502020204030204" pitchFamily="34" charset="0"/>
-            </a:endParaRPr>
-          </a:p>
-          <a:p>
-            <a:pPr marL="342900"/>
-            <a:endParaRPr lang="en-US" sz="4400" dirty="0">
-              <a:solidFill>
-                <a:srgbClr val="000000"/>
-              </a:solidFill>
-              <a:latin typeface="Calibri" panose="020F0502020204030204" pitchFamily="34" charset="0"/>
-            </a:endParaRPr>
-          </a:p>
-          <a:p>
-            <a:pPr marL="342900"/>
-            <a:endParaRPr lang="en-US" sz="4400" b="0" i="0" dirty="0">
-              <a:solidFill>
-                <a:srgbClr val="000000"/>
-              </a:solidFill>
-              <a:effectLst/>
-              <a:latin typeface="Calibri" panose="020F0502020204030204" pitchFamily="34" charset="0"/>
-            </a:endParaRPr>
-          </a:p>
-          <a:p>
-            <a:pPr marL="342900"/>
-            <a:endParaRPr lang="en-US" sz="4400" dirty="0">
-              <a:solidFill>
-                <a:srgbClr val="000000"/>
-              </a:solidFill>
-              <a:latin typeface="Calibri" panose="020F0502020204030204" pitchFamily="34" charset="0"/>
-            </a:endParaRPr>
-          </a:p>
-          <a:p>
-            <a:pPr marL="342900"/>
-            <a:endParaRPr lang="en-US" sz="4400" b="0" i="0" dirty="0">
-              <a:solidFill>
-                <a:srgbClr val="000000"/>
-              </a:solidFill>
-              <a:effectLst/>
-              <a:latin typeface="Calibri" panose="020F0502020204030204" pitchFamily="34" charset="0"/>
-            </a:endParaRPr>
           </a:p>
         </p:txBody>
       </p:sp>
@@ -4663,6 +5042,1327 @@
           </a:prstGeom>
         </p:spPr>
       </p:pic>
+      <p:sp>
+        <p:nvSpPr>
+          <p:cNvPr id="2" name="Rectangle 1">
+            <a:extLst>
+              <a:ext uri="{FF2B5EF4-FFF2-40B4-BE49-F238E27FC236}">
+                <a16:creationId xmlns:a16="http://schemas.microsoft.com/office/drawing/2014/main" id="{1B3E2DF7-540E-92CC-60E1-6AC962308D51}"/>
+              </a:ext>
+            </a:extLst>
+          </p:cNvPr>
+          <p:cNvSpPr/>
+          <p:nvPr/>
+        </p:nvSpPr>
+        <p:spPr>
+          <a:xfrm>
+            <a:off x="596725" y="8855290"/>
+            <a:ext cx="246743" cy="1277538"/>
+          </a:xfrm>
+          <a:prstGeom prst="rect">
+            <a:avLst/>
+          </a:prstGeom>
+          <a:solidFill>
+            <a:schemeClr val="bg1"/>
+          </a:solidFill>
+          <a:ln>
+            <a:solidFill>
+              <a:schemeClr val="bg1"/>
+            </a:solidFill>
+          </a:ln>
+        </p:spPr>
+        <p:style>
+          <a:lnRef idx="2">
+            <a:schemeClr val="accent1">
+              <a:shade val="15000"/>
+            </a:schemeClr>
+          </a:lnRef>
+          <a:fillRef idx="1">
+            <a:schemeClr val="accent1"/>
+          </a:fillRef>
+          <a:effectRef idx="0">
+            <a:schemeClr val="accent1"/>
+          </a:effectRef>
+          <a:fontRef idx="minor">
+            <a:schemeClr val="lt1"/>
+          </a:fontRef>
+        </p:style>
+        <p:txBody>
+          <a:bodyPr rtlCol="0" anchor="ctr"/>
+          <a:lstStyle/>
+          <a:p>
+            <a:pPr algn="ctr"/>
+            <a:endParaRPr lang="en-US" dirty="0"/>
+          </a:p>
+        </p:txBody>
+      </p:sp>
+      <p:sp>
+        <p:nvSpPr>
+          <p:cNvPr id="16" name="Rectangle 15">
+            <a:extLst>
+              <a:ext uri="{FF2B5EF4-FFF2-40B4-BE49-F238E27FC236}">
+                <a16:creationId xmlns:a16="http://schemas.microsoft.com/office/drawing/2014/main" id="{0AE878A5-4AF8-354E-5A09-1BF2798D7162}"/>
+              </a:ext>
+            </a:extLst>
+          </p:cNvPr>
+          <p:cNvSpPr/>
+          <p:nvPr/>
+        </p:nvSpPr>
+        <p:spPr>
+          <a:xfrm>
+            <a:off x="754742" y="12587121"/>
+            <a:ext cx="246743" cy="1277538"/>
+          </a:xfrm>
+          <a:prstGeom prst="rect">
+            <a:avLst/>
+          </a:prstGeom>
+          <a:solidFill>
+            <a:schemeClr val="bg1"/>
+          </a:solidFill>
+          <a:ln>
+            <a:solidFill>
+              <a:schemeClr val="bg1"/>
+            </a:solidFill>
+          </a:ln>
+        </p:spPr>
+        <p:style>
+          <a:lnRef idx="2">
+            <a:schemeClr val="accent1">
+              <a:shade val="15000"/>
+            </a:schemeClr>
+          </a:lnRef>
+          <a:fillRef idx="1">
+            <a:schemeClr val="accent1"/>
+          </a:fillRef>
+          <a:effectRef idx="0">
+            <a:schemeClr val="accent1"/>
+          </a:effectRef>
+          <a:fontRef idx="minor">
+            <a:schemeClr val="lt1"/>
+          </a:fontRef>
+        </p:style>
+        <p:txBody>
+          <a:bodyPr rtlCol="0" anchor="ctr"/>
+          <a:lstStyle/>
+          <a:p>
+            <a:pPr algn="ctr"/>
+            <a:endParaRPr lang="en-US"/>
+          </a:p>
+        </p:txBody>
+      </p:sp>
+      <p:sp>
+        <p:nvSpPr>
+          <p:cNvPr id="20" name="Rectangle 19">
+            <a:extLst>
+              <a:ext uri="{FF2B5EF4-FFF2-40B4-BE49-F238E27FC236}">
+                <a16:creationId xmlns:a16="http://schemas.microsoft.com/office/drawing/2014/main" id="{40F307F3-B4A4-829A-F637-706856431649}"/>
+              </a:ext>
+            </a:extLst>
+          </p:cNvPr>
+          <p:cNvSpPr/>
+          <p:nvPr/>
+        </p:nvSpPr>
+        <p:spPr>
+          <a:xfrm>
+            <a:off x="5964173" y="8803601"/>
+            <a:ext cx="246743" cy="1277538"/>
+          </a:xfrm>
+          <a:prstGeom prst="rect">
+            <a:avLst/>
+          </a:prstGeom>
+          <a:solidFill>
+            <a:schemeClr val="bg1"/>
+          </a:solidFill>
+          <a:ln>
+            <a:solidFill>
+              <a:schemeClr val="bg1"/>
+            </a:solidFill>
+          </a:ln>
+        </p:spPr>
+        <p:style>
+          <a:lnRef idx="2">
+            <a:schemeClr val="accent1">
+              <a:shade val="15000"/>
+            </a:schemeClr>
+          </a:lnRef>
+          <a:fillRef idx="1">
+            <a:schemeClr val="accent1"/>
+          </a:fillRef>
+          <a:effectRef idx="0">
+            <a:schemeClr val="accent1"/>
+          </a:effectRef>
+          <a:fontRef idx="minor">
+            <a:schemeClr val="lt1"/>
+          </a:fontRef>
+        </p:style>
+        <p:txBody>
+          <a:bodyPr rtlCol="0" anchor="ctr"/>
+          <a:lstStyle/>
+          <a:p>
+            <a:pPr algn="ctr"/>
+            <a:endParaRPr lang="en-US"/>
+          </a:p>
+        </p:txBody>
+      </p:sp>
+      <p:sp>
+        <p:nvSpPr>
+          <p:cNvPr id="22" name="Rectangle 21">
+            <a:extLst>
+              <a:ext uri="{FF2B5EF4-FFF2-40B4-BE49-F238E27FC236}">
+                <a16:creationId xmlns:a16="http://schemas.microsoft.com/office/drawing/2014/main" id="{869D5918-BFE1-3C5A-817F-779DDF1271C7}"/>
+              </a:ext>
+            </a:extLst>
+          </p:cNvPr>
+          <p:cNvSpPr/>
+          <p:nvPr/>
+        </p:nvSpPr>
+        <p:spPr>
+          <a:xfrm>
+            <a:off x="5911192" y="12623036"/>
+            <a:ext cx="246743" cy="1277538"/>
+          </a:xfrm>
+          <a:prstGeom prst="rect">
+            <a:avLst/>
+          </a:prstGeom>
+          <a:solidFill>
+            <a:schemeClr val="bg1"/>
+          </a:solidFill>
+          <a:ln>
+            <a:solidFill>
+              <a:schemeClr val="bg1"/>
+            </a:solidFill>
+          </a:ln>
+        </p:spPr>
+        <p:style>
+          <a:lnRef idx="2">
+            <a:schemeClr val="accent1">
+              <a:shade val="15000"/>
+            </a:schemeClr>
+          </a:lnRef>
+          <a:fillRef idx="1">
+            <a:schemeClr val="accent1"/>
+          </a:fillRef>
+          <a:effectRef idx="0">
+            <a:schemeClr val="accent1"/>
+          </a:effectRef>
+          <a:fontRef idx="minor">
+            <a:schemeClr val="lt1"/>
+          </a:fontRef>
+        </p:style>
+        <p:txBody>
+          <a:bodyPr rtlCol="0" anchor="ctr"/>
+          <a:lstStyle/>
+          <a:p>
+            <a:pPr algn="ctr"/>
+            <a:endParaRPr lang="en-US"/>
+          </a:p>
+        </p:txBody>
+      </p:sp>
+      <p:sp>
+        <p:nvSpPr>
+          <p:cNvPr id="23" name="Rectangle 22">
+            <a:extLst>
+              <a:ext uri="{FF2B5EF4-FFF2-40B4-BE49-F238E27FC236}">
+                <a16:creationId xmlns:a16="http://schemas.microsoft.com/office/drawing/2014/main" id="{9E19F1F9-5BB4-EA66-7A88-5F99F08979DE}"/>
+              </a:ext>
+            </a:extLst>
+          </p:cNvPr>
+          <p:cNvSpPr/>
+          <p:nvPr/>
+        </p:nvSpPr>
+        <p:spPr>
+          <a:xfrm>
+            <a:off x="11130060" y="9061866"/>
+            <a:ext cx="246743" cy="1277538"/>
+          </a:xfrm>
+          <a:prstGeom prst="rect">
+            <a:avLst/>
+          </a:prstGeom>
+          <a:solidFill>
+            <a:schemeClr val="bg1"/>
+          </a:solidFill>
+          <a:ln>
+            <a:solidFill>
+              <a:schemeClr val="bg1"/>
+            </a:solidFill>
+          </a:ln>
+        </p:spPr>
+        <p:style>
+          <a:lnRef idx="2">
+            <a:schemeClr val="accent1">
+              <a:shade val="15000"/>
+            </a:schemeClr>
+          </a:lnRef>
+          <a:fillRef idx="1">
+            <a:schemeClr val="accent1"/>
+          </a:fillRef>
+          <a:effectRef idx="0">
+            <a:schemeClr val="accent1"/>
+          </a:effectRef>
+          <a:fontRef idx="minor">
+            <a:schemeClr val="lt1"/>
+          </a:fontRef>
+        </p:style>
+        <p:txBody>
+          <a:bodyPr rtlCol="0" anchor="ctr"/>
+          <a:lstStyle/>
+          <a:p>
+            <a:pPr algn="ctr"/>
+            <a:endParaRPr lang="en-US"/>
+          </a:p>
+        </p:txBody>
+      </p:sp>
+      <p:sp>
+        <p:nvSpPr>
+          <p:cNvPr id="24" name="Rectangle 23">
+            <a:extLst>
+              <a:ext uri="{FF2B5EF4-FFF2-40B4-BE49-F238E27FC236}">
+                <a16:creationId xmlns:a16="http://schemas.microsoft.com/office/drawing/2014/main" id="{A8EBD5F1-51CD-C1FF-89BF-AD7460E6B362}"/>
+              </a:ext>
+            </a:extLst>
+          </p:cNvPr>
+          <p:cNvSpPr/>
+          <p:nvPr/>
+        </p:nvSpPr>
+        <p:spPr>
+          <a:xfrm>
+            <a:off x="11101031" y="12525686"/>
+            <a:ext cx="246743" cy="1277538"/>
+          </a:xfrm>
+          <a:prstGeom prst="rect">
+            <a:avLst/>
+          </a:prstGeom>
+          <a:solidFill>
+            <a:schemeClr val="bg1"/>
+          </a:solidFill>
+          <a:ln>
+            <a:solidFill>
+              <a:schemeClr val="bg1"/>
+            </a:solidFill>
+          </a:ln>
+        </p:spPr>
+        <p:style>
+          <a:lnRef idx="2">
+            <a:schemeClr val="accent1">
+              <a:shade val="15000"/>
+            </a:schemeClr>
+          </a:lnRef>
+          <a:fillRef idx="1">
+            <a:schemeClr val="accent1"/>
+          </a:fillRef>
+          <a:effectRef idx="0">
+            <a:schemeClr val="accent1"/>
+          </a:effectRef>
+          <a:fontRef idx="minor">
+            <a:schemeClr val="lt1"/>
+          </a:fontRef>
+        </p:style>
+        <p:txBody>
+          <a:bodyPr rtlCol="0" anchor="ctr"/>
+          <a:lstStyle/>
+          <a:p>
+            <a:pPr algn="ctr"/>
+            <a:endParaRPr lang="en-US"/>
+          </a:p>
+        </p:txBody>
+      </p:sp>
+      <p:sp>
+        <p:nvSpPr>
+          <p:cNvPr id="26" name="Rectangle 25">
+            <a:extLst>
+              <a:ext uri="{FF2B5EF4-FFF2-40B4-BE49-F238E27FC236}">
+                <a16:creationId xmlns:a16="http://schemas.microsoft.com/office/drawing/2014/main" id="{EBDA68B5-5723-793D-5618-36CD8D40C867}"/>
+              </a:ext>
+            </a:extLst>
+          </p:cNvPr>
+          <p:cNvSpPr/>
+          <p:nvPr/>
+        </p:nvSpPr>
+        <p:spPr>
+          <a:xfrm>
+            <a:off x="811159" y="8734765"/>
+            <a:ext cx="246743" cy="1277538"/>
+          </a:xfrm>
+          <a:prstGeom prst="rect">
+            <a:avLst/>
+          </a:prstGeom>
+          <a:solidFill>
+            <a:schemeClr val="bg1"/>
+          </a:solidFill>
+          <a:ln>
+            <a:solidFill>
+              <a:schemeClr val="bg1"/>
+            </a:solidFill>
+          </a:ln>
+        </p:spPr>
+        <p:style>
+          <a:lnRef idx="2">
+            <a:schemeClr val="accent1">
+              <a:shade val="15000"/>
+            </a:schemeClr>
+          </a:lnRef>
+          <a:fillRef idx="1">
+            <a:schemeClr val="accent1"/>
+          </a:fillRef>
+          <a:effectRef idx="0">
+            <a:schemeClr val="accent1"/>
+          </a:effectRef>
+          <a:fontRef idx="minor">
+            <a:schemeClr val="lt1"/>
+          </a:fontRef>
+        </p:style>
+        <p:txBody>
+          <a:bodyPr rtlCol="0" anchor="ctr"/>
+          <a:lstStyle/>
+          <a:p>
+            <a:pPr algn="ctr"/>
+            <a:endParaRPr lang="en-US" dirty="0"/>
+          </a:p>
+        </p:txBody>
+      </p:sp>
+      <p:sp>
+        <p:nvSpPr>
+          <p:cNvPr id="30" name="TextBox 29">
+            <a:extLst>
+              <a:ext uri="{FF2B5EF4-FFF2-40B4-BE49-F238E27FC236}">
+                <a16:creationId xmlns:a16="http://schemas.microsoft.com/office/drawing/2014/main" id="{DDF1BC19-8C9E-FED0-2251-1F9DABAB66CB}"/>
+              </a:ext>
+            </a:extLst>
+          </p:cNvPr>
+          <p:cNvSpPr txBox="1"/>
+          <p:nvPr/>
+        </p:nvSpPr>
+        <p:spPr>
+          <a:xfrm>
+            <a:off x="2220686" y="7518709"/>
+            <a:ext cx="2086787" cy="488219"/>
+          </a:xfrm>
+          <a:prstGeom prst="rect">
+            <a:avLst/>
+          </a:prstGeom>
+          <a:noFill/>
+        </p:spPr>
+        <p:txBody>
+          <a:bodyPr wrap="square" rtlCol="0">
+            <a:spAutoFit/>
+          </a:bodyPr>
+          <a:lstStyle/>
+          <a:p>
+            <a:endParaRPr lang="en-US" dirty="0"/>
+          </a:p>
+        </p:txBody>
+      </p:sp>
+      <p:sp>
+        <p:nvSpPr>
+          <p:cNvPr id="33" name="Rectangle 32">
+            <a:extLst>
+              <a:ext uri="{FF2B5EF4-FFF2-40B4-BE49-F238E27FC236}">
+                <a16:creationId xmlns:a16="http://schemas.microsoft.com/office/drawing/2014/main" id="{6339B37B-2344-7F38-1480-7638B97DD79F}"/>
+              </a:ext>
+            </a:extLst>
+          </p:cNvPr>
+          <p:cNvSpPr/>
+          <p:nvPr/>
+        </p:nvSpPr>
+        <p:spPr>
+          <a:xfrm>
+            <a:off x="2756867" y="11027332"/>
+            <a:ext cx="1132114" cy="188646"/>
+          </a:xfrm>
+          <a:prstGeom prst="rect">
+            <a:avLst/>
+          </a:prstGeom>
+          <a:solidFill>
+            <a:schemeClr val="bg1"/>
+          </a:solidFill>
+          <a:ln>
+            <a:solidFill>
+              <a:schemeClr val="bg1"/>
+            </a:solidFill>
+          </a:ln>
+        </p:spPr>
+        <p:style>
+          <a:lnRef idx="2">
+            <a:schemeClr val="accent1">
+              <a:shade val="15000"/>
+            </a:schemeClr>
+          </a:lnRef>
+          <a:fillRef idx="1">
+            <a:schemeClr val="accent1"/>
+          </a:fillRef>
+          <a:effectRef idx="0">
+            <a:schemeClr val="accent1"/>
+          </a:effectRef>
+          <a:fontRef idx="minor">
+            <a:schemeClr val="lt1"/>
+          </a:fontRef>
+        </p:style>
+        <p:txBody>
+          <a:bodyPr rtlCol="0" anchor="ctr"/>
+          <a:lstStyle/>
+          <a:p>
+            <a:pPr algn="ctr"/>
+            <a:endParaRPr lang="en-US" dirty="0"/>
+          </a:p>
+        </p:txBody>
+      </p:sp>
+      <p:sp>
+        <p:nvSpPr>
+          <p:cNvPr id="34" name="Rectangle 33">
+            <a:extLst>
+              <a:ext uri="{FF2B5EF4-FFF2-40B4-BE49-F238E27FC236}">
+                <a16:creationId xmlns:a16="http://schemas.microsoft.com/office/drawing/2014/main" id="{ADA4DA76-846D-58E0-5244-955785562820}"/>
+              </a:ext>
+            </a:extLst>
+          </p:cNvPr>
+          <p:cNvSpPr/>
+          <p:nvPr/>
+        </p:nvSpPr>
+        <p:spPr>
+          <a:xfrm>
+            <a:off x="2595812" y="14664070"/>
+            <a:ext cx="1132114" cy="188646"/>
+          </a:xfrm>
+          <a:prstGeom prst="rect">
+            <a:avLst/>
+          </a:prstGeom>
+          <a:solidFill>
+            <a:schemeClr val="bg1"/>
+          </a:solidFill>
+          <a:ln>
+            <a:solidFill>
+              <a:schemeClr val="bg1"/>
+            </a:solidFill>
+          </a:ln>
+        </p:spPr>
+        <p:style>
+          <a:lnRef idx="2">
+            <a:schemeClr val="accent1">
+              <a:shade val="15000"/>
+            </a:schemeClr>
+          </a:lnRef>
+          <a:fillRef idx="1">
+            <a:schemeClr val="accent1"/>
+          </a:fillRef>
+          <a:effectRef idx="0">
+            <a:schemeClr val="accent1"/>
+          </a:effectRef>
+          <a:fontRef idx="minor">
+            <a:schemeClr val="lt1"/>
+          </a:fontRef>
+        </p:style>
+        <p:txBody>
+          <a:bodyPr rtlCol="0" anchor="ctr"/>
+          <a:lstStyle/>
+          <a:p>
+            <a:pPr algn="ctr"/>
+            <a:endParaRPr lang="en-US"/>
+          </a:p>
+        </p:txBody>
+      </p:sp>
+      <p:sp>
+        <p:nvSpPr>
+          <p:cNvPr id="35" name="Rectangle 34">
+            <a:extLst>
+              <a:ext uri="{FF2B5EF4-FFF2-40B4-BE49-F238E27FC236}">
+                <a16:creationId xmlns:a16="http://schemas.microsoft.com/office/drawing/2014/main" id="{06CEF65F-FE35-56E3-2E03-EE5C191B1F1B}"/>
+              </a:ext>
+            </a:extLst>
+          </p:cNvPr>
+          <p:cNvSpPr/>
+          <p:nvPr/>
+        </p:nvSpPr>
+        <p:spPr>
+          <a:xfrm>
+            <a:off x="7837010" y="14676535"/>
+            <a:ext cx="1132114" cy="188646"/>
+          </a:xfrm>
+          <a:prstGeom prst="rect">
+            <a:avLst/>
+          </a:prstGeom>
+          <a:solidFill>
+            <a:schemeClr val="bg1"/>
+          </a:solidFill>
+          <a:ln>
+            <a:solidFill>
+              <a:schemeClr val="bg1"/>
+            </a:solidFill>
+          </a:ln>
+        </p:spPr>
+        <p:style>
+          <a:lnRef idx="2">
+            <a:schemeClr val="accent1">
+              <a:shade val="15000"/>
+            </a:schemeClr>
+          </a:lnRef>
+          <a:fillRef idx="1">
+            <a:schemeClr val="accent1"/>
+          </a:fillRef>
+          <a:effectRef idx="0">
+            <a:schemeClr val="accent1"/>
+          </a:effectRef>
+          <a:fontRef idx="minor">
+            <a:schemeClr val="lt1"/>
+          </a:fontRef>
+        </p:style>
+        <p:txBody>
+          <a:bodyPr rtlCol="0" anchor="ctr"/>
+          <a:lstStyle/>
+          <a:p>
+            <a:pPr algn="ctr"/>
+            <a:endParaRPr lang="en-US"/>
+          </a:p>
+        </p:txBody>
+      </p:sp>
+      <p:sp>
+        <p:nvSpPr>
+          <p:cNvPr id="36" name="Rectangle 35">
+            <a:extLst>
+              <a:ext uri="{FF2B5EF4-FFF2-40B4-BE49-F238E27FC236}">
+                <a16:creationId xmlns:a16="http://schemas.microsoft.com/office/drawing/2014/main" id="{6FB6AE79-6DFD-7D99-BDB2-24A52C0E204D}"/>
+              </a:ext>
+            </a:extLst>
+          </p:cNvPr>
+          <p:cNvSpPr/>
+          <p:nvPr/>
+        </p:nvSpPr>
+        <p:spPr>
+          <a:xfrm>
+            <a:off x="7788395" y="11035565"/>
+            <a:ext cx="1132114" cy="188646"/>
+          </a:xfrm>
+          <a:prstGeom prst="rect">
+            <a:avLst/>
+          </a:prstGeom>
+          <a:solidFill>
+            <a:schemeClr val="bg1"/>
+          </a:solidFill>
+          <a:ln>
+            <a:solidFill>
+              <a:schemeClr val="bg1"/>
+            </a:solidFill>
+          </a:ln>
+        </p:spPr>
+        <p:style>
+          <a:lnRef idx="2">
+            <a:schemeClr val="accent1">
+              <a:shade val="15000"/>
+            </a:schemeClr>
+          </a:lnRef>
+          <a:fillRef idx="1">
+            <a:schemeClr val="accent1"/>
+          </a:fillRef>
+          <a:effectRef idx="0">
+            <a:schemeClr val="accent1"/>
+          </a:effectRef>
+          <a:fontRef idx="minor">
+            <a:schemeClr val="lt1"/>
+          </a:fontRef>
+        </p:style>
+        <p:txBody>
+          <a:bodyPr rtlCol="0" anchor="ctr"/>
+          <a:lstStyle/>
+          <a:p>
+            <a:pPr algn="ctr"/>
+            <a:endParaRPr lang="en-US"/>
+          </a:p>
+        </p:txBody>
+      </p:sp>
+      <p:sp>
+        <p:nvSpPr>
+          <p:cNvPr id="37" name="Rectangle 36">
+            <a:extLst>
+              <a:ext uri="{FF2B5EF4-FFF2-40B4-BE49-F238E27FC236}">
+                <a16:creationId xmlns:a16="http://schemas.microsoft.com/office/drawing/2014/main" id="{CB22195C-6BFA-99AE-3E59-2281A7545461}"/>
+              </a:ext>
+            </a:extLst>
+          </p:cNvPr>
+          <p:cNvSpPr/>
+          <p:nvPr/>
+        </p:nvSpPr>
+        <p:spPr>
+          <a:xfrm>
+            <a:off x="12786637" y="11035565"/>
+            <a:ext cx="1132114" cy="188646"/>
+          </a:xfrm>
+          <a:prstGeom prst="rect">
+            <a:avLst/>
+          </a:prstGeom>
+          <a:solidFill>
+            <a:schemeClr val="bg1"/>
+          </a:solidFill>
+          <a:ln>
+            <a:solidFill>
+              <a:schemeClr val="bg1"/>
+            </a:solidFill>
+          </a:ln>
+        </p:spPr>
+        <p:style>
+          <a:lnRef idx="2">
+            <a:schemeClr val="accent1">
+              <a:shade val="15000"/>
+            </a:schemeClr>
+          </a:lnRef>
+          <a:fillRef idx="1">
+            <a:schemeClr val="accent1"/>
+          </a:fillRef>
+          <a:effectRef idx="0">
+            <a:schemeClr val="accent1"/>
+          </a:effectRef>
+          <a:fontRef idx="minor">
+            <a:schemeClr val="lt1"/>
+          </a:fontRef>
+        </p:style>
+        <p:txBody>
+          <a:bodyPr rtlCol="0" anchor="ctr"/>
+          <a:lstStyle/>
+          <a:p>
+            <a:pPr algn="ctr"/>
+            <a:endParaRPr lang="en-US"/>
+          </a:p>
+        </p:txBody>
+      </p:sp>
+      <p:sp>
+        <p:nvSpPr>
+          <p:cNvPr id="38" name="Rectangle 37">
+            <a:extLst>
+              <a:ext uri="{FF2B5EF4-FFF2-40B4-BE49-F238E27FC236}">
+                <a16:creationId xmlns:a16="http://schemas.microsoft.com/office/drawing/2014/main" id="{834D0BD6-A095-11D3-9E77-E3B06094C2D9}"/>
+              </a:ext>
+            </a:extLst>
+          </p:cNvPr>
+          <p:cNvSpPr/>
+          <p:nvPr/>
+        </p:nvSpPr>
+        <p:spPr>
+          <a:xfrm>
+            <a:off x="12829731" y="14622852"/>
+            <a:ext cx="1132114" cy="188646"/>
+          </a:xfrm>
+          <a:prstGeom prst="rect">
+            <a:avLst/>
+          </a:prstGeom>
+          <a:solidFill>
+            <a:schemeClr val="bg1"/>
+          </a:solidFill>
+          <a:ln>
+            <a:solidFill>
+              <a:schemeClr val="bg1"/>
+            </a:solidFill>
+          </a:ln>
+        </p:spPr>
+        <p:style>
+          <a:lnRef idx="2">
+            <a:schemeClr val="accent1">
+              <a:shade val="15000"/>
+            </a:schemeClr>
+          </a:lnRef>
+          <a:fillRef idx="1">
+            <a:schemeClr val="accent1"/>
+          </a:fillRef>
+          <a:effectRef idx="0">
+            <a:schemeClr val="accent1"/>
+          </a:effectRef>
+          <a:fontRef idx="minor">
+            <a:schemeClr val="lt1"/>
+          </a:fontRef>
+        </p:style>
+        <p:txBody>
+          <a:bodyPr rtlCol="0" anchor="ctr"/>
+          <a:lstStyle/>
+          <a:p>
+            <a:pPr algn="ctr"/>
+            <a:endParaRPr lang="en-US"/>
+          </a:p>
+        </p:txBody>
+      </p:sp>
+      <p:sp>
+        <p:nvSpPr>
+          <p:cNvPr id="40" name="TextBox 39">
+            <a:extLst>
+              <a:ext uri="{FF2B5EF4-FFF2-40B4-BE49-F238E27FC236}">
+                <a16:creationId xmlns:a16="http://schemas.microsoft.com/office/drawing/2014/main" id="{6A58DD07-BC15-3F2B-D3A0-F9E9C84E08B3}"/>
+              </a:ext>
+            </a:extLst>
+          </p:cNvPr>
+          <p:cNvSpPr txBox="1"/>
+          <p:nvPr/>
+        </p:nvSpPr>
+        <p:spPr>
+          <a:xfrm rot="16200000">
+            <a:off x="162463" y="9212192"/>
+            <a:ext cx="1267515" cy="369332"/>
+          </a:xfrm>
+          <a:prstGeom prst="rect">
+            <a:avLst/>
+          </a:prstGeom>
+          <a:noFill/>
+          <a:ln>
+            <a:noFill/>
+          </a:ln>
+        </p:spPr>
+        <p:txBody>
+          <a:bodyPr wrap="square" rtlCol="0">
+            <a:spAutoFit/>
+          </a:bodyPr>
+          <a:lstStyle/>
+          <a:p>
+            <a:r>
+              <a:rPr lang="en-US" dirty="0"/>
+              <a:t>Frequency</a:t>
+            </a:r>
+          </a:p>
+        </p:txBody>
+      </p:sp>
+      <p:sp>
+        <p:nvSpPr>
+          <p:cNvPr id="41" name="TextBox 40">
+            <a:extLst>
+              <a:ext uri="{FF2B5EF4-FFF2-40B4-BE49-F238E27FC236}">
+                <a16:creationId xmlns:a16="http://schemas.microsoft.com/office/drawing/2014/main" id="{F363B2BA-8897-7FC9-996D-6BE5B3C878AA}"/>
+              </a:ext>
+            </a:extLst>
+          </p:cNvPr>
+          <p:cNvSpPr txBox="1"/>
+          <p:nvPr/>
+        </p:nvSpPr>
+        <p:spPr>
+          <a:xfrm rot="16200000">
+            <a:off x="5145750" y="9202631"/>
+            <a:ext cx="1267515" cy="369332"/>
+          </a:xfrm>
+          <a:prstGeom prst="rect">
+            <a:avLst/>
+          </a:prstGeom>
+          <a:noFill/>
+          <a:ln>
+            <a:noFill/>
+          </a:ln>
+        </p:spPr>
+        <p:txBody>
+          <a:bodyPr wrap="square" rtlCol="0">
+            <a:spAutoFit/>
+          </a:bodyPr>
+          <a:lstStyle/>
+          <a:p>
+            <a:r>
+              <a:rPr lang="en-US" dirty="0"/>
+              <a:t>Frequency</a:t>
+            </a:r>
+          </a:p>
+        </p:txBody>
+      </p:sp>
+      <p:sp>
+        <p:nvSpPr>
+          <p:cNvPr id="42" name="TextBox 41">
+            <a:extLst>
+              <a:ext uri="{FF2B5EF4-FFF2-40B4-BE49-F238E27FC236}">
+                <a16:creationId xmlns:a16="http://schemas.microsoft.com/office/drawing/2014/main" id="{F7E3C760-43BB-5748-9951-52E7C23D1191}"/>
+              </a:ext>
+            </a:extLst>
+          </p:cNvPr>
+          <p:cNvSpPr txBox="1"/>
+          <p:nvPr/>
+        </p:nvSpPr>
+        <p:spPr>
+          <a:xfrm rot="16200000">
+            <a:off x="10296699" y="9260686"/>
+            <a:ext cx="1267515" cy="369332"/>
+          </a:xfrm>
+          <a:prstGeom prst="rect">
+            <a:avLst/>
+          </a:prstGeom>
+          <a:noFill/>
+          <a:ln>
+            <a:noFill/>
+          </a:ln>
+        </p:spPr>
+        <p:txBody>
+          <a:bodyPr wrap="square" rtlCol="0">
+            <a:spAutoFit/>
+          </a:bodyPr>
+          <a:lstStyle/>
+          <a:p>
+            <a:r>
+              <a:rPr lang="en-US" dirty="0"/>
+              <a:t>Frequency</a:t>
+            </a:r>
+          </a:p>
+        </p:txBody>
+      </p:sp>
+      <p:sp>
+        <p:nvSpPr>
+          <p:cNvPr id="43" name="TextBox 42">
+            <a:extLst>
+              <a:ext uri="{FF2B5EF4-FFF2-40B4-BE49-F238E27FC236}">
+                <a16:creationId xmlns:a16="http://schemas.microsoft.com/office/drawing/2014/main" id="{6E47224A-FC80-D433-0D90-2C42A3E6FE13}"/>
+              </a:ext>
+            </a:extLst>
+          </p:cNvPr>
+          <p:cNvSpPr txBox="1"/>
+          <p:nvPr/>
+        </p:nvSpPr>
+        <p:spPr>
+          <a:xfrm rot="16200000">
+            <a:off x="210367" y="12890881"/>
+            <a:ext cx="1267515" cy="369332"/>
+          </a:xfrm>
+          <a:prstGeom prst="rect">
+            <a:avLst/>
+          </a:prstGeom>
+          <a:noFill/>
+          <a:ln>
+            <a:noFill/>
+          </a:ln>
+        </p:spPr>
+        <p:txBody>
+          <a:bodyPr wrap="square" rtlCol="0">
+            <a:spAutoFit/>
+          </a:bodyPr>
+          <a:lstStyle/>
+          <a:p>
+            <a:r>
+              <a:rPr lang="en-US" dirty="0"/>
+              <a:t>Frequency</a:t>
+            </a:r>
+          </a:p>
+        </p:txBody>
+      </p:sp>
+      <p:sp>
+        <p:nvSpPr>
+          <p:cNvPr id="44" name="TextBox 43">
+            <a:extLst>
+              <a:ext uri="{FF2B5EF4-FFF2-40B4-BE49-F238E27FC236}">
+                <a16:creationId xmlns:a16="http://schemas.microsoft.com/office/drawing/2014/main" id="{8D20D926-697E-5FF1-7ABE-A9A269717A13}"/>
+              </a:ext>
+            </a:extLst>
+          </p:cNvPr>
+          <p:cNvSpPr txBox="1"/>
+          <p:nvPr/>
+        </p:nvSpPr>
+        <p:spPr>
+          <a:xfrm rot="16200000">
+            <a:off x="5193654" y="12881320"/>
+            <a:ext cx="1267515" cy="369332"/>
+          </a:xfrm>
+          <a:prstGeom prst="rect">
+            <a:avLst/>
+          </a:prstGeom>
+          <a:noFill/>
+          <a:ln>
+            <a:noFill/>
+          </a:ln>
+        </p:spPr>
+        <p:txBody>
+          <a:bodyPr wrap="square" rtlCol="0">
+            <a:spAutoFit/>
+          </a:bodyPr>
+          <a:lstStyle/>
+          <a:p>
+            <a:r>
+              <a:rPr lang="en-US" dirty="0"/>
+              <a:t>Frequency</a:t>
+            </a:r>
+          </a:p>
+        </p:txBody>
+      </p:sp>
+      <p:sp>
+        <p:nvSpPr>
+          <p:cNvPr id="45" name="TextBox 44">
+            <a:extLst>
+              <a:ext uri="{FF2B5EF4-FFF2-40B4-BE49-F238E27FC236}">
+                <a16:creationId xmlns:a16="http://schemas.microsoft.com/office/drawing/2014/main" id="{A1E40FAD-C856-5244-6D6A-CAE75EC0F3FF}"/>
+              </a:ext>
+            </a:extLst>
+          </p:cNvPr>
+          <p:cNvSpPr txBox="1"/>
+          <p:nvPr/>
+        </p:nvSpPr>
+        <p:spPr>
+          <a:xfrm rot="16200000">
+            <a:off x="10344603" y="12939375"/>
+            <a:ext cx="1267515" cy="369332"/>
+          </a:xfrm>
+          <a:prstGeom prst="rect">
+            <a:avLst/>
+          </a:prstGeom>
+          <a:noFill/>
+          <a:ln>
+            <a:noFill/>
+          </a:ln>
+        </p:spPr>
+        <p:txBody>
+          <a:bodyPr wrap="square" rtlCol="0">
+            <a:spAutoFit/>
+          </a:bodyPr>
+          <a:lstStyle/>
+          <a:p>
+            <a:r>
+              <a:rPr lang="en-US" dirty="0"/>
+              <a:t>Frequency</a:t>
+            </a:r>
+          </a:p>
+        </p:txBody>
+      </p:sp>
+      <p:sp>
+        <p:nvSpPr>
+          <p:cNvPr id="46" name="TextBox 45">
+            <a:extLst>
+              <a:ext uri="{FF2B5EF4-FFF2-40B4-BE49-F238E27FC236}">
+                <a16:creationId xmlns:a16="http://schemas.microsoft.com/office/drawing/2014/main" id="{5850D9BD-C4F5-45A4-7ACB-CAC95ACA0DED}"/>
+              </a:ext>
+            </a:extLst>
+          </p:cNvPr>
+          <p:cNvSpPr txBox="1"/>
+          <p:nvPr/>
+        </p:nvSpPr>
+        <p:spPr>
+          <a:xfrm>
+            <a:off x="754742" y="11298200"/>
+            <a:ext cx="184731" cy="369332"/>
+          </a:xfrm>
+          <a:prstGeom prst="rect">
+            <a:avLst/>
+          </a:prstGeom>
+          <a:noFill/>
+        </p:spPr>
+        <p:txBody>
+          <a:bodyPr wrap="none" rtlCol="0">
+            <a:spAutoFit/>
+          </a:bodyPr>
+          <a:lstStyle/>
+          <a:p>
+            <a:endParaRPr lang="en-US" dirty="0"/>
+          </a:p>
+        </p:txBody>
+      </p:sp>
+      <p:sp>
+        <p:nvSpPr>
+          <p:cNvPr id="47" name="TextBox 46">
+            <a:extLst>
+              <a:ext uri="{FF2B5EF4-FFF2-40B4-BE49-F238E27FC236}">
+                <a16:creationId xmlns:a16="http://schemas.microsoft.com/office/drawing/2014/main" id="{F148A0C9-AB50-22FC-41F6-4353659B0485}"/>
+              </a:ext>
+            </a:extLst>
+          </p:cNvPr>
+          <p:cNvSpPr txBox="1"/>
+          <p:nvPr/>
+        </p:nvSpPr>
+        <p:spPr>
+          <a:xfrm>
+            <a:off x="2536269" y="10879561"/>
+            <a:ext cx="1335314" cy="369332"/>
+          </a:xfrm>
+          <a:prstGeom prst="rect">
+            <a:avLst/>
+          </a:prstGeom>
+          <a:noFill/>
+        </p:spPr>
+        <p:txBody>
+          <a:bodyPr wrap="square" rtlCol="0">
+            <a:spAutoFit/>
+          </a:bodyPr>
+          <a:lstStyle/>
+          <a:p>
+            <a:pPr algn="ctr"/>
+            <a:r>
+              <a:rPr lang="en-US" dirty="0"/>
+              <a:t>Days Absent</a:t>
+            </a:r>
+          </a:p>
+        </p:txBody>
+      </p:sp>
+      <p:sp>
+        <p:nvSpPr>
+          <p:cNvPr id="52" name="TextBox 51">
+            <a:extLst>
+              <a:ext uri="{FF2B5EF4-FFF2-40B4-BE49-F238E27FC236}">
+                <a16:creationId xmlns:a16="http://schemas.microsoft.com/office/drawing/2014/main" id="{1AAA29D1-F0C6-3694-D87A-E19B53EFBA52}"/>
+              </a:ext>
+            </a:extLst>
+          </p:cNvPr>
+          <p:cNvSpPr txBox="1"/>
+          <p:nvPr/>
+        </p:nvSpPr>
+        <p:spPr>
+          <a:xfrm>
+            <a:off x="7264435" y="10933853"/>
+            <a:ext cx="2180034" cy="369332"/>
+          </a:xfrm>
+          <a:prstGeom prst="rect">
+            <a:avLst/>
+          </a:prstGeom>
+          <a:noFill/>
+        </p:spPr>
+        <p:txBody>
+          <a:bodyPr wrap="square" rtlCol="0">
+            <a:spAutoFit/>
+          </a:bodyPr>
+          <a:lstStyle/>
+          <a:p>
+            <a:pPr algn="ctr"/>
+            <a:r>
+              <a:rPr lang="en-US" dirty="0"/>
+              <a:t>Weekly Study Hours</a:t>
+            </a:r>
+          </a:p>
+        </p:txBody>
+      </p:sp>
+      <p:sp>
+        <p:nvSpPr>
+          <p:cNvPr id="53" name="TextBox 52">
+            <a:extLst>
+              <a:ext uri="{FF2B5EF4-FFF2-40B4-BE49-F238E27FC236}">
+                <a16:creationId xmlns:a16="http://schemas.microsoft.com/office/drawing/2014/main" id="{F8E6FC78-262D-FEF8-B9AE-FB86965F3CBE}"/>
+              </a:ext>
+            </a:extLst>
+          </p:cNvPr>
+          <p:cNvSpPr txBox="1"/>
+          <p:nvPr/>
+        </p:nvSpPr>
+        <p:spPr>
+          <a:xfrm>
+            <a:off x="1599477" y="14506550"/>
+            <a:ext cx="3329204" cy="369332"/>
+          </a:xfrm>
+          <a:prstGeom prst="rect">
+            <a:avLst/>
+          </a:prstGeom>
+          <a:noFill/>
+        </p:spPr>
+        <p:txBody>
+          <a:bodyPr wrap="square" rtlCol="0">
+            <a:spAutoFit/>
+          </a:bodyPr>
+          <a:lstStyle/>
+          <a:p>
+            <a:pPr algn="ctr"/>
+            <a:r>
+              <a:rPr lang="en-US" dirty="0"/>
+              <a:t>Extra Curricular Activities (0=No)</a:t>
+            </a:r>
+          </a:p>
+        </p:txBody>
+      </p:sp>
+      <p:sp>
+        <p:nvSpPr>
+          <p:cNvPr id="54" name="TextBox 53">
+            <a:extLst>
+              <a:ext uri="{FF2B5EF4-FFF2-40B4-BE49-F238E27FC236}">
+                <a16:creationId xmlns:a16="http://schemas.microsoft.com/office/drawing/2014/main" id="{EA6F6580-6AED-70E6-F01C-11DF8BE33EE7}"/>
+              </a:ext>
+            </a:extLst>
+          </p:cNvPr>
+          <p:cNvSpPr txBox="1"/>
+          <p:nvPr/>
+        </p:nvSpPr>
+        <p:spPr>
+          <a:xfrm>
+            <a:off x="6477743" y="14564556"/>
+            <a:ext cx="3850648" cy="369332"/>
+          </a:xfrm>
+          <a:prstGeom prst="rect">
+            <a:avLst/>
+          </a:prstGeom>
+          <a:noFill/>
+        </p:spPr>
+        <p:txBody>
+          <a:bodyPr wrap="square" rtlCol="0">
+            <a:spAutoFit/>
+          </a:bodyPr>
+          <a:lstStyle/>
+          <a:p>
+            <a:pPr algn="ctr"/>
+            <a:r>
+              <a:rPr lang="en-US" dirty="0"/>
+              <a:t>Part Time Job (0=No)</a:t>
+            </a:r>
+          </a:p>
+        </p:txBody>
+      </p:sp>
+      <p:sp>
+        <p:nvSpPr>
+          <p:cNvPr id="55" name="TextBox 54">
+            <a:extLst>
+              <a:ext uri="{FF2B5EF4-FFF2-40B4-BE49-F238E27FC236}">
+                <a16:creationId xmlns:a16="http://schemas.microsoft.com/office/drawing/2014/main" id="{74555809-2411-3B92-8E9D-C846A7C5F679}"/>
+              </a:ext>
+            </a:extLst>
+          </p:cNvPr>
+          <p:cNvSpPr txBox="1"/>
+          <p:nvPr/>
+        </p:nvSpPr>
+        <p:spPr>
+          <a:xfrm>
+            <a:off x="11579654" y="14573022"/>
+            <a:ext cx="3850648" cy="369332"/>
+          </a:xfrm>
+          <a:prstGeom prst="rect">
+            <a:avLst/>
+          </a:prstGeom>
+          <a:noFill/>
+        </p:spPr>
+        <p:txBody>
+          <a:bodyPr wrap="square" rtlCol="0">
+            <a:spAutoFit/>
+          </a:bodyPr>
+          <a:lstStyle/>
+          <a:p>
+            <a:pPr algn="ctr"/>
+            <a:r>
+              <a:rPr lang="en-US" dirty="0"/>
+              <a:t>Gender (0=Famale)</a:t>
+            </a:r>
+          </a:p>
+        </p:txBody>
+      </p:sp>
+      <p:sp>
+        <p:nvSpPr>
+          <p:cNvPr id="61" name="TextBox 60">
+            <a:extLst>
+              <a:ext uri="{FF2B5EF4-FFF2-40B4-BE49-F238E27FC236}">
+                <a16:creationId xmlns:a16="http://schemas.microsoft.com/office/drawing/2014/main" id="{5A7C41E7-1BEA-C06D-4FFA-81C70F1A0B93}"/>
+              </a:ext>
+            </a:extLst>
+          </p:cNvPr>
+          <p:cNvSpPr txBox="1"/>
+          <p:nvPr/>
+        </p:nvSpPr>
+        <p:spPr>
+          <a:xfrm>
+            <a:off x="12753083" y="10908787"/>
+            <a:ext cx="1503790" cy="369332"/>
+          </a:xfrm>
+          <a:prstGeom prst="rect">
+            <a:avLst/>
+          </a:prstGeom>
+          <a:noFill/>
+        </p:spPr>
+        <p:txBody>
+          <a:bodyPr wrap="square" rtlCol="0">
+            <a:spAutoFit/>
+          </a:bodyPr>
+          <a:lstStyle/>
+          <a:p>
+            <a:pPr algn="ctr"/>
+            <a:r>
+              <a:rPr lang="en-US" dirty="0"/>
+              <a:t>Physics Score</a:t>
+            </a:r>
+          </a:p>
+        </p:txBody>
+      </p:sp>
+      <p:cxnSp>
+        <p:nvCxnSpPr>
+          <p:cNvPr id="64" name="Straight Connector 63">
+            <a:extLst>
+              <a:ext uri="{FF2B5EF4-FFF2-40B4-BE49-F238E27FC236}">
+                <a16:creationId xmlns:a16="http://schemas.microsoft.com/office/drawing/2014/main" id="{F204099B-3DBF-FCDA-E032-E55CE4E825BB}"/>
+              </a:ext>
+            </a:extLst>
+          </p:cNvPr>
+          <p:cNvCxnSpPr>
+            <a:stCxn id="12" idx="1"/>
+            <a:endCxn id="12" idx="3"/>
+          </p:cNvCxnSpPr>
+          <p:nvPr/>
+        </p:nvCxnSpPr>
+        <p:spPr>
+          <a:xfrm>
+            <a:off x="373289" y="11212755"/>
+            <a:ext cx="15819120" cy="0"/>
+          </a:xfrm>
+          <a:prstGeom prst="line">
+            <a:avLst/>
+          </a:prstGeom>
+        </p:spPr>
+        <p:style>
+          <a:lnRef idx="1">
+            <a:schemeClr val="accent3"/>
+          </a:lnRef>
+          <a:fillRef idx="0">
+            <a:schemeClr val="accent3"/>
+          </a:fillRef>
+          <a:effectRef idx="0">
+            <a:schemeClr val="accent3"/>
+          </a:effectRef>
+          <a:fontRef idx="minor">
+            <a:schemeClr val="tx1"/>
+          </a:fontRef>
+        </p:style>
+      </p:cxnSp>
+      <p:cxnSp>
+        <p:nvCxnSpPr>
+          <p:cNvPr id="66" name="Straight Connector 65">
+            <a:extLst>
+              <a:ext uri="{FF2B5EF4-FFF2-40B4-BE49-F238E27FC236}">
+                <a16:creationId xmlns:a16="http://schemas.microsoft.com/office/drawing/2014/main" id="{096EAAF7-A008-2DBF-E3CE-E39398AA8F32}"/>
+              </a:ext>
+            </a:extLst>
+          </p:cNvPr>
+          <p:cNvCxnSpPr/>
+          <p:nvPr/>
+        </p:nvCxnSpPr>
+        <p:spPr>
+          <a:xfrm flipV="1">
+            <a:off x="5642745" y="7733776"/>
+            <a:ext cx="0" cy="7266235"/>
+          </a:xfrm>
+          <a:prstGeom prst="line">
+            <a:avLst/>
+          </a:prstGeom>
+        </p:spPr>
+        <p:style>
+          <a:lnRef idx="1">
+            <a:schemeClr val="accent3"/>
+          </a:lnRef>
+          <a:fillRef idx="0">
+            <a:schemeClr val="accent3"/>
+          </a:fillRef>
+          <a:effectRef idx="0">
+            <a:schemeClr val="accent3"/>
+          </a:effectRef>
+          <a:fontRef idx="minor">
+            <a:schemeClr val="tx1"/>
+          </a:fontRef>
+        </p:style>
+      </p:cxnSp>
+      <p:cxnSp>
+        <p:nvCxnSpPr>
+          <p:cNvPr id="67" name="Straight Connector 66">
+            <a:extLst>
+              <a:ext uri="{FF2B5EF4-FFF2-40B4-BE49-F238E27FC236}">
+                <a16:creationId xmlns:a16="http://schemas.microsoft.com/office/drawing/2014/main" id="{88563588-8C35-5D45-37A1-B008ED0809A8}"/>
+              </a:ext>
+            </a:extLst>
+          </p:cNvPr>
+          <p:cNvCxnSpPr/>
+          <p:nvPr/>
+        </p:nvCxnSpPr>
+        <p:spPr>
+          <a:xfrm flipV="1">
+            <a:off x="10745790" y="7676119"/>
+            <a:ext cx="0" cy="7266235"/>
+          </a:xfrm>
+          <a:prstGeom prst="line">
+            <a:avLst/>
+          </a:prstGeom>
+        </p:spPr>
+        <p:style>
+          <a:lnRef idx="1">
+            <a:schemeClr val="accent3"/>
+          </a:lnRef>
+          <a:fillRef idx="0">
+            <a:schemeClr val="accent3"/>
+          </a:fillRef>
+          <a:effectRef idx="0">
+            <a:schemeClr val="accent3"/>
+          </a:effectRef>
+          <a:fontRef idx="minor">
+            <a:schemeClr val="tx1"/>
+          </a:fontRef>
+        </p:style>
+      </p:cxnSp>
     </p:spTree>
     <p:extLst>
       <p:ext uri="{BB962C8B-B14F-4D97-AF65-F5344CB8AC3E}">

--- a/FinalProject.pptx
+++ b/FinalProject.pptx
@@ -5326,7 +5326,7 @@
         </p:nvSpPr>
         <p:spPr>
           <a:xfrm>
-            <a:off x="11101031" y="12525686"/>
+            <a:off x="11109598" y="12560505"/>
             <a:ext cx="246743" cy="1277538"/>
           </a:xfrm>
           <a:prstGeom prst="rect">
@@ -5362,7 +5362,7 @@
           <a:lstStyle/>
           <a:p>
             <a:pPr algn="ctr"/>
-            <a:endParaRPr lang="en-US"/>
+            <a:endParaRPr lang="en-US" dirty="0"/>
           </a:p>
         </p:txBody>
       </p:sp>
@@ -5790,8 +5790,8 @@
         </p:nvSpPr>
         <p:spPr>
           <a:xfrm rot="16200000">
-            <a:off x="162463" y="9212192"/>
-            <a:ext cx="1267515" cy="369332"/>
+            <a:off x="162463" y="9242969"/>
+            <a:ext cx="1267515" cy="307777"/>
           </a:xfrm>
           <a:prstGeom prst="rect">
             <a:avLst/>
@@ -5808,7 +5808,10 @@
           <a:lstStyle/>
           <a:p>
             <a:r>
-              <a:rPr lang="en-US" dirty="0"/>
+              <a:rPr lang="en-US" sz="1400" dirty="0">
+                <a:latin typeface="Times New Roman" panose="02020603050405020304" pitchFamily="18" charset="0"/>
+                <a:cs typeface="Times New Roman" panose="02020603050405020304" pitchFamily="18" charset="0"/>
+              </a:rPr>
               <a:t>Frequency</a:t>
             </a:r>
           </a:p>
@@ -5828,8 +5831,8 @@
         </p:nvSpPr>
         <p:spPr>
           <a:xfrm rot="16200000">
-            <a:off x="5145750" y="9202631"/>
-            <a:ext cx="1267515" cy="369332"/>
+            <a:off x="5145750" y="9233408"/>
+            <a:ext cx="1267515" cy="307777"/>
           </a:xfrm>
           <a:prstGeom prst="rect">
             <a:avLst/>
@@ -5846,7 +5849,10 @@
           <a:lstStyle/>
           <a:p>
             <a:r>
-              <a:rPr lang="en-US" dirty="0"/>
+              <a:rPr lang="en-US" sz="1400" dirty="0">
+                <a:latin typeface="Times New Roman" panose="02020603050405020304" pitchFamily="18" charset="0"/>
+                <a:cs typeface="Times New Roman" panose="02020603050405020304" pitchFamily="18" charset="0"/>
+              </a:rPr>
               <a:t>Frequency</a:t>
             </a:r>
           </a:p>
@@ -5866,8 +5872,8 @@
         </p:nvSpPr>
         <p:spPr>
           <a:xfrm rot="16200000">
-            <a:off x="10296699" y="9260686"/>
-            <a:ext cx="1267515" cy="369332"/>
+            <a:off x="10296699" y="9291463"/>
+            <a:ext cx="1267515" cy="307777"/>
           </a:xfrm>
           <a:prstGeom prst="rect">
             <a:avLst/>
@@ -5884,7 +5890,10 @@
           <a:lstStyle/>
           <a:p>
             <a:r>
-              <a:rPr lang="en-US" dirty="0"/>
+              <a:rPr lang="en-US" sz="1400" dirty="0">
+                <a:latin typeface="Times New Roman" panose="02020603050405020304" pitchFamily="18" charset="0"/>
+                <a:cs typeface="Times New Roman" panose="02020603050405020304" pitchFamily="18" charset="0"/>
+              </a:rPr>
               <a:t>Frequency</a:t>
             </a:r>
           </a:p>
@@ -5904,8 +5913,8 @@
         </p:nvSpPr>
         <p:spPr>
           <a:xfrm rot="16200000">
-            <a:off x="210367" y="12890881"/>
-            <a:ext cx="1267515" cy="369332"/>
+            <a:off x="210367" y="12921658"/>
+            <a:ext cx="1267515" cy="307777"/>
           </a:xfrm>
           <a:prstGeom prst="rect">
             <a:avLst/>
@@ -5922,7 +5931,10 @@
           <a:lstStyle/>
           <a:p>
             <a:r>
-              <a:rPr lang="en-US" dirty="0"/>
+              <a:rPr lang="en-US" sz="1400" dirty="0">
+                <a:latin typeface="Times New Roman" panose="02020603050405020304" pitchFamily="18" charset="0"/>
+                <a:cs typeface="Times New Roman" panose="02020603050405020304" pitchFamily="18" charset="0"/>
+              </a:rPr>
               <a:t>Frequency</a:t>
             </a:r>
           </a:p>
@@ -5942,8 +5954,8 @@
         </p:nvSpPr>
         <p:spPr>
           <a:xfrm rot="16200000">
-            <a:off x="5193654" y="12881320"/>
-            <a:ext cx="1267515" cy="369332"/>
+            <a:off x="5193654" y="12912097"/>
+            <a:ext cx="1267515" cy="307777"/>
           </a:xfrm>
           <a:prstGeom prst="rect">
             <a:avLst/>
@@ -5960,7 +5972,7 @@
           <a:lstStyle/>
           <a:p>
             <a:r>
-              <a:rPr lang="en-US" dirty="0"/>
+              <a:rPr lang="en-US" sz="1400" dirty="0"/>
               <a:t>Frequency</a:t>
             </a:r>
           </a:p>
@@ -5980,8 +5992,8 @@
         </p:nvSpPr>
         <p:spPr>
           <a:xfrm rot="16200000">
-            <a:off x="10344603" y="12939375"/>
-            <a:ext cx="1267515" cy="369332"/>
+            <a:off x="10344603" y="12970152"/>
+            <a:ext cx="1267515" cy="307777"/>
           </a:xfrm>
           <a:prstGeom prst="rect">
             <a:avLst/>
@@ -5998,7 +6010,7 @@
           <a:lstStyle/>
           <a:p>
             <a:r>
-              <a:rPr lang="en-US" dirty="0"/>
+              <a:rPr lang="en-US" sz="1400" dirty="0"/>
               <a:t>Frequency</a:t>
             </a:r>
           </a:p>
@@ -6050,8 +6062,8 @@
         </p:nvSpPr>
         <p:spPr>
           <a:xfrm>
-            <a:off x="2536269" y="10879561"/>
-            <a:ext cx="1335314" cy="369332"/>
+            <a:off x="2612917" y="10921547"/>
+            <a:ext cx="1335314" cy="307777"/>
           </a:xfrm>
           <a:prstGeom prst="rect">
             <a:avLst/>
@@ -6066,7 +6078,10 @@
           <a:p>
             <a:pPr algn="ctr"/>
             <a:r>
-              <a:rPr lang="en-US" dirty="0"/>
+              <a:rPr lang="en-US" sz="1400" dirty="0">
+                <a:latin typeface="Times New Roman" panose="02020603050405020304" pitchFamily="18" charset="0"/>
+                <a:cs typeface="Times New Roman" panose="02020603050405020304" pitchFamily="18" charset="0"/>
+              </a:rPr>
               <a:t>Days Absent</a:t>
             </a:r>
           </a:p>
@@ -6086,8 +6101,8 @@
         </p:nvSpPr>
         <p:spPr>
           <a:xfrm>
-            <a:off x="7264435" y="10933853"/>
-            <a:ext cx="2180034" cy="369332"/>
+            <a:off x="7341083" y="10938565"/>
+            <a:ext cx="2180034" cy="307777"/>
           </a:xfrm>
           <a:prstGeom prst="rect">
             <a:avLst/>
@@ -6102,7 +6117,10 @@
           <a:p>
             <a:pPr algn="ctr"/>
             <a:r>
-              <a:rPr lang="en-US" dirty="0"/>
+              <a:rPr lang="en-US" sz="1400" dirty="0">
+                <a:latin typeface="Times New Roman" panose="02020603050405020304" pitchFamily="18" charset="0"/>
+                <a:cs typeface="Times New Roman" panose="02020603050405020304" pitchFamily="18" charset="0"/>
+              </a:rPr>
               <a:t>Weekly Study Hours</a:t>
             </a:r>
           </a:p>
@@ -6123,7 +6141,7 @@
         <p:spPr>
           <a:xfrm>
             <a:off x="1599477" y="14506550"/>
-            <a:ext cx="3329204" cy="369332"/>
+            <a:ext cx="3329204" cy="307777"/>
           </a:xfrm>
           <a:prstGeom prst="rect">
             <a:avLst/>
@@ -6138,7 +6156,10 @@
           <a:p>
             <a:pPr algn="ctr"/>
             <a:r>
-              <a:rPr lang="en-US" dirty="0"/>
+              <a:rPr lang="en-US" sz="1400" dirty="0">
+                <a:latin typeface="Times New Roman" panose="02020603050405020304" pitchFamily="18" charset="0"/>
+                <a:cs typeface="Times New Roman" panose="02020603050405020304" pitchFamily="18" charset="0"/>
+              </a:rPr>
               <a:t>Extra Curricular Activities (0=No)</a:t>
             </a:r>
           </a:p>
@@ -6159,7 +6180,7 @@
         <p:spPr>
           <a:xfrm>
             <a:off x="6477743" y="14564556"/>
-            <a:ext cx="3850648" cy="369332"/>
+            <a:ext cx="3850648" cy="307777"/>
           </a:xfrm>
           <a:prstGeom prst="rect">
             <a:avLst/>
@@ -6174,7 +6195,10 @@
           <a:p>
             <a:pPr algn="ctr"/>
             <a:r>
-              <a:rPr lang="en-US" dirty="0"/>
+              <a:rPr lang="en-US" sz="1400" dirty="0">
+                <a:latin typeface="Times New Roman" panose="02020603050405020304" pitchFamily="18" charset="0"/>
+                <a:cs typeface="Times New Roman" panose="02020603050405020304" pitchFamily="18" charset="0"/>
+              </a:rPr>
               <a:t>Part Time Job (0=No)</a:t>
             </a:r>
           </a:p>
@@ -6195,7 +6219,7 @@
         <p:spPr>
           <a:xfrm>
             <a:off x="11579654" y="14573022"/>
-            <a:ext cx="3850648" cy="369332"/>
+            <a:ext cx="3850648" cy="307777"/>
           </a:xfrm>
           <a:prstGeom prst="rect">
             <a:avLst/>
@@ -6210,7 +6234,10 @@
           <a:p>
             <a:pPr algn="ctr"/>
             <a:r>
-              <a:rPr lang="en-US" dirty="0"/>
+              <a:rPr lang="en-US" sz="1400" dirty="0">
+                <a:latin typeface="Times New Roman" panose="02020603050405020304" pitchFamily="18" charset="0"/>
+                <a:cs typeface="Times New Roman" panose="02020603050405020304" pitchFamily="18" charset="0"/>
+              </a:rPr>
               <a:t>Gender (0=Famale)</a:t>
             </a:r>
           </a:p>
@@ -6230,8 +6257,8 @@
         </p:nvSpPr>
         <p:spPr>
           <a:xfrm>
-            <a:off x="12753083" y="10908787"/>
-            <a:ext cx="1503790" cy="369332"/>
+            <a:off x="12829731" y="10950773"/>
+            <a:ext cx="1503790" cy="307777"/>
           </a:xfrm>
           <a:prstGeom prst="rect">
             <a:avLst/>
@@ -6246,7 +6273,10 @@
           <a:p>
             <a:pPr algn="ctr"/>
             <a:r>
-              <a:rPr lang="en-US" dirty="0"/>
+              <a:rPr lang="en-US" sz="1400" dirty="0">
+                <a:latin typeface="Times New Roman" panose="02020603050405020304" pitchFamily="18" charset="0"/>
+                <a:cs typeface="Times New Roman" panose="02020603050405020304" pitchFamily="18" charset="0"/>
+              </a:rPr>
               <a:t>Physics Score</a:t>
             </a:r>
           </a:p>

--- a/FinalProject.pptx
+++ b/FinalProject.pptx
@@ -254,7 +254,7 @@
           <a:p>
             <a:fld id="{8B2A89D0-1805-4490-BCAB-9BF0585E218B}" type="datetimeFigureOut">
               <a:rPr lang="en-US" smtClean="0"/>
-              <a:t>5/7/2025</a:t>
+              <a:t>5/8/2025</a:t>
             </a:fld>
             <a:endParaRPr lang="en-US"/>
           </a:p>
@@ -424,7 +424,7 @@
           <a:p>
             <a:fld id="{8B2A89D0-1805-4490-BCAB-9BF0585E218B}" type="datetimeFigureOut">
               <a:rPr lang="en-US" smtClean="0"/>
-              <a:t>5/7/2025</a:t>
+              <a:t>5/8/2025</a:t>
             </a:fld>
             <a:endParaRPr lang="en-US"/>
           </a:p>
@@ -604,7 +604,7 @@
           <a:p>
             <a:fld id="{8B2A89D0-1805-4490-BCAB-9BF0585E218B}" type="datetimeFigureOut">
               <a:rPr lang="en-US" smtClean="0"/>
-              <a:t>5/7/2025</a:t>
+              <a:t>5/8/2025</a:t>
             </a:fld>
             <a:endParaRPr lang="en-US"/>
           </a:p>
@@ -774,7 +774,7 @@
           <a:p>
             <a:fld id="{8B2A89D0-1805-4490-BCAB-9BF0585E218B}" type="datetimeFigureOut">
               <a:rPr lang="en-US" smtClean="0"/>
-              <a:t>5/7/2025</a:t>
+              <a:t>5/8/2025</a:t>
             </a:fld>
             <a:endParaRPr lang="en-US"/>
           </a:p>
@@ -1018,7 +1018,7 @@
           <a:p>
             <a:fld id="{8B2A89D0-1805-4490-BCAB-9BF0585E218B}" type="datetimeFigureOut">
               <a:rPr lang="en-US" smtClean="0"/>
-              <a:t>5/7/2025</a:t>
+              <a:t>5/8/2025</a:t>
             </a:fld>
             <a:endParaRPr lang="en-US"/>
           </a:p>
@@ -1250,7 +1250,7 @@
           <a:p>
             <a:fld id="{8B2A89D0-1805-4490-BCAB-9BF0585E218B}" type="datetimeFigureOut">
               <a:rPr lang="en-US" smtClean="0"/>
-              <a:t>5/7/2025</a:t>
+              <a:t>5/8/2025</a:t>
             </a:fld>
             <a:endParaRPr lang="en-US"/>
           </a:p>
@@ -1617,7 +1617,7 @@
           <a:p>
             <a:fld id="{8B2A89D0-1805-4490-BCAB-9BF0585E218B}" type="datetimeFigureOut">
               <a:rPr lang="en-US" smtClean="0"/>
-              <a:t>5/7/2025</a:t>
+              <a:t>5/8/2025</a:t>
             </a:fld>
             <a:endParaRPr lang="en-US"/>
           </a:p>
@@ -1735,7 +1735,7 @@
           <a:p>
             <a:fld id="{8B2A89D0-1805-4490-BCAB-9BF0585E218B}" type="datetimeFigureOut">
               <a:rPr lang="en-US" smtClean="0"/>
-              <a:t>5/7/2025</a:t>
+              <a:t>5/8/2025</a:t>
             </a:fld>
             <a:endParaRPr lang="en-US"/>
           </a:p>
@@ -1830,7 +1830,7 @@
           <a:p>
             <a:fld id="{8B2A89D0-1805-4490-BCAB-9BF0585E218B}" type="datetimeFigureOut">
               <a:rPr lang="en-US" smtClean="0"/>
-              <a:t>5/7/2025</a:t>
+              <a:t>5/8/2025</a:t>
             </a:fld>
             <a:endParaRPr lang="en-US"/>
           </a:p>
@@ -2107,7 +2107,7 @@
           <a:p>
             <a:fld id="{8B2A89D0-1805-4490-BCAB-9BF0585E218B}" type="datetimeFigureOut">
               <a:rPr lang="en-US" smtClean="0"/>
-              <a:t>5/7/2025</a:t>
+              <a:t>5/8/2025</a:t>
             </a:fld>
             <a:endParaRPr lang="en-US"/>
           </a:p>
@@ -2364,7 +2364,7 @@
           <a:p>
             <a:fld id="{8B2A89D0-1805-4490-BCAB-9BF0585E218B}" type="datetimeFigureOut">
               <a:rPr lang="en-US" smtClean="0"/>
-              <a:t>5/7/2025</a:t>
+              <a:t>5/8/2025</a:t>
             </a:fld>
             <a:endParaRPr lang="en-US"/>
           </a:p>
@@ -2577,7 +2577,7 @@
           <a:p>
             <a:fld id="{8B2A89D0-1805-4490-BCAB-9BF0585E218B}" type="datetimeFigureOut">
               <a:rPr lang="en-US" smtClean="0"/>
-              <a:t>5/7/2025</a:t>
+              <a:t>5/8/2025</a:t>
             </a:fld>
             <a:endParaRPr lang="en-US"/>
           </a:p>
@@ -3262,16 +3262,10 @@
           <a:p>
             <a:pPr marL="346075"/>
             <a:r>
-              <a:rPr lang="en-US" sz="3600">
-                <a:latin typeface="Klavika Light" panose="020B0506040000020004" pitchFamily="34" charset="0"/>
-              </a:rPr>
-              <a:t>* Compute </a:t>
-            </a:r>
-            <a:r>
               <a:rPr lang="en-US" sz="3600" dirty="0">
                 <a:latin typeface="Klavika Light" panose="020B0506040000020004" pitchFamily="34" charset="0"/>
               </a:rPr>
-              <a:t>mean</a:t>
+              <a:t>* Compute mean</a:t>
             </a:r>
           </a:p>
           <a:p>
@@ -3493,178 +3487,6 @@
           </a:p>
           <a:p>
             <a:endParaRPr lang="en-US" sz="800" dirty="0"/>
-          </a:p>
-        </p:txBody>
-      </p:sp>
-      <p:sp>
-        <p:nvSpPr>
-          <p:cNvPr id="12" name="TextBox 11"/>
-          <p:cNvSpPr txBox="1"/>
-          <p:nvPr/>
-        </p:nvSpPr>
-        <p:spPr>
-          <a:xfrm>
-            <a:off x="328632" y="7233484"/>
-            <a:ext cx="15819120" cy="7540526"/>
-          </a:xfrm>
-          <a:prstGeom prst="rect">
-            <a:avLst/>
-          </a:prstGeom>
-          <a:noFill/>
-          <a:ln w="127000">
-            <a:solidFill>
-              <a:schemeClr val="tx2"/>
-            </a:solidFill>
-          </a:ln>
-        </p:spPr>
-        <p:txBody>
-          <a:bodyPr wrap="square" rtlCol="0">
-            <a:spAutoFit/>
-          </a:bodyPr>
-          <a:lstStyle/>
-          <a:p>
-            <a:pPr marL="342900"/>
-            <a:endParaRPr lang="en-US" sz="4400" b="0" i="0" dirty="0">
-              <a:solidFill>
-                <a:srgbClr val="000000"/>
-              </a:solidFill>
-              <a:effectLst/>
-              <a:latin typeface="Calibri" panose="020F0502020204030204" pitchFamily="34" charset="0"/>
-            </a:endParaRPr>
-          </a:p>
-          <a:p>
-            <a:pPr marL="342900"/>
-            <a:endParaRPr lang="en-US" sz="4400" dirty="0">
-              <a:solidFill>
-                <a:srgbClr val="000000"/>
-              </a:solidFill>
-              <a:latin typeface="Calibri" panose="020F0502020204030204" pitchFamily="34" charset="0"/>
-            </a:endParaRPr>
-          </a:p>
-          <a:p>
-            <a:pPr marL="342900"/>
-            <a:endParaRPr lang="en-US" sz="4400" dirty="0">
-              <a:solidFill>
-                <a:srgbClr val="000000"/>
-              </a:solidFill>
-              <a:latin typeface="Calibri" panose="020F0502020204030204" pitchFamily="34" charset="0"/>
-            </a:endParaRPr>
-          </a:p>
-          <a:p>
-            <a:pPr marL="342900"/>
-            <a:endParaRPr lang="en-US" sz="4400" b="0" i="0" dirty="0">
-              <a:solidFill>
-                <a:srgbClr val="000000"/>
-              </a:solidFill>
-              <a:effectLst/>
-              <a:latin typeface="Calibri" panose="020F0502020204030204" pitchFamily="34" charset="0"/>
-            </a:endParaRPr>
-          </a:p>
-          <a:p>
-            <a:pPr marL="342900"/>
-            <a:endParaRPr lang="en-US" sz="4400" dirty="0">
-              <a:solidFill>
-                <a:srgbClr val="000000"/>
-              </a:solidFill>
-              <a:latin typeface="Calibri" panose="020F0502020204030204" pitchFamily="34" charset="0"/>
-            </a:endParaRPr>
-          </a:p>
-          <a:p>
-            <a:pPr marL="342900"/>
-            <a:endParaRPr lang="en-US" sz="4400" dirty="0">
-              <a:solidFill>
-                <a:srgbClr val="000000"/>
-              </a:solidFill>
-              <a:latin typeface="Calibri" panose="020F0502020204030204" pitchFamily="34" charset="0"/>
-            </a:endParaRPr>
-          </a:p>
-          <a:p>
-            <a:pPr marL="342900"/>
-            <a:endParaRPr lang="en-US" sz="4400" b="0" i="0" dirty="0">
-              <a:solidFill>
-                <a:srgbClr val="000000"/>
-              </a:solidFill>
-              <a:effectLst/>
-              <a:latin typeface="Calibri" panose="020F0502020204030204" pitchFamily="34" charset="0"/>
-            </a:endParaRPr>
-          </a:p>
-          <a:p>
-            <a:pPr marL="342900"/>
-            <a:endParaRPr lang="en-US" sz="4400" dirty="0">
-              <a:solidFill>
-                <a:srgbClr val="000000"/>
-              </a:solidFill>
-              <a:latin typeface="Calibri" panose="020F0502020204030204" pitchFamily="34" charset="0"/>
-            </a:endParaRPr>
-          </a:p>
-          <a:p>
-            <a:pPr marL="342900"/>
-            <a:endParaRPr lang="en-US" sz="4400" b="0" i="0" dirty="0">
-              <a:solidFill>
-                <a:srgbClr val="000000"/>
-              </a:solidFill>
-              <a:effectLst/>
-              <a:latin typeface="Calibri" panose="020F0502020204030204" pitchFamily="34" charset="0"/>
-            </a:endParaRPr>
-          </a:p>
-          <a:p>
-            <a:pPr marL="342900"/>
-            <a:endParaRPr lang="en-US" sz="4400" dirty="0">
-              <a:solidFill>
-                <a:srgbClr val="000000"/>
-              </a:solidFill>
-              <a:latin typeface="Calibri" panose="020F0502020204030204" pitchFamily="34" charset="0"/>
-            </a:endParaRPr>
-          </a:p>
-          <a:p>
-            <a:pPr marL="342900"/>
-            <a:endParaRPr lang="en-US" sz="4400" b="0" i="0" dirty="0">
-              <a:solidFill>
-                <a:srgbClr val="000000"/>
-              </a:solidFill>
-              <a:effectLst/>
-              <a:latin typeface="Calibri" panose="020F0502020204030204" pitchFamily="34" charset="0"/>
-            </a:endParaRPr>
-          </a:p>
-        </p:txBody>
-      </p:sp>
-      <p:sp>
-        <p:nvSpPr>
-          <p:cNvPr id="11" name="TextBox 10"/>
-          <p:cNvSpPr txBox="1"/>
-          <p:nvPr/>
-        </p:nvSpPr>
-        <p:spPr>
-          <a:xfrm>
-            <a:off x="1397482" y="6641169"/>
-            <a:ext cx="13716000" cy="1092607"/>
-          </a:xfrm>
-          <a:prstGeom prst="rect">
-            <a:avLst/>
-          </a:prstGeom>
-          <a:solidFill>
-            <a:srgbClr val="B7CCEB"/>
-          </a:solidFill>
-          <a:ln>
-            <a:noFill/>
-          </a:ln>
-        </p:spPr>
-        <p:txBody>
-          <a:bodyPr wrap="square" rtlCol="0">
-            <a:spAutoFit/>
-          </a:bodyPr>
-          <a:lstStyle/>
-          <a:p>
-            <a:pPr marL="342900" algn="ctr"/>
-            <a:r>
-              <a:rPr lang="en-US" sz="6500" dirty="0">
-                <a:solidFill>
-                  <a:schemeClr val="bg1"/>
-                </a:solidFill>
-                <a:latin typeface="Klavika Light" panose="020B0506040000020004" pitchFamily="34" charset="0"/>
-              </a:rPr>
-              <a:t>Exploratory Data Analysis</a:t>
-            </a:r>
           </a:p>
         </p:txBody>
       </p:sp>
@@ -4614,10 +4436,10 @@
       </p:pic>
       <p:pic>
         <p:nvPicPr>
-          <p:cNvPr id="13" name="Picture 12">
+          <p:cNvPr id="22" name="Picture 21" descr="A math equations on a white background&#10;&#10;AI-generated content may be incorrect.">
             <a:extLst>
               <a:ext uri="{FF2B5EF4-FFF2-40B4-BE49-F238E27FC236}">
-                <a16:creationId xmlns:a16="http://schemas.microsoft.com/office/drawing/2014/main" id="{E4141EB8-7E05-918B-3BCC-192C5F6B091A}"/>
+                <a16:creationId xmlns:a16="http://schemas.microsoft.com/office/drawing/2014/main" id="{C89F8C18-9CB6-D343-4FD0-615576E4F793}"/>
               </a:ext>
             </a:extLst>
           </p:cNvPr>
@@ -4640,8 +4462,8 @@
         </p:blipFill>
         <p:spPr>
           <a:xfrm>
-            <a:off x="845515" y="8005850"/>
-            <a:ext cx="3657608" cy="2743206"/>
+            <a:off x="19700255" y="7894690"/>
+            <a:ext cx="9768084" cy="3863496"/>
           </a:xfrm>
           <a:prstGeom prst="rect">
             <a:avLst/>
@@ -4650,10 +4472,10 @@
       </p:pic>
       <p:pic>
         <p:nvPicPr>
-          <p:cNvPr id="18" name="Picture 17">
+          <p:cNvPr id="20" name="Picture 19">
             <a:extLst>
               <a:ext uri="{FF2B5EF4-FFF2-40B4-BE49-F238E27FC236}">
-                <a16:creationId xmlns:a16="http://schemas.microsoft.com/office/drawing/2014/main" id="{BED0372F-052B-17D7-9372-56396D209E14}"/>
+                <a16:creationId xmlns:a16="http://schemas.microsoft.com/office/drawing/2014/main" id="{F5E4F621-1464-20DD-FAC4-EE08D9B97B6E}"/>
               </a:ext>
             </a:extLst>
           </p:cNvPr>
@@ -4676,8 +4498,8 @@
         </p:blipFill>
         <p:spPr>
           <a:xfrm>
-            <a:off x="12062158" y="11736456"/>
-            <a:ext cx="3657608" cy="2743206"/>
+            <a:off x="643601" y="7503488"/>
+            <a:ext cx="5120651" cy="3779491"/>
           </a:xfrm>
           <a:prstGeom prst="rect">
             <a:avLst/>
@@ -4686,10 +4508,10 @@
       </p:pic>
       <p:pic>
         <p:nvPicPr>
-          <p:cNvPr id="21" name="Picture 20">
+          <p:cNvPr id="23" name="Picture 22">
             <a:extLst>
               <a:ext uri="{FF2B5EF4-FFF2-40B4-BE49-F238E27FC236}">
-                <a16:creationId xmlns:a16="http://schemas.microsoft.com/office/drawing/2014/main" id="{D4A8C1F9-80A2-C49D-72CC-A69CC9903401}"/>
+                <a16:creationId xmlns:a16="http://schemas.microsoft.com/office/drawing/2014/main" id="{9E6EEFEB-0711-92CF-C1B1-4B9F9FF9DC8A}"/>
               </a:ext>
             </a:extLst>
           </p:cNvPr>
@@ -4706,14 +4528,13 @@
               </a:ext>
             </a:extLst>
           </a:blip>
-          <a:stretch>
-            <a:fillRect/>
-          </a:stretch>
+          <a:srcRect/>
+          <a:stretch/>
         </p:blipFill>
         <p:spPr>
           <a:xfrm>
-            <a:off x="837569" y="11708281"/>
-            <a:ext cx="3657608" cy="2743206"/>
+            <a:off x="10985318" y="11132417"/>
+            <a:ext cx="5039321" cy="3779491"/>
           </a:xfrm>
           <a:prstGeom prst="rect">
             <a:avLst/>
@@ -4722,10 +4543,10 @@
       </p:pic>
       <p:pic>
         <p:nvPicPr>
-          <p:cNvPr id="25" name="Picture 24">
+          <p:cNvPr id="24" name="Picture 23">
             <a:extLst>
               <a:ext uri="{FF2B5EF4-FFF2-40B4-BE49-F238E27FC236}">
-                <a16:creationId xmlns:a16="http://schemas.microsoft.com/office/drawing/2014/main" id="{C989FA38-3F13-9DAA-4271-9C56CA7BE216}"/>
+                <a16:creationId xmlns:a16="http://schemas.microsoft.com/office/drawing/2014/main" id="{E1DD939C-79C6-3CC0-7071-BA13D7CFD4D3}"/>
               </a:ext>
             </a:extLst>
           </p:cNvPr>
@@ -4748,8 +4569,8 @@
         </p:blipFill>
         <p:spPr>
           <a:xfrm>
-            <a:off x="6527564" y="11751975"/>
-            <a:ext cx="3657608" cy="2743206"/>
+            <a:off x="643601" y="11121655"/>
+            <a:ext cx="5120651" cy="3779491"/>
           </a:xfrm>
           <a:prstGeom prst="rect">
             <a:avLst/>
@@ -4758,10 +4579,10 @@
       </p:pic>
       <p:pic>
         <p:nvPicPr>
-          <p:cNvPr id="28" name="Picture 27">
+          <p:cNvPr id="26" name="Picture 25">
             <a:extLst>
               <a:ext uri="{FF2B5EF4-FFF2-40B4-BE49-F238E27FC236}">
-                <a16:creationId xmlns:a16="http://schemas.microsoft.com/office/drawing/2014/main" id="{1A4358E2-2044-68DC-718F-2C00B07B7E67}"/>
+                <a16:creationId xmlns:a16="http://schemas.microsoft.com/office/drawing/2014/main" id="{2FA1D94D-55D1-A8CB-8EA7-BE8BA3FC0E2F}"/>
               </a:ext>
             </a:extLst>
           </p:cNvPr>
@@ -4784,8 +4605,8 @@
         </p:blipFill>
         <p:spPr>
           <a:xfrm>
-            <a:off x="12096258" y="8008645"/>
-            <a:ext cx="3657608" cy="2743206"/>
+            <a:off x="5794127" y="11138673"/>
+            <a:ext cx="5120651" cy="3779491"/>
           </a:xfrm>
           <a:prstGeom prst="rect">
             <a:avLst/>
@@ -4794,10 +4615,10 @@
       </p:pic>
       <p:pic>
         <p:nvPicPr>
-          <p:cNvPr id="31" name="Picture 30">
+          <p:cNvPr id="30" name="Picture 29">
             <a:extLst>
               <a:ext uri="{FF2B5EF4-FFF2-40B4-BE49-F238E27FC236}">
-                <a16:creationId xmlns:a16="http://schemas.microsoft.com/office/drawing/2014/main" id="{1F170871-8043-9637-39D6-5E905A0296D2}"/>
+                <a16:creationId xmlns:a16="http://schemas.microsoft.com/office/drawing/2014/main" id="{7601672F-6E67-6680-F3B0-2755C96EC125}"/>
               </a:ext>
             </a:extLst>
           </p:cNvPr>
@@ -4814,14 +4635,13 @@
               </a:ext>
             </a:extLst>
           </a:blip>
-          <a:stretch>
-            <a:fillRect/>
-          </a:stretch>
+          <a:srcRect/>
+          <a:stretch/>
         </p:blipFill>
         <p:spPr>
           <a:xfrm>
-            <a:off x="6527564" y="7975870"/>
-            <a:ext cx="3657608" cy="2743206"/>
+            <a:off x="10985319" y="7503488"/>
+            <a:ext cx="5039321" cy="3779491"/>
           </a:xfrm>
           <a:prstGeom prst="rect">
             <a:avLst/>
@@ -4830,82 +4650,10 @@
       </p:pic>
       <p:pic>
         <p:nvPicPr>
-          <p:cNvPr id="2" name="Picture 1">
+          <p:cNvPr id="33" name="Picture 32">
             <a:extLst>
               <a:ext uri="{FF2B5EF4-FFF2-40B4-BE49-F238E27FC236}">
-                <a16:creationId xmlns:a16="http://schemas.microsoft.com/office/drawing/2014/main" id="{420C09BE-CC66-4BB0-8EEB-49F41128AA76}"/>
-              </a:ext>
-            </a:extLst>
-          </p:cNvPr>
-          <p:cNvPicPr>
-            <a:picLocks noChangeAspect="1"/>
-          </p:cNvPicPr>
-          <p:nvPr/>
-        </p:nvPicPr>
-        <p:blipFill>
-          <a:blip r:embed="rId10">
-            <a:extLst>
-              <a:ext uri="{28A0092B-C50C-407E-A947-70E740481C1C}">
-                <a14:useLocalDpi xmlns:a14="http://schemas.microsoft.com/office/drawing/2010/main" val="0"/>
-              </a:ext>
-            </a:extLst>
-          </a:blip>
-          <a:stretch>
-            <a:fillRect/>
-          </a:stretch>
-        </p:blipFill>
-        <p:spPr>
-          <a:xfrm>
-            <a:off x="6402783" y="11755133"/>
-            <a:ext cx="3657608" cy="2743206"/>
-          </a:xfrm>
-          <a:prstGeom prst="rect">
-            <a:avLst/>
-          </a:prstGeom>
-        </p:spPr>
-      </p:pic>
-      <p:pic>
-        <p:nvPicPr>
-          <p:cNvPr id="16" name="Picture 15">
-            <a:extLst>
-              <a:ext uri="{FF2B5EF4-FFF2-40B4-BE49-F238E27FC236}">
-                <a16:creationId xmlns:a16="http://schemas.microsoft.com/office/drawing/2014/main" id="{DC4DFC96-7DE4-2243-EFBC-B3E0AD2C37D6}"/>
-              </a:ext>
-            </a:extLst>
-          </p:cNvPr>
-          <p:cNvPicPr>
-            <a:picLocks noChangeAspect="1"/>
-          </p:cNvPicPr>
-          <p:nvPr/>
-        </p:nvPicPr>
-        <p:blipFill>
-          <a:blip r:embed="rId12">
-            <a:extLst>
-              <a:ext uri="{28A0092B-C50C-407E-A947-70E740481C1C}">
-                <a14:useLocalDpi xmlns:a14="http://schemas.microsoft.com/office/drawing/2010/main" val="0"/>
-              </a:ext>
-            </a:extLst>
-          </a:blip>
-          <a:stretch>
-            <a:fillRect/>
-          </a:stretch>
-        </p:blipFill>
-        <p:spPr>
-          <a:xfrm>
-            <a:off x="6402783" y="8009008"/>
-            <a:ext cx="3657608" cy="2743206"/>
-          </a:xfrm>
-          <a:prstGeom prst="rect">
-            <a:avLst/>
-          </a:prstGeom>
-        </p:spPr>
-      </p:pic>
-      <p:pic>
-        <p:nvPicPr>
-          <p:cNvPr id="22" name="Picture 21" descr="A math equations on a white background&#10;&#10;AI-generated content may be incorrect.">
-            <a:extLst>
-              <a:ext uri="{FF2B5EF4-FFF2-40B4-BE49-F238E27FC236}">
-                <a16:creationId xmlns:a16="http://schemas.microsoft.com/office/drawing/2014/main" id="{C89F8C18-9CB6-D343-4FD0-615576E4F793}"/>
+                <a16:creationId xmlns:a16="http://schemas.microsoft.com/office/drawing/2014/main" id="{D6630B5D-4FF5-8D8A-6424-AC3E4DF6822F}"/>
               </a:ext>
             </a:extLst>
           </p:cNvPr>
@@ -4928,14 +4676,1555 @@
         </p:blipFill>
         <p:spPr>
           <a:xfrm>
-            <a:off x="19700255" y="7894690"/>
-            <a:ext cx="9768084" cy="3863496"/>
+            <a:off x="5794127" y="7518709"/>
+            <a:ext cx="5120651" cy="3779491"/>
           </a:xfrm>
           <a:prstGeom prst="rect">
             <a:avLst/>
           </a:prstGeom>
         </p:spPr>
       </p:pic>
+      <p:sp>
+        <p:nvSpPr>
+          <p:cNvPr id="35" name="Rectangle 34">
+            <a:extLst>
+              <a:ext uri="{FF2B5EF4-FFF2-40B4-BE49-F238E27FC236}">
+                <a16:creationId xmlns:a16="http://schemas.microsoft.com/office/drawing/2014/main" id="{7C410A34-143A-89EA-2FA5-553BFBF8B9C5}"/>
+              </a:ext>
+            </a:extLst>
+          </p:cNvPr>
+          <p:cNvSpPr/>
+          <p:nvPr/>
+        </p:nvSpPr>
+        <p:spPr>
+          <a:xfrm>
+            <a:off x="596725" y="8855290"/>
+            <a:ext cx="246743" cy="1277538"/>
+          </a:xfrm>
+          <a:prstGeom prst="rect">
+            <a:avLst/>
+          </a:prstGeom>
+          <a:solidFill>
+            <a:schemeClr val="bg1"/>
+          </a:solidFill>
+          <a:ln>
+            <a:solidFill>
+              <a:schemeClr val="bg1"/>
+            </a:solidFill>
+          </a:ln>
+        </p:spPr>
+        <p:style>
+          <a:lnRef idx="2">
+            <a:schemeClr val="accent1">
+              <a:shade val="15000"/>
+            </a:schemeClr>
+          </a:lnRef>
+          <a:fillRef idx="1">
+            <a:schemeClr val="accent1"/>
+          </a:fillRef>
+          <a:effectRef idx="0">
+            <a:schemeClr val="accent1"/>
+          </a:effectRef>
+          <a:fontRef idx="minor">
+            <a:schemeClr val="lt1"/>
+          </a:fontRef>
+        </p:style>
+        <p:txBody>
+          <a:bodyPr rtlCol="0" anchor="ctr"/>
+          <a:lstStyle/>
+          <a:p>
+            <a:pPr algn="ctr"/>
+            <a:endParaRPr lang="en-US" dirty="0"/>
+          </a:p>
+        </p:txBody>
+      </p:sp>
+      <p:sp>
+        <p:nvSpPr>
+          <p:cNvPr id="36" name="Rectangle 35">
+            <a:extLst>
+              <a:ext uri="{FF2B5EF4-FFF2-40B4-BE49-F238E27FC236}">
+                <a16:creationId xmlns:a16="http://schemas.microsoft.com/office/drawing/2014/main" id="{6BA4B012-514C-9F09-5795-CBD6ADEDA73F}"/>
+              </a:ext>
+            </a:extLst>
+          </p:cNvPr>
+          <p:cNvSpPr/>
+          <p:nvPr/>
+        </p:nvSpPr>
+        <p:spPr>
+          <a:xfrm>
+            <a:off x="754742" y="12587121"/>
+            <a:ext cx="246743" cy="1277538"/>
+          </a:xfrm>
+          <a:prstGeom prst="rect">
+            <a:avLst/>
+          </a:prstGeom>
+          <a:solidFill>
+            <a:schemeClr val="bg1"/>
+          </a:solidFill>
+          <a:ln>
+            <a:solidFill>
+              <a:schemeClr val="bg1"/>
+            </a:solidFill>
+          </a:ln>
+        </p:spPr>
+        <p:style>
+          <a:lnRef idx="2">
+            <a:schemeClr val="accent1">
+              <a:shade val="15000"/>
+            </a:schemeClr>
+          </a:lnRef>
+          <a:fillRef idx="1">
+            <a:schemeClr val="accent1"/>
+          </a:fillRef>
+          <a:effectRef idx="0">
+            <a:schemeClr val="accent1"/>
+          </a:effectRef>
+          <a:fontRef idx="minor">
+            <a:schemeClr val="lt1"/>
+          </a:fontRef>
+        </p:style>
+        <p:txBody>
+          <a:bodyPr rtlCol="0" anchor="ctr"/>
+          <a:lstStyle/>
+          <a:p>
+            <a:pPr algn="ctr"/>
+            <a:endParaRPr lang="en-US"/>
+          </a:p>
+        </p:txBody>
+      </p:sp>
+      <p:sp>
+        <p:nvSpPr>
+          <p:cNvPr id="37" name="Rectangle 36">
+            <a:extLst>
+              <a:ext uri="{FF2B5EF4-FFF2-40B4-BE49-F238E27FC236}">
+                <a16:creationId xmlns:a16="http://schemas.microsoft.com/office/drawing/2014/main" id="{4F482D79-BE6D-CF5D-F683-F758804F5F04}"/>
+              </a:ext>
+            </a:extLst>
+          </p:cNvPr>
+          <p:cNvSpPr/>
+          <p:nvPr/>
+        </p:nvSpPr>
+        <p:spPr>
+          <a:xfrm>
+            <a:off x="5964173" y="8803601"/>
+            <a:ext cx="246743" cy="1277538"/>
+          </a:xfrm>
+          <a:prstGeom prst="rect">
+            <a:avLst/>
+          </a:prstGeom>
+          <a:solidFill>
+            <a:schemeClr val="bg1"/>
+          </a:solidFill>
+          <a:ln>
+            <a:solidFill>
+              <a:schemeClr val="bg1"/>
+            </a:solidFill>
+          </a:ln>
+        </p:spPr>
+        <p:style>
+          <a:lnRef idx="2">
+            <a:schemeClr val="accent1">
+              <a:shade val="15000"/>
+            </a:schemeClr>
+          </a:lnRef>
+          <a:fillRef idx="1">
+            <a:schemeClr val="accent1"/>
+          </a:fillRef>
+          <a:effectRef idx="0">
+            <a:schemeClr val="accent1"/>
+          </a:effectRef>
+          <a:fontRef idx="minor">
+            <a:schemeClr val="lt1"/>
+          </a:fontRef>
+        </p:style>
+        <p:txBody>
+          <a:bodyPr rtlCol="0" anchor="ctr"/>
+          <a:lstStyle/>
+          <a:p>
+            <a:pPr algn="ctr"/>
+            <a:endParaRPr lang="en-US"/>
+          </a:p>
+        </p:txBody>
+      </p:sp>
+      <p:sp>
+        <p:nvSpPr>
+          <p:cNvPr id="38" name="Rectangle 37">
+            <a:extLst>
+              <a:ext uri="{FF2B5EF4-FFF2-40B4-BE49-F238E27FC236}">
+                <a16:creationId xmlns:a16="http://schemas.microsoft.com/office/drawing/2014/main" id="{AD04E588-B053-FB2E-8848-207A6ADC65DA}"/>
+              </a:ext>
+            </a:extLst>
+          </p:cNvPr>
+          <p:cNvSpPr/>
+          <p:nvPr/>
+        </p:nvSpPr>
+        <p:spPr>
+          <a:xfrm>
+            <a:off x="5911192" y="12623036"/>
+            <a:ext cx="246743" cy="1277538"/>
+          </a:xfrm>
+          <a:prstGeom prst="rect">
+            <a:avLst/>
+          </a:prstGeom>
+          <a:solidFill>
+            <a:schemeClr val="bg1"/>
+          </a:solidFill>
+          <a:ln>
+            <a:solidFill>
+              <a:schemeClr val="bg1"/>
+            </a:solidFill>
+          </a:ln>
+        </p:spPr>
+        <p:style>
+          <a:lnRef idx="2">
+            <a:schemeClr val="accent1">
+              <a:shade val="15000"/>
+            </a:schemeClr>
+          </a:lnRef>
+          <a:fillRef idx="1">
+            <a:schemeClr val="accent1"/>
+          </a:fillRef>
+          <a:effectRef idx="0">
+            <a:schemeClr val="accent1"/>
+          </a:effectRef>
+          <a:fontRef idx="minor">
+            <a:schemeClr val="lt1"/>
+          </a:fontRef>
+        </p:style>
+        <p:txBody>
+          <a:bodyPr rtlCol="0" anchor="ctr"/>
+          <a:lstStyle/>
+          <a:p>
+            <a:pPr algn="ctr"/>
+            <a:endParaRPr lang="en-US"/>
+          </a:p>
+        </p:txBody>
+      </p:sp>
+      <p:sp>
+        <p:nvSpPr>
+          <p:cNvPr id="39" name="Rectangle 38">
+            <a:extLst>
+              <a:ext uri="{FF2B5EF4-FFF2-40B4-BE49-F238E27FC236}">
+                <a16:creationId xmlns:a16="http://schemas.microsoft.com/office/drawing/2014/main" id="{7A96FE38-1601-2E5D-14A1-716260D17AE9}"/>
+              </a:ext>
+            </a:extLst>
+          </p:cNvPr>
+          <p:cNvSpPr/>
+          <p:nvPr/>
+        </p:nvSpPr>
+        <p:spPr>
+          <a:xfrm>
+            <a:off x="11130060" y="9061866"/>
+            <a:ext cx="246743" cy="1277538"/>
+          </a:xfrm>
+          <a:prstGeom prst="rect">
+            <a:avLst/>
+          </a:prstGeom>
+          <a:solidFill>
+            <a:schemeClr val="bg1"/>
+          </a:solidFill>
+          <a:ln>
+            <a:solidFill>
+              <a:schemeClr val="bg1"/>
+            </a:solidFill>
+          </a:ln>
+        </p:spPr>
+        <p:style>
+          <a:lnRef idx="2">
+            <a:schemeClr val="accent1">
+              <a:shade val="15000"/>
+            </a:schemeClr>
+          </a:lnRef>
+          <a:fillRef idx="1">
+            <a:schemeClr val="accent1"/>
+          </a:fillRef>
+          <a:effectRef idx="0">
+            <a:schemeClr val="accent1"/>
+          </a:effectRef>
+          <a:fontRef idx="minor">
+            <a:schemeClr val="lt1"/>
+          </a:fontRef>
+        </p:style>
+        <p:txBody>
+          <a:bodyPr rtlCol="0" anchor="ctr"/>
+          <a:lstStyle/>
+          <a:p>
+            <a:pPr algn="ctr"/>
+            <a:endParaRPr lang="en-US"/>
+          </a:p>
+        </p:txBody>
+      </p:sp>
+      <p:sp>
+        <p:nvSpPr>
+          <p:cNvPr id="40" name="Rectangle 39">
+            <a:extLst>
+              <a:ext uri="{FF2B5EF4-FFF2-40B4-BE49-F238E27FC236}">
+                <a16:creationId xmlns:a16="http://schemas.microsoft.com/office/drawing/2014/main" id="{559B0845-41C2-6A7C-6234-AF9EDD7D7B60}"/>
+              </a:ext>
+            </a:extLst>
+          </p:cNvPr>
+          <p:cNvSpPr/>
+          <p:nvPr/>
+        </p:nvSpPr>
+        <p:spPr>
+          <a:xfrm>
+            <a:off x="11109598" y="12560505"/>
+            <a:ext cx="246743" cy="1277538"/>
+          </a:xfrm>
+          <a:prstGeom prst="rect">
+            <a:avLst/>
+          </a:prstGeom>
+          <a:solidFill>
+            <a:schemeClr val="bg1"/>
+          </a:solidFill>
+          <a:ln>
+            <a:solidFill>
+              <a:schemeClr val="bg1"/>
+            </a:solidFill>
+          </a:ln>
+        </p:spPr>
+        <p:style>
+          <a:lnRef idx="2">
+            <a:schemeClr val="accent1">
+              <a:shade val="15000"/>
+            </a:schemeClr>
+          </a:lnRef>
+          <a:fillRef idx="1">
+            <a:schemeClr val="accent1"/>
+          </a:fillRef>
+          <a:effectRef idx="0">
+            <a:schemeClr val="accent1"/>
+          </a:effectRef>
+          <a:fontRef idx="minor">
+            <a:schemeClr val="lt1"/>
+          </a:fontRef>
+        </p:style>
+        <p:txBody>
+          <a:bodyPr rtlCol="0" anchor="ctr"/>
+          <a:lstStyle/>
+          <a:p>
+            <a:pPr algn="ctr"/>
+            <a:endParaRPr lang="en-US" dirty="0"/>
+          </a:p>
+        </p:txBody>
+      </p:sp>
+      <p:sp>
+        <p:nvSpPr>
+          <p:cNvPr id="41" name="Rectangle 40">
+            <a:extLst>
+              <a:ext uri="{FF2B5EF4-FFF2-40B4-BE49-F238E27FC236}">
+                <a16:creationId xmlns:a16="http://schemas.microsoft.com/office/drawing/2014/main" id="{7AA1B19F-618A-184B-5E41-10FB9FCEA393}"/>
+              </a:ext>
+            </a:extLst>
+          </p:cNvPr>
+          <p:cNvSpPr/>
+          <p:nvPr/>
+        </p:nvSpPr>
+        <p:spPr>
+          <a:xfrm>
+            <a:off x="811159" y="8734765"/>
+            <a:ext cx="246743" cy="1277538"/>
+          </a:xfrm>
+          <a:prstGeom prst="rect">
+            <a:avLst/>
+          </a:prstGeom>
+          <a:solidFill>
+            <a:schemeClr val="bg1"/>
+          </a:solidFill>
+          <a:ln>
+            <a:solidFill>
+              <a:schemeClr val="bg1"/>
+            </a:solidFill>
+          </a:ln>
+        </p:spPr>
+        <p:style>
+          <a:lnRef idx="2">
+            <a:schemeClr val="accent1">
+              <a:shade val="15000"/>
+            </a:schemeClr>
+          </a:lnRef>
+          <a:fillRef idx="1">
+            <a:schemeClr val="accent1"/>
+          </a:fillRef>
+          <a:effectRef idx="0">
+            <a:schemeClr val="accent1"/>
+          </a:effectRef>
+          <a:fontRef idx="minor">
+            <a:schemeClr val="lt1"/>
+          </a:fontRef>
+        </p:style>
+        <p:txBody>
+          <a:bodyPr rtlCol="0" anchor="ctr"/>
+          <a:lstStyle/>
+          <a:p>
+            <a:pPr algn="ctr"/>
+            <a:endParaRPr lang="en-US" dirty="0"/>
+          </a:p>
+        </p:txBody>
+      </p:sp>
+      <p:sp>
+        <p:nvSpPr>
+          <p:cNvPr id="42" name="TextBox 41">
+            <a:extLst>
+              <a:ext uri="{FF2B5EF4-FFF2-40B4-BE49-F238E27FC236}">
+                <a16:creationId xmlns:a16="http://schemas.microsoft.com/office/drawing/2014/main" id="{50C7FBD5-3425-BEF5-E905-78A59CAC76C1}"/>
+              </a:ext>
+            </a:extLst>
+          </p:cNvPr>
+          <p:cNvSpPr txBox="1"/>
+          <p:nvPr/>
+        </p:nvSpPr>
+        <p:spPr>
+          <a:xfrm>
+            <a:off x="2220686" y="7518709"/>
+            <a:ext cx="2086787" cy="488219"/>
+          </a:xfrm>
+          <a:prstGeom prst="rect">
+            <a:avLst/>
+          </a:prstGeom>
+          <a:noFill/>
+        </p:spPr>
+        <p:txBody>
+          <a:bodyPr wrap="square" rtlCol="0">
+            <a:spAutoFit/>
+          </a:bodyPr>
+          <a:lstStyle/>
+          <a:p>
+            <a:endParaRPr lang="en-US" dirty="0"/>
+          </a:p>
+        </p:txBody>
+      </p:sp>
+      <p:sp>
+        <p:nvSpPr>
+          <p:cNvPr id="43" name="Rectangle 42">
+            <a:extLst>
+              <a:ext uri="{FF2B5EF4-FFF2-40B4-BE49-F238E27FC236}">
+                <a16:creationId xmlns:a16="http://schemas.microsoft.com/office/drawing/2014/main" id="{EFD94EB9-20AF-B6A8-27B2-BE4CECE78F6E}"/>
+              </a:ext>
+            </a:extLst>
+          </p:cNvPr>
+          <p:cNvSpPr/>
+          <p:nvPr/>
+        </p:nvSpPr>
+        <p:spPr>
+          <a:xfrm>
+            <a:off x="2756867" y="11027332"/>
+            <a:ext cx="1132114" cy="188646"/>
+          </a:xfrm>
+          <a:prstGeom prst="rect">
+            <a:avLst/>
+          </a:prstGeom>
+          <a:solidFill>
+            <a:schemeClr val="bg1"/>
+          </a:solidFill>
+          <a:ln>
+            <a:solidFill>
+              <a:schemeClr val="bg1"/>
+            </a:solidFill>
+          </a:ln>
+        </p:spPr>
+        <p:style>
+          <a:lnRef idx="2">
+            <a:schemeClr val="accent1">
+              <a:shade val="15000"/>
+            </a:schemeClr>
+          </a:lnRef>
+          <a:fillRef idx="1">
+            <a:schemeClr val="accent1"/>
+          </a:fillRef>
+          <a:effectRef idx="0">
+            <a:schemeClr val="accent1"/>
+          </a:effectRef>
+          <a:fontRef idx="minor">
+            <a:schemeClr val="lt1"/>
+          </a:fontRef>
+        </p:style>
+        <p:txBody>
+          <a:bodyPr rtlCol="0" anchor="ctr"/>
+          <a:lstStyle/>
+          <a:p>
+            <a:pPr algn="ctr"/>
+            <a:endParaRPr lang="en-US" dirty="0"/>
+          </a:p>
+        </p:txBody>
+      </p:sp>
+      <p:sp>
+        <p:nvSpPr>
+          <p:cNvPr id="44" name="Rectangle 43">
+            <a:extLst>
+              <a:ext uri="{FF2B5EF4-FFF2-40B4-BE49-F238E27FC236}">
+                <a16:creationId xmlns:a16="http://schemas.microsoft.com/office/drawing/2014/main" id="{E631640C-F1FC-2F90-9D3C-D50DA0935161}"/>
+              </a:ext>
+            </a:extLst>
+          </p:cNvPr>
+          <p:cNvSpPr/>
+          <p:nvPr/>
+        </p:nvSpPr>
+        <p:spPr>
+          <a:xfrm>
+            <a:off x="2595812" y="14664070"/>
+            <a:ext cx="1132114" cy="188646"/>
+          </a:xfrm>
+          <a:prstGeom prst="rect">
+            <a:avLst/>
+          </a:prstGeom>
+          <a:solidFill>
+            <a:schemeClr val="bg1"/>
+          </a:solidFill>
+          <a:ln>
+            <a:solidFill>
+              <a:schemeClr val="bg1"/>
+            </a:solidFill>
+          </a:ln>
+        </p:spPr>
+        <p:style>
+          <a:lnRef idx="2">
+            <a:schemeClr val="accent1">
+              <a:shade val="15000"/>
+            </a:schemeClr>
+          </a:lnRef>
+          <a:fillRef idx="1">
+            <a:schemeClr val="accent1"/>
+          </a:fillRef>
+          <a:effectRef idx="0">
+            <a:schemeClr val="accent1"/>
+          </a:effectRef>
+          <a:fontRef idx="minor">
+            <a:schemeClr val="lt1"/>
+          </a:fontRef>
+        </p:style>
+        <p:txBody>
+          <a:bodyPr rtlCol="0" anchor="ctr"/>
+          <a:lstStyle/>
+          <a:p>
+            <a:pPr algn="ctr"/>
+            <a:endParaRPr lang="en-US"/>
+          </a:p>
+        </p:txBody>
+      </p:sp>
+      <p:sp>
+        <p:nvSpPr>
+          <p:cNvPr id="45" name="Rectangle 44">
+            <a:extLst>
+              <a:ext uri="{FF2B5EF4-FFF2-40B4-BE49-F238E27FC236}">
+                <a16:creationId xmlns:a16="http://schemas.microsoft.com/office/drawing/2014/main" id="{9185ED76-CDEB-B1D2-BE14-2571954D2F14}"/>
+              </a:ext>
+            </a:extLst>
+          </p:cNvPr>
+          <p:cNvSpPr/>
+          <p:nvPr/>
+        </p:nvSpPr>
+        <p:spPr>
+          <a:xfrm>
+            <a:off x="7837010" y="14676535"/>
+            <a:ext cx="1132114" cy="188646"/>
+          </a:xfrm>
+          <a:prstGeom prst="rect">
+            <a:avLst/>
+          </a:prstGeom>
+          <a:solidFill>
+            <a:schemeClr val="bg1"/>
+          </a:solidFill>
+          <a:ln>
+            <a:solidFill>
+              <a:schemeClr val="bg1"/>
+            </a:solidFill>
+          </a:ln>
+        </p:spPr>
+        <p:style>
+          <a:lnRef idx="2">
+            <a:schemeClr val="accent1">
+              <a:shade val="15000"/>
+            </a:schemeClr>
+          </a:lnRef>
+          <a:fillRef idx="1">
+            <a:schemeClr val="accent1"/>
+          </a:fillRef>
+          <a:effectRef idx="0">
+            <a:schemeClr val="accent1"/>
+          </a:effectRef>
+          <a:fontRef idx="minor">
+            <a:schemeClr val="lt1"/>
+          </a:fontRef>
+        </p:style>
+        <p:txBody>
+          <a:bodyPr rtlCol="0" anchor="ctr"/>
+          <a:lstStyle/>
+          <a:p>
+            <a:pPr algn="ctr"/>
+            <a:endParaRPr lang="en-US"/>
+          </a:p>
+        </p:txBody>
+      </p:sp>
+      <p:sp>
+        <p:nvSpPr>
+          <p:cNvPr id="46" name="Rectangle 45">
+            <a:extLst>
+              <a:ext uri="{FF2B5EF4-FFF2-40B4-BE49-F238E27FC236}">
+                <a16:creationId xmlns:a16="http://schemas.microsoft.com/office/drawing/2014/main" id="{C7F32CD1-3A10-0328-363C-55A661AFB304}"/>
+              </a:ext>
+            </a:extLst>
+          </p:cNvPr>
+          <p:cNvSpPr/>
+          <p:nvPr/>
+        </p:nvSpPr>
+        <p:spPr>
+          <a:xfrm>
+            <a:off x="7788395" y="11035565"/>
+            <a:ext cx="1132114" cy="188646"/>
+          </a:xfrm>
+          <a:prstGeom prst="rect">
+            <a:avLst/>
+          </a:prstGeom>
+          <a:solidFill>
+            <a:schemeClr val="bg1"/>
+          </a:solidFill>
+          <a:ln>
+            <a:solidFill>
+              <a:schemeClr val="bg1"/>
+            </a:solidFill>
+          </a:ln>
+        </p:spPr>
+        <p:style>
+          <a:lnRef idx="2">
+            <a:schemeClr val="accent1">
+              <a:shade val="15000"/>
+            </a:schemeClr>
+          </a:lnRef>
+          <a:fillRef idx="1">
+            <a:schemeClr val="accent1"/>
+          </a:fillRef>
+          <a:effectRef idx="0">
+            <a:schemeClr val="accent1"/>
+          </a:effectRef>
+          <a:fontRef idx="minor">
+            <a:schemeClr val="lt1"/>
+          </a:fontRef>
+        </p:style>
+        <p:txBody>
+          <a:bodyPr rtlCol="0" anchor="ctr"/>
+          <a:lstStyle/>
+          <a:p>
+            <a:pPr algn="ctr"/>
+            <a:endParaRPr lang="en-US"/>
+          </a:p>
+        </p:txBody>
+      </p:sp>
+      <p:sp>
+        <p:nvSpPr>
+          <p:cNvPr id="47" name="Rectangle 46">
+            <a:extLst>
+              <a:ext uri="{FF2B5EF4-FFF2-40B4-BE49-F238E27FC236}">
+                <a16:creationId xmlns:a16="http://schemas.microsoft.com/office/drawing/2014/main" id="{11A1A393-EF52-4F9C-E149-5ACA780CCF51}"/>
+              </a:ext>
+            </a:extLst>
+          </p:cNvPr>
+          <p:cNvSpPr/>
+          <p:nvPr/>
+        </p:nvSpPr>
+        <p:spPr>
+          <a:xfrm>
+            <a:off x="12786637" y="11035565"/>
+            <a:ext cx="1132114" cy="188646"/>
+          </a:xfrm>
+          <a:prstGeom prst="rect">
+            <a:avLst/>
+          </a:prstGeom>
+          <a:solidFill>
+            <a:schemeClr val="bg1"/>
+          </a:solidFill>
+          <a:ln>
+            <a:solidFill>
+              <a:schemeClr val="bg1"/>
+            </a:solidFill>
+          </a:ln>
+        </p:spPr>
+        <p:style>
+          <a:lnRef idx="2">
+            <a:schemeClr val="accent1">
+              <a:shade val="15000"/>
+            </a:schemeClr>
+          </a:lnRef>
+          <a:fillRef idx="1">
+            <a:schemeClr val="accent1"/>
+          </a:fillRef>
+          <a:effectRef idx="0">
+            <a:schemeClr val="accent1"/>
+          </a:effectRef>
+          <a:fontRef idx="minor">
+            <a:schemeClr val="lt1"/>
+          </a:fontRef>
+        </p:style>
+        <p:txBody>
+          <a:bodyPr rtlCol="0" anchor="ctr"/>
+          <a:lstStyle/>
+          <a:p>
+            <a:pPr algn="ctr"/>
+            <a:endParaRPr lang="en-US"/>
+          </a:p>
+        </p:txBody>
+      </p:sp>
+      <p:sp>
+        <p:nvSpPr>
+          <p:cNvPr id="48" name="Rectangle 47">
+            <a:extLst>
+              <a:ext uri="{FF2B5EF4-FFF2-40B4-BE49-F238E27FC236}">
+                <a16:creationId xmlns:a16="http://schemas.microsoft.com/office/drawing/2014/main" id="{82D97CAE-06F3-420F-36A2-6A777E24BCDC}"/>
+              </a:ext>
+            </a:extLst>
+          </p:cNvPr>
+          <p:cNvSpPr/>
+          <p:nvPr/>
+        </p:nvSpPr>
+        <p:spPr>
+          <a:xfrm>
+            <a:off x="12829731" y="14622852"/>
+            <a:ext cx="1132114" cy="188646"/>
+          </a:xfrm>
+          <a:prstGeom prst="rect">
+            <a:avLst/>
+          </a:prstGeom>
+          <a:solidFill>
+            <a:schemeClr val="bg1"/>
+          </a:solidFill>
+          <a:ln>
+            <a:solidFill>
+              <a:schemeClr val="bg1"/>
+            </a:solidFill>
+          </a:ln>
+        </p:spPr>
+        <p:style>
+          <a:lnRef idx="2">
+            <a:schemeClr val="accent1">
+              <a:shade val="15000"/>
+            </a:schemeClr>
+          </a:lnRef>
+          <a:fillRef idx="1">
+            <a:schemeClr val="accent1"/>
+          </a:fillRef>
+          <a:effectRef idx="0">
+            <a:schemeClr val="accent1"/>
+          </a:effectRef>
+          <a:fontRef idx="minor">
+            <a:schemeClr val="lt1"/>
+          </a:fontRef>
+        </p:style>
+        <p:txBody>
+          <a:bodyPr rtlCol="0" anchor="ctr"/>
+          <a:lstStyle/>
+          <a:p>
+            <a:pPr algn="ctr"/>
+            <a:endParaRPr lang="en-US"/>
+          </a:p>
+        </p:txBody>
+      </p:sp>
+      <p:sp>
+        <p:nvSpPr>
+          <p:cNvPr id="50" name="TextBox 49">
+            <a:extLst>
+              <a:ext uri="{FF2B5EF4-FFF2-40B4-BE49-F238E27FC236}">
+                <a16:creationId xmlns:a16="http://schemas.microsoft.com/office/drawing/2014/main" id="{C1BFF12E-8BAF-0F96-3ACD-26FDEE8A631D}"/>
+              </a:ext>
+            </a:extLst>
+          </p:cNvPr>
+          <p:cNvSpPr txBox="1"/>
+          <p:nvPr/>
+        </p:nvSpPr>
+        <p:spPr>
+          <a:xfrm rot="16200000">
+            <a:off x="162463" y="9242969"/>
+            <a:ext cx="1267515" cy="307777"/>
+          </a:xfrm>
+          <a:prstGeom prst="rect">
+            <a:avLst/>
+          </a:prstGeom>
+          <a:noFill/>
+          <a:ln>
+            <a:noFill/>
+          </a:ln>
+        </p:spPr>
+        <p:txBody>
+          <a:bodyPr wrap="square" rtlCol="0">
+            <a:spAutoFit/>
+          </a:bodyPr>
+          <a:lstStyle/>
+          <a:p>
+            <a:r>
+              <a:rPr lang="en-US" sz="1400" dirty="0">
+                <a:latin typeface="Times New Roman" panose="02020603050405020304" pitchFamily="18" charset="0"/>
+                <a:cs typeface="Times New Roman" panose="02020603050405020304" pitchFamily="18" charset="0"/>
+              </a:rPr>
+              <a:t>Frequency</a:t>
+            </a:r>
+          </a:p>
+        </p:txBody>
+      </p:sp>
+      <p:sp>
+        <p:nvSpPr>
+          <p:cNvPr id="51" name="TextBox 50">
+            <a:extLst>
+              <a:ext uri="{FF2B5EF4-FFF2-40B4-BE49-F238E27FC236}">
+                <a16:creationId xmlns:a16="http://schemas.microsoft.com/office/drawing/2014/main" id="{6ABCBBB3-1843-7790-0BF1-5FB063E86AB6}"/>
+              </a:ext>
+            </a:extLst>
+          </p:cNvPr>
+          <p:cNvSpPr txBox="1"/>
+          <p:nvPr/>
+        </p:nvSpPr>
+        <p:spPr>
+          <a:xfrm rot="16200000">
+            <a:off x="5145750" y="9233408"/>
+            <a:ext cx="1267515" cy="307777"/>
+          </a:xfrm>
+          <a:prstGeom prst="rect">
+            <a:avLst/>
+          </a:prstGeom>
+          <a:noFill/>
+          <a:ln>
+            <a:noFill/>
+          </a:ln>
+        </p:spPr>
+        <p:txBody>
+          <a:bodyPr wrap="square" rtlCol="0">
+            <a:spAutoFit/>
+          </a:bodyPr>
+          <a:lstStyle/>
+          <a:p>
+            <a:r>
+              <a:rPr lang="en-US" sz="1400" dirty="0">
+                <a:latin typeface="Times New Roman" panose="02020603050405020304" pitchFamily="18" charset="0"/>
+                <a:cs typeface="Times New Roman" panose="02020603050405020304" pitchFamily="18" charset="0"/>
+              </a:rPr>
+              <a:t>Frequency</a:t>
+            </a:r>
+          </a:p>
+        </p:txBody>
+      </p:sp>
+      <p:sp>
+        <p:nvSpPr>
+          <p:cNvPr id="52" name="TextBox 51">
+            <a:extLst>
+              <a:ext uri="{FF2B5EF4-FFF2-40B4-BE49-F238E27FC236}">
+                <a16:creationId xmlns:a16="http://schemas.microsoft.com/office/drawing/2014/main" id="{44FCE142-1064-39F1-38D4-CEDA3E5E3EB0}"/>
+              </a:ext>
+            </a:extLst>
+          </p:cNvPr>
+          <p:cNvSpPr txBox="1"/>
+          <p:nvPr/>
+        </p:nvSpPr>
+        <p:spPr>
+          <a:xfrm rot="16200000">
+            <a:off x="10296699" y="9291463"/>
+            <a:ext cx="1267515" cy="307777"/>
+          </a:xfrm>
+          <a:prstGeom prst="rect">
+            <a:avLst/>
+          </a:prstGeom>
+          <a:noFill/>
+          <a:ln>
+            <a:noFill/>
+          </a:ln>
+        </p:spPr>
+        <p:txBody>
+          <a:bodyPr wrap="square" rtlCol="0">
+            <a:spAutoFit/>
+          </a:bodyPr>
+          <a:lstStyle/>
+          <a:p>
+            <a:r>
+              <a:rPr lang="en-US" sz="1400" dirty="0">
+                <a:latin typeface="Times New Roman" panose="02020603050405020304" pitchFamily="18" charset="0"/>
+                <a:cs typeface="Times New Roman" panose="02020603050405020304" pitchFamily="18" charset="0"/>
+              </a:rPr>
+              <a:t>Frequency</a:t>
+            </a:r>
+          </a:p>
+        </p:txBody>
+      </p:sp>
+      <p:sp>
+        <p:nvSpPr>
+          <p:cNvPr id="53" name="TextBox 52">
+            <a:extLst>
+              <a:ext uri="{FF2B5EF4-FFF2-40B4-BE49-F238E27FC236}">
+                <a16:creationId xmlns:a16="http://schemas.microsoft.com/office/drawing/2014/main" id="{2690E0FE-A311-B8C2-F688-DF776DB11FE0}"/>
+              </a:ext>
+            </a:extLst>
+          </p:cNvPr>
+          <p:cNvSpPr txBox="1"/>
+          <p:nvPr/>
+        </p:nvSpPr>
+        <p:spPr>
+          <a:xfrm rot="16200000">
+            <a:off x="210367" y="12921658"/>
+            <a:ext cx="1267515" cy="307777"/>
+          </a:xfrm>
+          <a:prstGeom prst="rect">
+            <a:avLst/>
+          </a:prstGeom>
+          <a:noFill/>
+          <a:ln>
+            <a:noFill/>
+          </a:ln>
+        </p:spPr>
+        <p:txBody>
+          <a:bodyPr wrap="square" rtlCol="0">
+            <a:spAutoFit/>
+          </a:bodyPr>
+          <a:lstStyle/>
+          <a:p>
+            <a:r>
+              <a:rPr lang="en-US" sz="1400" dirty="0">
+                <a:latin typeface="Times New Roman" panose="02020603050405020304" pitchFamily="18" charset="0"/>
+                <a:cs typeface="Times New Roman" panose="02020603050405020304" pitchFamily="18" charset="0"/>
+              </a:rPr>
+              <a:t>Frequency</a:t>
+            </a:r>
+          </a:p>
+        </p:txBody>
+      </p:sp>
+      <p:sp>
+        <p:nvSpPr>
+          <p:cNvPr id="54" name="TextBox 53">
+            <a:extLst>
+              <a:ext uri="{FF2B5EF4-FFF2-40B4-BE49-F238E27FC236}">
+                <a16:creationId xmlns:a16="http://schemas.microsoft.com/office/drawing/2014/main" id="{1DD281E0-DC5D-E891-E5A5-5EACB4F59FEE}"/>
+              </a:ext>
+            </a:extLst>
+          </p:cNvPr>
+          <p:cNvSpPr txBox="1"/>
+          <p:nvPr/>
+        </p:nvSpPr>
+        <p:spPr>
+          <a:xfrm rot="16200000">
+            <a:off x="5193654" y="12912097"/>
+            <a:ext cx="1267515" cy="307777"/>
+          </a:xfrm>
+          <a:prstGeom prst="rect">
+            <a:avLst/>
+          </a:prstGeom>
+          <a:noFill/>
+          <a:ln>
+            <a:noFill/>
+          </a:ln>
+        </p:spPr>
+        <p:txBody>
+          <a:bodyPr wrap="square" rtlCol="0">
+            <a:spAutoFit/>
+          </a:bodyPr>
+          <a:lstStyle/>
+          <a:p>
+            <a:r>
+              <a:rPr lang="en-US" sz="1400" dirty="0"/>
+              <a:t>Frequency</a:t>
+            </a:r>
+          </a:p>
+        </p:txBody>
+      </p:sp>
+      <p:sp>
+        <p:nvSpPr>
+          <p:cNvPr id="55" name="TextBox 54">
+            <a:extLst>
+              <a:ext uri="{FF2B5EF4-FFF2-40B4-BE49-F238E27FC236}">
+                <a16:creationId xmlns:a16="http://schemas.microsoft.com/office/drawing/2014/main" id="{403670E4-77AC-061E-F648-C239C188FE52}"/>
+              </a:ext>
+            </a:extLst>
+          </p:cNvPr>
+          <p:cNvSpPr txBox="1"/>
+          <p:nvPr/>
+        </p:nvSpPr>
+        <p:spPr>
+          <a:xfrm rot="16200000">
+            <a:off x="10344603" y="12970152"/>
+            <a:ext cx="1267515" cy="307777"/>
+          </a:xfrm>
+          <a:prstGeom prst="rect">
+            <a:avLst/>
+          </a:prstGeom>
+          <a:noFill/>
+          <a:ln>
+            <a:noFill/>
+          </a:ln>
+        </p:spPr>
+        <p:txBody>
+          <a:bodyPr wrap="square" rtlCol="0">
+            <a:spAutoFit/>
+          </a:bodyPr>
+          <a:lstStyle/>
+          <a:p>
+            <a:r>
+              <a:rPr lang="en-US" sz="1400" dirty="0"/>
+              <a:t>Frequency</a:t>
+            </a:r>
+          </a:p>
+        </p:txBody>
+      </p:sp>
+      <p:sp>
+        <p:nvSpPr>
+          <p:cNvPr id="60" name="TextBox 59">
+            <a:extLst>
+              <a:ext uri="{FF2B5EF4-FFF2-40B4-BE49-F238E27FC236}">
+                <a16:creationId xmlns:a16="http://schemas.microsoft.com/office/drawing/2014/main" id="{E07D5AD3-177C-6A87-C30A-A88EA6EC5C3B}"/>
+              </a:ext>
+            </a:extLst>
+          </p:cNvPr>
+          <p:cNvSpPr txBox="1"/>
+          <p:nvPr/>
+        </p:nvSpPr>
+        <p:spPr>
+          <a:xfrm>
+            <a:off x="754742" y="11298200"/>
+            <a:ext cx="184731" cy="369332"/>
+          </a:xfrm>
+          <a:prstGeom prst="rect">
+            <a:avLst/>
+          </a:prstGeom>
+          <a:noFill/>
+        </p:spPr>
+        <p:txBody>
+          <a:bodyPr wrap="none" rtlCol="0">
+            <a:spAutoFit/>
+          </a:bodyPr>
+          <a:lstStyle/>
+          <a:p>
+            <a:endParaRPr lang="en-US" dirty="0"/>
+          </a:p>
+        </p:txBody>
+      </p:sp>
+      <p:sp>
+        <p:nvSpPr>
+          <p:cNvPr id="61" name="TextBox 60">
+            <a:extLst>
+              <a:ext uri="{FF2B5EF4-FFF2-40B4-BE49-F238E27FC236}">
+                <a16:creationId xmlns:a16="http://schemas.microsoft.com/office/drawing/2014/main" id="{FFBCAF9C-CD80-EB96-BA5C-DCEA15FD3B6A}"/>
+              </a:ext>
+            </a:extLst>
+          </p:cNvPr>
+          <p:cNvSpPr txBox="1"/>
+          <p:nvPr/>
+        </p:nvSpPr>
+        <p:spPr>
+          <a:xfrm>
+            <a:off x="2612917" y="10921547"/>
+            <a:ext cx="1335314" cy="307777"/>
+          </a:xfrm>
+          <a:prstGeom prst="rect">
+            <a:avLst/>
+          </a:prstGeom>
+          <a:noFill/>
+        </p:spPr>
+        <p:txBody>
+          <a:bodyPr wrap="square" rtlCol="0">
+            <a:spAutoFit/>
+          </a:bodyPr>
+          <a:lstStyle/>
+          <a:p>
+            <a:pPr algn="ctr"/>
+            <a:r>
+              <a:rPr lang="en-US" sz="1400" dirty="0">
+                <a:latin typeface="Times New Roman" panose="02020603050405020304" pitchFamily="18" charset="0"/>
+                <a:cs typeface="Times New Roman" panose="02020603050405020304" pitchFamily="18" charset="0"/>
+              </a:rPr>
+              <a:t>Days Absent</a:t>
+            </a:r>
+          </a:p>
+        </p:txBody>
+      </p:sp>
+      <p:sp>
+        <p:nvSpPr>
+          <p:cNvPr id="63" name="TextBox 62">
+            <a:extLst>
+              <a:ext uri="{FF2B5EF4-FFF2-40B4-BE49-F238E27FC236}">
+                <a16:creationId xmlns:a16="http://schemas.microsoft.com/office/drawing/2014/main" id="{9EF09920-F27A-A4B1-A7BB-E5086345784F}"/>
+              </a:ext>
+            </a:extLst>
+          </p:cNvPr>
+          <p:cNvSpPr txBox="1"/>
+          <p:nvPr/>
+        </p:nvSpPr>
+        <p:spPr>
+          <a:xfrm>
+            <a:off x="7341083" y="10938565"/>
+            <a:ext cx="2180034" cy="307777"/>
+          </a:xfrm>
+          <a:prstGeom prst="rect">
+            <a:avLst/>
+          </a:prstGeom>
+          <a:noFill/>
+        </p:spPr>
+        <p:txBody>
+          <a:bodyPr wrap="square" rtlCol="0">
+            <a:spAutoFit/>
+          </a:bodyPr>
+          <a:lstStyle/>
+          <a:p>
+            <a:pPr algn="ctr"/>
+            <a:r>
+              <a:rPr lang="en-US" sz="1400" dirty="0">
+                <a:latin typeface="Times New Roman" panose="02020603050405020304" pitchFamily="18" charset="0"/>
+                <a:cs typeface="Times New Roman" panose="02020603050405020304" pitchFamily="18" charset="0"/>
+              </a:rPr>
+              <a:t>Weekly Study Hours</a:t>
+            </a:r>
+          </a:p>
+        </p:txBody>
+      </p:sp>
+      <p:sp>
+        <p:nvSpPr>
+          <p:cNvPr id="64" name="TextBox 63">
+            <a:extLst>
+              <a:ext uri="{FF2B5EF4-FFF2-40B4-BE49-F238E27FC236}">
+                <a16:creationId xmlns:a16="http://schemas.microsoft.com/office/drawing/2014/main" id="{BC8DAF1A-4328-AD0B-CE90-B84E738AF5D1}"/>
+              </a:ext>
+            </a:extLst>
+          </p:cNvPr>
+          <p:cNvSpPr txBox="1"/>
+          <p:nvPr/>
+        </p:nvSpPr>
+        <p:spPr>
+          <a:xfrm>
+            <a:off x="1599477" y="14506550"/>
+            <a:ext cx="3329204" cy="307777"/>
+          </a:xfrm>
+          <a:prstGeom prst="rect">
+            <a:avLst/>
+          </a:prstGeom>
+          <a:noFill/>
+        </p:spPr>
+        <p:txBody>
+          <a:bodyPr wrap="square" rtlCol="0">
+            <a:spAutoFit/>
+          </a:bodyPr>
+          <a:lstStyle/>
+          <a:p>
+            <a:pPr algn="ctr"/>
+            <a:r>
+              <a:rPr lang="en-US" sz="1400" dirty="0">
+                <a:latin typeface="Times New Roman" panose="02020603050405020304" pitchFamily="18" charset="0"/>
+                <a:cs typeface="Times New Roman" panose="02020603050405020304" pitchFamily="18" charset="0"/>
+              </a:rPr>
+              <a:t>Extra Curricular Activities (0=No)</a:t>
+            </a:r>
+          </a:p>
+        </p:txBody>
+      </p:sp>
+      <p:sp>
+        <p:nvSpPr>
+          <p:cNvPr id="65" name="TextBox 64">
+            <a:extLst>
+              <a:ext uri="{FF2B5EF4-FFF2-40B4-BE49-F238E27FC236}">
+                <a16:creationId xmlns:a16="http://schemas.microsoft.com/office/drawing/2014/main" id="{921658A3-6CF3-5F27-06B9-AE4B5A15B834}"/>
+              </a:ext>
+            </a:extLst>
+          </p:cNvPr>
+          <p:cNvSpPr txBox="1"/>
+          <p:nvPr/>
+        </p:nvSpPr>
+        <p:spPr>
+          <a:xfrm>
+            <a:off x="6477743" y="14564556"/>
+            <a:ext cx="3850648" cy="307777"/>
+          </a:xfrm>
+          <a:prstGeom prst="rect">
+            <a:avLst/>
+          </a:prstGeom>
+          <a:noFill/>
+        </p:spPr>
+        <p:txBody>
+          <a:bodyPr wrap="square" rtlCol="0">
+            <a:spAutoFit/>
+          </a:bodyPr>
+          <a:lstStyle/>
+          <a:p>
+            <a:pPr algn="ctr"/>
+            <a:r>
+              <a:rPr lang="en-US" sz="1400" dirty="0">
+                <a:latin typeface="Times New Roman" panose="02020603050405020304" pitchFamily="18" charset="0"/>
+                <a:cs typeface="Times New Roman" panose="02020603050405020304" pitchFamily="18" charset="0"/>
+              </a:rPr>
+              <a:t>Part Time Job (0=No)</a:t>
+            </a:r>
+          </a:p>
+        </p:txBody>
+      </p:sp>
+      <p:sp>
+        <p:nvSpPr>
+          <p:cNvPr id="66" name="TextBox 65">
+            <a:extLst>
+              <a:ext uri="{FF2B5EF4-FFF2-40B4-BE49-F238E27FC236}">
+                <a16:creationId xmlns:a16="http://schemas.microsoft.com/office/drawing/2014/main" id="{E8A1EB50-677A-9C35-ADD2-BF18C5CE319F}"/>
+              </a:ext>
+            </a:extLst>
+          </p:cNvPr>
+          <p:cNvSpPr txBox="1"/>
+          <p:nvPr/>
+        </p:nvSpPr>
+        <p:spPr>
+          <a:xfrm>
+            <a:off x="11579654" y="14573022"/>
+            <a:ext cx="3850648" cy="307777"/>
+          </a:xfrm>
+          <a:prstGeom prst="rect">
+            <a:avLst/>
+          </a:prstGeom>
+          <a:noFill/>
+        </p:spPr>
+        <p:txBody>
+          <a:bodyPr wrap="square" rtlCol="0">
+            <a:spAutoFit/>
+          </a:bodyPr>
+          <a:lstStyle/>
+          <a:p>
+            <a:pPr algn="ctr"/>
+            <a:r>
+              <a:rPr lang="en-US" sz="1400" dirty="0">
+                <a:latin typeface="Times New Roman" panose="02020603050405020304" pitchFamily="18" charset="0"/>
+                <a:cs typeface="Times New Roman" panose="02020603050405020304" pitchFamily="18" charset="0"/>
+              </a:rPr>
+              <a:t>Gender (0=Famale)</a:t>
+            </a:r>
+          </a:p>
+        </p:txBody>
+      </p:sp>
+      <p:sp>
+        <p:nvSpPr>
+          <p:cNvPr id="67" name="TextBox 66">
+            <a:extLst>
+              <a:ext uri="{FF2B5EF4-FFF2-40B4-BE49-F238E27FC236}">
+                <a16:creationId xmlns:a16="http://schemas.microsoft.com/office/drawing/2014/main" id="{EE89E70D-4CBC-45E8-2E40-3548E95641AF}"/>
+              </a:ext>
+            </a:extLst>
+          </p:cNvPr>
+          <p:cNvSpPr txBox="1"/>
+          <p:nvPr/>
+        </p:nvSpPr>
+        <p:spPr>
+          <a:xfrm>
+            <a:off x="12829731" y="10950773"/>
+            <a:ext cx="1503790" cy="307777"/>
+          </a:xfrm>
+          <a:prstGeom prst="rect">
+            <a:avLst/>
+          </a:prstGeom>
+          <a:noFill/>
+        </p:spPr>
+        <p:txBody>
+          <a:bodyPr wrap="square" rtlCol="0">
+            <a:spAutoFit/>
+          </a:bodyPr>
+          <a:lstStyle/>
+          <a:p>
+            <a:pPr algn="ctr"/>
+            <a:r>
+              <a:rPr lang="en-US" sz="1400" dirty="0">
+                <a:latin typeface="Times New Roman" panose="02020603050405020304" pitchFamily="18" charset="0"/>
+                <a:cs typeface="Times New Roman" panose="02020603050405020304" pitchFamily="18" charset="0"/>
+              </a:rPr>
+              <a:t>Physics Score</a:t>
+            </a:r>
+          </a:p>
+        </p:txBody>
+      </p:sp>
+      <p:cxnSp>
+        <p:nvCxnSpPr>
+          <p:cNvPr id="68" name="Straight Connector 67">
+            <a:extLst>
+              <a:ext uri="{FF2B5EF4-FFF2-40B4-BE49-F238E27FC236}">
+                <a16:creationId xmlns:a16="http://schemas.microsoft.com/office/drawing/2014/main" id="{6862A0F7-57F4-CBC3-22C9-2CC94F27C959}"/>
+              </a:ext>
+            </a:extLst>
+          </p:cNvPr>
+          <p:cNvCxnSpPr>
+            <a:cxnSpLocks/>
+            <a:stCxn id="34" idx="1"/>
+            <a:endCxn id="34" idx="3"/>
+          </p:cNvCxnSpPr>
+          <p:nvPr/>
+        </p:nvCxnSpPr>
+        <p:spPr>
+          <a:xfrm>
+            <a:off x="373289" y="11031250"/>
+            <a:ext cx="15819120" cy="0"/>
+          </a:xfrm>
+          <a:prstGeom prst="line">
+            <a:avLst/>
+          </a:prstGeom>
+        </p:spPr>
+        <p:style>
+          <a:lnRef idx="1">
+            <a:schemeClr val="accent3"/>
+          </a:lnRef>
+          <a:fillRef idx="0">
+            <a:schemeClr val="accent3"/>
+          </a:fillRef>
+          <a:effectRef idx="0">
+            <a:schemeClr val="accent3"/>
+          </a:effectRef>
+          <a:fontRef idx="minor">
+            <a:schemeClr val="tx1"/>
+          </a:fontRef>
+        </p:style>
+      </p:cxnSp>
+      <p:cxnSp>
+        <p:nvCxnSpPr>
+          <p:cNvPr id="69" name="Straight Connector 68">
+            <a:extLst>
+              <a:ext uri="{FF2B5EF4-FFF2-40B4-BE49-F238E27FC236}">
+                <a16:creationId xmlns:a16="http://schemas.microsoft.com/office/drawing/2014/main" id="{9BB27E27-88CD-85B9-19E7-0B6C59134149}"/>
+              </a:ext>
+            </a:extLst>
+          </p:cNvPr>
+          <p:cNvCxnSpPr>
+            <a:cxnSpLocks/>
+          </p:cNvCxnSpPr>
+          <p:nvPr/>
+        </p:nvCxnSpPr>
+        <p:spPr>
+          <a:xfrm flipV="1">
+            <a:off x="5642745" y="7733776"/>
+            <a:ext cx="0" cy="7138557"/>
+          </a:xfrm>
+          <a:prstGeom prst="line">
+            <a:avLst/>
+          </a:prstGeom>
+        </p:spPr>
+        <p:style>
+          <a:lnRef idx="1">
+            <a:schemeClr val="accent3"/>
+          </a:lnRef>
+          <a:fillRef idx="0">
+            <a:schemeClr val="accent3"/>
+          </a:fillRef>
+          <a:effectRef idx="0">
+            <a:schemeClr val="accent3"/>
+          </a:effectRef>
+          <a:fontRef idx="minor">
+            <a:schemeClr val="tx1"/>
+          </a:fontRef>
+        </p:style>
+      </p:cxnSp>
+      <p:cxnSp>
+        <p:nvCxnSpPr>
+          <p:cNvPr id="70" name="Straight Connector 69">
+            <a:extLst>
+              <a:ext uri="{FF2B5EF4-FFF2-40B4-BE49-F238E27FC236}">
+                <a16:creationId xmlns:a16="http://schemas.microsoft.com/office/drawing/2014/main" id="{7E5CFA20-E34D-F1D1-177D-A14D2FC8482B}"/>
+              </a:ext>
+            </a:extLst>
+          </p:cNvPr>
+          <p:cNvCxnSpPr/>
+          <p:nvPr/>
+        </p:nvCxnSpPr>
+        <p:spPr>
+          <a:xfrm flipV="1">
+            <a:off x="10745790" y="7676119"/>
+            <a:ext cx="0" cy="7266235"/>
+          </a:xfrm>
+          <a:prstGeom prst="line">
+            <a:avLst/>
+          </a:prstGeom>
+        </p:spPr>
+        <p:style>
+          <a:lnRef idx="1">
+            <a:schemeClr val="accent3"/>
+          </a:lnRef>
+          <a:fillRef idx="0">
+            <a:schemeClr val="accent3"/>
+          </a:fillRef>
+          <a:effectRef idx="0">
+            <a:schemeClr val="accent3"/>
+          </a:effectRef>
+          <a:fontRef idx="minor">
+            <a:schemeClr val="tx1"/>
+          </a:fontRef>
+        </p:style>
+      </p:cxnSp>
+      <p:sp>
+        <p:nvSpPr>
+          <p:cNvPr id="34" name="TextBox 33">
+            <a:extLst>
+              <a:ext uri="{FF2B5EF4-FFF2-40B4-BE49-F238E27FC236}">
+                <a16:creationId xmlns:a16="http://schemas.microsoft.com/office/drawing/2014/main" id="{ED637FB7-A303-04B5-7680-07200F5A9F8D}"/>
+              </a:ext>
+            </a:extLst>
+          </p:cNvPr>
+          <p:cNvSpPr txBox="1"/>
+          <p:nvPr/>
+        </p:nvSpPr>
+        <p:spPr>
+          <a:xfrm>
+            <a:off x="373289" y="7168654"/>
+            <a:ext cx="15819120" cy="7725192"/>
+          </a:xfrm>
+          <a:prstGeom prst="rect">
+            <a:avLst/>
+          </a:prstGeom>
+          <a:noFill/>
+          <a:ln w="127000">
+            <a:solidFill>
+              <a:schemeClr val="tx2"/>
+            </a:solidFill>
+          </a:ln>
+        </p:spPr>
+        <p:txBody>
+          <a:bodyPr wrap="square" rtlCol="0">
+            <a:spAutoFit/>
+          </a:bodyPr>
+          <a:lstStyle/>
+          <a:p>
+            <a:pPr marL="342900"/>
+            <a:endParaRPr lang="en-US" sz="4400" b="0" i="0" dirty="0">
+              <a:solidFill>
+                <a:srgbClr val="000000"/>
+              </a:solidFill>
+              <a:effectLst/>
+              <a:latin typeface="Calibri" panose="020F0502020204030204" pitchFamily="34" charset="0"/>
+            </a:endParaRPr>
+          </a:p>
+          <a:p>
+            <a:pPr marL="342900"/>
+            <a:endParaRPr lang="en-US" sz="4400" dirty="0">
+              <a:solidFill>
+                <a:srgbClr val="000000"/>
+              </a:solidFill>
+              <a:latin typeface="Calibri" panose="020F0502020204030204" pitchFamily="34" charset="0"/>
+            </a:endParaRPr>
+          </a:p>
+          <a:p>
+            <a:pPr marL="342900"/>
+            <a:endParaRPr lang="en-US" sz="4400" dirty="0">
+              <a:solidFill>
+                <a:srgbClr val="000000"/>
+              </a:solidFill>
+              <a:latin typeface="Calibri" panose="020F0502020204030204" pitchFamily="34" charset="0"/>
+            </a:endParaRPr>
+          </a:p>
+          <a:p>
+            <a:pPr marL="342900"/>
+            <a:endParaRPr lang="en-US" sz="4400" b="0" i="0" dirty="0">
+              <a:solidFill>
+                <a:srgbClr val="000000"/>
+              </a:solidFill>
+              <a:effectLst/>
+              <a:latin typeface="Calibri" panose="020F0502020204030204" pitchFamily="34" charset="0"/>
+            </a:endParaRPr>
+          </a:p>
+          <a:p>
+            <a:pPr marL="342900"/>
+            <a:endParaRPr lang="en-US" sz="4400" dirty="0">
+              <a:solidFill>
+                <a:srgbClr val="000000"/>
+              </a:solidFill>
+              <a:latin typeface="Calibri" panose="020F0502020204030204" pitchFamily="34" charset="0"/>
+            </a:endParaRPr>
+          </a:p>
+          <a:p>
+            <a:pPr marL="342900"/>
+            <a:endParaRPr lang="en-US" sz="4400" dirty="0">
+              <a:solidFill>
+                <a:srgbClr val="000000"/>
+              </a:solidFill>
+              <a:latin typeface="Calibri" panose="020F0502020204030204" pitchFamily="34" charset="0"/>
+            </a:endParaRPr>
+          </a:p>
+          <a:p>
+            <a:pPr marL="342900"/>
+            <a:endParaRPr lang="en-US" sz="4400" b="0" i="0" dirty="0">
+              <a:solidFill>
+                <a:srgbClr val="000000"/>
+              </a:solidFill>
+              <a:effectLst/>
+              <a:latin typeface="Calibri" panose="020F0502020204030204" pitchFamily="34" charset="0"/>
+            </a:endParaRPr>
+          </a:p>
+          <a:p>
+            <a:pPr marL="342900"/>
+            <a:endParaRPr lang="en-US" sz="4400" dirty="0">
+              <a:solidFill>
+                <a:srgbClr val="000000"/>
+              </a:solidFill>
+              <a:latin typeface="Calibri" panose="020F0502020204030204" pitchFamily="34" charset="0"/>
+            </a:endParaRPr>
+          </a:p>
+          <a:p>
+            <a:pPr marL="342900"/>
+            <a:endParaRPr lang="en-US" sz="4400" b="0" i="0" dirty="0">
+              <a:solidFill>
+                <a:srgbClr val="000000"/>
+              </a:solidFill>
+              <a:effectLst/>
+              <a:latin typeface="Calibri" panose="020F0502020204030204" pitchFamily="34" charset="0"/>
+            </a:endParaRPr>
+          </a:p>
+          <a:p>
+            <a:pPr marL="342900"/>
+            <a:endParaRPr lang="en-US" sz="4400" dirty="0">
+              <a:solidFill>
+                <a:srgbClr val="000000"/>
+              </a:solidFill>
+              <a:latin typeface="Calibri" panose="020F0502020204030204" pitchFamily="34" charset="0"/>
+            </a:endParaRPr>
+          </a:p>
+          <a:p>
+            <a:pPr marL="342900"/>
+            <a:endParaRPr lang="en-US" sz="2800" b="0" i="0" dirty="0">
+              <a:solidFill>
+                <a:srgbClr val="000000"/>
+              </a:solidFill>
+              <a:effectLst/>
+              <a:latin typeface="Calibri" panose="020F0502020204030204" pitchFamily="34" charset="0"/>
+            </a:endParaRPr>
+          </a:p>
+          <a:p>
+            <a:pPr marL="342900"/>
+            <a:endParaRPr lang="en-US" sz="2800" dirty="0">
+              <a:solidFill>
+                <a:srgbClr val="000000"/>
+              </a:solidFill>
+              <a:latin typeface="Calibri" panose="020F0502020204030204" pitchFamily="34" charset="0"/>
+            </a:endParaRPr>
+          </a:p>
+        </p:txBody>
+      </p:sp>
+      <p:sp>
+        <p:nvSpPr>
+          <p:cNvPr id="11" name="TextBox 10"/>
+          <p:cNvSpPr txBox="1"/>
+          <p:nvPr/>
+        </p:nvSpPr>
+        <p:spPr>
+          <a:xfrm>
+            <a:off x="1397482" y="6641169"/>
+            <a:ext cx="13716000" cy="1092607"/>
+          </a:xfrm>
+          <a:prstGeom prst="rect">
+            <a:avLst/>
+          </a:prstGeom>
+          <a:solidFill>
+            <a:srgbClr val="B7CCEB"/>
+          </a:solidFill>
+          <a:ln>
+            <a:noFill/>
+          </a:ln>
+        </p:spPr>
+        <p:txBody>
+          <a:bodyPr wrap="square" rtlCol="0">
+            <a:spAutoFit/>
+          </a:bodyPr>
+          <a:lstStyle/>
+          <a:p>
+            <a:pPr marL="342900" algn="ctr"/>
+            <a:r>
+              <a:rPr lang="en-US" sz="6500" dirty="0">
+                <a:solidFill>
+                  <a:schemeClr val="bg1"/>
+                </a:solidFill>
+                <a:latin typeface="Klavika Light" panose="020B0506040000020004" pitchFamily="34" charset="0"/>
+              </a:rPr>
+              <a:t>Exploratory Data Analysis</a:t>
+            </a:r>
+          </a:p>
+        </p:txBody>
+      </p:sp>
     </p:spTree>
     <p:extLst>
       <p:ext uri="{BB962C8B-B14F-4D97-AF65-F5344CB8AC3E}">

--- a/FinalProject.pptx
+++ b/FinalProject.pptx
@@ -3373,7 +3373,7 @@
                 <a:spcPts val="150"/>
               </a:spcBef>
             </a:pPr>
-            <a:endParaRPr lang="en-US" sz="1200" dirty="0"/>
+            <a:endParaRPr lang="en-US" sz="1200"/>
           </a:p>
           <a:p>
             <a:pPr marL="457200">
@@ -3381,109 +3381,109 @@
                 <a:spcPts val="150"/>
               </a:spcBef>
             </a:pPr>
-            <a:endParaRPr lang="en-US" sz="1200" dirty="0"/>
-          </a:p>
-          <a:p>
-            <a:endParaRPr lang="en-US" sz="4400" dirty="0"/>
-          </a:p>
-          <a:p>
-            <a:endParaRPr lang="en-US" sz="4000" dirty="0"/>
-          </a:p>
-          <a:p>
-            <a:endParaRPr lang="en-US" sz="4000" dirty="0"/>
-          </a:p>
-          <a:p>
-            <a:endParaRPr lang="en-US" sz="4000" dirty="0"/>
-          </a:p>
-          <a:p>
-            <a:endParaRPr lang="en-US" sz="4000" dirty="0"/>
-          </a:p>
-          <a:p>
-            <a:endParaRPr lang="en-US" sz="4000" dirty="0"/>
-          </a:p>
-          <a:p>
-            <a:endParaRPr lang="en-US" sz="4000" dirty="0"/>
-          </a:p>
-          <a:p>
-            <a:endParaRPr lang="en-US" sz="4000" dirty="0"/>
-          </a:p>
-          <a:p>
-            <a:endParaRPr lang="en-US" sz="4000" dirty="0"/>
-          </a:p>
-          <a:p>
-            <a:endParaRPr lang="en-US" sz="4000" dirty="0"/>
-          </a:p>
-          <a:p>
-            <a:endParaRPr lang="en-US" sz="4000" dirty="0"/>
-          </a:p>
-          <a:p>
-            <a:endParaRPr lang="en-US" sz="4000" dirty="0"/>
-          </a:p>
-          <a:p>
-            <a:endParaRPr lang="en-US" sz="4000" dirty="0"/>
-          </a:p>
-          <a:p>
-            <a:endParaRPr lang="en-US" sz="4000" dirty="0"/>
-          </a:p>
-          <a:p>
-            <a:endParaRPr lang="en-US" sz="4000" dirty="0"/>
-          </a:p>
-          <a:p>
-            <a:endParaRPr lang="en-US" sz="4000" dirty="0"/>
-          </a:p>
-          <a:p>
-            <a:endParaRPr lang="en-US" sz="4000" dirty="0"/>
-          </a:p>
-          <a:p>
-            <a:endParaRPr lang="en-US" sz="4000" dirty="0"/>
-          </a:p>
-          <a:p>
-            <a:endParaRPr lang="en-US" sz="4000" dirty="0"/>
-          </a:p>
-          <a:p>
-            <a:endParaRPr lang="en-US" sz="4000" dirty="0"/>
-          </a:p>
-          <a:p>
-            <a:endParaRPr lang="en-US" sz="4000" dirty="0"/>
-          </a:p>
-          <a:p>
-            <a:endParaRPr lang="en-US" sz="4000" dirty="0"/>
-          </a:p>
-          <a:p>
-            <a:endParaRPr lang="en-US" sz="4000" dirty="0"/>
-          </a:p>
-          <a:p>
-            <a:endParaRPr lang="en-US" sz="4000" dirty="0"/>
-          </a:p>
-          <a:p>
-            <a:endParaRPr lang="en-US" sz="4000" dirty="0"/>
-          </a:p>
-          <a:p>
-            <a:endParaRPr lang="en-US" dirty="0"/>
-          </a:p>
-          <a:p>
-            <a:endParaRPr lang="en-US" dirty="0"/>
-          </a:p>
-          <a:p>
-            <a:endParaRPr lang="en-US" dirty="0"/>
-          </a:p>
-          <a:p>
-            <a:endParaRPr lang="en-US" sz="800" dirty="0"/>
-          </a:p>
-          <a:p>
-            <a:endParaRPr lang="en-US" sz="800" dirty="0"/>
-          </a:p>
-          <a:p>
-            <a:r>
-              <a:rPr lang="en-US" sz="800" dirty="0"/>
+            <a:endParaRPr lang="en-US" sz="1200"/>
+          </a:p>
+          <a:p>
+            <a:endParaRPr lang="en-US" sz="4400"/>
+          </a:p>
+          <a:p>
+            <a:endParaRPr lang="en-US" sz="4000"/>
+          </a:p>
+          <a:p>
+            <a:endParaRPr lang="en-US" sz="4000"/>
+          </a:p>
+          <a:p>
+            <a:endParaRPr lang="en-US" sz="4000"/>
+          </a:p>
+          <a:p>
+            <a:endParaRPr lang="en-US" sz="4000"/>
+          </a:p>
+          <a:p>
+            <a:endParaRPr lang="en-US" sz="4000"/>
+          </a:p>
+          <a:p>
+            <a:endParaRPr lang="en-US" sz="4000"/>
+          </a:p>
+          <a:p>
+            <a:endParaRPr lang="en-US" sz="4000"/>
+          </a:p>
+          <a:p>
+            <a:endParaRPr lang="en-US" sz="4000"/>
+          </a:p>
+          <a:p>
+            <a:endParaRPr lang="en-US" sz="4000"/>
+          </a:p>
+          <a:p>
+            <a:endParaRPr lang="en-US" sz="4000"/>
+          </a:p>
+          <a:p>
+            <a:endParaRPr lang="en-US" sz="4000"/>
+          </a:p>
+          <a:p>
+            <a:endParaRPr lang="en-US" sz="4000"/>
+          </a:p>
+          <a:p>
+            <a:endParaRPr lang="en-US" sz="4000"/>
+          </a:p>
+          <a:p>
+            <a:endParaRPr lang="en-US" sz="4000"/>
+          </a:p>
+          <a:p>
+            <a:endParaRPr lang="en-US" sz="4000"/>
+          </a:p>
+          <a:p>
+            <a:endParaRPr lang="en-US" sz="4000"/>
+          </a:p>
+          <a:p>
+            <a:endParaRPr lang="en-US" sz="4000"/>
+          </a:p>
+          <a:p>
+            <a:endParaRPr lang="en-US" sz="4000"/>
+          </a:p>
+          <a:p>
+            <a:endParaRPr lang="en-US" sz="4000"/>
+          </a:p>
+          <a:p>
+            <a:endParaRPr lang="en-US" sz="4000"/>
+          </a:p>
+          <a:p>
+            <a:endParaRPr lang="en-US" sz="4000"/>
+          </a:p>
+          <a:p>
+            <a:endParaRPr lang="en-US" sz="4000"/>
+          </a:p>
+          <a:p>
+            <a:endParaRPr lang="en-US" sz="4000"/>
+          </a:p>
+          <a:p>
+            <a:endParaRPr lang="en-US" sz="4000"/>
+          </a:p>
+          <a:p>
+            <a:endParaRPr lang="en-US"/>
+          </a:p>
+          <a:p>
+            <a:endParaRPr lang="en-US"/>
+          </a:p>
+          <a:p>
+            <a:endParaRPr lang="en-US"/>
+          </a:p>
+          <a:p>
+            <a:endParaRPr lang="en-US" sz="800"/>
+          </a:p>
+          <a:p>
+            <a:endParaRPr lang="en-US" sz="800"/>
+          </a:p>
+          <a:p>
+            <a:r>
+              <a:rPr lang="en-US" sz="800"/>
               <a:t>.</a:t>
             </a:r>
           </a:p>
           <a:p>
-            <a:endParaRPr lang="en-US" sz="800" dirty="0"/>
-          </a:p>
-          <a:p>
-            <a:endParaRPr lang="en-US" sz="800" dirty="0"/>
+            <a:endParaRPr lang="en-US" sz="800"/>
+          </a:p>
+          <a:p>
+            <a:endParaRPr lang="en-US" sz="800"/>
           </a:p>
           <a:p>
             <a:endParaRPr lang="en-US" sz="800" dirty="0"/>
@@ -3718,7 +3718,7 @@
         <p:spPr>
           <a:xfrm>
             <a:off x="16767211" y="25162398"/>
-            <a:ext cx="15819120" cy="9110186"/>
+            <a:ext cx="15819120" cy="9017853"/>
           </a:xfrm>
           <a:prstGeom prst="rect">
             <a:avLst/>
@@ -3739,82 +3739,78 @@
           <a:lstStyle/>
           <a:p>
             <a:pPr marL="342900"/>
-            <a:endParaRPr lang="en-US" sz="4800" dirty="0">
+            <a:endParaRPr lang="en-US" sz="4000" dirty="0">
               <a:latin typeface="Klavika Light" panose="020B0506040000020004" pitchFamily="34" charset="0"/>
             </a:endParaRPr>
           </a:p>
           <a:p>
             <a:pPr marL="342900"/>
-            <a:endParaRPr lang="en-US" sz="4800" dirty="0">
+            <a:r>
+              <a:rPr lang="en-US" sz="3600" dirty="0">
+                <a:latin typeface="Klavika Light" panose="020B0506040000020004" pitchFamily="34" charset="0"/>
+              </a:rPr>
+              <a:t>The random intercept shows a student that has no job, no extra curriculars, present every day, and no study hours each week earn a 77.84% on average, with SD of 0.31%</a:t>
+            </a:r>
+          </a:p>
+          <a:p>
+            <a:pPr marL="342900"/>
+            <a:endParaRPr lang="en-US" sz="3600" dirty="0">
               <a:latin typeface="Klavika Light" panose="020B0506040000020004" pitchFamily="34" charset="0"/>
             </a:endParaRPr>
           </a:p>
           <a:p>
             <a:pPr marL="342900"/>
-            <a:endParaRPr lang="en-US" sz="4800" dirty="0">
+            <a:r>
+              <a:rPr lang="en-US" sz="3600" dirty="0">
+                <a:latin typeface="Klavika Light" panose="020B0506040000020004" pitchFamily="34" charset="0"/>
+              </a:rPr>
+              <a:t>Students with a part time job are expected to have an average grade difference of -1.27% points on the estimated average grade, with a SD of 0.33%</a:t>
+            </a:r>
+          </a:p>
+          <a:p>
+            <a:pPr marL="342900"/>
+            <a:endParaRPr lang="en-US" sz="3600" dirty="0">
               <a:latin typeface="Klavika Light" panose="020B0506040000020004" pitchFamily="34" charset="0"/>
             </a:endParaRPr>
           </a:p>
           <a:p>
             <a:pPr marL="342900"/>
-            <a:endParaRPr lang="en-US" sz="4800" dirty="0">
+            <a:r>
+              <a:rPr lang="en-US" sz="3600" dirty="0">
+                <a:latin typeface="Klavika Light" panose="020B0506040000020004" pitchFamily="34" charset="0"/>
+              </a:rPr>
+              <a:t>Each day a student is absent their grade is expected to change by -0.20% per day they are absent, with a SD of 0.05%</a:t>
+            </a:r>
+          </a:p>
+          <a:p>
+            <a:pPr marL="342900"/>
+            <a:endParaRPr lang="en-US" sz="3600" dirty="0">
               <a:latin typeface="Klavika Light" panose="020B0506040000020004" pitchFamily="34" charset="0"/>
             </a:endParaRPr>
           </a:p>
           <a:p>
             <a:pPr marL="342900"/>
-            <a:endParaRPr lang="en-US" sz="4800" dirty="0">
+            <a:r>
+              <a:rPr lang="en-US" sz="3600" dirty="0">
+                <a:latin typeface="Klavika Light" panose="020B0506040000020004" pitchFamily="34" charset="0"/>
+              </a:rPr>
+              <a:t>Students who participate in extra curricular activities show an average difference of -0.09% points with a SD of 0.29%</a:t>
+            </a:r>
+          </a:p>
+          <a:p>
+            <a:pPr marL="342900"/>
+            <a:endParaRPr lang="en-US" sz="3600" dirty="0">
               <a:latin typeface="Klavika Light" panose="020B0506040000020004" pitchFamily="34" charset="0"/>
             </a:endParaRPr>
           </a:p>
           <a:p>
             <a:pPr marL="342900"/>
-            <a:endParaRPr lang="en-US" sz="4800" dirty="0">
-              <a:latin typeface="Klavika Light" panose="020B0506040000020004" pitchFamily="34" charset="0"/>
-            </a:endParaRPr>
-          </a:p>
-          <a:p>
-            <a:pPr marL="342900"/>
-            <a:endParaRPr lang="en-US" sz="4800" dirty="0">
-              <a:latin typeface="Klavika Light" panose="020B0506040000020004" pitchFamily="34" charset="0"/>
-            </a:endParaRPr>
-          </a:p>
-          <a:p>
-            <a:pPr marL="342900"/>
-            <a:endParaRPr lang="en-US" sz="4800" dirty="0">
-              <a:latin typeface="Klavika Light" panose="020B0506040000020004" pitchFamily="34" charset="0"/>
-            </a:endParaRPr>
-          </a:p>
-          <a:p>
-            <a:pPr marL="342900"/>
-            <a:endParaRPr lang="en-US" sz="4800" dirty="0">
-              <a:latin typeface="Klavika Light" panose="020B0506040000020004" pitchFamily="34" charset="0"/>
-            </a:endParaRPr>
-          </a:p>
-          <a:p>
-            <a:pPr marL="342900"/>
-            <a:endParaRPr lang="en-US" sz="4800" dirty="0">
-              <a:latin typeface="Klavika Light" panose="020B0506040000020004" pitchFamily="34" charset="0"/>
-            </a:endParaRPr>
-          </a:p>
-          <a:p>
-            <a:pPr marL="342900"/>
-            <a:endParaRPr lang="en-US" sz="4800" dirty="0">
-              <a:latin typeface="Klavika Light" panose="020B0506040000020004" pitchFamily="34" charset="0"/>
-            </a:endParaRPr>
-          </a:p>
-          <a:p>
-            <a:pPr marL="342900"/>
-            <a:endParaRPr lang="en-US" sz="4800" dirty="0">
-              <a:latin typeface="Klavika Light" panose="020B0506040000020004" pitchFamily="34" charset="0"/>
-            </a:endParaRPr>
-          </a:p>
-          <a:p>
-            <a:pPr marL="1028700" indent="-685800">
-              <a:buFont typeface="Wingdings" panose="05000000000000000000" pitchFamily="2" charset="2"/>
-              <a:buChar char="§"/>
-            </a:pPr>
-            <a:endParaRPr lang="en-US" sz="1000" dirty="0"/>
+            <a:r>
+              <a:rPr lang="en-US" sz="3600" dirty="0">
+                <a:latin typeface="Klavika Light" panose="020B0506040000020004" pitchFamily="34" charset="0"/>
+              </a:rPr>
+              <a:t>Each hour per week a student studies shows and average change of 0.23% per hour with a SD of 0.01%</a:t>
+            </a:r>
           </a:p>
         </p:txBody>
       </p:sp>
@@ -5935,14 +5931,12 @@
           </p:cNvPr>
           <p:cNvCxnSpPr>
             <a:cxnSpLocks/>
-            <a:stCxn id="34" idx="1"/>
-            <a:endCxn id="34" idx="3"/>
           </p:cNvCxnSpPr>
           <p:nvPr/>
         </p:nvCxnSpPr>
         <p:spPr>
           <a:xfrm>
-            <a:off x="373289" y="11031250"/>
+            <a:off x="373289" y="11282979"/>
             <a:ext cx="15819120" cy="0"/>
           </a:xfrm>
           <a:prstGeom prst="line">
@@ -6187,6 +6181,234 @@
       </p:sp>
       <p:sp>
         <p:nvSpPr>
+          <p:cNvPr id="2" name="TextBox 1">
+            <a:extLst>
+              <a:ext uri="{FF2B5EF4-FFF2-40B4-BE49-F238E27FC236}">
+                <a16:creationId xmlns:a16="http://schemas.microsoft.com/office/drawing/2014/main" id="{3A5846D1-7CEC-1CFB-0595-7B824E7C258F}"/>
+              </a:ext>
+            </a:extLst>
+          </p:cNvPr>
+          <p:cNvSpPr txBox="1"/>
+          <p:nvPr/>
+        </p:nvSpPr>
+        <p:spPr>
+          <a:xfrm>
+            <a:off x="4666769" y="25929653"/>
+            <a:ext cx="1917700" cy="369332"/>
+          </a:xfrm>
+          <a:prstGeom prst="rect">
+            <a:avLst/>
+          </a:prstGeom>
+          <a:solidFill>
+            <a:schemeClr val="bg1"/>
+          </a:solidFill>
+        </p:spPr>
+        <p:txBody>
+          <a:bodyPr wrap="square" rtlCol="0">
+            <a:spAutoFit/>
+          </a:bodyPr>
+          <a:lstStyle/>
+          <a:p>
+            <a:pPr algn="ctr"/>
+            <a:r>
+              <a:rPr lang="en-US" dirty="0"/>
+              <a:t>Random Intercept</a:t>
+            </a:r>
+          </a:p>
+        </p:txBody>
+      </p:sp>
+      <p:sp>
+        <p:nvSpPr>
+          <p:cNvPr id="12" name="TextBox 11">
+            <a:extLst>
+              <a:ext uri="{FF2B5EF4-FFF2-40B4-BE49-F238E27FC236}">
+                <a16:creationId xmlns:a16="http://schemas.microsoft.com/office/drawing/2014/main" id="{64005909-372F-D875-1E90-14DF73025454}"/>
+              </a:ext>
+            </a:extLst>
+          </p:cNvPr>
+          <p:cNvSpPr txBox="1"/>
+          <p:nvPr/>
+        </p:nvSpPr>
+        <p:spPr>
+          <a:xfrm>
+            <a:off x="7475641" y="25915394"/>
+            <a:ext cx="1917700" cy="369332"/>
+          </a:xfrm>
+          <a:prstGeom prst="rect">
+            <a:avLst/>
+          </a:prstGeom>
+          <a:solidFill>
+            <a:schemeClr val="bg1"/>
+          </a:solidFill>
+        </p:spPr>
+        <p:txBody>
+          <a:bodyPr wrap="square" rtlCol="0">
+            <a:spAutoFit/>
+          </a:bodyPr>
+          <a:lstStyle/>
+          <a:p>
+            <a:pPr algn="ctr"/>
+            <a:r>
+              <a:rPr lang="en-US" dirty="0"/>
+              <a:t>Part Time Job</a:t>
+            </a:r>
+          </a:p>
+        </p:txBody>
+      </p:sp>
+      <p:sp>
+        <p:nvSpPr>
+          <p:cNvPr id="13" name="TextBox 12">
+            <a:extLst>
+              <a:ext uri="{FF2B5EF4-FFF2-40B4-BE49-F238E27FC236}">
+                <a16:creationId xmlns:a16="http://schemas.microsoft.com/office/drawing/2014/main" id="{0B9A80E2-9765-2C8B-4D0B-3E52F7A38007}"/>
+              </a:ext>
+            </a:extLst>
+          </p:cNvPr>
+          <p:cNvSpPr txBox="1"/>
+          <p:nvPr/>
+        </p:nvSpPr>
+        <p:spPr>
+          <a:xfrm>
+            <a:off x="10417953" y="31207709"/>
+            <a:ext cx="1917700" cy="369332"/>
+          </a:xfrm>
+          <a:prstGeom prst="rect">
+            <a:avLst/>
+          </a:prstGeom>
+          <a:solidFill>
+            <a:schemeClr val="bg1"/>
+          </a:solidFill>
+        </p:spPr>
+        <p:txBody>
+          <a:bodyPr wrap="square" rtlCol="0">
+            <a:spAutoFit/>
+          </a:bodyPr>
+          <a:lstStyle/>
+          <a:p>
+            <a:pPr algn="ctr"/>
+            <a:r>
+              <a:rPr lang="en-US" dirty="0"/>
+              <a:t>Sig2</a:t>
+            </a:r>
+          </a:p>
+        </p:txBody>
+      </p:sp>
+      <p:sp>
+        <p:nvSpPr>
+          <p:cNvPr id="16" name="TextBox 15">
+            <a:extLst>
+              <a:ext uri="{FF2B5EF4-FFF2-40B4-BE49-F238E27FC236}">
+                <a16:creationId xmlns:a16="http://schemas.microsoft.com/office/drawing/2014/main" id="{B5C211E3-849D-5C5D-00F3-D52171195BFE}"/>
+              </a:ext>
+            </a:extLst>
+          </p:cNvPr>
+          <p:cNvSpPr txBox="1"/>
+          <p:nvPr/>
+        </p:nvSpPr>
+        <p:spPr>
+          <a:xfrm>
+            <a:off x="10397491" y="25915394"/>
+            <a:ext cx="1917700" cy="369332"/>
+          </a:xfrm>
+          <a:prstGeom prst="rect">
+            <a:avLst/>
+          </a:prstGeom>
+          <a:solidFill>
+            <a:schemeClr val="bg1"/>
+          </a:solidFill>
+        </p:spPr>
+        <p:txBody>
+          <a:bodyPr wrap="square" rtlCol="0">
+            <a:spAutoFit/>
+          </a:bodyPr>
+          <a:lstStyle/>
+          <a:p>
+            <a:pPr algn="ctr"/>
+            <a:r>
+              <a:rPr lang="en-US" dirty="0"/>
+              <a:t>Absent Days</a:t>
+            </a:r>
+          </a:p>
+        </p:txBody>
+      </p:sp>
+      <p:sp>
+        <p:nvSpPr>
+          <p:cNvPr id="18" name="TextBox 17">
+            <a:extLst>
+              <a:ext uri="{FF2B5EF4-FFF2-40B4-BE49-F238E27FC236}">
+                <a16:creationId xmlns:a16="http://schemas.microsoft.com/office/drawing/2014/main" id="{A95FB072-AFA8-0F1D-A2B9-5383DF1852FC}"/>
+              </a:ext>
+            </a:extLst>
+          </p:cNvPr>
+          <p:cNvSpPr txBox="1"/>
+          <p:nvPr/>
+        </p:nvSpPr>
+        <p:spPr>
+          <a:xfrm>
+            <a:off x="4714673" y="31069209"/>
+            <a:ext cx="1917700" cy="646331"/>
+          </a:xfrm>
+          <a:prstGeom prst="rect">
+            <a:avLst/>
+          </a:prstGeom>
+          <a:solidFill>
+            <a:schemeClr val="bg1"/>
+          </a:solidFill>
+        </p:spPr>
+        <p:txBody>
+          <a:bodyPr wrap="square" rtlCol="0">
+            <a:spAutoFit/>
+          </a:bodyPr>
+          <a:lstStyle/>
+          <a:p>
+            <a:pPr algn="ctr"/>
+            <a:r>
+              <a:rPr lang="en-US" dirty="0"/>
+              <a:t>Extra Curricular Activities</a:t>
+            </a:r>
+          </a:p>
+        </p:txBody>
+      </p:sp>
+      <p:sp>
+        <p:nvSpPr>
+          <p:cNvPr id="21" name="TextBox 20">
+            <a:extLst>
+              <a:ext uri="{FF2B5EF4-FFF2-40B4-BE49-F238E27FC236}">
+                <a16:creationId xmlns:a16="http://schemas.microsoft.com/office/drawing/2014/main" id="{8C5F7537-B1CE-5D08-0050-925FE8902ACD}"/>
+              </a:ext>
+            </a:extLst>
+          </p:cNvPr>
+          <p:cNvSpPr txBox="1"/>
+          <p:nvPr/>
+        </p:nvSpPr>
+        <p:spPr>
+          <a:xfrm>
+            <a:off x="7444217" y="31088063"/>
+            <a:ext cx="1917700" cy="646331"/>
+          </a:xfrm>
+          <a:prstGeom prst="rect">
+            <a:avLst/>
+          </a:prstGeom>
+          <a:solidFill>
+            <a:schemeClr val="bg1"/>
+          </a:solidFill>
+        </p:spPr>
+        <p:txBody>
+          <a:bodyPr wrap="square" rtlCol="0">
+            <a:spAutoFit/>
+          </a:bodyPr>
+          <a:lstStyle/>
+          <a:p>
+            <a:pPr algn="ctr"/>
+            <a:r>
+              <a:rPr lang="en-US" dirty="0"/>
+              <a:t>Weekly Study Hours</a:t>
+            </a:r>
+          </a:p>
+        </p:txBody>
+      </p:sp>
+      <p:sp>
+        <p:nvSpPr>
           <p:cNvPr id="11" name="TextBox 10"/>
           <p:cNvSpPr txBox="1"/>
           <p:nvPr/>
@@ -6220,7 +6442,7 @@
                 </a:solidFill>
                 <a:latin typeface="Klavika Light" panose="020B0506040000020004" pitchFamily="34" charset="0"/>
               </a:rPr>
-              <a:t>Exploratory Data Analysis</a:t>
+              <a:t>Exploratory Data Analysis 	</a:t>
             </a:r>
           </a:p>
         </p:txBody>

--- a/FinalProject.pptx
+++ b/FinalProject.pptx
@@ -3850,37 +3850,37 @@
             <a:endParaRPr lang="en-US" sz="3200" dirty="0"/>
           </a:p>
           <a:p>
+            <a:r>
+              <a:rPr lang="en-US" sz="3200" dirty="0"/>
+              <a:t>The largest indicator for a student's grade from our project is the weekly self study hours. With an average increase of .23% increase in their grade per hour studied each week. </a:t>
+            </a:r>
+          </a:p>
+          <a:p>
             <a:endParaRPr lang="en-US" sz="3200" dirty="0"/>
           </a:p>
           <a:p>
+            <a:r>
+              <a:rPr lang="en-US" sz="3200" dirty="0"/>
+              <a:t>The next most important indicator is the absence days, which shows an average of .20% per day the student miss class.</a:t>
+            </a:r>
+          </a:p>
+          <a:p>
             <a:endParaRPr lang="en-US" sz="3200" dirty="0"/>
           </a:p>
           <a:p>
+            <a:r>
+              <a:rPr lang="en-US" sz="3200" dirty="0"/>
+              <a:t>The part time job indicator shows a minor impact of -1.27% on a student's grade if they have a part time job</a:t>
+            </a:r>
+          </a:p>
+          <a:p>
             <a:endParaRPr lang="en-US" sz="3200" dirty="0"/>
           </a:p>
           <a:p>
-            <a:endParaRPr lang="en-US" sz="3200" dirty="0"/>
-          </a:p>
-          <a:p>
-            <a:endParaRPr lang="en-US" sz="3200" dirty="0"/>
-          </a:p>
-          <a:p>
-            <a:endParaRPr lang="en-US" sz="3200" dirty="0"/>
-          </a:p>
-          <a:p>
-            <a:endParaRPr lang="en-US" sz="3200" dirty="0"/>
-          </a:p>
-          <a:p>
-            <a:endParaRPr lang="en-US" sz="3200" dirty="0"/>
-          </a:p>
-          <a:p>
-            <a:endParaRPr lang="en-US" sz="3200" dirty="0"/>
-          </a:p>
-          <a:p>
-            <a:endParaRPr lang="en-US" sz="3200" dirty="0"/>
-          </a:p>
-          <a:p>
-            <a:endParaRPr lang="en-US" sz="3200" dirty="0"/>
+            <a:r>
+              <a:rPr lang="en-US" sz="3200" dirty="0"/>
+              <a:t>The least impactful indicator was extracurricular activities only showing an average change of -0.09%, which is smaller than its’ standard deviation.</a:t>
+            </a:r>
           </a:p>
           <a:p>
             <a:endParaRPr lang="en-US" sz="3200" dirty="0"/>
@@ -4350,8 +4350,8 @@
         </p:blipFill>
         <p:spPr>
           <a:xfrm>
-            <a:off x="3904276" y="31137227"/>
-            <a:ext cx="8562685" cy="5220373"/>
+            <a:off x="1193533" y="31137227"/>
+            <a:ext cx="14033633" cy="5220373"/>
           </a:xfrm>
           <a:prstGeom prst="rect">
             <a:avLst/>
@@ -4386,8 +4386,8 @@
         </p:blipFill>
         <p:spPr>
           <a:xfrm>
-            <a:off x="3929680" y="25929653"/>
-            <a:ext cx="8562684" cy="5052515"/>
+            <a:off x="1193533" y="25929653"/>
+            <a:ext cx="14033633" cy="5052515"/>
           </a:xfrm>
           <a:prstGeom prst="rect">
             <a:avLst/>
@@ -4422,8 +4422,8 @@
         </p:blipFill>
         <p:spPr>
           <a:xfrm>
-            <a:off x="4680618" y="36871650"/>
-            <a:ext cx="8750293" cy="5433473"/>
+            <a:off x="3727926" y="36871650"/>
+            <a:ext cx="10233919" cy="5433473"/>
           </a:xfrm>
           <a:prstGeom prst="rect">
             <a:avLst/>
@@ -6193,7 +6193,7 @@
         </p:nvSpPr>
         <p:spPr>
           <a:xfrm>
-            <a:off x="4666769" y="25929653"/>
+            <a:off x="2989381" y="25823758"/>
             <a:ext cx="1917700" cy="369332"/>
           </a:xfrm>
           <a:prstGeom prst="rect">
@@ -6231,7 +6231,7 @@
         </p:nvSpPr>
         <p:spPr>
           <a:xfrm>
-            <a:off x="7475641" y="25915394"/>
+            <a:off x="7788395" y="25896653"/>
             <a:ext cx="1917700" cy="369332"/>
           </a:xfrm>
           <a:prstGeom prst="rect">
@@ -6269,7 +6269,7 @@
         </p:nvSpPr>
         <p:spPr>
           <a:xfrm>
-            <a:off x="10417953" y="31207709"/>
+            <a:off x="12546128" y="31142505"/>
             <a:ext cx="1917700" cy="369332"/>
           </a:xfrm>
           <a:prstGeom prst="rect">
@@ -6307,7 +6307,7 @@
         </p:nvSpPr>
         <p:spPr>
           <a:xfrm>
-            <a:off x="10397491" y="25915394"/>
+            <a:off x="12622776" y="25841806"/>
             <a:ext cx="1917700" cy="369332"/>
           </a:xfrm>
           <a:prstGeom prst="rect">
@@ -6345,8 +6345,8 @@
         </p:nvSpPr>
         <p:spPr>
           <a:xfrm>
-            <a:off x="4714673" y="31069209"/>
-            <a:ext cx="1917700" cy="646331"/>
+            <a:off x="2498125" y="31142505"/>
+            <a:ext cx="2900211" cy="369332"/>
           </a:xfrm>
           <a:prstGeom prst="rect">
             <a:avLst/>
@@ -6383,8 +6383,8 @@
         </p:nvSpPr>
         <p:spPr>
           <a:xfrm>
-            <a:off x="7444217" y="31088063"/>
-            <a:ext cx="1917700" cy="646331"/>
+            <a:off x="7633009" y="31142505"/>
+            <a:ext cx="2231504" cy="369332"/>
           </a:xfrm>
           <a:prstGeom prst="rect">
             <a:avLst/>

--- a/FinalProject.pptx
+++ b/FinalProject.pptx
@@ -254,7 +254,7 @@
           <a:p>
             <a:fld id="{8B2A89D0-1805-4490-BCAB-9BF0585E218B}" type="datetimeFigureOut">
               <a:rPr lang="en-US" smtClean="0"/>
-              <a:t>5/8/2025</a:t>
+              <a:t>5/8/25</a:t>
             </a:fld>
             <a:endParaRPr lang="en-US"/>
           </a:p>
@@ -424,7 +424,7 @@
           <a:p>
             <a:fld id="{8B2A89D0-1805-4490-BCAB-9BF0585E218B}" type="datetimeFigureOut">
               <a:rPr lang="en-US" smtClean="0"/>
-              <a:t>5/8/2025</a:t>
+              <a:t>5/8/25</a:t>
             </a:fld>
             <a:endParaRPr lang="en-US"/>
           </a:p>
@@ -604,7 +604,7 @@
           <a:p>
             <a:fld id="{8B2A89D0-1805-4490-BCAB-9BF0585E218B}" type="datetimeFigureOut">
               <a:rPr lang="en-US" smtClean="0"/>
-              <a:t>5/8/2025</a:t>
+              <a:t>5/8/25</a:t>
             </a:fld>
             <a:endParaRPr lang="en-US"/>
           </a:p>
@@ -774,7 +774,7 @@
           <a:p>
             <a:fld id="{8B2A89D0-1805-4490-BCAB-9BF0585E218B}" type="datetimeFigureOut">
               <a:rPr lang="en-US" smtClean="0"/>
-              <a:t>5/8/2025</a:t>
+              <a:t>5/8/25</a:t>
             </a:fld>
             <a:endParaRPr lang="en-US"/>
           </a:p>
@@ -1018,7 +1018,7 @@
           <a:p>
             <a:fld id="{8B2A89D0-1805-4490-BCAB-9BF0585E218B}" type="datetimeFigureOut">
               <a:rPr lang="en-US" smtClean="0"/>
-              <a:t>5/8/2025</a:t>
+              <a:t>5/8/25</a:t>
             </a:fld>
             <a:endParaRPr lang="en-US"/>
           </a:p>
@@ -1250,7 +1250,7 @@
           <a:p>
             <a:fld id="{8B2A89D0-1805-4490-BCAB-9BF0585E218B}" type="datetimeFigureOut">
               <a:rPr lang="en-US" smtClean="0"/>
-              <a:t>5/8/2025</a:t>
+              <a:t>5/8/25</a:t>
             </a:fld>
             <a:endParaRPr lang="en-US"/>
           </a:p>
@@ -1617,7 +1617,7 @@
           <a:p>
             <a:fld id="{8B2A89D0-1805-4490-BCAB-9BF0585E218B}" type="datetimeFigureOut">
               <a:rPr lang="en-US" smtClean="0"/>
-              <a:t>5/8/2025</a:t>
+              <a:t>5/8/25</a:t>
             </a:fld>
             <a:endParaRPr lang="en-US"/>
           </a:p>
@@ -1735,7 +1735,7 @@
           <a:p>
             <a:fld id="{8B2A89D0-1805-4490-BCAB-9BF0585E218B}" type="datetimeFigureOut">
               <a:rPr lang="en-US" smtClean="0"/>
-              <a:t>5/8/2025</a:t>
+              <a:t>5/8/25</a:t>
             </a:fld>
             <a:endParaRPr lang="en-US"/>
           </a:p>
@@ -1830,7 +1830,7 @@
           <a:p>
             <a:fld id="{8B2A89D0-1805-4490-BCAB-9BF0585E218B}" type="datetimeFigureOut">
               <a:rPr lang="en-US" smtClean="0"/>
-              <a:t>5/8/2025</a:t>
+              <a:t>5/8/25</a:t>
             </a:fld>
             <a:endParaRPr lang="en-US"/>
           </a:p>
@@ -2107,7 +2107,7 @@
           <a:p>
             <a:fld id="{8B2A89D0-1805-4490-BCAB-9BF0585E218B}" type="datetimeFigureOut">
               <a:rPr lang="en-US" smtClean="0"/>
-              <a:t>5/8/2025</a:t>
+              <a:t>5/8/25</a:t>
             </a:fld>
             <a:endParaRPr lang="en-US"/>
           </a:p>
@@ -2364,7 +2364,7 @@
           <a:p>
             <a:fld id="{8B2A89D0-1805-4490-BCAB-9BF0585E218B}" type="datetimeFigureOut">
               <a:rPr lang="en-US" smtClean="0"/>
-              <a:t>5/8/2025</a:t>
+              <a:t>5/8/25</a:t>
             </a:fld>
             <a:endParaRPr lang="en-US"/>
           </a:p>
@@ -2577,7 +2577,7 @@
           <a:p>
             <a:fld id="{8B2A89D0-1805-4490-BCAB-9BF0585E218B}" type="datetimeFigureOut">
               <a:rPr lang="en-US" smtClean="0"/>
-              <a:t>5/8/2025</a:t>
+              <a:t>5/8/25</a:t>
             </a:fld>
             <a:endParaRPr lang="en-US"/>
           </a:p>
@@ -4432,10 +4432,10 @@
       </p:pic>
       <p:pic>
         <p:nvPicPr>
-          <p:cNvPr id="22" name="Picture 21" descr="A math equations on a white background&#10;&#10;AI-generated content may be incorrect.">
+          <p:cNvPr id="20" name="Picture 19">
             <a:extLst>
               <a:ext uri="{FF2B5EF4-FFF2-40B4-BE49-F238E27FC236}">
-                <a16:creationId xmlns:a16="http://schemas.microsoft.com/office/drawing/2014/main" id="{C89F8C18-9CB6-D343-4FD0-615576E4F793}"/>
+                <a16:creationId xmlns:a16="http://schemas.microsoft.com/office/drawing/2014/main" id="{F5E4F621-1464-20DD-FAC4-EE08D9B97B6E}"/>
               </a:ext>
             </a:extLst>
           </p:cNvPr>
@@ -4458,8 +4458,8 @@
         </p:blipFill>
         <p:spPr>
           <a:xfrm>
-            <a:off x="19700255" y="7894690"/>
-            <a:ext cx="9768084" cy="3863496"/>
+            <a:off x="643601" y="7503488"/>
+            <a:ext cx="5120651" cy="3779491"/>
           </a:xfrm>
           <a:prstGeom prst="rect">
             <a:avLst/>
@@ -4468,10 +4468,10 @@
       </p:pic>
       <p:pic>
         <p:nvPicPr>
-          <p:cNvPr id="20" name="Picture 19">
+          <p:cNvPr id="23" name="Picture 22">
             <a:extLst>
               <a:ext uri="{FF2B5EF4-FFF2-40B4-BE49-F238E27FC236}">
-                <a16:creationId xmlns:a16="http://schemas.microsoft.com/office/drawing/2014/main" id="{F5E4F621-1464-20DD-FAC4-EE08D9B97B6E}"/>
+                <a16:creationId xmlns:a16="http://schemas.microsoft.com/office/drawing/2014/main" id="{9E6EEFEB-0711-92CF-C1B1-4B9F9FF9DC8A}"/>
               </a:ext>
             </a:extLst>
           </p:cNvPr>
@@ -4488,14 +4488,13 @@
               </a:ext>
             </a:extLst>
           </a:blip>
-          <a:stretch>
-            <a:fillRect/>
-          </a:stretch>
+          <a:srcRect/>
+          <a:stretch/>
         </p:blipFill>
         <p:spPr>
           <a:xfrm>
-            <a:off x="643601" y="7503488"/>
-            <a:ext cx="5120651" cy="3779491"/>
+            <a:off x="10985318" y="11132417"/>
+            <a:ext cx="5039321" cy="3779491"/>
           </a:xfrm>
           <a:prstGeom prst="rect">
             <a:avLst/>
@@ -4504,10 +4503,10 @@
       </p:pic>
       <p:pic>
         <p:nvPicPr>
-          <p:cNvPr id="23" name="Picture 22">
+          <p:cNvPr id="24" name="Picture 23">
             <a:extLst>
               <a:ext uri="{FF2B5EF4-FFF2-40B4-BE49-F238E27FC236}">
-                <a16:creationId xmlns:a16="http://schemas.microsoft.com/office/drawing/2014/main" id="{9E6EEFEB-0711-92CF-C1B1-4B9F9FF9DC8A}"/>
+                <a16:creationId xmlns:a16="http://schemas.microsoft.com/office/drawing/2014/main" id="{E1DD939C-79C6-3CC0-7071-BA13D7CFD4D3}"/>
               </a:ext>
             </a:extLst>
           </p:cNvPr>
@@ -4524,13 +4523,14 @@
               </a:ext>
             </a:extLst>
           </a:blip>
-          <a:srcRect/>
-          <a:stretch/>
+          <a:stretch>
+            <a:fillRect/>
+          </a:stretch>
         </p:blipFill>
         <p:spPr>
           <a:xfrm>
-            <a:off x="10985318" y="11132417"/>
-            <a:ext cx="5039321" cy="3779491"/>
+            <a:off x="643601" y="11121655"/>
+            <a:ext cx="5120651" cy="3779491"/>
           </a:xfrm>
           <a:prstGeom prst="rect">
             <a:avLst/>
@@ -4539,10 +4539,10 @@
       </p:pic>
       <p:pic>
         <p:nvPicPr>
-          <p:cNvPr id="24" name="Picture 23">
+          <p:cNvPr id="26" name="Picture 25">
             <a:extLst>
               <a:ext uri="{FF2B5EF4-FFF2-40B4-BE49-F238E27FC236}">
-                <a16:creationId xmlns:a16="http://schemas.microsoft.com/office/drawing/2014/main" id="{E1DD939C-79C6-3CC0-7071-BA13D7CFD4D3}"/>
+                <a16:creationId xmlns:a16="http://schemas.microsoft.com/office/drawing/2014/main" id="{2FA1D94D-55D1-A8CB-8EA7-BE8BA3FC0E2F}"/>
               </a:ext>
             </a:extLst>
           </p:cNvPr>
@@ -4565,7 +4565,7 @@
         </p:blipFill>
         <p:spPr>
           <a:xfrm>
-            <a:off x="643601" y="11121655"/>
+            <a:off x="5794127" y="11138673"/>
             <a:ext cx="5120651" cy="3779491"/>
           </a:xfrm>
           <a:prstGeom prst="rect">
@@ -4575,10 +4575,10 @@
       </p:pic>
       <p:pic>
         <p:nvPicPr>
-          <p:cNvPr id="26" name="Picture 25">
+          <p:cNvPr id="30" name="Picture 29">
             <a:extLst>
               <a:ext uri="{FF2B5EF4-FFF2-40B4-BE49-F238E27FC236}">
-                <a16:creationId xmlns:a16="http://schemas.microsoft.com/office/drawing/2014/main" id="{2FA1D94D-55D1-A8CB-8EA7-BE8BA3FC0E2F}"/>
+                <a16:creationId xmlns:a16="http://schemas.microsoft.com/office/drawing/2014/main" id="{7601672F-6E67-6680-F3B0-2755C96EC125}"/>
               </a:ext>
             </a:extLst>
           </p:cNvPr>
@@ -4595,42 +4595,6 @@
               </a:ext>
             </a:extLst>
           </a:blip>
-          <a:stretch>
-            <a:fillRect/>
-          </a:stretch>
-        </p:blipFill>
-        <p:spPr>
-          <a:xfrm>
-            <a:off x="5794127" y="11138673"/>
-            <a:ext cx="5120651" cy="3779491"/>
-          </a:xfrm>
-          <a:prstGeom prst="rect">
-            <a:avLst/>
-          </a:prstGeom>
-        </p:spPr>
-      </p:pic>
-      <p:pic>
-        <p:nvPicPr>
-          <p:cNvPr id="30" name="Picture 29">
-            <a:extLst>
-              <a:ext uri="{FF2B5EF4-FFF2-40B4-BE49-F238E27FC236}">
-                <a16:creationId xmlns:a16="http://schemas.microsoft.com/office/drawing/2014/main" id="{7601672F-6E67-6680-F3B0-2755C96EC125}"/>
-              </a:ext>
-            </a:extLst>
-          </p:cNvPr>
-          <p:cNvPicPr>
-            <a:picLocks noChangeAspect="1"/>
-          </p:cNvPicPr>
-          <p:nvPr/>
-        </p:nvPicPr>
-        <p:blipFill>
-          <a:blip r:embed="rId12">
-            <a:extLst>
-              <a:ext uri="{28A0092B-C50C-407E-A947-70E740481C1C}">
-                <a14:useLocalDpi xmlns:a14="http://schemas.microsoft.com/office/drawing/2010/main" val="0"/>
-              </a:ext>
-            </a:extLst>
-          </a:blip>
           <a:srcRect/>
           <a:stretch/>
         </p:blipFill>
@@ -4659,7 +4623,7 @@
           <p:nvPr/>
         </p:nvPicPr>
         <p:blipFill>
-          <a:blip r:embed="rId13">
+          <a:blip r:embed="rId12">
             <a:extLst>
               <a:ext uri="{28A0092B-C50C-407E-A947-70E740481C1C}">
                 <a14:useLocalDpi xmlns:a14="http://schemas.microsoft.com/office/drawing/2010/main" val="0"/>
@@ -6447,6 +6411,42 @@
           </a:p>
         </p:txBody>
       </p:sp>
+      <p:pic>
+        <p:nvPicPr>
+          <p:cNvPr id="28" name="Picture 27" descr="A math equations and formulas&#10;&#10;AI-generated content may be incorrect.">
+            <a:extLst>
+              <a:ext uri="{FF2B5EF4-FFF2-40B4-BE49-F238E27FC236}">
+                <a16:creationId xmlns:a16="http://schemas.microsoft.com/office/drawing/2014/main" id="{04DEC92B-C48A-B771-F07E-FE70D17D9941}"/>
+              </a:ext>
+            </a:extLst>
+          </p:cNvPr>
+          <p:cNvPicPr>
+            <a:picLocks noChangeAspect="1"/>
+          </p:cNvPicPr>
+          <p:nvPr/>
+        </p:nvPicPr>
+        <p:blipFill>
+          <a:blip r:embed="rId13">
+            <a:extLst>
+              <a:ext uri="{28A0092B-C50C-407E-A947-70E740481C1C}">
+                <a14:useLocalDpi xmlns:a14="http://schemas.microsoft.com/office/drawing/2010/main" val="0"/>
+              </a:ext>
+            </a:extLst>
+          </a:blip>
+          <a:stretch>
+            <a:fillRect/>
+          </a:stretch>
+        </p:blipFill>
+        <p:spPr>
+          <a:xfrm>
+            <a:off x="17704464" y="8100996"/>
+            <a:ext cx="13902651" cy="3474875"/>
+          </a:xfrm>
+          <a:prstGeom prst="rect">
+            <a:avLst/>
+          </a:prstGeom>
+        </p:spPr>
+      </p:pic>
     </p:spTree>
     <p:extLst>
       <p:ext uri="{BB962C8B-B14F-4D97-AF65-F5344CB8AC3E}">

--- a/FinalProject.pptx
+++ b/FinalProject.pptx
@@ -254,7 +254,7 @@
           <a:p>
             <a:fld id="{8B2A89D0-1805-4490-BCAB-9BF0585E218B}" type="datetimeFigureOut">
               <a:rPr lang="en-US" smtClean="0"/>
-              <a:t>5/12/2025</a:t>
+              <a:t>5/14/25</a:t>
             </a:fld>
             <a:endParaRPr lang="en-US"/>
           </a:p>
@@ -424,7 +424,7 @@
           <a:p>
             <a:fld id="{8B2A89D0-1805-4490-BCAB-9BF0585E218B}" type="datetimeFigureOut">
               <a:rPr lang="en-US" smtClean="0"/>
-              <a:t>5/12/2025</a:t>
+              <a:t>5/14/25</a:t>
             </a:fld>
             <a:endParaRPr lang="en-US"/>
           </a:p>
@@ -604,7 +604,7 @@
           <a:p>
             <a:fld id="{8B2A89D0-1805-4490-BCAB-9BF0585E218B}" type="datetimeFigureOut">
               <a:rPr lang="en-US" smtClean="0"/>
-              <a:t>5/12/2025</a:t>
+              <a:t>5/14/25</a:t>
             </a:fld>
             <a:endParaRPr lang="en-US"/>
           </a:p>
@@ -774,7 +774,7 @@
           <a:p>
             <a:fld id="{8B2A89D0-1805-4490-BCAB-9BF0585E218B}" type="datetimeFigureOut">
               <a:rPr lang="en-US" smtClean="0"/>
-              <a:t>5/12/2025</a:t>
+              <a:t>5/14/25</a:t>
             </a:fld>
             <a:endParaRPr lang="en-US"/>
           </a:p>
@@ -1018,7 +1018,7 @@
           <a:p>
             <a:fld id="{8B2A89D0-1805-4490-BCAB-9BF0585E218B}" type="datetimeFigureOut">
               <a:rPr lang="en-US" smtClean="0"/>
-              <a:t>5/12/2025</a:t>
+              <a:t>5/14/25</a:t>
             </a:fld>
             <a:endParaRPr lang="en-US"/>
           </a:p>
@@ -1250,7 +1250,7 @@
           <a:p>
             <a:fld id="{8B2A89D0-1805-4490-BCAB-9BF0585E218B}" type="datetimeFigureOut">
               <a:rPr lang="en-US" smtClean="0"/>
-              <a:t>5/12/2025</a:t>
+              <a:t>5/14/25</a:t>
             </a:fld>
             <a:endParaRPr lang="en-US"/>
           </a:p>
@@ -1617,7 +1617,7 @@
           <a:p>
             <a:fld id="{8B2A89D0-1805-4490-BCAB-9BF0585E218B}" type="datetimeFigureOut">
               <a:rPr lang="en-US" smtClean="0"/>
-              <a:t>5/12/2025</a:t>
+              <a:t>5/14/25</a:t>
             </a:fld>
             <a:endParaRPr lang="en-US"/>
           </a:p>
@@ -1735,7 +1735,7 @@
           <a:p>
             <a:fld id="{8B2A89D0-1805-4490-BCAB-9BF0585E218B}" type="datetimeFigureOut">
               <a:rPr lang="en-US" smtClean="0"/>
-              <a:t>5/12/2025</a:t>
+              <a:t>5/14/25</a:t>
             </a:fld>
             <a:endParaRPr lang="en-US"/>
           </a:p>
@@ -1830,7 +1830,7 @@
           <a:p>
             <a:fld id="{8B2A89D0-1805-4490-BCAB-9BF0585E218B}" type="datetimeFigureOut">
               <a:rPr lang="en-US" smtClean="0"/>
-              <a:t>5/12/2025</a:t>
+              <a:t>5/14/25</a:t>
             </a:fld>
             <a:endParaRPr lang="en-US"/>
           </a:p>
@@ -2107,7 +2107,7 @@
           <a:p>
             <a:fld id="{8B2A89D0-1805-4490-BCAB-9BF0585E218B}" type="datetimeFigureOut">
               <a:rPr lang="en-US" smtClean="0"/>
-              <a:t>5/12/2025</a:t>
+              <a:t>5/14/25</a:t>
             </a:fld>
             <a:endParaRPr lang="en-US"/>
           </a:p>
@@ -2364,7 +2364,7 @@
           <a:p>
             <a:fld id="{8B2A89D0-1805-4490-BCAB-9BF0585E218B}" type="datetimeFigureOut">
               <a:rPr lang="en-US" smtClean="0"/>
-              <a:t>5/12/2025</a:t>
+              <a:t>5/14/25</a:t>
             </a:fld>
             <a:endParaRPr lang="en-US"/>
           </a:p>
@@ -2577,7 +2577,7 @@
           <a:p>
             <a:fld id="{8B2A89D0-1805-4490-BCAB-9BF0585E218B}" type="datetimeFigureOut">
               <a:rPr lang="en-US" smtClean="0"/>
-              <a:t>5/12/2025</a:t>
+              <a:t>5/14/25</a:t>
             </a:fld>
             <a:endParaRPr lang="en-US"/>
           </a:p>
@@ -3094,7 +3094,7 @@
               <a:rPr lang="en-US" sz="3600" dirty="0">
                 <a:latin typeface="Klavika Light" panose="020B0506040000020004" pitchFamily="34" charset="0"/>
               </a:rPr>
-              <a:t>, to compare outcomes.</a:t>
+              <a:t> to compare outcomes.</a:t>
             </a:r>
           </a:p>
           <a:p>
@@ -3109,7 +3109,7 @@
               <a:rPr lang="en-US" sz="3600" dirty="0">
                 <a:latin typeface="Klavika Light" panose="020B0506040000020004" pitchFamily="34" charset="0"/>
               </a:rPr>
-              <a:t>The table of results is based on the output from our Block Gibbs Sampler.</a:t>
+              <a:t>The results table is based on the output from our Block Gibbs Sampler.</a:t>
             </a:r>
           </a:p>
           <a:p>
@@ -3383,7 +3383,7 @@
                 <a:spcPts val="200"/>
               </a:spcAft>
             </a:pPr>
-            <a:endParaRPr lang="en-US" sz="4800" b="1" dirty="0">
+            <a:endParaRPr lang="en-US" sz="4800" dirty="0">
               <a:solidFill>
                 <a:srgbClr val="000000"/>
               </a:solidFill>
@@ -3398,7 +3398,7 @@
             </a:pPr>
             <a:r>
               <a:rPr lang="en-US" sz="3600" dirty="0"/>
-              <a:t>What are the effects of part time job, absence days, extracurricular activities, weekly self study hours have on student performance (average score).</a:t>
+              <a:t>What effects do part time jobs, absences, extracurricular activities, and weekly self study hours have on student academic performance (average score)?</a:t>
             </a:r>
           </a:p>
           <a:p>
@@ -3407,7 +3407,7 @@
                 <a:spcPts val="200"/>
               </a:spcAft>
             </a:pPr>
-            <a:endParaRPr lang="en-US" b="1" dirty="0">
+            <a:endParaRPr lang="en-US" dirty="0">
               <a:solidFill>
                 <a:srgbClr val="000000"/>
               </a:solidFill>
@@ -3480,7 +3480,7 @@
         </p:nvSpPr>
         <p:spPr>
           <a:xfrm>
-            <a:off x="6844936" y="600368"/>
+            <a:off x="6844936" y="1149008"/>
             <a:ext cx="17739361" cy="1569660"/>
           </a:xfrm>
           <a:prstGeom prst="rect">
@@ -3584,7 +3584,7 @@
         <p:spPr>
           <a:xfrm>
             <a:off x="16725991" y="20150276"/>
-            <a:ext cx="15819120" cy="14126944"/>
+            <a:ext cx="15819120" cy="14865608"/>
           </a:xfrm>
           <a:prstGeom prst="rect">
             <a:avLst/>
@@ -3604,142 +3604,255 @@
           </a:bodyPr>
           <a:lstStyle/>
           <a:p>
-            <a:pPr marL="342900"/>
-            <a:endParaRPr lang="en-US" sz="4000" dirty="0">
-              <a:latin typeface="Klavika Light" panose="020B0506040000020004" pitchFamily="34" charset="0"/>
-            </a:endParaRPr>
-          </a:p>
-          <a:p>
-            <a:pPr marL="342900"/>
-            <a:endParaRPr lang="en-US" sz="3600" dirty="0">
-              <a:latin typeface="Klavika Light" panose="020B0506040000020004" pitchFamily="34" charset="0"/>
-            </a:endParaRPr>
-          </a:p>
-          <a:p>
-            <a:pPr marL="342900"/>
-            <a:endParaRPr lang="en-US" sz="3600" dirty="0">
-              <a:latin typeface="Klavika Light" panose="020B0506040000020004" pitchFamily="34" charset="0"/>
-            </a:endParaRPr>
-          </a:p>
-          <a:p>
-            <a:pPr marL="342900"/>
-            <a:endParaRPr lang="en-US" sz="3600" dirty="0">
-              <a:latin typeface="Klavika Light" panose="020B0506040000020004" pitchFamily="34" charset="0"/>
-            </a:endParaRPr>
-          </a:p>
-          <a:p>
-            <a:pPr marL="342900"/>
-            <a:endParaRPr lang="en-US" sz="3600" dirty="0">
-              <a:latin typeface="Klavika Light" panose="020B0506040000020004" pitchFamily="34" charset="0"/>
-            </a:endParaRPr>
-          </a:p>
-          <a:p>
-            <a:pPr marL="342900"/>
-            <a:endParaRPr lang="en-US" sz="3600" dirty="0">
-              <a:latin typeface="Klavika Light" panose="020B0506040000020004" pitchFamily="34" charset="0"/>
-            </a:endParaRPr>
-          </a:p>
-          <a:p>
-            <a:pPr marL="342900"/>
-            <a:endParaRPr lang="en-US" sz="3600" dirty="0">
-              <a:latin typeface="Klavika Light" panose="020B0506040000020004" pitchFamily="34" charset="0"/>
-            </a:endParaRPr>
-          </a:p>
-          <a:p>
-            <a:pPr marL="342900"/>
-            <a:endParaRPr lang="en-US" sz="3600" dirty="0">
-              <a:latin typeface="Klavika Light" panose="020B0506040000020004" pitchFamily="34" charset="0"/>
-            </a:endParaRPr>
-          </a:p>
-          <a:p>
-            <a:pPr marL="342900"/>
-            <a:endParaRPr lang="en-US" sz="3600" dirty="0">
-              <a:latin typeface="Klavika Light" panose="020B0506040000020004" pitchFamily="34" charset="0"/>
-            </a:endParaRPr>
-          </a:p>
-          <a:p>
-            <a:pPr marL="342900"/>
+            <a:pPr>
+              <a:buNone/>
+            </a:pPr>
+            <a:endParaRPr lang="en-US" sz="3600" b="1" dirty="0"/>
+          </a:p>
+          <a:p>
+            <a:pPr>
+              <a:buNone/>
+            </a:pPr>
+            <a:endParaRPr lang="en-US" sz="3600" b="1" dirty="0"/>
+          </a:p>
+          <a:p>
+            <a:pPr>
+              <a:buNone/>
+            </a:pPr>
+            <a:endParaRPr lang="en-US" sz="3600" b="1" dirty="0"/>
+          </a:p>
+          <a:p>
+            <a:pPr>
+              <a:buNone/>
+            </a:pPr>
+            <a:endParaRPr lang="en-US" sz="3600" b="1" dirty="0"/>
+          </a:p>
+          <a:p>
+            <a:pPr>
+              <a:buNone/>
+            </a:pPr>
+            <a:endParaRPr lang="en-US" sz="3600" b="1" dirty="0"/>
+          </a:p>
+          <a:p>
+            <a:pPr>
+              <a:buNone/>
+            </a:pPr>
+            <a:endParaRPr lang="en-US" sz="3600" b="1" dirty="0"/>
+          </a:p>
+          <a:p>
+            <a:pPr>
+              <a:buNone/>
+            </a:pPr>
+            <a:endParaRPr lang="en-US" sz="3600" b="1" dirty="0"/>
+          </a:p>
+          <a:p>
+            <a:pPr>
+              <a:buNone/>
+            </a:pPr>
+            <a:endParaRPr lang="en-US" sz="3600" b="1" dirty="0"/>
+          </a:p>
+          <a:p>
+            <a:pPr marL="346075">
+              <a:buNone/>
+            </a:pPr>
+            <a:r>
+              <a:rPr lang="en-US" sz="3600" b="1" dirty="0">
+                <a:latin typeface="Klavika Light" panose="020B0506040000020004" pitchFamily="34" charset="0"/>
+              </a:rPr>
+              <a:t>Intercept</a:t>
+            </a:r>
+          </a:p>
+          <a:p>
+            <a:pPr marL="803275" lvl="1"/>
             <a:r>
               <a:rPr lang="en-US" sz="3600" dirty="0">
                 <a:latin typeface="Klavika Light" panose="020B0506040000020004" pitchFamily="34" charset="0"/>
               </a:rPr>
-              <a:t>The intercept shows a student that has no job, no extra curriculars, present every day, and no study hours each week earn a 77.84% on average, with SD of 0.31%</a:t>
-            </a:r>
-          </a:p>
-          <a:p>
-            <a:pPr marL="342900"/>
-            <a:endParaRPr lang="en-US" sz="2000" dirty="0">
+              <a:t>	A student with no job, no extracurriculars, zero absences, and no study hours per week is expected to earn an average grade of 77.84% (SD = 0.31%).</a:t>
+            </a:r>
+          </a:p>
+          <a:p>
+            <a:pPr marL="346075">
+              <a:buNone/>
+            </a:pPr>
+            <a:endParaRPr lang="en-US" sz="2400" dirty="0">
               <a:latin typeface="Klavika Light" panose="020B0506040000020004" pitchFamily="34" charset="0"/>
             </a:endParaRPr>
           </a:p>
           <a:p>
-            <a:pPr marL="342900"/>
+            <a:pPr marL="346075">
+              <a:buNone/>
+            </a:pPr>
+            <a:r>
+              <a:rPr lang="en-US" sz="3600" b="1" dirty="0">
+                <a:latin typeface="Klavika Light" panose="020B0506040000020004" pitchFamily="34" charset="0"/>
+              </a:rPr>
+              <a:t>Part-Time Job</a:t>
+            </a:r>
+          </a:p>
+          <a:p>
+            <a:pPr marL="346075">
+              <a:buNone/>
+            </a:pPr>
             <a:r>
               <a:rPr lang="en-US" sz="3600" dirty="0">
                 <a:latin typeface="Klavika Light" panose="020B0506040000020004" pitchFamily="34" charset="0"/>
               </a:rPr>
-              <a:t>Students with a part time job are expected to have an average grade difference of -1.27% points on the estimated average grade, with a SD of 0.33%. </a:t>
-            </a:r>
-            <a:r>
-              <a:rPr lang="en-US" sz="3600" dirty="0">
-                <a:latin typeface="Klavika Light" panose="020B0506040000020004"/>
+              <a:t>		Students with a part-time job earn 1.27% lower grades on average (SD = 	0.33%). 95% CI: [-1.91, -0.63] → </a:t>
+            </a:r>
+            <a:r>
+              <a:rPr lang="en-US" sz="3600" b="1" dirty="0">
+                <a:latin typeface="Klavika Light" panose="020B0506040000020004" pitchFamily="34" charset="0"/>
               </a:rPr>
-              <a:t>The 95% credible interval is [-1.91, -0.63], suggesting a meaningful negative association.</a:t>
-            </a:r>
-          </a:p>
-          <a:p>
-            <a:pPr marL="342900"/>
-            <a:endParaRPr lang="en-US" sz="2000" dirty="0">
+              <a:t>Negative association</a:t>
+            </a:r>
+          </a:p>
+          <a:p>
+            <a:pPr marL="346075">
+              <a:buNone/>
+            </a:pPr>
+            <a:endParaRPr lang="en-US" sz="2400" dirty="0">
               <a:latin typeface="Klavika Light" panose="020B0506040000020004" pitchFamily="34" charset="0"/>
             </a:endParaRPr>
           </a:p>
           <a:p>
-            <a:pPr marL="342900"/>
+            <a:pPr marL="346075">
+              <a:buNone/>
+            </a:pPr>
+            <a:r>
+              <a:rPr lang="en-US" sz="3600" b="1" dirty="0">
+                <a:latin typeface="Klavika Light" panose="020B0506040000020004" pitchFamily="34" charset="0"/>
+              </a:rPr>
+              <a:t>Absent Days</a:t>
+            </a:r>
+          </a:p>
+          <a:p>
+            <a:pPr marL="346075">
+              <a:buNone/>
+            </a:pPr>
             <a:r>
               <a:rPr lang="en-US" sz="3600" dirty="0">
                 <a:latin typeface="Klavika Light" panose="020B0506040000020004" pitchFamily="34" charset="0"/>
               </a:rPr>
-              <a:t>Each day a student is absent their grade is expected to change by -0.20% per day they are absent, with a SD of 0.05%. </a:t>
-            </a:r>
-            <a:r>
-              <a:rPr lang="en-US" sz="3600" dirty="0">
-                <a:latin typeface="Klavika Light" panose="020B0506040000020004"/>
-              </a:rPr>
-              <a:t>The 95% credible interval is [-0.29, -0.10], indicating a likely negative effect.</a:t>
-            </a:r>
-          </a:p>
-          <a:p>
-            <a:pPr marL="342900"/>
-            <a:endParaRPr lang="en-US" sz="2000" dirty="0">
-              <a:latin typeface="Klavika Light" panose="020B0506040000020004" pitchFamily="34" charset="0"/>
-            </a:endParaRPr>
-          </a:p>
-          <a:p>
-            <a:pPr marL="342900"/>
+              <a:t>		Each day absent leads to a 0.20% drop in grade (SD = 0.05%).</a:t>
+            </a:r>
+          </a:p>
+          <a:p>
+            <a:pPr marL="346075">
+              <a:buNone/>
+            </a:pPr>
             <a:r>
               <a:rPr lang="en-US" sz="3600" dirty="0">
                 <a:latin typeface="Klavika Light" panose="020B0506040000020004" pitchFamily="34" charset="0"/>
               </a:rPr>
-              <a:t>Students who participate in extra curricular activities show an average difference of -0.09% points with a SD of 0.29%. The 95% credible interval is [-0.65, 0.48], which includes 0, suggesting the effect is uncertain.</a:t>
-            </a:r>
-          </a:p>
-          <a:p>
-            <a:pPr marL="342900"/>
-            <a:endParaRPr lang="en-US" sz="2000" dirty="0">
+              <a:t>		95% CI: [-0.29, -0.10] → </a:t>
+            </a:r>
+            <a:r>
+              <a:rPr lang="en-US" sz="3600" b="1" dirty="0">
+                <a:latin typeface="Klavika Light" panose="020B0506040000020004" pitchFamily="34" charset="0"/>
+              </a:rPr>
+              <a:t>Likely negative effect</a:t>
+            </a:r>
+          </a:p>
+          <a:p>
+            <a:pPr marL="346075">
+              <a:buNone/>
+            </a:pPr>
+            <a:endParaRPr lang="en-US" sz="2400" dirty="0">
               <a:latin typeface="Klavika Light" panose="020B0506040000020004" pitchFamily="34" charset="0"/>
             </a:endParaRPr>
           </a:p>
           <a:p>
-            <a:pPr marL="342900"/>
+            <a:pPr marL="346075">
+              <a:buNone/>
+            </a:pPr>
+            <a:r>
+              <a:rPr lang="en-US" sz="3600" b="1" dirty="0">
+                <a:latin typeface="Klavika Light" panose="020B0506040000020004" pitchFamily="34" charset="0"/>
+              </a:rPr>
+              <a:t>Extracurricular Activities</a:t>
+            </a:r>
+          </a:p>
+          <a:p>
+            <a:pPr marL="346075">
+              <a:buNone/>
+            </a:pPr>
             <a:r>
               <a:rPr lang="en-US" sz="3600" dirty="0">
                 <a:latin typeface="Klavika Light" panose="020B0506040000020004" pitchFamily="34" charset="0"/>
               </a:rPr>
-              <a:t>Each hour per week a student studies shows and average change of 0.23% per hour with a SD of 0.01%. The 95% credible interval is [0.21, 0.25], indicating a strong positive association.</a:t>
-            </a:r>
-            <a:endParaRPr lang="en-US" sz="1000" dirty="0">
+              <a:t>		Associated with a -0.09% difference in grades (SD = 0.29%).</a:t>
+            </a:r>
+          </a:p>
+          <a:p>
+            <a:pPr marL="346075">
+              <a:buNone/>
+            </a:pPr>
+            <a:r>
+              <a:rPr lang="en-US" sz="3600" dirty="0">
+                <a:latin typeface="Klavika Light" panose="020B0506040000020004" pitchFamily="34" charset="0"/>
+              </a:rPr>
+              <a:t>		95% CI: [-0.65, 0.48] → </a:t>
+            </a:r>
+            <a:r>
+              <a:rPr lang="en-US" sz="3600" b="1" dirty="0">
+                <a:latin typeface="Klavika Light" panose="020B0506040000020004" pitchFamily="34" charset="0"/>
+              </a:rPr>
+              <a:t>Uncertain effect </a:t>
+            </a:r>
+            <a:r>
+              <a:rPr lang="en-US" sz="3600" dirty="0">
+                <a:latin typeface="Klavika Light" panose="020B0506040000020004" pitchFamily="34" charset="0"/>
+              </a:rPr>
+              <a:t>(includes 0)</a:t>
+            </a:r>
+          </a:p>
+          <a:p>
+            <a:pPr marL="346075">
+              <a:buNone/>
+            </a:pPr>
+            <a:endParaRPr lang="en-US" sz="2400" dirty="0">
               <a:latin typeface="Klavika Light" panose="020B0506040000020004" pitchFamily="34" charset="0"/>
             </a:endParaRPr>
+          </a:p>
+          <a:p>
+            <a:pPr marL="346075">
+              <a:buNone/>
+            </a:pPr>
+            <a:r>
+              <a:rPr lang="en-US" sz="3600" b="1" dirty="0">
+                <a:latin typeface="Klavika Light" panose="020B0506040000020004" pitchFamily="34" charset="0"/>
+              </a:rPr>
+              <a:t>Weekly Study Hours</a:t>
+            </a:r>
+          </a:p>
+          <a:p>
+            <a:pPr marL="346075">
+              <a:buNone/>
+            </a:pPr>
+            <a:r>
+              <a:rPr lang="en-US" sz="3600" dirty="0">
+                <a:latin typeface="Klavika Light" panose="020B0506040000020004" pitchFamily="34" charset="0"/>
+              </a:rPr>
+              <a:t>		Each additional study hour per week increases grades by 0.23% (SD = 0.01%).</a:t>
+            </a:r>
+          </a:p>
+          <a:p>
+            <a:pPr marL="346075">
+              <a:buNone/>
+            </a:pPr>
+            <a:r>
+              <a:rPr lang="en-US" sz="3600" dirty="0">
+                <a:latin typeface="Klavika Light" panose="020B0506040000020004" pitchFamily="34" charset="0"/>
+              </a:rPr>
+              <a:t>		95% CI: [0.21, 0.25] → </a:t>
+            </a:r>
+            <a:r>
+              <a:rPr lang="en-US" sz="3600" b="1" dirty="0">
+                <a:latin typeface="Klavika Light" panose="020B0506040000020004" pitchFamily="34" charset="0"/>
+              </a:rPr>
+              <a:t>Strong positive effect</a:t>
+            </a:r>
           </a:p>
         </p:txBody>
       </p:sp>
@@ -3752,7 +3865,7 @@
         <p:spPr>
           <a:xfrm>
             <a:off x="16725993" y="35412098"/>
-            <a:ext cx="15819120" cy="7294305"/>
+            <a:ext cx="15819120" cy="7540526"/>
           </a:xfrm>
           <a:prstGeom prst="rect">
             <a:avLst/>
@@ -3772,54 +3885,94 @@
           </a:bodyPr>
           <a:lstStyle/>
           <a:p>
-            <a:pPr marL="342900"/>
-            <a:endParaRPr lang="en-US" sz="3200" dirty="0"/>
-          </a:p>
-          <a:p>
-            <a:endParaRPr lang="en-US" sz="3200" dirty="0"/>
-          </a:p>
-          <a:p>
-            <a:r>
-              <a:rPr lang="en-US" sz="3200" dirty="0"/>
-              <a:t>The largest indicator for a student's grade from our project is the weekly self study hours. With an average increase of .23% increase in their grade per hour studied each week. </a:t>
-            </a:r>
-          </a:p>
-          <a:p>
-            <a:endParaRPr lang="en-US" sz="3200" dirty="0"/>
-          </a:p>
-          <a:p>
-            <a:r>
-              <a:rPr lang="en-US" sz="3200" dirty="0"/>
-              <a:t>The next most important indicator is the absence days, which shows an average of .20% per day the student miss class.</a:t>
-            </a:r>
-          </a:p>
-          <a:p>
-            <a:endParaRPr lang="en-US" sz="3200" dirty="0"/>
-          </a:p>
-          <a:p>
-            <a:r>
-              <a:rPr lang="en-US" sz="3200" dirty="0"/>
-              <a:t>The part time job indicator shows a minor impact of -1.27% on a student's grade if they have a part time job</a:t>
-            </a:r>
-          </a:p>
-          <a:p>
-            <a:endParaRPr lang="en-US" sz="3200" dirty="0"/>
-          </a:p>
-          <a:p>
-            <a:r>
-              <a:rPr lang="en-US" sz="3200" dirty="0"/>
-              <a:t>The least impactful indicator was extracurricular activities only showing an average change of -0.09%, which is smaller than its’ standard deviation.</a:t>
-            </a:r>
-          </a:p>
-          <a:p>
-            <a:endParaRPr lang="en-US" sz="3200" dirty="0"/>
-          </a:p>
-          <a:p>
-            <a:endParaRPr lang="en-US" sz="1000" dirty="0"/>
-          </a:p>
-          <a:p>
-            <a:pPr marL="342900"/>
-            <a:endParaRPr lang="en-US" sz="1000" dirty="0"/>
+            <a:pPr marL="346075"/>
+            <a:endParaRPr lang="en-US" sz="3600" dirty="0">
+              <a:latin typeface="Klavika Light" panose="020B0506040000020004" pitchFamily="34" charset="0"/>
+            </a:endParaRPr>
+          </a:p>
+          <a:p>
+            <a:pPr marL="346075"/>
+            <a:endParaRPr lang="en-US" sz="3600" dirty="0">
+              <a:latin typeface="Klavika Light" panose="020B0506040000020004" pitchFamily="34" charset="0"/>
+            </a:endParaRPr>
+          </a:p>
+          <a:p>
+            <a:pPr marL="346075"/>
+            <a:r>
+              <a:rPr lang="en-US" sz="3600" b="1" dirty="0">
+                <a:latin typeface="Klavika Light" panose="020B0506040000020004" pitchFamily="34" charset="0"/>
+              </a:rPr>
+              <a:t>The most important indicator </a:t>
+            </a:r>
+            <a:r>
+              <a:rPr lang="en-US" sz="3600" dirty="0">
+                <a:latin typeface="Klavika Light" panose="020B0506040000020004" pitchFamily="34" charset="0"/>
+              </a:rPr>
+              <a:t>on student grades was weekly self study hours. With an average increase of .23% increase in their grade per hour studied each week. </a:t>
+            </a:r>
+          </a:p>
+          <a:p>
+            <a:pPr marL="346075"/>
+            <a:endParaRPr lang="en-US" sz="2400" dirty="0">
+              <a:latin typeface="Klavika Light" panose="020B0506040000020004" pitchFamily="34" charset="0"/>
+            </a:endParaRPr>
+          </a:p>
+          <a:p>
+            <a:pPr marL="346075"/>
+            <a:r>
+              <a:rPr lang="en-US" sz="3600" b="1" dirty="0">
+                <a:latin typeface="Klavika Light" panose="020B0506040000020004" pitchFamily="34" charset="0"/>
+              </a:rPr>
+              <a:t>The second strongest indicator </a:t>
+            </a:r>
+            <a:r>
+              <a:rPr lang="en-US" sz="3600" dirty="0">
+                <a:latin typeface="Klavika Light" panose="020B0506040000020004" pitchFamily="34" charset="0"/>
+              </a:rPr>
+              <a:t>was absence days, showing an average of .20% per day the student miss class.</a:t>
+            </a:r>
+          </a:p>
+          <a:p>
+            <a:pPr marL="346075"/>
+            <a:endParaRPr lang="en-US" sz="2400" dirty="0">
+              <a:latin typeface="Klavika Light" panose="020B0506040000020004" pitchFamily="34" charset="0"/>
+            </a:endParaRPr>
+          </a:p>
+          <a:p>
+            <a:pPr marL="346075"/>
+            <a:r>
+              <a:rPr lang="en-US" sz="3600" b="1" dirty="0">
+                <a:latin typeface="Klavika Light" panose="020B0506040000020004" pitchFamily="34" charset="0"/>
+              </a:rPr>
+              <a:t>The part time job indicator </a:t>
+            </a:r>
+            <a:r>
+              <a:rPr lang="en-US" sz="3600" dirty="0">
+                <a:latin typeface="Klavika Light" panose="020B0506040000020004" pitchFamily="34" charset="0"/>
+              </a:rPr>
+              <a:t>shows a minor impact of -1.27% on a student's grade if they have a part time job.</a:t>
+            </a:r>
+          </a:p>
+          <a:p>
+            <a:pPr marL="346075"/>
+            <a:endParaRPr lang="en-US" sz="2400" dirty="0">
+              <a:latin typeface="Klavika Light" panose="020B0506040000020004" pitchFamily="34" charset="0"/>
+            </a:endParaRPr>
+          </a:p>
+          <a:p>
+            <a:pPr marL="346075"/>
+            <a:r>
+              <a:rPr lang="en-US" sz="3600" b="1" dirty="0">
+                <a:latin typeface="Klavika Light" panose="020B0506040000020004" pitchFamily="34" charset="0"/>
+              </a:rPr>
+              <a:t>The least impactful indicator </a:t>
+            </a:r>
+            <a:r>
+              <a:rPr lang="en-US" sz="3600" dirty="0">
+                <a:latin typeface="Klavika Light" panose="020B0506040000020004" pitchFamily="34" charset="0"/>
+              </a:rPr>
+              <a:t>was extracurricular activities only showing an average change of -0.09%, which is smaller than its’ standard deviation.</a:t>
+            </a:r>
           </a:p>
         </p:txBody>
       </p:sp>
@@ -3838,7 +3991,7 @@
             <a:avLst/>
           </a:prstGeom>
           <a:solidFill>
-            <a:srgbClr val="B7CCEB"/>
+            <a:srgbClr val="002060"/>
           </a:solidFill>
           <a:ln>
             <a:noFill/>
@@ -3878,7 +4031,7 @@
             <a:avLst/>
           </a:prstGeom>
           <a:solidFill>
-            <a:srgbClr val="B7CCEB"/>
+            <a:srgbClr val="002060"/>
           </a:solidFill>
           <a:ln>
             <a:noFill/>
@@ -3918,7 +4071,7 @@
             <a:avLst/>
           </a:prstGeom>
           <a:solidFill>
-            <a:srgbClr val="B7CCEB"/>
+            <a:srgbClr val="002060"/>
           </a:solidFill>
           <a:ln>
             <a:noFill/>
@@ -3958,7 +4111,7 @@
             <a:avLst/>
           </a:prstGeom>
           <a:solidFill>
-            <a:srgbClr val="B7CCEB"/>
+            <a:srgbClr val="002060"/>
           </a:solidFill>
           <a:ln>
             <a:noFill/>
@@ -3998,7 +4151,7 @@
             <a:avLst/>
           </a:prstGeom>
           <a:solidFill>
-            <a:srgbClr val="B7CCEB"/>
+            <a:srgbClr val="002060"/>
           </a:solidFill>
           <a:ln>
             <a:noFill/>
@@ -4110,7 +4263,7 @@
         <p:spPr>
           <a:xfrm>
             <a:off x="300789" y="20146515"/>
-            <a:ext cx="15819120" cy="3857466"/>
+            <a:ext cx="15819120" cy="4283224"/>
           </a:xfrm>
           <a:prstGeom prst="rect">
             <a:avLst/>
@@ -4128,14 +4281,27 @@
           <a:bodyPr wrap="square" rtlCol="0">
             <a:spAutoFit/>
           </a:bodyPr>
-          <a:lstStyle/>
+          <a:lstStyle>
+            <a:defPPr>
+              <a:defRPr lang="en-US"/>
+            </a:defPPr>
+            <a:lvl1pPr>
+              <a:buNone/>
+              <a:defRPr sz="3600" b="1"/>
+            </a:lvl1pPr>
+            <a:lvl2pPr marL="803275" lvl="1">
+              <a:defRPr sz="3600">
+                <a:latin typeface="Klavika Light" panose="020B0506040000020004" pitchFamily="34" charset="0"/>
+              </a:defRPr>
+            </a:lvl2pPr>
+          </a:lstStyle>
           <a:p>
             <a:pPr marL="342900">
               <a:spcAft>
                 <a:spcPts val="200"/>
               </a:spcAft>
             </a:pPr>
-            <a:endParaRPr lang="en-US" sz="4800" b="1" dirty="0">
+            <a:endParaRPr lang="en-US" dirty="0">
               <a:solidFill>
                 <a:srgbClr val="000000"/>
               </a:solidFill>
@@ -4149,15 +4315,31 @@
               </a:spcAft>
             </a:pPr>
             <a:r>
-              <a:rPr lang="en-US" sz="3600" dirty="0">
+              <a:rPr lang="en-US" dirty="0">
                 <a:solidFill>
                   <a:srgbClr val="000000"/>
                 </a:solidFill>
                 <a:latin typeface="Calibri" panose="020F0502020204030204" pitchFamily="34" charset="0"/>
               </a:rPr>
-              <a:t>Block Gibbs Sampler –It handles more complex models with lots of predictor variables.</a:t>
-            </a:r>
-            <a:endParaRPr lang="en-US" sz="3600" b="1" dirty="0">
+              <a:t>Block Gibbs Sampler – </a:t>
+            </a:r>
+            <a:r>
+              <a:rPr lang="en-US" b="0" dirty="0">
+                <a:solidFill>
+                  <a:srgbClr val="000000"/>
+                </a:solidFill>
+                <a:latin typeface="Calibri" panose="020F0502020204030204" pitchFamily="34" charset="0"/>
+              </a:rPr>
+              <a:t>Handles complex models with many predictor variables.</a:t>
+            </a:r>
+          </a:p>
+          <a:p>
+            <a:pPr marL="342900">
+              <a:spcAft>
+                <a:spcPts val="200"/>
+              </a:spcAft>
+            </a:pPr>
+            <a:endParaRPr lang="en-US" sz="2400" b="0" dirty="0">
               <a:solidFill>
                 <a:srgbClr val="000000"/>
               </a:solidFill>
@@ -4171,22 +4353,31 @@
               </a:spcAft>
             </a:pPr>
             <a:r>
-              <a:rPr lang="en-US" sz="3600" dirty="0" err="1">
+              <a:rPr lang="en-US" dirty="0" err="1">
                 <a:solidFill>
                   <a:srgbClr val="000000"/>
                 </a:solidFill>
                 <a:latin typeface="Calibri" panose="020F0502020204030204" pitchFamily="34" charset="0"/>
               </a:rPr>
-              <a:t>Rstanarm</a:t>
-            </a:r>
-            <a:r>
-              <a:rPr lang="en-US" sz="3600" dirty="0">
+              <a:t>RStanarm</a:t>
+            </a:r>
+            <a:r>
+              <a:rPr lang="en-US" dirty="0">
                 <a:solidFill>
                   <a:srgbClr val="000000"/>
                 </a:solidFill>
                 <a:latin typeface="Calibri" panose="020F0502020204030204" pitchFamily="34" charset="0"/>
               </a:rPr>
-              <a:t> – Assumes distributions from the data, does not need to be given the prior distributions explicitly.</a:t>
+              <a:t> – </a:t>
+            </a:r>
+            <a:r>
+              <a:rPr lang="en-US" b="0" dirty="0">
+                <a:solidFill>
+                  <a:srgbClr val="000000"/>
+                </a:solidFill>
+                <a:latin typeface="Calibri" panose="020F0502020204030204" pitchFamily="34" charset="0"/>
+              </a:rPr>
+              <a:t>Assumes distributions from the data; no need to specify them manually.</a:t>
             </a:r>
           </a:p>
           <a:p>
@@ -4195,23 +4386,28 @@
                 <a:spcPts val="200"/>
               </a:spcAft>
             </a:pPr>
-            <a:r>
-              <a:rPr lang="en-US" sz="3600" dirty="0">
+            <a:endParaRPr lang="en-US" sz="2400" b="0" dirty="0">
+              <a:solidFill>
+                <a:srgbClr val="000000"/>
+              </a:solidFill>
+              <a:latin typeface="Calibri" panose="020F0502020204030204" pitchFamily="34" charset="0"/>
+            </a:endParaRPr>
+          </a:p>
+          <a:p>
+            <a:pPr marL="342900">
+              <a:spcAft>
+                <a:spcPts val="200"/>
+              </a:spcAft>
+            </a:pPr>
+            <a:r>
+              <a:rPr lang="en-US" b="0" dirty="0">
                 <a:solidFill>
                   <a:srgbClr val="000000"/>
                 </a:solidFill>
                 <a:latin typeface="Calibri" panose="020F0502020204030204" pitchFamily="34" charset="0"/>
               </a:rPr>
-              <a:t>*We used both models to compare results (although they were very similar).</a:t>
-            </a:r>
-          </a:p>
-          <a:p>
-            <a:pPr marL="342900">
-              <a:spcAft>
-                <a:spcPts val="200"/>
-              </a:spcAft>
-            </a:pPr>
-            <a:endParaRPr lang="en-US" sz="1000" dirty="0"/>
+              <a:t>Both models were used to compare outcomes, which were highly consistent across methods.</a:t>
+            </a:r>
           </a:p>
         </p:txBody>
       </p:sp>
@@ -4236,7 +4432,7 @@
             <a:avLst/>
           </a:prstGeom>
           <a:solidFill>
-            <a:srgbClr val="B7CCEB"/>
+            <a:srgbClr val="002060"/>
           </a:solidFill>
           <a:ln>
             <a:noFill/>
@@ -6034,7 +6230,7 @@
             <a:avLst/>
           </a:prstGeom>
           <a:solidFill>
-            <a:srgbClr val="B7CCEB"/>
+            <a:srgbClr val="002060"/>
           </a:solidFill>
           <a:ln>
             <a:noFill/>
